--- a/Præsentation.pptx
+++ b/Præsentation.pptx
@@ -311,7 +311,7 @@
             <a:pPr algn="r">
               <a:buNone/>
             </a:pPr>
-            <a:fld id="{E2E103AD-424A-47AB-952F-A7B84D57F7B9}" type="slidenum">
+            <a:fld id="{3F45F31D-B202-4127-9156-AF1D349CF553}" type="slidenum">
               <a:rPr b="0" lang="en-DK" sz="1400" spc="-1" strike="noStrike">
                 <a:latin typeface="Times New Roman"/>
               </a:rPr>
@@ -348,7 +348,7 @@
       </p:grpSpPr>
       <p:sp>
         <p:nvSpPr>
-          <p:cNvPr id="472" name="PlaceHolder 1"/>
+          <p:cNvPr id="478" name="PlaceHolder 1"/>
           <p:cNvSpPr>
             <a:spLocks noGrp="1"/>
           </p:cNvSpPr>
@@ -359,19 +359,19 @@
         <p:spPr>
           <a:xfrm>
             <a:off x="92160" y="744480"/>
-            <a:ext cx="6612480" cy="3721680"/>
-          </a:xfrm>
-          <a:prstGeom prst="rect">
-            <a:avLst/>
-          </a:prstGeom>
-          <a:ln w="0">
-            <a:noFill/>
-          </a:ln>
-        </p:spPr>
-      </p:sp>
-      <p:sp>
-        <p:nvSpPr>
-          <p:cNvPr id="473" name="PlaceHolder 2"/>
+            <a:ext cx="6612120" cy="3721320"/>
+          </a:xfrm>
+          <a:prstGeom prst="rect">
+            <a:avLst/>
+          </a:prstGeom>
+          <a:ln w="0">
+            <a:noFill/>
+          </a:ln>
+        </p:spPr>
+      </p:sp>
+      <p:sp>
+        <p:nvSpPr>
+          <p:cNvPr id="479" name="PlaceHolder 2"/>
           <p:cNvSpPr>
             <a:spLocks noGrp="1"/>
           </p:cNvSpPr>
@@ -382,7 +382,7 @@
         <p:spPr>
           <a:xfrm>
             <a:off x="679680" y="4715280"/>
-            <a:ext cx="5436720" cy="4465440"/>
+            <a:ext cx="5436360" cy="4465080"/>
           </a:xfrm>
           <a:prstGeom prst="rect">
             <a:avLst/>
@@ -405,7 +405,7 @@
       </p:sp>
       <p:sp>
         <p:nvSpPr>
-          <p:cNvPr id="474" name="PlaceHolder 3"/>
+          <p:cNvPr id="480" name="PlaceHolder 3"/>
           <p:cNvSpPr>
             <a:spLocks noGrp="1"/>
           </p:cNvSpPr>
@@ -416,7 +416,7 @@
         <p:spPr>
           <a:xfrm>
             <a:off x="3850560" y="9428760"/>
-            <a:ext cx="2944080" cy="495000"/>
+            <a:ext cx="2943720" cy="494640"/>
           </a:xfrm>
           <a:prstGeom prst="rect">
             <a:avLst/>
@@ -437,7 +437,7 @@
               </a:lnSpc>
               <a:buNone/>
             </a:pPr>
-            <a:fld id="{E683BE39-A983-4432-869F-45E201DF595E}" type="slidenum">
+            <a:fld id="{1444FB72-6B41-4C12-94C7-BDD37ED40906}" type="slidenum">
               <a:rPr b="0" lang="en-GB" sz="1200" spc="-1" strike="noStrike">
                 <a:solidFill>
                   <a:srgbClr val="000000"/>
@@ -477,7 +477,7 @@
       </p:grpSpPr>
       <p:sp>
         <p:nvSpPr>
-          <p:cNvPr id="475" name="PlaceHolder 1"/>
+          <p:cNvPr id="481" name="PlaceHolder 1"/>
           <p:cNvSpPr>
             <a:spLocks noGrp="1"/>
           </p:cNvSpPr>
@@ -488,19 +488,19 @@
         <p:spPr>
           <a:xfrm>
             <a:off x="92160" y="744480"/>
-            <a:ext cx="6612480" cy="3721680"/>
-          </a:xfrm>
-          <a:prstGeom prst="rect">
-            <a:avLst/>
-          </a:prstGeom>
-          <a:ln w="0">
-            <a:noFill/>
-          </a:ln>
-        </p:spPr>
-      </p:sp>
-      <p:sp>
-        <p:nvSpPr>
-          <p:cNvPr id="476" name="PlaceHolder 2"/>
+            <a:ext cx="6612120" cy="3721320"/>
+          </a:xfrm>
+          <a:prstGeom prst="rect">
+            <a:avLst/>
+          </a:prstGeom>
+          <a:ln w="0">
+            <a:noFill/>
+          </a:ln>
+        </p:spPr>
+      </p:sp>
+      <p:sp>
+        <p:nvSpPr>
+          <p:cNvPr id="482" name="PlaceHolder 2"/>
           <p:cNvSpPr>
             <a:spLocks noGrp="1"/>
           </p:cNvSpPr>
@@ -511,7 +511,7 @@
         <p:spPr>
           <a:xfrm>
             <a:off x="679680" y="4715280"/>
-            <a:ext cx="5436720" cy="4465440"/>
+            <a:ext cx="5436360" cy="4465080"/>
           </a:xfrm>
           <a:prstGeom prst="rect">
             <a:avLst/>
@@ -534,7 +534,7 @@
       </p:sp>
       <p:sp>
         <p:nvSpPr>
-          <p:cNvPr id="477" name="PlaceHolder 3"/>
+          <p:cNvPr id="483" name="PlaceHolder 3"/>
           <p:cNvSpPr>
             <a:spLocks noGrp="1"/>
           </p:cNvSpPr>
@@ -545,7 +545,7 @@
         <p:spPr>
           <a:xfrm>
             <a:off x="3850560" y="9428760"/>
-            <a:ext cx="2944080" cy="495000"/>
+            <a:ext cx="2943720" cy="494640"/>
           </a:xfrm>
           <a:prstGeom prst="rect">
             <a:avLst/>
@@ -566,7 +566,7 @@
               </a:lnSpc>
               <a:buNone/>
             </a:pPr>
-            <a:fld id="{F95725CB-5096-4331-BE7D-79F1F4454C9F}" type="slidenum">
+            <a:fld id="{662D3441-D253-4AB3-A102-8E82E121035C}" type="slidenum">
               <a:rPr b="0" lang="en-GB" sz="1200" spc="-1" strike="noStrike">
                 <a:solidFill>
                   <a:srgbClr val="000000"/>
@@ -606,7 +606,7 @@
       </p:grpSpPr>
       <p:sp>
         <p:nvSpPr>
-          <p:cNvPr id="478" name="PlaceHolder 1"/>
+          <p:cNvPr id="484" name="PlaceHolder 1"/>
           <p:cNvSpPr>
             <a:spLocks noGrp="1"/>
           </p:cNvSpPr>
@@ -617,19 +617,19 @@
         <p:spPr>
           <a:xfrm>
             <a:off x="92160" y="744480"/>
-            <a:ext cx="6612480" cy="3721680"/>
-          </a:xfrm>
-          <a:prstGeom prst="rect">
-            <a:avLst/>
-          </a:prstGeom>
-          <a:ln w="0">
-            <a:noFill/>
-          </a:ln>
-        </p:spPr>
-      </p:sp>
-      <p:sp>
-        <p:nvSpPr>
-          <p:cNvPr id="479" name="PlaceHolder 2"/>
+            <a:ext cx="6612120" cy="3721320"/>
+          </a:xfrm>
+          <a:prstGeom prst="rect">
+            <a:avLst/>
+          </a:prstGeom>
+          <a:ln w="0">
+            <a:noFill/>
+          </a:ln>
+        </p:spPr>
+      </p:sp>
+      <p:sp>
+        <p:nvSpPr>
+          <p:cNvPr id="485" name="PlaceHolder 2"/>
           <p:cNvSpPr>
             <a:spLocks noGrp="1"/>
           </p:cNvSpPr>
@@ -640,7 +640,7 @@
         <p:spPr>
           <a:xfrm>
             <a:off x="679680" y="4715280"/>
-            <a:ext cx="5436720" cy="4465440"/>
+            <a:ext cx="5436360" cy="4465080"/>
           </a:xfrm>
           <a:prstGeom prst="rect">
             <a:avLst/>
@@ -663,7 +663,7 @@
       </p:sp>
       <p:sp>
         <p:nvSpPr>
-          <p:cNvPr id="480" name="PlaceHolder 3"/>
+          <p:cNvPr id="486" name="PlaceHolder 3"/>
           <p:cNvSpPr>
             <a:spLocks noGrp="1"/>
           </p:cNvSpPr>
@@ -674,7 +674,7 @@
         <p:spPr>
           <a:xfrm>
             <a:off x="3850560" y="9428760"/>
-            <a:ext cx="2944080" cy="495000"/>
+            <a:ext cx="2943720" cy="494640"/>
           </a:xfrm>
           <a:prstGeom prst="rect">
             <a:avLst/>
@@ -695,7 +695,7 @@
               </a:lnSpc>
               <a:buNone/>
             </a:pPr>
-            <a:fld id="{A598DFBA-ACEE-4E35-B1C7-F60A4B3C3859}" type="slidenum">
+            <a:fld id="{29A9242C-1727-4A0A-97E0-A5392CED05C7}" type="slidenum">
               <a:rPr b="0" lang="en-GB" sz="1200" spc="-1" strike="noStrike">
                 <a:solidFill>
                   <a:srgbClr val="000000"/>
@@ -9893,7 +9893,7 @@
         <p:spPr>
           <a:xfrm>
             <a:off x="10206000" y="5999040"/>
-            <a:ext cx="1665720" cy="556920"/>
+            <a:ext cx="1665360" cy="556560"/>
           </a:xfrm>
           <a:prstGeom prst="rect">
             <a:avLst/>
@@ -9919,7 +9919,7 @@
         <p:spPr>
           <a:xfrm>
             <a:off x="989280" y="1663200"/>
-            <a:ext cx="646920" cy="46800"/>
+            <a:ext cx="646560" cy="46440"/>
           </a:xfrm>
           <a:prstGeom prst="rect">
             <a:avLst/>
@@ -9987,7 +9987,7 @@
         <p:spPr>
           <a:xfrm>
             <a:off x="3691440" y="5997600"/>
-            <a:ext cx="2270880" cy="442800"/>
+            <a:ext cx="2270520" cy="442800"/>
           </a:xfrm>
           <a:prstGeom prst="rect">
             <a:avLst/>
@@ -10039,7 +10039,7 @@
         <p:spPr>
           <a:xfrm>
             <a:off x="6239880" y="5997600"/>
-            <a:ext cx="2981160" cy="442800"/>
+            <a:ext cx="2980800" cy="442800"/>
           </a:xfrm>
           <a:prstGeom prst="rect">
             <a:avLst/>
@@ -10091,7 +10091,7 @@
         <p:spPr>
           <a:xfrm>
             <a:off x="3691440" y="5997600"/>
-            <a:ext cx="2270880" cy="576000"/>
+            <a:ext cx="2270520" cy="576000"/>
           </a:xfrm>
           <a:prstGeom prst="rect">
             <a:avLst/>
@@ -10143,7 +10143,7 @@
         <p:spPr>
           <a:xfrm>
             <a:off x="6239880" y="5997600"/>
-            <a:ext cx="2981160" cy="576000"/>
+            <a:ext cx="2980800" cy="576000"/>
           </a:xfrm>
           <a:prstGeom prst="rect">
             <a:avLst/>
@@ -10199,7 +10199,7 @@
         <p:spPr>
           <a:xfrm>
             <a:off x="302400" y="5999040"/>
-            <a:ext cx="556560" cy="556920"/>
+            <a:ext cx="556200" cy="556560"/>
           </a:xfrm>
           <a:prstGeom prst="rect">
             <a:avLst/>
@@ -10222,7 +10222,7 @@
         <p:spPr>
           <a:xfrm>
             <a:off x="6073200" y="5997600"/>
-            <a:ext cx="70560" cy="556920"/>
+            <a:ext cx="70200" cy="556560"/>
           </a:xfrm>
           <a:prstGeom prst="rect">
             <a:avLst/>
@@ -10241,7 +10241,7 @@
         <p:spPr>
           <a:xfrm>
             <a:off x="972000" y="5997600"/>
-            <a:ext cx="2349000" cy="675360"/>
+            <a:ext cx="2348640" cy="675000"/>
           </a:xfrm>
           <a:prstGeom prst="rect">
             <a:avLst/>
@@ -10267,7 +10267,7 @@
         <p:spPr>
           <a:xfrm>
             <a:off x="972000" y="5997600"/>
-            <a:ext cx="360" cy="450000"/>
+            <a:ext cx="360" cy="449640"/>
           </a:xfrm>
           <a:prstGeom prst="rect">
             <a:avLst/>
@@ -10297,7 +10297,7 @@
         <p:spPr>
           <a:xfrm>
             <a:off x="0" y="0"/>
-            <a:ext cx="12187800" cy="6856920"/>
+            <a:ext cx="12187440" cy="6856560"/>
           </a:xfrm>
           <a:prstGeom prst="rect">
             <a:avLst/>
@@ -10316,7 +10316,7 @@
         <p:spPr>
           <a:xfrm>
             <a:off x="-1973520" y="3082680"/>
-            <a:ext cx="1824840" cy="304200"/>
+            <a:ext cx="1824480" cy="304200"/>
           </a:xfrm>
           <a:prstGeom prst="rect">
             <a:avLst/>
@@ -10389,7 +10389,7 @@
         <p:spPr>
           <a:xfrm>
             <a:off x="972000" y="5997600"/>
-            <a:ext cx="2349000" cy="675360"/>
+            <a:ext cx="2348640" cy="675000"/>
           </a:xfrm>
           <a:prstGeom prst="rect">
             <a:avLst/>
@@ -10415,7 +10415,7 @@
         <p:spPr>
           <a:xfrm>
             <a:off x="3691440" y="5997600"/>
-            <a:ext cx="2270880" cy="576000"/>
+            <a:ext cx="2270520" cy="576000"/>
           </a:xfrm>
           <a:prstGeom prst="rect">
             <a:avLst/>
@@ -10467,7 +10467,7 @@
         <p:spPr>
           <a:xfrm>
             <a:off x="6239880" y="5997600"/>
-            <a:ext cx="2981160" cy="576000"/>
+            <a:ext cx="2980800" cy="576000"/>
           </a:xfrm>
           <a:prstGeom prst="rect">
             <a:avLst/>
@@ -10519,7 +10519,7 @@
         <p:spPr>
           <a:xfrm>
             <a:off x="3691440" y="5997600"/>
-            <a:ext cx="2270880" cy="442800"/>
+            <a:ext cx="2270520" cy="442800"/>
           </a:xfrm>
           <a:prstGeom prst="rect">
             <a:avLst/>
@@ -10571,7 +10571,7 @@
         <p:spPr>
           <a:xfrm>
             <a:off x="6239880" y="5997600"/>
-            <a:ext cx="2981160" cy="442800"/>
+            <a:ext cx="2980800" cy="442800"/>
           </a:xfrm>
           <a:prstGeom prst="rect">
             <a:avLst/>
@@ -10623,7 +10623,7 @@
         <p:spPr>
           <a:xfrm>
             <a:off x="972000" y="5997600"/>
-            <a:ext cx="360" cy="450000"/>
+            <a:ext cx="360" cy="449640"/>
           </a:xfrm>
           <a:prstGeom prst="rect">
             <a:avLst/>
@@ -10653,7 +10653,7 @@
         <p:spPr>
           <a:xfrm>
             <a:off x="302400" y="5997600"/>
-            <a:ext cx="556560" cy="556920"/>
+            <a:ext cx="556200" cy="556560"/>
           </a:xfrm>
           <a:prstGeom prst="rect">
             <a:avLst/>
@@ -10672,7 +10672,7 @@
         <p:spPr>
           <a:xfrm>
             <a:off x="10206000" y="5999040"/>
-            <a:ext cx="1665720" cy="556920"/>
+            <a:ext cx="1665360" cy="556560"/>
           </a:xfrm>
           <a:prstGeom prst="rect">
             <a:avLst/>
@@ -10702,7 +10702,7 @@
         <p:spPr>
           <a:xfrm>
             <a:off x="6073200" y="5997600"/>
-            <a:ext cx="70560" cy="556920"/>
+            <a:ext cx="70200" cy="556560"/>
           </a:xfrm>
           <a:prstGeom prst="rect">
             <a:avLst/>
@@ -10798,7 +10798,13 @@
               <a:rPr b="0" lang="en-DK" sz="3200" spc="-1" strike="noStrike">
                 <a:latin typeface="Arial"/>
               </a:rPr>
-              <a:t>Click to edit the outline text format</a:t>
+              <a:t>Click to edit the outline </a:t>
+            </a:r>
+            <a:r>
+              <a:rPr b="0" lang="en-DK" sz="3200" spc="-1" strike="noStrike">
+                <a:latin typeface="Arial"/>
+              </a:rPr>
+              <a:t>text format</a:t>
             </a:r>
             <a:endParaRPr b="0" lang="en-DK" sz="3200" spc="-1" strike="noStrike">
               <a:latin typeface="Arial"/>
@@ -10930,7 +10936,13 @@
               <a:rPr b="0" lang="en-DK" sz="2000" spc="-1" strike="noStrike">
                 <a:latin typeface="Arial"/>
               </a:rPr>
-              <a:t>Seventh Outline Level</a:t>
+              <a:t>Seventh Outline </a:t>
+            </a:r>
+            <a:r>
+              <a:rPr b="0" lang="en-DK" sz="2000" spc="-1" strike="noStrike">
+                <a:latin typeface="Arial"/>
+              </a:rPr>
+              <a:t>Level</a:t>
             </a:r>
             <a:endParaRPr b="0" lang="en-DK" sz="2000" spc="-1" strike="noStrike">
               <a:latin typeface="Arial"/>
@@ -10991,7 +11003,7 @@
         <p:spPr>
           <a:xfrm>
             <a:off x="10206000" y="5999040"/>
-            <a:ext cx="1665360" cy="556560"/>
+            <a:ext cx="1665000" cy="556200"/>
           </a:xfrm>
           <a:prstGeom prst="rect">
             <a:avLst/>
@@ -11017,7 +11029,7 @@
         <p:spPr>
           <a:xfrm>
             <a:off x="989280" y="1663200"/>
-            <a:ext cx="646560" cy="46440"/>
+            <a:ext cx="646200" cy="46080"/>
           </a:xfrm>
           <a:prstGeom prst="rect">
             <a:avLst/>
@@ -11079,7 +11091,7 @@
         <p:spPr>
           <a:xfrm>
             <a:off x="3691440" y="5997600"/>
-            <a:ext cx="2270520" cy="442800"/>
+            <a:ext cx="2270160" cy="442800"/>
           </a:xfrm>
           <a:prstGeom prst="rect">
             <a:avLst/>
@@ -11131,7 +11143,7 @@
         <p:spPr>
           <a:xfrm>
             <a:off x="6239880" y="5997600"/>
-            <a:ext cx="2980800" cy="442800"/>
+            <a:ext cx="2980440" cy="442800"/>
           </a:xfrm>
           <a:prstGeom prst="rect">
             <a:avLst/>
@@ -11183,7 +11195,7 @@
         <p:spPr>
           <a:xfrm>
             <a:off x="3691440" y="5997600"/>
-            <a:ext cx="2270520" cy="576000"/>
+            <a:ext cx="2270160" cy="576000"/>
           </a:xfrm>
           <a:prstGeom prst="rect">
             <a:avLst/>
@@ -11235,7 +11247,7 @@
         <p:spPr>
           <a:xfrm>
             <a:off x="6239880" y="5997600"/>
-            <a:ext cx="2980800" cy="576000"/>
+            <a:ext cx="2980440" cy="576000"/>
           </a:xfrm>
           <a:prstGeom prst="rect">
             <a:avLst/>
@@ -11291,7 +11303,7 @@
         <p:spPr>
           <a:xfrm>
             <a:off x="302400" y="5999040"/>
-            <a:ext cx="556200" cy="556560"/>
+            <a:ext cx="555840" cy="556200"/>
           </a:xfrm>
           <a:prstGeom prst="rect">
             <a:avLst/>
@@ -11314,7 +11326,7 @@
         <p:spPr>
           <a:xfrm>
             <a:off x="6073200" y="5997600"/>
-            <a:ext cx="70200" cy="556560"/>
+            <a:ext cx="69840" cy="556200"/>
           </a:xfrm>
           <a:prstGeom prst="rect">
             <a:avLst/>
@@ -11333,7 +11345,7 @@
         <p:spPr>
           <a:xfrm>
             <a:off x="972000" y="5997600"/>
-            <a:ext cx="2348640" cy="675000"/>
+            <a:ext cx="2348280" cy="674640"/>
           </a:xfrm>
           <a:prstGeom prst="rect">
             <a:avLst/>
@@ -11359,7 +11371,7 @@
         <p:spPr>
           <a:xfrm>
             <a:off x="972000" y="5997600"/>
-            <a:ext cx="360" cy="449640"/>
+            <a:ext cx="360" cy="449280"/>
           </a:xfrm>
           <a:prstGeom prst="rect">
             <a:avLst/>
@@ -11385,7 +11397,7 @@
         <p:spPr>
           <a:xfrm>
             <a:off x="-1973520" y="340200"/>
-            <a:ext cx="1824480" cy="456480"/>
+            <a:ext cx="1824120" cy="456480"/>
           </a:xfrm>
           <a:prstGeom prst="rect">
             <a:avLst/>
@@ -11749,7 +11761,7 @@
         <p:spPr>
           <a:xfrm>
             <a:off x="10206000" y="5999040"/>
-            <a:ext cx="1665360" cy="556560"/>
+            <a:ext cx="1665000" cy="556200"/>
           </a:xfrm>
           <a:prstGeom prst="rect">
             <a:avLst/>
@@ -11775,7 +11787,7 @@
         <p:spPr>
           <a:xfrm>
             <a:off x="989280" y="1663200"/>
-            <a:ext cx="646560" cy="46440"/>
+            <a:ext cx="646200" cy="46080"/>
           </a:xfrm>
           <a:prstGeom prst="rect">
             <a:avLst/>
@@ -11837,7 +11849,7 @@
         <p:spPr>
           <a:xfrm>
             <a:off x="3691440" y="5997600"/>
-            <a:ext cx="2270520" cy="442800"/>
+            <a:ext cx="2270160" cy="442800"/>
           </a:xfrm>
           <a:prstGeom prst="rect">
             <a:avLst/>
@@ -11889,7 +11901,7 @@
         <p:spPr>
           <a:xfrm>
             <a:off x="6239880" y="5997600"/>
-            <a:ext cx="2980800" cy="442800"/>
+            <a:ext cx="2980440" cy="442800"/>
           </a:xfrm>
           <a:prstGeom prst="rect">
             <a:avLst/>
@@ -11941,7 +11953,7 @@
         <p:spPr>
           <a:xfrm>
             <a:off x="3691440" y="5997600"/>
-            <a:ext cx="2270520" cy="576000"/>
+            <a:ext cx="2270160" cy="576000"/>
           </a:xfrm>
           <a:prstGeom prst="rect">
             <a:avLst/>
@@ -11993,7 +12005,7 @@
         <p:spPr>
           <a:xfrm>
             <a:off x="6239880" y="5997600"/>
-            <a:ext cx="2980800" cy="576000"/>
+            <a:ext cx="2980440" cy="576000"/>
           </a:xfrm>
           <a:prstGeom prst="rect">
             <a:avLst/>
@@ -12049,7 +12061,7 @@
         <p:spPr>
           <a:xfrm>
             <a:off x="302400" y="5999040"/>
-            <a:ext cx="556200" cy="556560"/>
+            <a:ext cx="555840" cy="556200"/>
           </a:xfrm>
           <a:prstGeom prst="rect">
             <a:avLst/>
@@ -12072,7 +12084,7 @@
         <p:spPr>
           <a:xfrm>
             <a:off x="6073200" y="5997600"/>
-            <a:ext cx="70200" cy="556560"/>
+            <a:ext cx="69840" cy="556200"/>
           </a:xfrm>
           <a:prstGeom prst="rect">
             <a:avLst/>
@@ -12091,7 +12103,7 @@
         <p:spPr>
           <a:xfrm>
             <a:off x="972000" y="5997600"/>
-            <a:ext cx="2348640" cy="675000"/>
+            <a:ext cx="2348280" cy="674640"/>
           </a:xfrm>
           <a:prstGeom prst="rect">
             <a:avLst/>
@@ -12117,7 +12129,7 @@
         <p:spPr>
           <a:xfrm>
             <a:off x="972000" y="5997600"/>
-            <a:ext cx="360" cy="449640"/>
+            <a:ext cx="360" cy="449280"/>
           </a:xfrm>
           <a:prstGeom prst="rect">
             <a:avLst/>
@@ -12143,7 +12155,7 @@
         <p:spPr>
           <a:xfrm>
             <a:off x="0" y="0"/>
-            <a:ext cx="12191760" cy="5892840"/>
+            <a:ext cx="12191400" cy="5892480"/>
           </a:xfrm>
           <a:prstGeom prst="rect">
             <a:avLst/>
@@ -12171,7 +12183,7 @@
         <p:spPr>
           <a:xfrm>
             <a:off x="990000" y="1045800"/>
-            <a:ext cx="646560" cy="46440"/>
+            <a:ext cx="646200" cy="46080"/>
           </a:xfrm>
           <a:prstGeom prst="rect">
             <a:avLst/>
@@ -12233,7 +12245,7 @@
         <p:spPr>
           <a:xfrm>
             <a:off x="-1973520" y="340200"/>
-            <a:ext cx="1824480" cy="304200"/>
+            <a:ext cx="1824120" cy="304200"/>
           </a:xfrm>
           <a:prstGeom prst="rect">
             <a:avLst/>
@@ -12576,7 +12588,7 @@
         <p:spPr>
           <a:xfrm>
             <a:off x="10206000" y="5999040"/>
-            <a:ext cx="1665360" cy="556560"/>
+            <a:ext cx="1665000" cy="556200"/>
           </a:xfrm>
           <a:prstGeom prst="rect">
             <a:avLst/>
@@ -12602,7 +12614,7 @@
         <p:spPr>
           <a:xfrm>
             <a:off x="989280" y="1663200"/>
-            <a:ext cx="646560" cy="46440"/>
+            <a:ext cx="646200" cy="46080"/>
           </a:xfrm>
           <a:prstGeom prst="rect">
             <a:avLst/>
@@ -12664,7 +12676,7 @@
         <p:spPr>
           <a:xfrm>
             <a:off x="3691440" y="5997600"/>
-            <a:ext cx="2270520" cy="442800"/>
+            <a:ext cx="2270160" cy="442800"/>
           </a:xfrm>
           <a:prstGeom prst="rect">
             <a:avLst/>
@@ -12716,7 +12728,7 @@
         <p:spPr>
           <a:xfrm>
             <a:off x="6239880" y="5997600"/>
-            <a:ext cx="2980800" cy="442800"/>
+            <a:ext cx="2980440" cy="442800"/>
           </a:xfrm>
           <a:prstGeom prst="rect">
             <a:avLst/>
@@ -12768,7 +12780,7 @@
         <p:spPr>
           <a:xfrm>
             <a:off x="3691440" y="5997600"/>
-            <a:ext cx="2270520" cy="576000"/>
+            <a:ext cx="2270160" cy="576000"/>
           </a:xfrm>
           <a:prstGeom prst="rect">
             <a:avLst/>
@@ -12820,7 +12832,7 @@
         <p:spPr>
           <a:xfrm>
             <a:off x="6239880" y="5997600"/>
-            <a:ext cx="2980800" cy="576000"/>
+            <a:ext cx="2980440" cy="576000"/>
           </a:xfrm>
           <a:prstGeom prst="rect">
             <a:avLst/>
@@ -12876,7 +12888,7 @@
         <p:spPr>
           <a:xfrm>
             <a:off x="302400" y="5999040"/>
-            <a:ext cx="556200" cy="556560"/>
+            <a:ext cx="555840" cy="556200"/>
           </a:xfrm>
           <a:prstGeom prst="rect">
             <a:avLst/>
@@ -12899,7 +12911,7 @@
         <p:spPr>
           <a:xfrm>
             <a:off x="6073200" y="5997600"/>
-            <a:ext cx="70200" cy="556560"/>
+            <a:ext cx="69840" cy="556200"/>
           </a:xfrm>
           <a:prstGeom prst="rect">
             <a:avLst/>
@@ -12918,7 +12930,7 @@
         <p:spPr>
           <a:xfrm>
             <a:off x="972000" y="5997600"/>
-            <a:ext cx="2348640" cy="675000"/>
+            <a:ext cx="2348280" cy="674640"/>
           </a:xfrm>
           <a:prstGeom prst="rect">
             <a:avLst/>
@@ -12944,7 +12956,7 @@
         <p:spPr>
           <a:xfrm>
             <a:off x="972000" y="5997600"/>
-            <a:ext cx="360" cy="449640"/>
+            <a:ext cx="360" cy="449280"/>
           </a:xfrm>
           <a:prstGeom prst="rect">
             <a:avLst/>
@@ -12974,7 +12986,7 @@
         <p:spPr>
           <a:xfrm>
             <a:off x="0" y="0"/>
-            <a:ext cx="12187440" cy="6856560"/>
+            <a:ext cx="12187080" cy="6856200"/>
           </a:xfrm>
           <a:prstGeom prst="rect">
             <a:avLst/>
@@ -12993,7 +13005,7 @@
         <p:spPr>
           <a:xfrm>
             <a:off x="-1973520" y="3082680"/>
-            <a:ext cx="1824480" cy="304200"/>
+            <a:ext cx="1824120" cy="304200"/>
           </a:xfrm>
           <a:prstGeom prst="rect">
             <a:avLst/>
@@ -13066,7 +13078,7 @@
         <p:spPr>
           <a:xfrm>
             <a:off x="972000" y="5997600"/>
-            <a:ext cx="2348640" cy="675000"/>
+            <a:ext cx="2348280" cy="674640"/>
           </a:xfrm>
           <a:prstGeom prst="rect">
             <a:avLst/>
@@ -13092,7 +13104,7 @@
         <p:spPr>
           <a:xfrm>
             <a:off x="3691440" y="5997600"/>
-            <a:ext cx="2270520" cy="576000"/>
+            <a:ext cx="2270160" cy="576000"/>
           </a:xfrm>
           <a:prstGeom prst="rect">
             <a:avLst/>
@@ -13144,7 +13156,7 @@
         <p:spPr>
           <a:xfrm>
             <a:off x="6239880" y="5997600"/>
-            <a:ext cx="2980800" cy="576000"/>
+            <a:ext cx="2980440" cy="576000"/>
           </a:xfrm>
           <a:prstGeom prst="rect">
             <a:avLst/>
@@ -13196,7 +13208,7 @@
         <p:spPr>
           <a:xfrm>
             <a:off x="3691440" y="5997600"/>
-            <a:ext cx="2270520" cy="442800"/>
+            <a:ext cx="2270160" cy="442800"/>
           </a:xfrm>
           <a:prstGeom prst="rect">
             <a:avLst/>
@@ -13248,7 +13260,7 @@
         <p:spPr>
           <a:xfrm>
             <a:off x="6239880" y="5997600"/>
-            <a:ext cx="2980800" cy="442800"/>
+            <a:ext cx="2980440" cy="442800"/>
           </a:xfrm>
           <a:prstGeom prst="rect">
             <a:avLst/>
@@ -13300,7 +13312,7 @@
         <p:spPr>
           <a:xfrm>
             <a:off x="972000" y="5997600"/>
-            <a:ext cx="360" cy="449640"/>
+            <a:ext cx="360" cy="449280"/>
           </a:xfrm>
           <a:prstGeom prst="rect">
             <a:avLst/>
@@ -13330,7 +13342,7 @@
         <p:spPr>
           <a:xfrm>
             <a:off x="302400" y="5997600"/>
-            <a:ext cx="556200" cy="556560"/>
+            <a:ext cx="555840" cy="556200"/>
           </a:xfrm>
           <a:prstGeom prst="rect">
             <a:avLst/>
@@ -13349,7 +13361,7 @@
         <p:spPr>
           <a:xfrm>
             <a:off x="10206000" y="5999040"/>
-            <a:ext cx="1665360" cy="556560"/>
+            <a:ext cx="1665000" cy="556200"/>
           </a:xfrm>
           <a:prstGeom prst="rect">
             <a:avLst/>
@@ -13379,7 +13391,7 @@
         <p:spPr>
           <a:xfrm>
             <a:off x="6073200" y="5997600"/>
-            <a:ext cx="70200" cy="556560"/>
+            <a:ext cx="69840" cy="556200"/>
           </a:xfrm>
           <a:prstGeom prst="rect">
             <a:avLst/>
@@ -13668,7 +13680,7 @@
         <p:spPr>
           <a:xfrm>
             <a:off x="10206000" y="5999040"/>
-            <a:ext cx="1665360" cy="556560"/>
+            <a:ext cx="1665000" cy="556200"/>
           </a:xfrm>
           <a:prstGeom prst="rect">
             <a:avLst/>
@@ -13694,7 +13706,7 @@
         <p:spPr>
           <a:xfrm>
             <a:off x="989280" y="1663200"/>
-            <a:ext cx="646560" cy="46440"/>
+            <a:ext cx="646200" cy="46080"/>
           </a:xfrm>
           <a:prstGeom prst="rect">
             <a:avLst/>
@@ -13756,7 +13768,7 @@
         <p:spPr>
           <a:xfrm>
             <a:off x="3691440" y="5997600"/>
-            <a:ext cx="2270520" cy="442800"/>
+            <a:ext cx="2270160" cy="442800"/>
           </a:xfrm>
           <a:prstGeom prst="rect">
             <a:avLst/>
@@ -13808,7 +13820,7 @@
         <p:spPr>
           <a:xfrm>
             <a:off x="6239880" y="5997600"/>
-            <a:ext cx="2980800" cy="442800"/>
+            <a:ext cx="2980440" cy="442800"/>
           </a:xfrm>
           <a:prstGeom prst="rect">
             <a:avLst/>
@@ -13860,7 +13872,7 @@
         <p:spPr>
           <a:xfrm>
             <a:off x="3691440" y="5997600"/>
-            <a:ext cx="2270520" cy="576000"/>
+            <a:ext cx="2270160" cy="576000"/>
           </a:xfrm>
           <a:prstGeom prst="rect">
             <a:avLst/>
@@ -13912,7 +13924,7 @@
         <p:spPr>
           <a:xfrm>
             <a:off x="6239880" y="5997600"/>
-            <a:ext cx="2980800" cy="576000"/>
+            <a:ext cx="2980440" cy="576000"/>
           </a:xfrm>
           <a:prstGeom prst="rect">
             <a:avLst/>
@@ -13968,7 +13980,7 @@
         <p:spPr>
           <a:xfrm>
             <a:off x="302400" y="5999040"/>
-            <a:ext cx="556200" cy="556560"/>
+            <a:ext cx="555840" cy="556200"/>
           </a:xfrm>
           <a:prstGeom prst="rect">
             <a:avLst/>
@@ -13991,7 +14003,7 @@
         <p:spPr>
           <a:xfrm>
             <a:off x="6073200" y="5997600"/>
-            <a:ext cx="70200" cy="556560"/>
+            <a:ext cx="69840" cy="556200"/>
           </a:xfrm>
           <a:prstGeom prst="rect">
             <a:avLst/>
@@ -14010,7 +14022,7 @@
         <p:spPr>
           <a:xfrm>
             <a:off x="972000" y="5997600"/>
-            <a:ext cx="2348640" cy="675000"/>
+            <a:ext cx="2348280" cy="674640"/>
           </a:xfrm>
           <a:prstGeom prst="rect">
             <a:avLst/>
@@ -14036,7 +14048,7 @@
         <p:spPr>
           <a:xfrm>
             <a:off x="972000" y="5997600"/>
-            <a:ext cx="360" cy="449640"/>
+            <a:ext cx="360" cy="449280"/>
           </a:xfrm>
           <a:prstGeom prst="rect">
             <a:avLst/>
@@ -14066,7 +14078,7 @@
         <p:spPr>
           <a:xfrm>
             <a:off x="0" y="0"/>
-            <a:ext cx="12187440" cy="6856560"/>
+            <a:ext cx="12187080" cy="6856200"/>
           </a:xfrm>
           <a:prstGeom prst="rect">
             <a:avLst/>
@@ -14085,7 +14097,7 @@
         <p:spPr>
           <a:xfrm>
             <a:off x="-1973520" y="3082680"/>
-            <a:ext cx="1824480" cy="304200"/>
+            <a:ext cx="1824120" cy="304200"/>
           </a:xfrm>
           <a:prstGeom prst="rect">
             <a:avLst/>
@@ -14158,7 +14170,7 @@
         <p:spPr>
           <a:xfrm>
             <a:off x="972000" y="5997600"/>
-            <a:ext cx="2348640" cy="675000"/>
+            <a:ext cx="2348280" cy="674640"/>
           </a:xfrm>
           <a:prstGeom prst="rect">
             <a:avLst/>
@@ -14184,7 +14196,7 @@
         <p:spPr>
           <a:xfrm>
             <a:off x="3691440" y="5997600"/>
-            <a:ext cx="2270520" cy="576000"/>
+            <a:ext cx="2270160" cy="576000"/>
           </a:xfrm>
           <a:prstGeom prst="rect">
             <a:avLst/>
@@ -14236,7 +14248,7 @@
         <p:spPr>
           <a:xfrm>
             <a:off x="6239880" y="5997600"/>
-            <a:ext cx="2980800" cy="576000"/>
+            <a:ext cx="2980440" cy="576000"/>
           </a:xfrm>
           <a:prstGeom prst="rect">
             <a:avLst/>
@@ -14288,7 +14300,7 @@
         <p:spPr>
           <a:xfrm>
             <a:off x="3691440" y="5997600"/>
-            <a:ext cx="2270520" cy="442800"/>
+            <a:ext cx="2270160" cy="442800"/>
           </a:xfrm>
           <a:prstGeom prst="rect">
             <a:avLst/>
@@ -14340,7 +14352,7 @@
         <p:spPr>
           <a:xfrm>
             <a:off x="6239880" y="5997600"/>
-            <a:ext cx="2980800" cy="442800"/>
+            <a:ext cx="2980440" cy="442800"/>
           </a:xfrm>
           <a:prstGeom prst="rect">
             <a:avLst/>
@@ -14392,7 +14404,7 @@
         <p:spPr>
           <a:xfrm>
             <a:off x="972000" y="5997600"/>
-            <a:ext cx="360" cy="449640"/>
+            <a:ext cx="360" cy="449280"/>
           </a:xfrm>
           <a:prstGeom prst="rect">
             <a:avLst/>
@@ -14422,7 +14434,7 @@
         <p:spPr>
           <a:xfrm>
             <a:off x="302400" y="5997600"/>
-            <a:ext cx="556200" cy="556560"/>
+            <a:ext cx="555840" cy="556200"/>
           </a:xfrm>
           <a:prstGeom prst="rect">
             <a:avLst/>
@@ -14441,7 +14453,7 @@
         <p:spPr>
           <a:xfrm>
             <a:off x="10206000" y="5999040"/>
-            <a:ext cx="1665360" cy="556560"/>
+            <a:ext cx="1665000" cy="556200"/>
           </a:xfrm>
           <a:prstGeom prst="rect">
             <a:avLst/>
@@ -14471,7 +14483,7 @@
         <p:spPr>
           <a:xfrm>
             <a:off x="6073200" y="5997600"/>
-            <a:ext cx="70200" cy="556560"/>
+            <a:ext cx="69840" cy="556200"/>
           </a:xfrm>
           <a:prstGeom prst="rect">
             <a:avLst/>
@@ -14760,7 +14772,7 @@
         <p:spPr>
           <a:xfrm>
             <a:off x="10206000" y="5999040"/>
-            <a:ext cx="1665360" cy="556560"/>
+            <a:ext cx="1665000" cy="556200"/>
           </a:xfrm>
           <a:prstGeom prst="rect">
             <a:avLst/>
@@ -14786,7 +14798,7 @@
         <p:spPr>
           <a:xfrm>
             <a:off x="989280" y="1663200"/>
-            <a:ext cx="646560" cy="46440"/>
+            <a:ext cx="646200" cy="46080"/>
           </a:xfrm>
           <a:prstGeom prst="rect">
             <a:avLst/>
@@ -14848,7 +14860,7 @@
         <p:spPr>
           <a:xfrm>
             <a:off x="3691440" y="5997600"/>
-            <a:ext cx="2270520" cy="442800"/>
+            <a:ext cx="2270160" cy="442800"/>
           </a:xfrm>
           <a:prstGeom prst="rect">
             <a:avLst/>
@@ -14900,7 +14912,7 @@
         <p:spPr>
           <a:xfrm>
             <a:off x="6239880" y="5997600"/>
-            <a:ext cx="2980800" cy="442800"/>
+            <a:ext cx="2980440" cy="442800"/>
           </a:xfrm>
           <a:prstGeom prst="rect">
             <a:avLst/>
@@ -14952,7 +14964,7 @@
         <p:spPr>
           <a:xfrm>
             <a:off x="3691440" y="5997600"/>
-            <a:ext cx="2270520" cy="576000"/>
+            <a:ext cx="2270160" cy="576000"/>
           </a:xfrm>
           <a:prstGeom prst="rect">
             <a:avLst/>
@@ -15004,7 +15016,7 @@
         <p:spPr>
           <a:xfrm>
             <a:off x="6239880" y="5997600"/>
-            <a:ext cx="2980800" cy="576000"/>
+            <a:ext cx="2980440" cy="576000"/>
           </a:xfrm>
           <a:prstGeom prst="rect">
             <a:avLst/>
@@ -15060,7 +15072,7 @@
         <p:spPr>
           <a:xfrm>
             <a:off x="302400" y="5999040"/>
-            <a:ext cx="556200" cy="556560"/>
+            <a:ext cx="555840" cy="556200"/>
           </a:xfrm>
           <a:prstGeom prst="rect">
             <a:avLst/>
@@ -15083,7 +15095,7 @@
         <p:spPr>
           <a:xfrm>
             <a:off x="6073200" y="5997600"/>
-            <a:ext cx="70200" cy="556560"/>
+            <a:ext cx="69840" cy="556200"/>
           </a:xfrm>
           <a:prstGeom prst="rect">
             <a:avLst/>
@@ -15102,7 +15114,7 @@
         <p:spPr>
           <a:xfrm>
             <a:off x="972000" y="5997600"/>
-            <a:ext cx="2348640" cy="675000"/>
+            <a:ext cx="2348280" cy="674640"/>
           </a:xfrm>
           <a:prstGeom prst="rect">
             <a:avLst/>
@@ -15128,7 +15140,7 @@
         <p:spPr>
           <a:xfrm>
             <a:off x="972000" y="5997600"/>
-            <a:ext cx="360" cy="449640"/>
+            <a:ext cx="360" cy="449280"/>
           </a:xfrm>
           <a:prstGeom prst="rect">
             <a:avLst/>
@@ -15154,7 +15166,7 @@
         <p:spPr>
           <a:xfrm>
             <a:off x="-1973520" y="340200"/>
-            <a:ext cx="1824480" cy="456480"/>
+            <a:ext cx="1824120" cy="456480"/>
           </a:xfrm>
           <a:prstGeom prst="rect">
             <a:avLst/>
@@ -15522,7 +15534,7 @@
         <p:spPr>
           <a:xfrm>
             <a:off x="985680" y="2898000"/>
-            <a:ext cx="10219320" cy="829800"/>
+            <a:ext cx="10218960" cy="829440"/>
           </a:xfrm>
           <a:prstGeom prst="rect">
             <a:avLst/>
@@ -15590,7 +15602,7 @@
       </p:grpSpPr>
       <p:sp>
         <p:nvSpPr>
-          <p:cNvPr id="365" name="PlaceHolder 1"/>
+          <p:cNvPr id="364" name="PlaceHolder 1"/>
           <p:cNvSpPr>
             <a:spLocks noGrp="1"/>
           </p:cNvSpPr>
@@ -15601,7 +15613,7 @@
         <p:spPr>
           <a:xfrm>
             <a:off x="316080" y="149040"/>
-            <a:ext cx="11555640" cy="570240"/>
+            <a:ext cx="11555280" cy="569880"/>
           </a:xfrm>
           <a:prstGeom prst="rect">
             <a:avLst/>
@@ -15640,7 +15652,7 @@
       </p:sp>
       <p:sp>
         <p:nvSpPr>
-          <p:cNvPr id="366" name="PlaceHolder 2"/>
+          <p:cNvPr id="365" name="PlaceHolder 2"/>
           <p:cNvSpPr>
             <a:spLocks noGrp="1"/>
           </p:cNvSpPr>
@@ -15650,8 +15662,8 @@
         </p:nvSpPr>
         <p:spPr>
           <a:xfrm>
-            <a:off x="985680" y="1960200"/>
-            <a:ext cx="10218960" cy="3935880"/>
+            <a:off x="1021680" y="1960200"/>
+            <a:ext cx="10218600" cy="3935520"/>
           </a:xfrm>
           <a:prstGeom prst="rect">
             <a:avLst/>
@@ -15797,7 +15809,7 @@
       </p:sp>
       <p:pic>
         <p:nvPicPr>
-          <p:cNvPr id="367" name="Billede 377" descr=""/>
+          <p:cNvPr id="366" name="Billede 377" descr=""/>
           <p:cNvPicPr/>
           <p:nvPr/>
         </p:nvPicPr>
@@ -15808,7 +15820,7 @@
         <p:spPr>
           <a:xfrm>
             <a:off x="6690240" y="360000"/>
-            <a:ext cx="3028680" cy="2680920"/>
+            <a:ext cx="3028320" cy="2680560"/>
           </a:xfrm>
           <a:prstGeom prst="rect">
             <a:avLst/>
@@ -15820,7 +15832,7 @@
       </p:pic>
       <p:pic>
         <p:nvPicPr>
-          <p:cNvPr id="368" name="Billede 378" descr=""/>
+          <p:cNvPr id="367" name="Billede 378" descr=""/>
           <p:cNvPicPr/>
           <p:nvPr/>
         </p:nvPicPr>
@@ -15831,7 +15843,7 @@
         <p:spPr>
           <a:xfrm>
             <a:off x="5760000" y="3060000"/>
-            <a:ext cx="4678920" cy="3141000"/>
+            <a:ext cx="4678560" cy="3140640"/>
           </a:xfrm>
           <a:prstGeom prst="rect">
             <a:avLst/>
@@ -15841,6 +15853,42 @@
           </a:ln>
         </p:spPr>
       </p:pic>
+      <p:sp>
+        <p:nvSpPr>
+          <p:cNvPr id="368" name=""/>
+          <p:cNvSpPr txBox="1"/>
+          <p:nvPr/>
+        </p:nvSpPr>
+        <p:spPr>
+          <a:xfrm>
+            <a:off x="4320000" y="149040"/>
+            <a:ext cx="1080000" cy="346320"/>
+          </a:xfrm>
+          <a:prstGeom prst="rect">
+            <a:avLst/>
+          </a:prstGeom>
+          <a:noFill/>
+          <a:ln w="0">
+            <a:noFill/>
+          </a:ln>
+        </p:spPr>
+        <p:txBody>
+          <a:bodyPr lIns="90000" rIns="90000" tIns="45000" bIns="45000" anchor="t">
+            <a:noAutofit/>
+          </a:bodyPr>
+          <a:p>
+            <a:r>
+              <a:rPr b="0" lang="en-DK" sz="1800" spc="-1" strike="noStrike">
+                <a:latin typeface="Arial"/>
+              </a:rPr>
+              <a:t>!</a:t>
+            </a:r>
+            <a:endParaRPr b="0" lang="en-DK" sz="1800" spc="-1" strike="noStrike">
+              <a:latin typeface="Arial"/>
+            </a:endParaRPr>
+          </a:p>
+        </p:txBody>
+      </p:sp>
     </p:spTree>
   </p:cSld>
   <mc:AlternateContent>
@@ -15884,7 +15932,7 @@
         <p:spPr>
           <a:xfrm>
             <a:off x="316080" y="149040"/>
-            <a:ext cx="11555640" cy="570240"/>
+            <a:ext cx="11555280" cy="569880"/>
           </a:xfrm>
           <a:prstGeom prst="rect">
             <a:avLst/>
@@ -15934,7 +15982,7 @@
         <p:spPr>
           <a:xfrm>
             <a:off x="985680" y="1960200"/>
-            <a:ext cx="10218960" cy="3935880"/>
+            <a:ext cx="10218600" cy="3935520"/>
           </a:xfrm>
           <a:prstGeom prst="rect">
             <a:avLst/>
@@ -16135,7 +16183,7 @@
         <p:spPr>
           <a:xfrm>
             <a:off x="5040000" y="1875960"/>
-            <a:ext cx="5951520" cy="3522960"/>
+            <a:ext cx="5951160" cy="3522600"/>
           </a:xfrm>
           <a:prstGeom prst="rect">
             <a:avLst/>
@@ -16195,7 +16243,7 @@
         <p:spPr>
           <a:xfrm>
             <a:off x="985680" y="2898000"/>
-            <a:ext cx="10219320" cy="829800"/>
+            <a:ext cx="10218960" cy="829440"/>
           </a:xfrm>
           <a:prstGeom prst="rect">
             <a:avLst/>
@@ -16274,7 +16322,7 @@
         <p:spPr>
           <a:xfrm>
             <a:off x="316080" y="149040"/>
-            <a:ext cx="11555640" cy="570240"/>
+            <a:ext cx="11555280" cy="569880"/>
           </a:xfrm>
           <a:prstGeom prst="rect">
             <a:avLst/>
@@ -16324,7 +16372,7 @@
         <p:spPr>
           <a:xfrm>
             <a:off x="985680" y="1960200"/>
-            <a:ext cx="10218960" cy="3935880"/>
+            <a:ext cx="10218600" cy="3935520"/>
           </a:xfrm>
           <a:prstGeom prst="rect">
             <a:avLst/>
@@ -16462,7 +16510,7 @@
                 <a:latin typeface="AU Passata"/>
                 <a:ea typeface="DejaVu Sans"/>
               </a:rPr>
-              <a:t>Coherency</a:t>
+              <a:t>Coherent group</a:t>
             </a:r>
             <a:endParaRPr b="0" lang="en-DK" sz="2000" spc="-1" strike="noStrike">
               <a:latin typeface="Arial"/>
@@ -16553,7 +16601,7 @@
         <p:spPr>
           <a:xfrm>
             <a:off x="5220000" y="1260000"/>
-            <a:ext cx="5578920" cy="2659680"/>
+            <a:ext cx="5578560" cy="2659320"/>
           </a:xfrm>
           <a:prstGeom prst="rect">
             <a:avLst/>
@@ -16576,7 +16624,7 @@
         <p:spPr>
           <a:xfrm>
             <a:off x="5760000" y="4305960"/>
-            <a:ext cx="4189680" cy="1094040"/>
+            <a:ext cx="4189320" cy="1093680"/>
           </a:xfrm>
           <a:prstGeom prst="rect">
             <a:avLst/>
@@ -16629,7 +16677,7 @@
         <p:spPr>
           <a:xfrm>
             <a:off x="316080" y="149040"/>
-            <a:ext cx="11555640" cy="570240"/>
+            <a:ext cx="11555280" cy="569880"/>
           </a:xfrm>
           <a:prstGeom prst="rect">
             <a:avLst/>
@@ -16679,7 +16727,7 @@
         <p:spPr>
           <a:xfrm>
             <a:off x="985680" y="1960200"/>
-            <a:ext cx="10218960" cy="3935880"/>
+            <a:ext cx="10218600" cy="3935520"/>
           </a:xfrm>
           <a:prstGeom prst="rect">
             <a:avLst/>
@@ -16879,7 +16927,7 @@
         <p:spPr>
           <a:xfrm>
             <a:off x="6480000" y="1440000"/>
-            <a:ext cx="3780000" cy="3519720"/>
+            <a:ext cx="3779640" cy="3519360"/>
           </a:xfrm>
           <a:prstGeom prst="rect">
             <a:avLst/>
@@ -16932,7 +16980,7 @@
         <p:spPr>
           <a:xfrm>
             <a:off x="316080" y="149040"/>
-            <a:ext cx="11555640" cy="570240"/>
+            <a:ext cx="11555280" cy="569880"/>
           </a:xfrm>
           <a:prstGeom prst="rect">
             <a:avLst/>
@@ -16982,7 +17030,7 @@
         <p:spPr>
           <a:xfrm>
             <a:off x="985680" y="1960200"/>
-            <a:ext cx="10218960" cy="3935880"/>
+            <a:ext cx="10218600" cy="3935520"/>
           </a:xfrm>
           <a:prstGeom prst="rect">
             <a:avLst/>
@@ -17127,19 +17175,19 @@
             </a:endParaRPr>
           </a:p>
           <a:p>
-            <a:pPr lvl="1" marL="864000" indent="-324000">
+            <a:pPr marL="432000" indent="-324000">
               <a:lnSpc>
                 <a:spcPct val="90000"/>
               </a:lnSpc>
               <a:spcBef>
-                <a:spcPts val="1134"/>
+                <a:spcPts val="1417"/>
               </a:spcBef>
               <a:buClr>
                 <a:srgbClr val="000000"/>
               </a:buClr>
-              <a:buSzPct val="75000"/>
-              <a:buFont typeface="Symbol"/>
-              <a:buChar char=""/>
+              <a:buSzPct val="45000"/>
+              <a:buFont typeface="Wingdings" charset="2"/>
+              <a:buChar char=""/>
             </a:pPr>
             <a:r>
               <a:rPr b="0" lang="en-US" sz="2000" spc="-1" strike="noStrike">
@@ -17149,7 +17197,7 @@
                 <a:latin typeface="AU Passata"/>
                 <a:ea typeface="DejaVu Sans"/>
               </a:rPr>
-              <a:t>Limited processes</a:t>
+              <a:t>X Process fails</a:t>
             </a:r>
             <a:endParaRPr b="0" lang="en-DK" sz="2000" spc="-1" strike="noStrike">
               <a:latin typeface="Arial"/>
@@ -17297,7 +17345,7 @@
         <p:spPr>
           <a:xfrm>
             <a:off x="6344640" y="1800000"/>
-            <a:ext cx="4860000" cy="3753720"/>
+            <a:ext cx="4859640" cy="3753360"/>
           </a:xfrm>
           <a:prstGeom prst="rect">
             <a:avLst/>
@@ -17350,7 +17398,7 @@
         <p:spPr>
           <a:xfrm>
             <a:off x="316080" y="149040"/>
-            <a:ext cx="11555640" cy="570240"/>
+            <a:ext cx="11555280" cy="569880"/>
           </a:xfrm>
           <a:prstGeom prst="rect">
             <a:avLst/>
@@ -17400,7 +17448,7 @@
         <p:spPr>
           <a:xfrm>
             <a:off x="985680" y="1960200"/>
-            <a:ext cx="10218960" cy="3935880"/>
+            <a:ext cx="10218600" cy="3935520"/>
           </a:xfrm>
           <a:prstGeom prst="rect">
             <a:avLst/>
@@ -17585,7 +17633,7 @@
         <p:spPr>
           <a:xfrm>
             <a:off x="4039200" y="720000"/>
-            <a:ext cx="3294360" cy="2027520"/>
+            <a:ext cx="3294000" cy="2027160"/>
           </a:xfrm>
           <a:prstGeom prst="rect">
             <a:avLst/>
@@ -17608,7 +17656,7 @@
         <p:spPr>
           <a:xfrm>
             <a:off x="7452000" y="1004760"/>
-            <a:ext cx="4256280" cy="1694160"/>
+            <a:ext cx="4255920" cy="1693800"/>
           </a:xfrm>
           <a:prstGeom prst="rect">
             <a:avLst/>
@@ -17630,8 +17678,8 @@
         </p:blipFill>
         <p:spPr>
           <a:xfrm>
-            <a:off x="7200000" y="4124160"/>
-            <a:ext cx="3294360" cy="1274760"/>
+            <a:off x="4302000" y="3960000"/>
+            <a:ext cx="3294000" cy="1274400"/>
           </a:xfrm>
           <a:prstGeom prst="rect">
             <a:avLst/>
@@ -17653,8 +17701,8 @@
         </p:blipFill>
         <p:spPr>
           <a:xfrm>
-            <a:off x="4140000" y="3854520"/>
-            <a:ext cx="2789280" cy="2084400"/>
+            <a:off x="8150400" y="3648600"/>
+            <a:ext cx="2788920" cy="2084040"/>
           </a:xfrm>
           <a:prstGeom prst="rect">
             <a:avLst/>
@@ -17664,6 +17712,42 @@
           </a:ln>
         </p:spPr>
       </p:pic>
+      <p:sp>
+        <p:nvSpPr>
+          <p:cNvPr id="389" name=""/>
+          <p:cNvSpPr txBox="1"/>
+          <p:nvPr/>
+        </p:nvSpPr>
+        <p:spPr>
+          <a:xfrm>
+            <a:off x="2700000" y="149040"/>
+            <a:ext cx="900000" cy="346320"/>
+          </a:xfrm>
+          <a:prstGeom prst="rect">
+            <a:avLst/>
+          </a:prstGeom>
+          <a:noFill/>
+          <a:ln w="0">
+            <a:noFill/>
+          </a:ln>
+        </p:spPr>
+        <p:txBody>
+          <a:bodyPr lIns="90000" rIns="90000" tIns="45000" bIns="45000" anchor="t">
+            <a:noAutofit/>
+          </a:bodyPr>
+          <a:p>
+            <a:r>
+              <a:rPr b="0" lang="en-DK" sz="1800" spc="-1" strike="noStrike">
+                <a:latin typeface="Arial"/>
+              </a:rPr>
+              <a:t>!</a:t>
+            </a:r>
+            <a:endParaRPr b="0" lang="en-DK" sz="1800" spc="-1" strike="noStrike">
+              <a:latin typeface="Arial"/>
+            </a:endParaRPr>
+          </a:p>
+        </p:txBody>
+      </p:sp>
     </p:spTree>
   </p:cSld>
   <mc:AlternateContent>
@@ -17696,7 +17780,7 @@
       </p:grpSpPr>
       <p:sp>
         <p:nvSpPr>
-          <p:cNvPr id="389" name="PlaceHolder 1"/>
+          <p:cNvPr id="390" name="PlaceHolder 1"/>
           <p:cNvSpPr>
             <a:spLocks noGrp="1"/>
           </p:cNvSpPr>
@@ -17707,7 +17791,7 @@
         <p:spPr>
           <a:xfrm>
             <a:off x="316080" y="149040"/>
-            <a:ext cx="11555640" cy="570240"/>
+            <a:ext cx="11555280" cy="569880"/>
           </a:xfrm>
           <a:prstGeom prst="rect">
             <a:avLst/>
@@ -17746,7 +17830,7 @@
       </p:sp>
       <p:sp>
         <p:nvSpPr>
-          <p:cNvPr id="390" name="PlaceHolder 2"/>
+          <p:cNvPr id="391" name="PlaceHolder 2"/>
           <p:cNvSpPr>
             <a:spLocks noGrp="1"/>
           </p:cNvSpPr>
@@ -17757,7 +17841,7 @@
         <p:spPr>
           <a:xfrm>
             <a:off x="985680" y="1960200"/>
-            <a:ext cx="10218960" cy="3935880"/>
+            <a:ext cx="10218600" cy="3935520"/>
           </a:xfrm>
           <a:prstGeom prst="rect">
             <a:avLst/>
@@ -17945,7 +18029,7 @@
       </p:sp>
       <p:pic>
         <p:nvPicPr>
-          <p:cNvPr id="391" name="Billede 401" descr=""/>
+          <p:cNvPr id="392" name="Billede 401" descr=""/>
           <p:cNvPicPr/>
           <p:nvPr/>
         </p:nvPicPr>
@@ -17956,7 +18040,7 @@
         <p:spPr>
           <a:xfrm>
             <a:off x="7020000" y="1260000"/>
-            <a:ext cx="3240000" cy="2225880"/>
+            <a:ext cx="3239640" cy="2225520"/>
           </a:xfrm>
           <a:prstGeom prst="rect">
             <a:avLst/>
@@ -17968,7 +18052,7 @@
       </p:pic>
       <p:pic>
         <p:nvPicPr>
-          <p:cNvPr id="392" name="Billede 402" descr=""/>
+          <p:cNvPr id="393" name="Billede 402" descr=""/>
           <p:cNvPicPr/>
           <p:nvPr/>
         </p:nvPicPr>
@@ -17979,7 +18063,7 @@
         <p:spPr>
           <a:xfrm>
             <a:off x="7137000" y="3936600"/>
-            <a:ext cx="3303000" cy="1463400"/>
+            <a:ext cx="3302640" cy="1463040"/>
           </a:xfrm>
           <a:prstGeom prst="rect">
             <a:avLst/>
@@ -17989,6 +18073,42 @@
           </a:ln>
         </p:spPr>
       </p:pic>
+      <p:sp>
+        <p:nvSpPr>
+          <p:cNvPr id="394" name=""/>
+          <p:cNvSpPr txBox="1"/>
+          <p:nvPr/>
+        </p:nvSpPr>
+        <p:spPr>
+          <a:xfrm>
+            <a:off x="2520000" y="149040"/>
+            <a:ext cx="1260000" cy="346320"/>
+          </a:xfrm>
+          <a:prstGeom prst="rect">
+            <a:avLst/>
+          </a:prstGeom>
+          <a:noFill/>
+          <a:ln w="0">
+            <a:noFill/>
+          </a:ln>
+        </p:spPr>
+        <p:txBody>
+          <a:bodyPr lIns="90000" rIns="90000" tIns="45000" bIns="45000" anchor="t">
+            <a:noAutofit/>
+          </a:bodyPr>
+          <a:p>
+            <a:r>
+              <a:rPr b="0" lang="en-DK" sz="1800" spc="-1" strike="noStrike">
+                <a:latin typeface="Arial"/>
+              </a:rPr>
+              <a:t>!</a:t>
+            </a:r>
+            <a:endParaRPr b="0" lang="en-DK" sz="1800" spc="-1" strike="noStrike">
+              <a:latin typeface="Arial"/>
+            </a:endParaRPr>
+          </a:p>
+        </p:txBody>
+      </p:sp>
     </p:spTree>
   </p:cSld>
   <mc:AlternateContent>
@@ -18028,7 +18148,7 @@
       </p:grpSpPr>
       <p:sp>
         <p:nvSpPr>
-          <p:cNvPr id="393" name="PlaceHolder 1"/>
+          <p:cNvPr id="395" name="PlaceHolder 1"/>
           <p:cNvSpPr>
             <a:spLocks noGrp="1"/>
           </p:cNvSpPr>
@@ -18039,7 +18159,7 @@
         <p:spPr>
           <a:xfrm>
             <a:off x="985680" y="2898000"/>
-            <a:ext cx="10218960" cy="829440"/>
+            <a:ext cx="10218600" cy="829080"/>
           </a:xfrm>
           <a:prstGeom prst="rect">
             <a:avLst/>
@@ -18108,7 +18228,7 @@
       </p:grpSpPr>
       <p:sp>
         <p:nvSpPr>
-          <p:cNvPr id="394" name="PlaceHolder 1"/>
+          <p:cNvPr id="396" name="PlaceHolder 1"/>
           <p:cNvSpPr>
             <a:spLocks noGrp="1"/>
           </p:cNvSpPr>
@@ -18119,7 +18239,7 @@
         <p:spPr>
           <a:xfrm>
             <a:off x="316080" y="149040"/>
-            <a:ext cx="11555640" cy="570240"/>
+            <a:ext cx="11555280" cy="569880"/>
           </a:xfrm>
           <a:prstGeom prst="rect">
             <a:avLst/>
@@ -18158,7 +18278,7 @@
       </p:sp>
       <p:sp>
         <p:nvSpPr>
-          <p:cNvPr id="395" name="PlaceHolder 2"/>
+          <p:cNvPr id="397" name="PlaceHolder 2"/>
           <p:cNvSpPr>
             <a:spLocks noGrp="1"/>
           </p:cNvSpPr>
@@ -18169,7 +18289,7 @@
         <p:spPr>
           <a:xfrm>
             <a:off x="1080000" y="1960200"/>
-            <a:ext cx="10218960" cy="3935880"/>
+            <a:ext cx="10218600" cy="3935520"/>
           </a:xfrm>
           <a:prstGeom prst="rect">
             <a:avLst/>
@@ -18372,7 +18492,7 @@
       </p:sp>
       <p:pic>
         <p:nvPicPr>
-          <p:cNvPr id="396" name="Billede 406" descr=""/>
+          <p:cNvPr id="398" name="Billede 406" descr=""/>
           <p:cNvPicPr/>
           <p:nvPr/>
         </p:nvPicPr>
@@ -18383,7 +18503,7 @@
         <p:spPr>
           <a:xfrm>
             <a:off x="4320000" y="1960200"/>
-            <a:ext cx="6888960" cy="3598920"/>
+            <a:ext cx="6888600" cy="3598560"/>
           </a:xfrm>
           <a:prstGeom prst="rect">
             <a:avLst/>
@@ -18436,7 +18556,7 @@
         <p:spPr>
           <a:xfrm>
             <a:off x="316080" y="149040"/>
-            <a:ext cx="11555640" cy="570240"/>
+            <a:ext cx="11555280" cy="569880"/>
           </a:xfrm>
           <a:prstGeom prst="rect">
             <a:avLst/>
@@ -18486,7 +18606,7 @@
         <p:spPr>
           <a:xfrm>
             <a:off x="985680" y="1960200"/>
-            <a:ext cx="10218960" cy="3935880"/>
+            <a:ext cx="10218600" cy="3935520"/>
           </a:xfrm>
           <a:prstGeom prst="rect">
             <a:avLst/>
@@ -18643,7 +18763,7 @@
         <p:spPr>
           <a:xfrm>
             <a:off x="5373360" y="2340000"/>
-            <a:ext cx="5785560" cy="3238920"/>
+            <a:ext cx="5785200" cy="3238560"/>
           </a:xfrm>
           <a:prstGeom prst="rect">
             <a:avLst/>
@@ -18685,7 +18805,7 @@
       </p:grpSpPr>
       <p:sp>
         <p:nvSpPr>
-          <p:cNvPr id="397" name="PlaceHolder 1"/>
+          <p:cNvPr id="399" name="PlaceHolder 1"/>
           <p:cNvSpPr>
             <a:spLocks noGrp="1"/>
           </p:cNvSpPr>
@@ -18696,7 +18816,7 @@
         <p:spPr>
           <a:xfrm>
             <a:off x="316080" y="149040"/>
-            <a:ext cx="11555640" cy="570240"/>
+            <a:ext cx="11555280" cy="569880"/>
           </a:xfrm>
           <a:prstGeom prst="rect">
             <a:avLst/>
@@ -18735,7 +18855,7 @@
       </p:sp>
       <p:sp>
         <p:nvSpPr>
-          <p:cNvPr id="398" name="PlaceHolder 2"/>
+          <p:cNvPr id="400" name="PlaceHolder 2"/>
           <p:cNvSpPr>
             <a:spLocks noGrp="1"/>
           </p:cNvSpPr>
@@ -18746,7 +18866,7 @@
         <p:spPr>
           <a:xfrm>
             <a:off x="1080000" y="1960200"/>
-            <a:ext cx="10218960" cy="3935880"/>
+            <a:ext cx="10218600" cy="3935520"/>
           </a:xfrm>
           <a:prstGeom prst="rect">
             <a:avLst/>
@@ -18783,7 +18903,7 @@
                 <a:latin typeface="AU Passata"/>
                 <a:ea typeface="DejaVu Sans"/>
               </a:rPr>
-              <a:t>Technologies</a:t>
+              <a:t>Level</a:t>
             </a:r>
             <a:endParaRPr b="0" lang="en-DK" sz="2000" spc="-1" strike="noStrike">
               <a:latin typeface="Arial"/>
@@ -18847,30 +18967,15 @@
             </a:endParaRPr>
           </a:p>
           <a:p>
-            <a:pPr marL="432000" indent="-324000">
+            <a:pPr>
               <a:lnSpc>
                 <a:spcPct val="90000"/>
               </a:lnSpc>
               <a:spcBef>
                 <a:spcPts val="1417"/>
               </a:spcBef>
-              <a:buClr>
-                <a:srgbClr val="000000"/>
-              </a:buClr>
-              <a:buSzPct val="45000"/>
-              <a:buFont typeface="Wingdings" charset="2"/>
-              <a:buChar char=""/>
-            </a:pPr>
-            <a:r>
-              <a:rPr b="0" lang="en-US" sz="2000" spc="-1" strike="noStrike">
-                <a:solidFill>
-                  <a:srgbClr val="000000"/>
-                </a:solidFill>
-                <a:latin typeface="AU Passata"/>
-                <a:ea typeface="DejaVu Sans"/>
-              </a:rPr>
-              <a:t>Interoperability</a:t>
-            </a:r>
+              <a:buNone/>
+            </a:pPr>
             <a:endParaRPr b="0" lang="en-DK" sz="2000" spc="-1" strike="noStrike">
               <a:latin typeface="Arial"/>
             </a:endParaRPr>
@@ -18931,22 +19036,31 @@
               <a:latin typeface="Arial"/>
             </a:endParaRPr>
           </a:p>
-          <a:p>
-            <a:pPr>
-              <a:lnSpc>
-                <a:spcPct val="90000"/>
-              </a:lnSpc>
-              <a:spcBef>
-                <a:spcPts val="1417"/>
-              </a:spcBef>
-              <a:buNone/>
-            </a:pPr>
-            <a:endParaRPr b="0" lang="en-DK" sz="2000" spc="-1" strike="noStrike">
-              <a:latin typeface="Arial"/>
-            </a:endParaRPr>
-          </a:p>
-        </p:txBody>
-      </p:sp>
+        </p:txBody>
+      </p:sp>
+      <p:pic>
+        <p:nvPicPr>
+          <p:cNvPr id="401" name="" descr=""/>
+          <p:cNvPicPr/>
+          <p:nvPr/>
+        </p:nvPicPr>
+        <p:blipFill>
+          <a:blip r:embed="rId1"/>
+          <a:stretch/>
+        </p:blipFill>
+        <p:spPr>
+          <a:xfrm>
+            <a:off x="5040000" y="1757160"/>
+            <a:ext cx="5220000" cy="2922840"/>
+          </a:xfrm>
+          <a:prstGeom prst="rect">
+            <a:avLst/>
+          </a:prstGeom>
+          <a:ln w="0">
+            <a:noFill/>
+          </a:ln>
+        </p:spPr>
+      </p:pic>
     </p:spTree>
   </p:cSld>
   <mc:AlternateContent>
@@ -18979,7 +19093,7 @@
       </p:grpSpPr>
       <p:sp>
         <p:nvSpPr>
-          <p:cNvPr id="399" name="PlaceHolder 1"/>
+          <p:cNvPr id="402" name="PlaceHolder 1"/>
           <p:cNvSpPr>
             <a:spLocks noGrp="1"/>
           </p:cNvSpPr>
@@ -18990,7 +19104,7 @@
         <p:spPr>
           <a:xfrm>
             <a:off x="316080" y="149040"/>
-            <a:ext cx="11555640" cy="570240"/>
+            <a:ext cx="11555280" cy="569880"/>
           </a:xfrm>
           <a:prstGeom prst="rect">
             <a:avLst/>
@@ -19029,7 +19143,7 @@
       </p:sp>
       <p:sp>
         <p:nvSpPr>
-          <p:cNvPr id="400" name="PlaceHolder 2"/>
+          <p:cNvPr id="403" name="PlaceHolder 2"/>
           <p:cNvSpPr>
             <a:spLocks noGrp="1"/>
           </p:cNvSpPr>
@@ -19040,7 +19154,7 @@
         <p:spPr>
           <a:xfrm>
             <a:off x="1080000" y="1960200"/>
-            <a:ext cx="10218960" cy="3935880"/>
+            <a:ext cx="10218600" cy="3935520"/>
           </a:xfrm>
           <a:prstGeom prst="rect">
             <a:avLst/>
@@ -19287,7 +19401,7 @@
       </p:sp>
       <p:pic>
         <p:nvPicPr>
-          <p:cNvPr id="401" name="Billede 411" descr=""/>
+          <p:cNvPr id="404" name="Billede 411" descr=""/>
           <p:cNvPicPr/>
           <p:nvPr/>
         </p:nvPicPr>
@@ -19298,7 +19412,7 @@
         <p:spPr>
           <a:xfrm>
             <a:off x="5101560" y="1960200"/>
-            <a:ext cx="5878440" cy="3778920"/>
+            <a:ext cx="5878080" cy="3778560"/>
           </a:xfrm>
           <a:prstGeom prst="rect">
             <a:avLst/>
@@ -19340,7 +19454,7 @@
       </p:grpSpPr>
       <p:sp>
         <p:nvSpPr>
-          <p:cNvPr id="402" name="PlaceHolder 1"/>
+          <p:cNvPr id="405" name="PlaceHolder 1"/>
           <p:cNvSpPr>
             <a:spLocks noGrp="1"/>
           </p:cNvSpPr>
@@ -19351,7 +19465,7 @@
         <p:spPr>
           <a:xfrm>
             <a:off x="316080" y="149040"/>
-            <a:ext cx="11555640" cy="570240"/>
+            <a:ext cx="11555280" cy="569880"/>
           </a:xfrm>
           <a:prstGeom prst="rect">
             <a:avLst/>
@@ -19390,7 +19504,7 @@
       </p:sp>
       <p:sp>
         <p:nvSpPr>
-          <p:cNvPr id="403" name="PlaceHolder 2"/>
+          <p:cNvPr id="406" name="PlaceHolder 2"/>
           <p:cNvSpPr>
             <a:spLocks noGrp="1"/>
           </p:cNvSpPr>
@@ -19401,7 +19515,7 @@
         <p:spPr>
           <a:xfrm>
             <a:off x="1080000" y="1960200"/>
-            <a:ext cx="10218960" cy="3935880"/>
+            <a:ext cx="10218600" cy="3935520"/>
           </a:xfrm>
           <a:prstGeom prst="rect">
             <a:avLst/>
@@ -19547,7 +19661,7 @@
       </p:sp>
       <p:pic>
         <p:nvPicPr>
-          <p:cNvPr id="404" name="Billede 414" descr=""/>
+          <p:cNvPr id="407" name="Billede 414" descr=""/>
           <p:cNvPicPr/>
           <p:nvPr/>
         </p:nvPicPr>
@@ -19558,7 +19672,7 @@
         <p:spPr>
           <a:xfrm>
             <a:off x="5760000" y="3240000"/>
-            <a:ext cx="5038920" cy="2591280"/>
+            <a:ext cx="5038560" cy="2590920"/>
           </a:xfrm>
           <a:prstGeom prst="rect">
             <a:avLst/>
@@ -19570,7 +19684,7 @@
       </p:pic>
       <p:pic>
         <p:nvPicPr>
-          <p:cNvPr id="405" name="Billede 415" descr=""/>
+          <p:cNvPr id="408" name="Billede 415" descr=""/>
           <p:cNvPicPr/>
           <p:nvPr/>
         </p:nvPicPr>
@@ -19581,7 +19695,7 @@
         <p:spPr>
           <a:xfrm>
             <a:off x="8116920" y="783000"/>
-            <a:ext cx="2683080" cy="2097000"/>
+            <a:ext cx="2682720" cy="2096640"/>
           </a:xfrm>
           <a:prstGeom prst="rect">
             <a:avLst/>
@@ -19623,7 +19737,7 @@
       </p:grpSpPr>
       <p:sp>
         <p:nvSpPr>
-          <p:cNvPr id="406" name="PlaceHolder 1"/>
+          <p:cNvPr id="409" name="PlaceHolder 1"/>
           <p:cNvSpPr>
             <a:spLocks noGrp="1"/>
           </p:cNvSpPr>
@@ -19634,7 +19748,7 @@
         <p:spPr>
           <a:xfrm>
             <a:off x="316080" y="149040"/>
-            <a:ext cx="11555640" cy="570240"/>
+            <a:ext cx="11555280" cy="569880"/>
           </a:xfrm>
           <a:prstGeom prst="rect">
             <a:avLst/>
@@ -19673,7 +19787,7 @@
       </p:sp>
       <p:sp>
         <p:nvSpPr>
-          <p:cNvPr id="407" name="PlaceHolder 2"/>
+          <p:cNvPr id="410" name="PlaceHolder 2"/>
           <p:cNvSpPr>
             <a:spLocks noGrp="1"/>
           </p:cNvSpPr>
@@ -19684,7 +19798,7 @@
         <p:spPr>
           <a:xfrm>
             <a:off x="1080000" y="1960200"/>
-            <a:ext cx="10218960" cy="3935880"/>
+            <a:ext cx="10218600" cy="3935520"/>
           </a:xfrm>
           <a:prstGeom prst="rect">
             <a:avLst/>
@@ -19787,7 +19901,7 @@
       </p:sp>
       <p:pic>
         <p:nvPicPr>
-          <p:cNvPr id="408" name="Billede 418" descr=""/>
+          <p:cNvPr id="411" name="Billede 418" descr=""/>
           <p:cNvPicPr/>
           <p:nvPr/>
         </p:nvPicPr>
@@ -19798,7 +19912,7 @@
         <p:spPr>
           <a:xfrm>
             <a:off x="5040000" y="900000"/>
-            <a:ext cx="6051240" cy="3434040"/>
+            <a:ext cx="6050880" cy="3433680"/>
           </a:xfrm>
           <a:prstGeom prst="rect">
             <a:avLst/>
@@ -19810,7 +19924,7 @@
       </p:pic>
       <p:pic>
         <p:nvPicPr>
-          <p:cNvPr id="409" name="" descr=""/>
+          <p:cNvPr id="412" name="" descr=""/>
           <p:cNvPicPr/>
           <p:nvPr/>
         </p:nvPicPr>
@@ -19821,7 +19935,7 @@
         <p:spPr>
           <a:xfrm>
             <a:off x="1838160" y="2989440"/>
-            <a:ext cx="1761840" cy="2590560"/>
+            <a:ext cx="1761480" cy="2590200"/>
           </a:xfrm>
           <a:prstGeom prst="rect">
             <a:avLst/>
@@ -19863,7 +19977,7 @@
       </p:grpSpPr>
       <p:sp>
         <p:nvSpPr>
-          <p:cNvPr id="410" name="PlaceHolder 1"/>
+          <p:cNvPr id="413" name="PlaceHolder 1"/>
           <p:cNvSpPr>
             <a:spLocks noGrp="1"/>
           </p:cNvSpPr>
@@ -19874,7 +19988,7 @@
         <p:spPr>
           <a:xfrm>
             <a:off x="316080" y="149040"/>
-            <a:ext cx="11555640" cy="570240"/>
+            <a:ext cx="11555280" cy="569880"/>
           </a:xfrm>
           <a:prstGeom prst="rect">
             <a:avLst/>
@@ -19913,7 +20027,7 @@
       </p:sp>
       <p:sp>
         <p:nvSpPr>
-          <p:cNvPr id="411" name="PlaceHolder 2"/>
+          <p:cNvPr id="414" name="PlaceHolder 2"/>
           <p:cNvSpPr>
             <a:spLocks noGrp="1"/>
           </p:cNvSpPr>
@@ -19924,7 +20038,7 @@
         <p:spPr>
           <a:xfrm>
             <a:off x="1080000" y="1960200"/>
-            <a:ext cx="10218960" cy="3935880"/>
+            <a:ext cx="10218600" cy="3935520"/>
           </a:xfrm>
           <a:prstGeom prst="rect">
             <a:avLst/>
@@ -20011,64 +20125,6 @@
             </a:endParaRPr>
           </a:p>
           <a:p>
-            <a:pPr lvl="1" marL="864000" indent="-324000">
-              <a:lnSpc>
-                <a:spcPct val="90000"/>
-              </a:lnSpc>
-              <a:spcBef>
-                <a:spcPts val="1134"/>
-              </a:spcBef>
-              <a:buClr>
-                <a:srgbClr val="000000"/>
-              </a:buClr>
-              <a:buSzPct val="75000"/>
-              <a:buFont typeface="Symbol"/>
-              <a:buChar char=""/>
-            </a:pPr>
-            <a:r>
-              <a:rPr b="0" lang="en-US" sz="2000" spc="-1" strike="noStrike">
-                <a:solidFill>
-                  <a:srgbClr val="000000"/>
-                </a:solidFill>
-                <a:latin typeface="AU Passata"/>
-                <a:ea typeface="DejaVu Sans"/>
-              </a:rPr>
-              <a:t>Guassian multiplication</a:t>
-            </a:r>
-            <a:endParaRPr b="0" lang="en-DK" sz="2000" spc="-1" strike="noStrike">
-              <a:latin typeface="Arial"/>
-            </a:endParaRPr>
-          </a:p>
-          <a:p>
-            <a:pPr lvl="1" marL="864000" indent="-324000">
-              <a:lnSpc>
-                <a:spcPct val="90000"/>
-              </a:lnSpc>
-              <a:spcBef>
-                <a:spcPts val="1134"/>
-              </a:spcBef>
-              <a:buClr>
-                <a:srgbClr val="000000"/>
-              </a:buClr>
-              <a:buSzPct val="75000"/>
-              <a:buFont typeface="Symbol"/>
-              <a:buChar char=""/>
-            </a:pPr>
-            <a:r>
-              <a:rPr b="0" lang="en-US" sz="2000" spc="-1" strike="noStrike">
-                <a:solidFill>
-                  <a:srgbClr val="000000"/>
-                </a:solidFill>
-                <a:latin typeface="AU Passata"/>
-                <a:ea typeface="DejaVu Sans"/>
-              </a:rPr>
-              <a:t>Predict and correct</a:t>
-            </a:r>
-            <a:endParaRPr b="0" lang="en-DK" sz="2000" spc="-1" strike="noStrike">
-              <a:latin typeface="Arial"/>
-            </a:endParaRPr>
-          </a:p>
-          <a:p>
             <a:pPr>
               <a:lnSpc>
                 <a:spcPct val="90000"/>
@@ -20128,7 +20184,7 @@
       </p:sp>
       <p:pic>
         <p:nvPicPr>
-          <p:cNvPr id="412" name="Billede 421" descr=""/>
+          <p:cNvPr id="415" name="Billede 421" descr=""/>
           <p:cNvPicPr/>
           <p:nvPr/>
         </p:nvPicPr>
@@ -20139,7 +20195,30 @@
         <p:spPr>
           <a:xfrm>
             <a:off x="7142760" y="1260000"/>
-            <a:ext cx="3837240" cy="4741920"/>
+            <a:ext cx="3836880" cy="4741560"/>
+          </a:xfrm>
+          <a:prstGeom prst="rect">
+            <a:avLst/>
+          </a:prstGeom>
+          <a:ln w="0">
+            <a:noFill/>
+          </a:ln>
+        </p:spPr>
+      </p:pic>
+      <p:pic>
+        <p:nvPicPr>
+          <p:cNvPr id="416" name="" descr=""/>
+          <p:cNvPicPr/>
+          <p:nvPr/>
+        </p:nvPicPr>
+        <p:blipFill>
+          <a:blip r:embed="rId2"/>
+          <a:stretch/>
+        </p:blipFill>
+        <p:spPr>
+          <a:xfrm>
+            <a:off x="2816280" y="4500000"/>
+            <a:ext cx="3123720" cy="818640"/>
           </a:xfrm>
           <a:prstGeom prst="rect">
             <a:avLst/>
@@ -20181,7 +20260,7 @@
       </p:grpSpPr>
       <p:sp>
         <p:nvSpPr>
-          <p:cNvPr id="413" name="PlaceHolder 1"/>
+          <p:cNvPr id="417" name="PlaceHolder 1"/>
           <p:cNvSpPr>
             <a:spLocks noGrp="1"/>
           </p:cNvSpPr>
@@ -20192,7 +20271,7 @@
         <p:spPr>
           <a:xfrm>
             <a:off x="316080" y="149040"/>
-            <a:ext cx="11555640" cy="570240"/>
+            <a:ext cx="11555280" cy="569880"/>
           </a:xfrm>
           <a:prstGeom prst="rect">
             <a:avLst/>
@@ -20221,7 +20300,7 @@
                 <a:latin typeface="AU Passata"/>
                 <a:ea typeface="DejaVu Sans"/>
               </a:rPr>
-              <a:t>Perspectivation</a:t>
+              <a:t>Perspective</a:t>
             </a:r>
             <a:endParaRPr b="0" lang="en-DK" sz="4800" spc="-1" strike="noStrike">
               <a:latin typeface="Arial"/>
@@ -20231,7 +20310,7 @@
       </p:sp>
       <p:sp>
         <p:nvSpPr>
-          <p:cNvPr id="414" name="PlaceHolder 2"/>
+          <p:cNvPr id="418" name="PlaceHolder 2"/>
           <p:cNvSpPr>
             <a:spLocks noGrp="1"/>
           </p:cNvSpPr>
@@ -20242,7 +20321,7 @@
         <p:spPr>
           <a:xfrm>
             <a:off x="1080000" y="1960200"/>
-            <a:ext cx="10218960" cy="3935880"/>
+            <a:ext cx="10218600" cy="3935520"/>
           </a:xfrm>
           <a:prstGeom prst="rect">
             <a:avLst/>
@@ -20280,6 +20359,54 @@
                 <a:ea typeface="DejaVu Sans"/>
               </a:rPr>
               <a:t>Pervasive systems</a:t>
+            </a:r>
+            <a:endParaRPr b="0" lang="en-DK" sz="2000" spc="-1" strike="noStrike">
+              <a:latin typeface="Arial"/>
+            </a:endParaRPr>
+          </a:p>
+          <a:p>
+            <a:pPr marL="432000" indent="-324000">
+              <a:lnSpc>
+                <a:spcPct val="90000"/>
+              </a:lnSpc>
+              <a:spcBef>
+                <a:spcPts val="1417"/>
+              </a:spcBef>
+              <a:buClr>
+                <a:srgbClr val="000000"/>
+              </a:buClr>
+              <a:buSzPct val="45000"/>
+              <a:buFont typeface="Wingdings" charset="2"/>
+              <a:buChar char=""/>
+            </a:pPr>
+            <a:endParaRPr b="0" lang="en-DK" sz="2000" spc="-1" strike="noStrike">
+              <a:latin typeface="Arial"/>
+            </a:endParaRPr>
+          </a:p>
+          <a:p>
+            <a:pPr marL="432000" indent="-324000">
+              <a:lnSpc>
+                <a:spcPct val="90000"/>
+              </a:lnSpc>
+              <a:spcBef>
+                <a:spcPts val="1417"/>
+              </a:spcBef>
+              <a:buClr>
+                <a:srgbClr val="000000"/>
+              </a:buClr>
+              <a:buSzPct val="45000"/>
+              <a:buFont typeface="Wingdings" charset="2"/>
+              <a:buChar char=""/>
+            </a:pPr>
+            <a:r>
+              <a:rPr b="0" lang="en-US" sz="2000" spc="-1" strike="noStrike">
+                <a:solidFill>
+                  <a:srgbClr val="000000"/>
+                </a:solidFill>
+                <a:latin typeface="AU Passata"/>
+                <a:ea typeface="DejaVu Sans"/>
+              </a:rPr>
+              <a:t>Article - Privacy</a:t>
             </a:r>
             <a:endParaRPr b="0" lang="en-DK" sz="2000" spc="-1" strike="noStrike">
               <a:latin typeface="Arial"/>
@@ -20396,7 +20523,7 @@
       </p:grpSpPr>
       <p:sp>
         <p:nvSpPr>
-          <p:cNvPr id="415" name="PlaceHolder 1"/>
+          <p:cNvPr id="419" name="PlaceHolder 1"/>
           <p:cNvSpPr>
             <a:spLocks noGrp="1"/>
           </p:cNvSpPr>
@@ -20407,7 +20534,7 @@
         <p:spPr>
           <a:xfrm>
             <a:off x="985680" y="2898000"/>
-            <a:ext cx="10218960" cy="829440"/>
+            <a:ext cx="10218600" cy="829080"/>
           </a:xfrm>
           <a:prstGeom prst="rect">
             <a:avLst/>
@@ -20476,7 +20603,7 @@
       </p:grpSpPr>
       <p:sp>
         <p:nvSpPr>
-          <p:cNvPr id="416" name="PlaceHolder 1"/>
+          <p:cNvPr id="420" name="PlaceHolder 1"/>
           <p:cNvSpPr>
             <a:spLocks noGrp="1"/>
           </p:cNvSpPr>
@@ -20487,7 +20614,7 @@
         <p:spPr>
           <a:xfrm>
             <a:off x="316080" y="149040"/>
-            <a:ext cx="11555640" cy="570240"/>
+            <a:ext cx="11555280" cy="569880"/>
           </a:xfrm>
           <a:prstGeom prst="rect">
             <a:avLst/>
@@ -20526,7 +20653,7 @@
       </p:sp>
       <p:sp>
         <p:nvSpPr>
-          <p:cNvPr id="417" name="PlaceHolder 2"/>
+          <p:cNvPr id="421" name="PlaceHolder 2"/>
           <p:cNvSpPr>
             <a:spLocks noGrp="1"/>
           </p:cNvSpPr>
@@ -20537,7 +20664,7 @@
         <p:spPr>
           <a:xfrm>
             <a:off x="330480" y="1867680"/>
-            <a:ext cx="5108760" cy="4243320"/>
+            <a:ext cx="5108400" cy="4242960"/>
           </a:xfrm>
           <a:prstGeom prst="rect">
             <a:avLst/>
@@ -20613,37 +20740,22 @@
                 <a:latin typeface="AU Passata"/>
                 <a:ea typeface="DejaVu Sans"/>
               </a:rPr>
-              <a:t>Cloud, Crowd and Shroud</a:t>
+              <a:t>Cloud, Crowd and Shroud </a:t>
             </a:r>
             <a:endParaRPr b="0" lang="en-DK" sz="2000" spc="-1" strike="noStrike">
               <a:latin typeface="Arial"/>
             </a:endParaRPr>
           </a:p>
           <a:p>
-            <a:pPr marL="432000" indent="-324000">
+            <a:pPr>
               <a:lnSpc>
                 <a:spcPct val="90000"/>
               </a:lnSpc>
               <a:spcBef>
                 <a:spcPts val="1417"/>
               </a:spcBef>
-              <a:buClr>
-                <a:srgbClr val="000000"/>
-              </a:buClr>
-              <a:buSzPct val="45000"/>
-              <a:buFont typeface="Wingdings" charset="2"/>
-              <a:buChar char=""/>
-            </a:pPr>
-            <a:r>
-              <a:rPr b="0" lang="en-US" sz="2000" spc="-1" strike="noStrike">
-                <a:solidFill>
-                  <a:srgbClr val="000000"/>
-                </a:solidFill>
-                <a:latin typeface="AU Passata"/>
-                <a:ea typeface="DejaVu Sans"/>
-              </a:rPr>
-              <a:t> </a:t>
-            </a:r>
+              <a:buNone/>
+            </a:pPr>
             <a:endParaRPr b="0" lang="en-DK" sz="2000" spc="-1" strike="noStrike">
               <a:latin typeface="Arial"/>
             </a:endParaRPr>
@@ -20704,25 +20816,11 @@
               <a:latin typeface="Arial"/>
             </a:endParaRPr>
           </a:p>
-          <a:p>
-            <a:pPr>
-              <a:lnSpc>
-                <a:spcPct val="90000"/>
-              </a:lnSpc>
-              <a:spcBef>
-                <a:spcPts val="1417"/>
-              </a:spcBef>
-              <a:buNone/>
-            </a:pPr>
-            <a:endParaRPr b="0" lang="en-DK" sz="2000" spc="-1" strike="noStrike">
-              <a:latin typeface="Arial"/>
-            </a:endParaRPr>
-          </a:p>
         </p:txBody>
       </p:sp>
       <p:pic>
         <p:nvPicPr>
-          <p:cNvPr id="418" name="Picture 2" descr="The Computer for the Twenty-First Century Mark Weiser, ACM MCCR 1991 Part  of slides are adapted from: - ppt download"/>
+          <p:cNvPr id="422" name="Picture 2" descr="The Computer for the Twenty-First Century Mark Weiser, ACM MCCR 1991 Part  of slides are adapted from: - ppt download"/>
           <p:cNvPicPr/>
           <p:nvPr/>
         </p:nvPicPr>
@@ -20733,7 +20831,7 @@
         <p:spPr>
           <a:xfrm>
             <a:off x="8312040" y="789480"/>
-            <a:ext cx="3027960" cy="2270520"/>
+            <a:ext cx="3027600" cy="2270160"/>
           </a:xfrm>
           <a:prstGeom prst="rect">
             <a:avLst/>
@@ -20745,7 +20843,7 @@
       </p:pic>
       <p:pic>
         <p:nvPicPr>
-          <p:cNvPr id="419" name="Picture 2" descr=""/>
+          <p:cNvPr id="423" name="Picture 2" descr=""/>
           <p:cNvPicPr/>
           <p:nvPr/>
         </p:nvPicPr>
@@ -20756,7 +20854,7 @@
         <p:spPr>
           <a:xfrm>
             <a:off x="330480" y="2968920"/>
-            <a:ext cx="7858080" cy="2971080"/>
+            <a:ext cx="7857720" cy="2970720"/>
           </a:xfrm>
           <a:prstGeom prst="rect">
             <a:avLst/>
@@ -20798,7 +20896,7 @@
       </p:grpSpPr>
       <p:sp>
         <p:nvSpPr>
-          <p:cNvPr id="420" name="PlaceHolder 1"/>
+          <p:cNvPr id="424" name="PlaceHolder 1"/>
           <p:cNvSpPr>
             <a:spLocks noGrp="1"/>
           </p:cNvSpPr>
@@ -20809,7 +20907,7 @@
         <p:spPr>
           <a:xfrm>
             <a:off x="316080" y="149040"/>
-            <a:ext cx="11555640" cy="570240"/>
+            <a:ext cx="11555280" cy="569880"/>
           </a:xfrm>
           <a:prstGeom prst="rect">
             <a:avLst/>
@@ -20848,7 +20946,7 @@
       </p:sp>
       <p:sp>
         <p:nvSpPr>
-          <p:cNvPr id="421" name="PlaceHolder 2"/>
+          <p:cNvPr id="425" name="PlaceHolder 2"/>
           <p:cNvSpPr>
             <a:spLocks noGrp="1"/>
           </p:cNvSpPr>
@@ -20859,7 +20957,7 @@
         <p:spPr>
           <a:xfrm>
             <a:off x="330480" y="1867680"/>
-            <a:ext cx="5108760" cy="4243320"/>
+            <a:ext cx="5108400" cy="4242960"/>
           </a:xfrm>
           <a:prstGeom prst="rect">
             <a:avLst/>
@@ -21062,7 +21160,7 @@
       </p:sp>
       <p:pic>
         <p:nvPicPr>
-          <p:cNvPr id="422" name="Picture 1" descr="Smart DEI Model @BULLET Autonomy: Where computers act independent of... |  Download Scientific Diagram"/>
+          <p:cNvPr id="426" name="Picture 1" descr="Smart DEI Model @BULLET Autonomy: Where computers act independent of... |  Download Scientific Diagram"/>
           <p:cNvPicPr/>
           <p:nvPr/>
         </p:nvPicPr>
@@ -21073,7 +21171,7 @@
         <p:spPr>
           <a:xfrm>
             <a:off x="5580000" y="1620000"/>
-            <a:ext cx="4780440" cy="3580200"/>
+            <a:ext cx="4780080" cy="3579840"/>
           </a:xfrm>
           <a:prstGeom prst="rect">
             <a:avLst/>
@@ -21115,7 +21213,7 @@
       </p:grpSpPr>
       <p:sp>
         <p:nvSpPr>
-          <p:cNvPr id="423" name="PlaceHolder 1"/>
+          <p:cNvPr id="427" name="PlaceHolder 1"/>
           <p:cNvSpPr>
             <a:spLocks noGrp="1"/>
           </p:cNvSpPr>
@@ -21126,7 +21224,7 @@
         <p:spPr>
           <a:xfrm>
             <a:off x="316080" y="149040"/>
-            <a:ext cx="11555640" cy="570240"/>
+            <a:ext cx="11555280" cy="569880"/>
           </a:xfrm>
           <a:prstGeom prst="rect">
             <a:avLst/>
@@ -21165,7 +21263,7 @@
       </p:sp>
       <p:sp>
         <p:nvSpPr>
-          <p:cNvPr id="424" name="PlaceHolder 2"/>
+          <p:cNvPr id="428" name="PlaceHolder 2"/>
           <p:cNvSpPr>
             <a:spLocks noGrp="1"/>
           </p:cNvSpPr>
@@ -21176,7 +21274,7 @@
         <p:spPr>
           <a:xfrm>
             <a:off x="330480" y="1867680"/>
-            <a:ext cx="5108760" cy="4243320"/>
+            <a:ext cx="5108400" cy="4242960"/>
           </a:xfrm>
           <a:prstGeom prst="rect">
             <a:avLst/>
@@ -21422,14 +21520,14 @@
       </p:sp>
       <p:sp>
         <p:nvSpPr>
-          <p:cNvPr id="425" name="AutoShape 6"/>
+          <p:cNvPr id="429" name="AutoShape 6"/>
           <p:cNvSpPr/>
           <p:nvPr/>
         </p:nvSpPr>
         <p:spPr>
           <a:xfrm>
             <a:off x="5942160" y="3276720"/>
-            <a:ext cx="303840" cy="303840"/>
+            <a:ext cx="303480" cy="303480"/>
           </a:xfrm>
           <a:prstGeom prst="rect">
             <a:avLst/>
@@ -21448,7 +21546,7 @@
       </p:sp>
       <p:pic>
         <p:nvPicPr>
-          <p:cNvPr id="426" name="Picture 10" descr=""/>
+          <p:cNvPr id="430" name="Picture 10" descr=""/>
           <p:cNvPicPr/>
           <p:nvPr/>
         </p:nvPicPr>
@@ -21459,7 +21557,7 @@
         <p:spPr>
           <a:xfrm>
             <a:off x="6876720" y="3606480"/>
-            <a:ext cx="4561920" cy="2504520"/>
+            <a:ext cx="4561560" cy="2504160"/>
           </a:xfrm>
           <a:prstGeom prst="rect">
             <a:avLst/>
@@ -21471,7 +21569,7 @@
       </p:pic>
       <p:pic>
         <p:nvPicPr>
-          <p:cNvPr id="427" name="Picture 12" descr=""/>
+          <p:cNvPr id="431" name="Picture 12" descr=""/>
           <p:cNvPicPr/>
           <p:nvPr/>
         </p:nvPicPr>
@@ -21482,7 +21580,7 @@
         <p:spPr>
           <a:xfrm>
             <a:off x="2535840" y="3783600"/>
-            <a:ext cx="3838680" cy="2327400"/>
+            <a:ext cx="3838320" cy="2327040"/>
           </a:xfrm>
           <a:prstGeom prst="rect">
             <a:avLst/>
@@ -21494,7 +21592,7 @@
       </p:pic>
       <p:pic>
         <p:nvPicPr>
-          <p:cNvPr id="428" name="Picture 3" descr="Smart DEI Model @BULLET Autonomy: Where computers act independent of... |  Download Scientific Diagram"/>
+          <p:cNvPr id="432" name="Picture 3" descr="Smart DEI Model @BULLET Autonomy: Where computers act independent of... |  Download Scientific Diagram"/>
           <p:cNvPicPr/>
           <p:nvPr/>
         </p:nvPicPr>
@@ -21505,7 +21603,7 @@
         <p:spPr>
           <a:xfrm>
             <a:off x="5901120" y="1099080"/>
-            <a:ext cx="3098160" cy="2320200"/>
+            <a:ext cx="3097800" cy="2319840"/>
           </a:xfrm>
           <a:prstGeom prst="rect">
             <a:avLst/>
@@ -21515,6 +21613,42 @@
           </a:ln>
         </p:spPr>
       </p:pic>
+      <p:sp>
+        <p:nvSpPr>
+          <p:cNvPr id="433" name=""/>
+          <p:cNvSpPr txBox="1"/>
+          <p:nvPr/>
+        </p:nvSpPr>
+        <p:spPr>
+          <a:xfrm>
+            <a:off x="3780000" y="180000"/>
+            <a:ext cx="720000" cy="346320"/>
+          </a:xfrm>
+          <a:prstGeom prst="rect">
+            <a:avLst/>
+          </a:prstGeom>
+          <a:noFill/>
+          <a:ln w="0">
+            <a:noFill/>
+          </a:ln>
+        </p:spPr>
+        <p:txBody>
+          <a:bodyPr lIns="90000" rIns="90000" tIns="45000" bIns="45000" anchor="t">
+            <a:noAutofit/>
+          </a:bodyPr>
+          <a:p>
+            <a:r>
+              <a:rPr b="0" lang="en-DK" sz="1800" spc="-1" strike="noStrike">
+                <a:latin typeface="Arial"/>
+              </a:rPr>
+              <a:t>!</a:t>
+            </a:r>
+            <a:endParaRPr b="0" lang="en-DK" sz="1800" spc="-1" strike="noStrike">
+              <a:latin typeface="Arial"/>
+            </a:endParaRPr>
+          </a:p>
+        </p:txBody>
+      </p:sp>
     </p:spTree>
   </p:cSld>
   <mc:AlternateContent>
@@ -21558,7 +21692,7 @@
         <p:spPr>
           <a:xfrm>
             <a:off x="316080" y="228600"/>
-            <a:ext cx="11554560" cy="670680"/>
+            <a:ext cx="11554200" cy="670320"/>
           </a:xfrm>
           <a:prstGeom prst="rect">
             <a:avLst/>
@@ -21608,7 +21742,7 @@
         <p:spPr>
           <a:xfrm>
             <a:off x="985680" y="1373040"/>
-            <a:ext cx="10218960" cy="4519800"/>
+            <a:ext cx="10218600" cy="4519440"/>
           </a:xfrm>
           <a:prstGeom prst="rect">
             <a:avLst/>
@@ -21724,7 +21858,7 @@
         <p:spPr>
           <a:xfrm>
             <a:off x="540000" y="3421080"/>
-            <a:ext cx="6497280" cy="2338920"/>
+            <a:ext cx="6496920" cy="2338560"/>
           </a:xfrm>
           <a:prstGeom prst="rect">
             <a:avLst/>
@@ -21747,7 +21881,7 @@
         <p:spPr>
           <a:xfrm>
             <a:off x="7200000" y="609480"/>
-            <a:ext cx="4405320" cy="2449440"/>
+            <a:ext cx="4404960" cy="2449080"/>
           </a:xfrm>
           <a:prstGeom prst="rect">
             <a:avLst/>
@@ -21770,7 +21904,7 @@
         <p:spPr>
           <a:xfrm>
             <a:off x="7200000" y="3240000"/>
-            <a:ext cx="4203720" cy="2871360"/>
+            <a:ext cx="4203360" cy="2871000"/>
           </a:xfrm>
           <a:prstGeom prst="rect">
             <a:avLst/>
@@ -21812,7 +21946,7 @@
       </p:grpSpPr>
       <p:sp>
         <p:nvSpPr>
-          <p:cNvPr id="429" name="PlaceHolder 1"/>
+          <p:cNvPr id="434" name="PlaceHolder 1"/>
           <p:cNvSpPr>
             <a:spLocks noGrp="1"/>
           </p:cNvSpPr>
@@ -21823,7 +21957,7 @@
         <p:spPr>
           <a:xfrm>
             <a:off x="316080" y="149040"/>
-            <a:ext cx="11555640" cy="570240"/>
+            <a:ext cx="11555280" cy="569880"/>
           </a:xfrm>
           <a:prstGeom prst="rect">
             <a:avLst/>
@@ -21862,7 +21996,7 @@
       </p:sp>
       <p:sp>
         <p:nvSpPr>
-          <p:cNvPr id="430" name="PlaceHolder 2"/>
+          <p:cNvPr id="435" name="PlaceHolder 2"/>
           <p:cNvSpPr>
             <a:spLocks noGrp="1"/>
           </p:cNvSpPr>
@@ -21873,7 +22007,7 @@
         <p:spPr>
           <a:xfrm>
             <a:off x="330480" y="1867680"/>
-            <a:ext cx="5108760" cy="4243320"/>
+            <a:ext cx="5108400" cy="4242960"/>
           </a:xfrm>
           <a:prstGeom prst="rect">
             <a:avLst/>
@@ -21990,14 +22124,14 @@
       </p:sp>
       <p:sp>
         <p:nvSpPr>
-          <p:cNvPr id="431" name="AutoShape 1"/>
+          <p:cNvPr id="436" name="AutoShape 1"/>
           <p:cNvSpPr/>
           <p:nvPr/>
         </p:nvSpPr>
         <p:spPr>
           <a:xfrm>
             <a:off x="5942160" y="3276720"/>
-            <a:ext cx="303840" cy="303840"/>
+            <a:ext cx="303480" cy="303480"/>
           </a:xfrm>
           <a:prstGeom prst="rect">
             <a:avLst/>
@@ -22046,7 +22180,7 @@
       </p:grpSpPr>
       <p:sp>
         <p:nvSpPr>
-          <p:cNvPr id="432" name="PlaceHolder 1"/>
+          <p:cNvPr id="437" name="PlaceHolder 1"/>
           <p:cNvSpPr>
             <a:spLocks noGrp="1"/>
           </p:cNvSpPr>
@@ -22057,7 +22191,7 @@
         <p:spPr>
           <a:xfrm>
             <a:off x="393120" y="129600"/>
-            <a:ext cx="10968480" cy="625680"/>
+            <a:ext cx="10968120" cy="625320"/>
           </a:xfrm>
           <a:prstGeom prst="rect">
             <a:avLst/>
@@ -22096,7 +22230,7 @@
       </p:sp>
       <p:pic>
         <p:nvPicPr>
-          <p:cNvPr id="433" name="" descr=""/>
+          <p:cNvPr id="438" name="" descr=""/>
           <p:cNvPicPr/>
           <p:nvPr/>
         </p:nvPicPr>
@@ -22107,7 +22241,7 @@
         <p:spPr>
           <a:xfrm>
             <a:off x="1018080" y="1762920"/>
-            <a:ext cx="2761200" cy="1656360"/>
+            <a:ext cx="2760840" cy="1656000"/>
           </a:xfrm>
           <a:prstGeom prst="rect">
             <a:avLst/>
@@ -22119,7 +22253,7 @@
       </p:pic>
       <p:pic>
         <p:nvPicPr>
-          <p:cNvPr id="434" name="" descr=""/>
+          <p:cNvPr id="439" name="" descr=""/>
           <p:cNvPicPr/>
           <p:nvPr/>
         </p:nvPicPr>
@@ -22130,132 +22264,7 @@
         <p:spPr>
           <a:xfrm>
             <a:off x="4140000" y="1905840"/>
-            <a:ext cx="3027960" cy="1513440"/>
-          </a:xfrm>
-          <a:prstGeom prst="rect">
-            <a:avLst/>
-          </a:prstGeom>
-          <a:ln w="0">
-            <a:noFill/>
-          </a:ln>
-        </p:spPr>
-      </p:pic>
-      <p:pic>
-        <p:nvPicPr>
-          <p:cNvPr id="435" name="" descr=""/>
-          <p:cNvPicPr/>
-          <p:nvPr/>
-        </p:nvPicPr>
-        <p:blipFill>
-          <a:blip r:embed="rId3"/>
-          <a:stretch/>
-        </p:blipFill>
-        <p:spPr>
-          <a:xfrm>
-            <a:off x="900000" y="3960000"/>
-            <a:ext cx="3151800" cy="1446840"/>
-          </a:xfrm>
-          <a:prstGeom prst="rect">
-            <a:avLst/>
-          </a:prstGeom>
-          <a:ln w="0">
-            <a:noFill/>
-          </a:ln>
-        </p:spPr>
-      </p:pic>
-      <p:pic>
-        <p:nvPicPr>
-          <p:cNvPr id="436" name="" descr=""/>
-          <p:cNvPicPr/>
-          <p:nvPr/>
-        </p:nvPicPr>
-        <p:blipFill>
-          <a:blip r:embed="rId4"/>
-          <a:stretch/>
-        </p:blipFill>
-        <p:spPr>
-          <a:xfrm>
-            <a:off x="4500000" y="3780000"/>
-            <a:ext cx="2541960" cy="1799280"/>
-          </a:xfrm>
-          <a:prstGeom prst="rect">
-            <a:avLst/>
-          </a:prstGeom>
-          <a:ln w="0">
-            <a:noFill/>
-          </a:ln>
-        </p:spPr>
-      </p:pic>
-      <p:sp>
-        <p:nvSpPr>
-          <p:cNvPr id="437" name=""/>
-          <p:cNvSpPr/>
-          <p:nvPr/>
-        </p:nvSpPr>
-        <p:spPr>
-          <a:xfrm>
-            <a:off x="900000" y="1620000"/>
-            <a:ext cx="3059280" cy="1979280"/>
-          </a:xfrm>
-          <a:prstGeom prst="ellipse">
-            <a:avLst/>
-          </a:prstGeom>
-          <a:noFill/>
-          <a:ln w="0">
-            <a:solidFill>
-              <a:srgbClr val="3465a4"/>
-            </a:solidFill>
-          </a:ln>
-        </p:spPr>
-        <p:style>
-          <a:lnRef idx="0"/>
-          <a:fillRef idx="0"/>
-          <a:effectRef idx="0"/>
-          <a:fontRef idx="minor"/>
-        </p:style>
-      </p:sp>
-      <p:sp>
-        <p:nvSpPr>
-          <p:cNvPr id="438" name=""/>
-          <p:cNvSpPr/>
-          <p:nvPr/>
-        </p:nvSpPr>
-        <p:spPr>
-          <a:xfrm>
-            <a:off x="6480000" y="3672000"/>
-            <a:ext cx="601200" cy="1007280"/>
-          </a:xfrm>
-          <a:prstGeom prst="ellipse">
-            <a:avLst/>
-          </a:prstGeom>
-          <a:noFill/>
-          <a:ln w="0">
-            <a:solidFill>
-              <a:srgbClr val="3465a4"/>
-            </a:solidFill>
-          </a:ln>
-        </p:spPr>
-        <p:style>
-          <a:lnRef idx="0"/>
-          <a:fillRef idx="0"/>
-          <a:effectRef idx="0"/>
-          <a:fontRef idx="minor"/>
-        </p:style>
-      </p:sp>
-      <p:pic>
-        <p:nvPicPr>
-          <p:cNvPr id="439" name="" descr=""/>
-          <p:cNvPicPr/>
-          <p:nvPr/>
-        </p:nvPicPr>
-        <p:blipFill>
-          <a:blip r:embed="rId5"/>
-          <a:stretch/>
-        </p:blipFill>
-        <p:spPr>
-          <a:xfrm>
-            <a:off x="7200000" y="1914480"/>
-            <a:ext cx="2703960" cy="1684800"/>
+            <a:ext cx="3027600" cy="1513080"/>
           </a:xfrm>
           <a:prstGeom prst="rect">
             <a:avLst/>
@@ -22272,13 +22281,138 @@
           <p:nvPr/>
         </p:nvPicPr>
         <p:blipFill>
+          <a:blip r:embed="rId3"/>
+          <a:stretch/>
+        </p:blipFill>
+        <p:spPr>
+          <a:xfrm>
+            <a:off x="900000" y="3960000"/>
+            <a:ext cx="3151440" cy="1446480"/>
+          </a:xfrm>
+          <a:prstGeom prst="rect">
+            <a:avLst/>
+          </a:prstGeom>
+          <a:ln w="0">
+            <a:noFill/>
+          </a:ln>
+        </p:spPr>
+      </p:pic>
+      <p:pic>
+        <p:nvPicPr>
+          <p:cNvPr id="441" name="" descr=""/>
+          <p:cNvPicPr/>
+          <p:nvPr/>
+        </p:nvPicPr>
+        <p:blipFill>
+          <a:blip r:embed="rId4"/>
+          <a:stretch/>
+        </p:blipFill>
+        <p:spPr>
+          <a:xfrm>
+            <a:off x="4500000" y="3780000"/>
+            <a:ext cx="2541600" cy="1798920"/>
+          </a:xfrm>
+          <a:prstGeom prst="rect">
+            <a:avLst/>
+          </a:prstGeom>
+          <a:ln w="0">
+            <a:noFill/>
+          </a:ln>
+        </p:spPr>
+      </p:pic>
+      <p:sp>
+        <p:nvSpPr>
+          <p:cNvPr id="442" name=""/>
+          <p:cNvSpPr/>
+          <p:nvPr/>
+        </p:nvSpPr>
+        <p:spPr>
+          <a:xfrm>
+            <a:off x="900000" y="1620000"/>
+            <a:ext cx="3058920" cy="1978920"/>
+          </a:xfrm>
+          <a:prstGeom prst="ellipse">
+            <a:avLst/>
+          </a:prstGeom>
+          <a:noFill/>
+          <a:ln w="0">
+            <a:solidFill>
+              <a:srgbClr val="3465a4"/>
+            </a:solidFill>
+          </a:ln>
+        </p:spPr>
+        <p:style>
+          <a:lnRef idx="0"/>
+          <a:fillRef idx="0"/>
+          <a:effectRef idx="0"/>
+          <a:fontRef idx="minor"/>
+        </p:style>
+      </p:sp>
+      <p:sp>
+        <p:nvSpPr>
+          <p:cNvPr id="443" name=""/>
+          <p:cNvSpPr/>
+          <p:nvPr/>
+        </p:nvSpPr>
+        <p:spPr>
+          <a:xfrm>
+            <a:off x="6480000" y="3672000"/>
+            <a:ext cx="600840" cy="1006920"/>
+          </a:xfrm>
+          <a:prstGeom prst="ellipse">
+            <a:avLst/>
+          </a:prstGeom>
+          <a:noFill/>
+          <a:ln w="0">
+            <a:solidFill>
+              <a:srgbClr val="3465a4"/>
+            </a:solidFill>
+          </a:ln>
+        </p:spPr>
+        <p:style>
+          <a:lnRef idx="0"/>
+          <a:fillRef idx="0"/>
+          <a:effectRef idx="0"/>
+          <a:fontRef idx="minor"/>
+        </p:style>
+      </p:sp>
+      <p:pic>
+        <p:nvPicPr>
+          <p:cNvPr id="444" name="" descr=""/>
+          <p:cNvPicPr/>
+          <p:nvPr/>
+        </p:nvPicPr>
+        <p:blipFill>
+          <a:blip r:embed="rId5"/>
+          <a:stretch/>
+        </p:blipFill>
+        <p:spPr>
+          <a:xfrm>
+            <a:off x="7200000" y="1914480"/>
+            <a:ext cx="2703600" cy="1684440"/>
+          </a:xfrm>
+          <a:prstGeom prst="rect">
+            <a:avLst/>
+          </a:prstGeom>
+          <a:ln w="0">
+            <a:noFill/>
+          </a:ln>
+        </p:spPr>
+      </p:pic>
+      <p:pic>
+        <p:nvPicPr>
+          <p:cNvPr id="445" name="" descr=""/>
+          <p:cNvPicPr/>
+          <p:nvPr/>
+        </p:nvPicPr>
+        <p:blipFill>
           <a:blip r:embed="rId6"/>
           <a:stretch/>
         </p:blipFill>
         <p:spPr>
           <a:xfrm>
             <a:off x="7380000" y="3960000"/>
-            <a:ext cx="1585440" cy="401040"/>
+            <a:ext cx="1585080" cy="400680"/>
           </a:xfrm>
           <a:prstGeom prst="rect">
             <a:avLst/>
@@ -22288,6 +22422,42 @@
           </a:ln>
         </p:spPr>
       </p:pic>
+      <p:sp>
+        <p:nvSpPr>
+          <p:cNvPr id="446" name=""/>
+          <p:cNvSpPr txBox="1"/>
+          <p:nvPr/>
+        </p:nvSpPr>
+        <p:spPr>
+          <a:xfrm>
+            <a:off x="6660000" y="129600"/>
+            <a:ext cx="720000" cy="346320"/>
+          </a:xfrm>
+          <a:prstGeom prst="rect">
+            <a:avLst/>
+          </a:prstGeom>
+          <a:noFill/>
+          <a:ln w="0">
+            <a:noFill/>
+          </a:ln>
+        </p:spPr>
+        <p:txBody>
+          <a:bodyPr lIns="90000" rIns="90000" tIns="45000" bIns="45000" anchor="t">
+            <a:noAutofit/>
+          </a:bodyPr>
+          <a:p>
+            <a:r>
+              <a:rPr b="0" lang="en-DK" sz="1800" spc="-1" strike="noStrike">
+                <a:latin typeface="Arial"/>
+              </a:rPr>
+              <a:t>!</a:t>
+            </a:r>
+            <a:endParaRPr b="0" lang="en-DK" sz="1800" spc="-1" strike="noStrike">
+              <a:latin typeface="Arial"/>
+            </a:endParaRPr>
+          </a:p>
+        </p:txBody>
+      </p:sp>
     </p:spTree>
   </p:cSld>
   <mc:AlternateContent>
@@ -22327,7 +22497,7 @@
       </p:grpSpPr>
       <p:sp>
         <p:nvSpPr>
-          <p:cNvPr id="441" name="PlaceHolder 1"/>
+          <p:cNvPr id="447" name="PlaceHolder 1"/>
           <p:cNvSpPr>
             <a:spLocks noGrp="1"/>
           </p:cNvSpPr>
@@ -22338,7 +22508,7 @@
         <p:spPr>
           <a:xfrm>
             <a:off x="985680" y="2898000"/>
-            <a:ext cx="10218960" cy="829440"/>
+            <a:ext cx="10218600" cy="829080"/>
           </a:xfrm>
           <a:prstGeom prst="rect">
             <a:avLst/>
@@ -22407,7 +22577,7 @@
       </p:grpSpPr>
       <p:sp>
         <p:nvSpPr>
-          <p:cNvPr id="442" name="PlaceHolder 1"/>
+          <p:cNvPr id="448" name="PlaceHolder 1"/>
           <p:cNvSpPr>
             <a:spLocks noGrp="1"/>
           </p:cNvSpPr>
@@ -22418,7 +22588,7 @@
         <p:spPr>
           <a:xfrm>
             <a:off x="316080" y="149040"/>
-            <a:ext cx="11555640" cy="570240"/>
+            <a:ext cx="11555280" cy="569880"/>
           </a:xfrm>
           <a:prstGeom prst="rect">
             <a:avLst/>
@@ -22457,7 +22627,7 @@
       </p:sp>
       <p:sp>
         <p:nvSpPr>
-          <p:cNvPr id="443" name="PlaceHolder 2"/>
+          <p:cNvPr id="449" name="PlaceHolder 2"/>
           <p:cNvSpPr>
             <a:spLocks noGrp="1"/>
           </p:cNvSpPr>
@@ -22468,7 +22638,7 @@
         <p:spPr>
           <a:xfrm>
             <a:off x="330480" y="1867680"/>
-            <a:ext cx="5108760" cy="4243320"/>
+            <a:ext cx="5108400" cy="4242960"/>
           </a:xfrm>
           <a:prstGeom prst="rect">
             <a:avLst/>
@@ -22534,7 +22704,65 @@
                 <a:latin typeface="AU Passata"/>
                 <a:ea typeface="DejaVu Sans"/>
               </a:rPr>
-              <a:t>What, Where, When, How, Who and Why</a:t>
+              <a:t>What, Where, When,</a:t>
+            </a:r>
+            <a:endParaRPr b="0" lang="en-DK" sz="2000" spc="-1" strike="noStrike">
+              <a:latin typeface="Arial"/>
+            </a:endParaRPr>
+          </a:p>
+          <a:p>
+            <a:pPr marL="432000" indent="-324000">
+              <a:lnSpc>
+                <a:spcPct val="90000"/>
+              </a:lnSpc>
+              <a:spcBef>
+                <a:spcPts val="1417"/>
+              </a:spcBef>
+              <a:buClr>
+                <a:srgbClr val="000000"/>
+              </a:buClr>
+              <a:buSzPct val="45000"/>
+              <a:buFont typeface="Wingdings" charset="2"/>
+              <a:buChar char=""/>
+            </a:pPr>
+            <a:r>
+              <a:rPr b="0" lang="en-US" sz="2000" spc="-1" strike="noStrike">
+                <a:solidFill>
+                  <a:srgbClr val="000000"/>
+                </a:solidFill>
+                <a:latin typeface="AU Passata"/>
+                <a:ea typeface="DejaVu Sans"/>
+              </a:rPr>
+              <a:t>How</a:t>
+            </a:r>
+            <a:endParaRPr b="0" lang="en-DK" sz="2000" spc="-1" strike="noStrike">
+              <a:latin typeface="Arial"/>
+            </a:endParaRPr>
+          </a:p>
+          <a:p>
+            <a:pPr marL="432000" indent="-324000">
+              <a:lnSpc>
+                <a:spcPct val="90000"/>
+              </a:lnSpc>
+              <a:spcBef>
+                <a:spcPts val="1417"/>
+              </a:spcBef>
+              <a:buClr>
+                <a:srgbClr val="000000"/>
+              </a:buClr>
+              <a:buSzPct val="45000"/>
+              <a:buFont typeface="Wingdings" charset="2"/>
+              <a:buChar char=""/>
+            </a:pPr>
+            <a:r>
+              <a:rPr b="0" lang="en-US" sz="2000" spc="-1" strike="noStrike">
+                <a:solidFill>
+                  <a:srgbClr val="000000"/>
+                </a:solidFill>
+                <a:latin typeface="AU Passata"/>
+                <a:ea typeface="DejaVu Sans"/>
+              </a:rPr>
+              <a:t>and Why</a:t>
             </a:r>
             <a:endParaRPr b="0" lang="en-DK" sz="2000" spc="-1" strike="noStrike">
               <a:latin typeface="Arial"/>
@@ -22643,14 +22871,14 @@
       </p:sp>
       <p:sp>
         <p:nvSpPr>
-          <p:cNvPr id="444" name="AutoShape 2"/>
+          <p:cNvPr id="450" name="AutoShape 2"/>
           <p:cNvSpPr/>
           <p:nvPr/>
         </p:nvSpPr>
         <p:spPr>
           <a:xfrm>
             <a:off x="5942160" y="3276720"/>
-            <a:ext cx="303840" cy="303840"/>
+            <a:ext cx="303480" cy="303480"/>
           </a:xfrm>
           <a:prstGeom prst="rect">
             <a:avLst/>
@@ -22669,7 +22897,7 @@
       </p:sp>
       <p:pic>
         <p:nvPicPr>
-          <p:cNvPr id="445" name="Picture 6" descr="Smart DEI Model @BULLET Autonomy: Where computers act independent of... |  Download Scientific Diagram"/>
+          <p:cNvPr id="451" name="Picture 6" descr="Smart DEI Model @BULLET Autonomy: Where computers act independent of... |  Download Scientific Diagram"/>
           <p:cNvPicPr/>
           <p:nvPr/>
         </p:nvPicPr>
@@ -22679,8 +22907,8 @@
         </p:blipFill>
         <p:spPr>
           <a:xfrm>
-            <a:off x="2841840" y="3260520"/>
-            <a:ext cx="3818160" cy="2859480"/>
+            <a:off x="3562200" y="3260880"/>
+            <a:ext cx="3817800" cy="2859120"/>
           </a:xfrm>
           <a:prstGeom prst="rect">
             <a:avLst/>
@@ -22692,7 +22920,7 @@
       </p:pic>
       <p:pic>
         <p:nvPicPr>
-          <p:cNvPr id="446" name="" descr=""/>
+          <p:cNvPr id="452" name="" descr=""/>
           <p:cNvPicPr/>
           <p:nvPr/>
         </p:nvPicPr>
@@ -22703,7 +22931,7 @@
         <p:spPr>
           <a:xfrm>
             <a:off x="8069400" y="3960000"/>
-            <a:ext cx="3090600" cy="2140200"/>
+            <a:ext cx="3090240" cy="2139840"/>
           </a:xfrm>
           <a:prstGeom prst="rect">
             <a:avLst/>
@@ -22745,7 +22973,7 @@
       </p:grpSpPr>
       <p:sp>
         <p:nvSpPr>
-          <p:cNvPr id="447" name="PlaceHolder 1"/>
+          <p:cNvPr id="453" name="PlaceHolder 1"/>
           <p:cNvSpPr>
             <a:spLocks noGrp="1"/>
           </p:cNvSpPr>
@@ -22756,7 +22984,7 @@
         <p:spPr>
           <a:xfrm>
             <a:off x="316080" y="149040"/>
-            <a:ext cx="11555640" cy="570240"/>
+            <a:ext cx="11555280" cy="569880"/>
           </a:xfrm>
           <a:prstGeom prst="rect">
             <a:avLst/>
@@ -22795,7 +23023,7 @@
       </p:sp>
       <p:sp>
         <p:nvSpPr>
-          <p:cNvPr id="448" name="PlaceHolder 2"/>
+          <p:cNvPr id="454" name="PlaceHolder 2"/>
           <p:cNvSpPr>
             <a:spLocks noGrp="1"/>
           </p:cNvSpPr>
@@ -22806,7 +23034,7 @@
         <p:spPr>
           <a:xfrm>
             <a:off x="330480" y="1867680"/>
-            <a:ext cx="5108760" cy="4243320"/>
+            <a:ext cx="5108400" cy="4242960"/>
           </a:xfrm>
           <a:prstGeom prst="rect">
             <a:avLst/>
@@ -23010,14 +23238,14 @@
       </p:sp>
       <p:sp>
         <p:nvSpPr>
-          <p:cNvPr id="449" name="AutoShape 4"/>
+          <p:cNvPr id="455" name="AutoShape 4"/>
           <p:cNvSpPr/>
           <p:nvPr/>
         </p:nvSpPr>
         <p:spPr>
           <a:xfrm>
             <a:off x="5942160" y="3276720"/>
-            <a:ext cx="303840" cy="303840"/>
+            <a:ext cx="303480" cy="303480"/>
           </a:xfrm>
           <a:prstGeom prst="rect">
             <a:avLst/>
@@ -23066,7 +23294,7 @@
       </p:grpSpPr>
       <p:sp>
         <p:nvSpPr>
-          <p:cNvPr id="450" name="PlaceHolder 1"/>
+          <p:cNvPr id="456" name="PlaceHolder 1"/>
           <p:cNvSpPr>
             <a:spLocks noGrp="1"/>
           </p:cNvSpPr>
@@ -23077,7 +23305,7 @@
         <p:spPr>
           <a:xfrm>
             <a:off x="316080" y="149040"/>
-            <a:ext cx="11555640" cy="570240"/>
+            <a:ext cx="11555280" cy="569880"/>
           </a:xfrm>
           <a:prstGeom prst="rect">
             <a:avLst/>
@@ -23116,14 +23344,14 @@
       </p:sp>
       <p:sp>
         <p:nvSpPr>
-          <p:cNvPr id="451" name="AutoShape 3"/>
+          <p:cNvPr id="457" name="AutoShape 3"/>
           <p:cNvSpPr/>
           <p:nvPr/>
         </p:nvSpPr>
         <p:spPr>
           <a:xfrm>
             <a:off x="8102880" y="2779200"/>
-            <a:ext cx="303840" cy="303840"/>
+            <a:ext cx="303480" cy="303480"/>
           </a:xfrm>
           <a:prstGeom prst="rect">
             <a:avLst/>
@@ -23142,7 +23370,7 @@
       </p:sp>
       <p:pic>
         <p:nvPicPr>
-          <p:cNvPr id="452" name="" descr=""/>
+          <p:cNvPr id="458" name="" descr=""/>
           <p:cNvPicPr/>
           <p:nvPr/>
         </p:nvPicPr>
@@ -23153,7 +23381,7 @@
         <p:spPr>
           <a:xfrm>
             <a:off x="4415040" y="2018520"/>
-            <a:ext cx="2699280" cy="2523240"/>
+            <a:ext cx="2698920" cy="2522880"/>
           </a:xfrm>
           <a:prstGeom prst="rect">
             <a:avLst/>
@@ -23165,14 +23393,14 @@
       </p:pic>
       <p:sp>
         <p:nvSpPr>
-          <p:cNvPr id="453" name=""/>
+          <p:cNvPr id="459" name=""/>
           <p:cNvSpPr/>
           <p:nvPr/>
         </p:nvSpPr>
         <p:spPr>
           <a:xfrm>
             <a:off x="5040720" y="1662480"/>
-            <a:ext cx="1619280" cy="355320"/>
+            <a:ext cx="1618920" cy="354960"/>
           </a:xfrm>
           <a:prstGeom prst="rect">
             <a:avLst/>
@@ -23217,14 +23445,14 @@
       </p:sp>
       <p:sp>
         <p:nvSpPr>
-          <p:cNvPr id="454" name=""/>
+          <p:cNvPr id="460" name=""/>
           <p:cNvSpPr/>
           <p:nvPr/>
         </p:nvSpPr>
         <p:spPr>
           <a:xfrm>
             <a:off x="7115040" y="3102480"/>
-            <a:ext cx="1704960" cy="857520"/>
+            <a:ext cx="1704600" cy="857160"/>
           </a:xfrm>
           <a:prstGeom prst="rect">
             <a:avLst/>
@@ -23269,14 +23497,14 @@
       </p:sp>
       <p:sp>
         <p:nvSpPr>
-          <p:cNvPr id="455" name=""/>
+          <p:cNvPr id="461" name=""/>
           <p:cNvSpPr/>
           <p:nvPr/>
         </p:nvSpPr>
         <p:spPr>
           <a:xfrm>
             <a:off x="5220720" y="4542480"/>
-            <a:ext cx="1979280" cy="857520"/>
+            <a:ext cx="1978920" cy="857160"/>
           </a:xfrm>
           <a:prstGeom prst="rect">
             <a:avLst/>
@@ -23321,14 +23549,14 @@
       </p:sp>
       <p:sp>
         <p:nvSpPr>
-          <p:cNvPr id="456" name=""/>
+          <p:cNvPr id="462" name=""/>
           <p:cNvSpPr/>
           <p:nvPr/>
         </p:nvSpPr>
         <p:spPr>
           <a:xfrm>
             <a:off x="3060720" y="2742480"/>
-            <a:ext cx="1619280" cy="747360"/>
+            <a:ext cx="1618920" cy="747000"/>
           </a:xfrm>
           <a:prstGeom prst="rect">
             <a:avLst/>
@@ -23403,7 +23631,7 @@
       </p:grpSpPr>
       <p:sp>
         <p:nvSpPr>
-          <p:cNvPr id="457" name="PlaceHolder 1"/>
+          <p:cNvPr id="463" name="PlaceHolder 1"/>
           <p:cNvSpPr>
             <a:spLocks noGrp="1"/>
           </p:cNvSpPr>
@@ -23414,7 +23642,7 @@
         <p:spPr>
           <a:xfrm>
             <a:off x="316080" y="149040"/>
-            <a:ext cx="11555640" cy="570240"/>
+            <a:ext cx="11555280" cy="569880"/>
           </a:xfrm>
           <a:prstGeom prst="rect">
             <a:avLst/>
@@ -23453,7 +23681,7 @@
       </p:sp>
       <p:pic>
         <p:nvPicPr>
-          <p:cNvPr id="458" name="" descr=""/>
+          <p:cNvPr id="464" name="" descr=""/>
           <p:cNvPicPr/>
           <p:nvPr/>
         </p:nvPicPr>
@@ -23464,7 +23692,7 @@
         <p:spPr>
           <a:xfrm>
             <a:off x="5580000" y="3961080"/>
-            <a:ext cx="1884960" cy="1618200"/>
+            <a:ext cx="1884600" cy="1617840"/>
           </a:xfrm>
           <a:prstGeom prst="rect">
             <a:avLst/>
@@ -23476,14 +23704,14 @@
       </p:pic>
       <p:sp>
         <p:nvSpPr>
-          <p:cNvPr id="459" name=""/>
+          <p:cNvPr id="465" name=""/>
           <p:cNvSpPr/>
           <p:nvPr/>
         </p:nvSpPr>
         <p:spPr>
           <a:xfrm>
             <a:off x="5760000" y="1620000"/>
-            <a:ext cx="1619280" cy="719280"/>
+            <a:ext cx="1618920" cy="718920"/>
           </a:xfrm>
           <a:prstGeom prst="rect">
             <a:avLst/>
@@ -23532,14 +23760,14 @@
       </p:sp>
       <p:sp>
         <p:nvSpPr>
-          <p:cNvPr id="460" name=""/>
+          <p:cNvPr id="466" name=""/>
           <p:cNvSpPr/>
           <p:nvPr/>
         </p:nvSpPr>
         <p:spPr>
           <a:xfrm>
             <a:off x="5760000" y="2880000"/>
-            <a:ext cx="1619280" cy="719280"/>
+            <a:ext cx="1618920" cy="718920"/>
           </a:xfrm>
           <a:prstGeom prst="rect">
             <a:avLst/>
@@ -23588,14 +23816,14 @@
       </p:sp>
       <p:sp>
         <p:nvSpPr>
-          <p:cNvPr id="461" name=""/>
+          <p:cNvPr id="467" name=""/>
           <p:cNvSpPr/>
           <p:nvPr/>
         </p:nvSpPr>
         <p:spPr>
           <a:xfrm>
             <a:off x="7560000" y="2880000"/>
-            <a:ext cx="1619280" cy="719280"/>
+            <a:ext cx="1618920" cy="718920"/>
           </a:xfrm>
           <a:prstGeom prst="rect">
             <a:avLst/>
@@ -23644,14 +23872,14 @@
       </p:sp>
       <p:sp>
         <p:nvSpPr>
-          <p:cNvPr id="462" name=""/>
+          <p:cNvPr id="468" name=""/>
           <p:cNvSpPr/>
           <p:nvPr/>
         </p:nvSpPr>
         <p:spPr>
           <a:xfrm>
             <a:off x="3960000" y="2880000"/>
-            <a:ext cx="1619280" cy="719280"/>
+            <a:ext cx="1618920" cy="718920"/>
           </a:xfrm>
           <a:prstGeom prst="rect">
             <a:avLst/>
@@ -23730,7 +23958,7 @@
       </p:grpSpPr>
       <p:sp>
         <p:nvSpPr>
-          <p:cNvPr id="463" name="PlaceHolder 1"/>
+          <p:cNvPr id="469" name="PlaceHolder 1"/>
           <p:cNvSpPr>
             <a:spLocks noGrp="1"/>
           </p:cNvSpPr>
@@ -23741,7 +23969,7 @@
         <p:spPr>
           <a:xfrm>
             <a:off x="316080" y="149040"/>
-            <a:ext cx="11555640" cy="570240"/>
+            <a:ext cx="11555280" cy="569880"/>
           </a:xfrm>
           <a:prstGeom prst="rect">
             <a:avLst/>
@@ -23780,7 +24008,7 @@
       </p:sp>
       <p:sp>
         <p:nvSpPr>
-          <p:cNvPr id="464" name="PlaceHolder 2"/>
+          <p:cNvPr id="470" name="PlaceHolder 2"/>
           <p:cNvSpPr>
             <a:spLocks noGrp="1"/>
           </p:cNvSpPr>
@@ -23791,7 +24019,7 @@
         <p:spPr>
           <a:xfrm>
             <a:off x="330480" y="1867680"/>
-            <a:ext cx="5108760" cy="4243320"/>
+            <a:ext cx="5108400" cy="4242960"/>
           </a:xfrm>
           <a:prstGeom prst="rect">
             <a:avLst/>
@@ -23908,14 +24136,14 @@
       </p:sp>
       <p:sp>
         <p:nvSpPr>
-          <p:cNvPr id="465" name="AutoShape 5"/>
+          <p:cNvPr id="471" name="AutoShape 5"/>
           <p:cNvSpPr/>
           <p:nvPr/>
         </p:nvSpPr>
         <p:spPr>
           <a:xfrm>
             <a:off x="5942160" y="3276720"/>
-            <a:ext cx="303840" cy="303840"/>
+            <a:ext cx="303480" cy="303480"/>
           </a:xfrm>
           <a:prstGeom prst="rect">
             <a:avLst/>
@@ -23934,7 +24162,7 @@
       </p:sp>
       <p:pic>
         <p:nvPicPr>
-          <p:cNvPr id="466" name="Picture 5" descr=""/>
+          <p:cNvPr id="472" name="Picture 5" descr=""/>
           <p:cNvPicPr/>
           <p:nvPr/>
         </p:nvPicPr>
@@ -23945,7 +24173,7 @@
         <p:spPr>
           <a:xfrm>
             <a:off x="1240560" y="3420000"/>
-            <a:ext cx="4198680" cy="2545560"/>
+            <a:ext cx="4198320" cy="2545200"/>
           </a:xfrm>
           <a:prstGeom prst="rect">
             <a:avLst/>
@@ -23957,7 +24185,7 @@
       </p:pic>
       <p:pic>
         <p:nvPicPr>
-          <p:cNvPr id="467" name="Picture 7" descr="Smart DEI Model @BULLET Autonomy: Where computers act independent of... |  Download Scientific Diagram"/>
+          <p:cNvPr id="473" name="Picture 7" descr="Smart DEI Model @BULLET Autonomy: Where computers act independent of... |  Download Scientific Diagram"/>
           <p:cNvPicPr/>
           <p:nvPr/>
         </p:nvPicPr>
@@ -23968,7 +24196,7 @@
         <p:spPr>
           <a:xfrm>
             <a:off x="5580000" y="500400"/>
-            <a:ext cx="4860000" cy="3639600"/>
+            <a:ext cx="4859640" cy="3639240"/>
           </a:xfrm>
           <a:prstGeom prst="rect">
             <a:avLst/>
@@ -24010,7 +24238,7 @@
       </p:grpSpPr>
       <p:sp>
         <p:nvSpPr>
-          <p:cNvPr id="468" name="PlaceHolder 1"/>
+          <p:cNvPr id="474" name="PlaceHolder 1"/>
           <p:cNvSpPr>
             <a:spLocks noGrp="1"/>
           </p:cNvSpPr>
@@ -24021,7 +24249,7 @@
         <p:spPr>
           <a:xfrm>
             <a:off x="316080" y="149040"/>
-            <a:ext cx="11555640" cy="570240"/>
+            <a:ext cx="11555280" cy="569880"/>
           </a:xfrm>
           <a:prstGeom prst="rect">
             <a:avLst/>
@@ -24060,7 +24288,7 @@
       </p:sp>
       <p:sp>
         <p:nvSpPr>
-          <p:cNvPr id="469" name="PlaceHolder 2"/>
+          <p:cNvPr id="475" name="PlaceHolder 2"/>
           <p:cNvSpPr>
             <a:spLocks noGrp="1"/>
           </p:cNvSpPr>
@@ -24071,7 +24299,7 @@
         <p:spPr>
           <a:xfrm>
             <a:off x="330480" y="1867680"/>
-            <a:ext cx="5108760" cy="4243320"/>
+            <a:ext cx="5108400" cy="4242960"/>
           </a:xfrm>
           <a:prstGeom prst="rect">
             <a:avLst/>
@@ -24129,45 +24357,6 @@
               <a:buFont typeface="Wingdings" charset="2"/>
               <a:buChar char=""/>
             </a:pPr>
-            <a:r>
-              <a:rPr b="0" lang="en-US" sz="2000" spc="-1" strike="noStrike">
-                <a:solidFill>
-                  <a:srgbClr val="000000"/>
-                </a:solidFill>
-                <a:latin typeface="AU Passata"/>
-                <a:ea typeface="DejaVu Sans"/>
-              </a:rPr>
-              <a:t>Smart Environment</a:t>
-            </a:r>
-            <a:endParaRPr b="0" lang="en-DK" sz="2000" spc="-1" strike="noStrike">
-              <a:latin typeface="Arial"/>
-            </a:endParaRPr>
-          </a:p>
-          <a:p>
-            <a:pPr marL="432000" indent="-324000">
-              <a:lnSpc>
-                <a:spcPct val="90000"/>
-              </a:lnSpc>
-              <a:spcBef>
-                <a:spcPts val="1417"/>
-              </a:spcBef>
-              <a:buClr>
-                <a:srgbClr val="000000"/>
-              </a:buClr>
-              <a:buSzPct val="45000"/>
-              <a:buFont typeface="Wingdings" charset="2"/>
-              <a:buChar char=""/>
-            </a:pPr>
-            <a:r>
-              <a:rPr b="0" lang="en-US" sz="2000" spc="-1" strike="noStrike">
-                <a:solidFill>
-                  <a:srgbClr val="000000"/>
-                </a:solidFill>
-                <a:latin typeface="AU Passata"/>
-                <a:ea typeface="DejaVu Sans"/>
-              </a:rPr>
-              <a:t>Smart Interaction</a:t>
-            </a:r>
             <a:endParaRPr b="0" lang="en-DK" sz="2000" spc="-1" strike="noStrike">
               <a:latin typeface="Arial"/>
             </a:endParaRPr>
@@ -24275,14 +24464,14 @@
       </p:sp>
       <p:sp>
         <p:nvSpPr>
-          <p:cNvPr id="470" name="AutoShape 7"/>
+          <p:cNvPr id="476" name="AutoShape 7"/>
           <p:cNvSpPr/>
           <p:nvPr/>
         </p:nvSpPr>
         <p:spPr>
           <a:xfrm>
             <a:off x="5942160" y="3276720"/>
-            <a:ext cx="303840" cy="303840"/>
+            <a:ext cx="303480" cy="303480"/>
           </a:xfrm>
           <a:prstGeom prst="rect">
             <a:avLst/>
@@ -24301,7 +24490,7 @@
       </p:sp>
       <p:pic>
         <p:nvPicPr>
-          <p:cNvPr id="471" name="Picture 8" descr=""/>
+          <p:cNvPr id="477" name="Picture 8" descr=""/>
           <p:cNvPicPr/>
           <p:nvPr/>
         </p:nvPicPr>
@@ -24312,7 +24501,7 @@
         <p:spPr>
           <a:xfrm>
             <a:off x="5105160" y="1994760"/>
-            <a:ext cx="5874840" cy="3225240"/>
+            <a:ext cx="5874480" cy="3224880"/>
           </a:xfrm>
           <a:prstGeom prst="rect">
             <a:avLst/>
@@ -24365,7 +24554,7 @@
         <p:spPr>
           <a:xfrm>
             <a:off x="316080" y="228600"/>
-            <a:ext cx="11554560" cy="750600"/>
+            <a:ext cx="11554200" cy="750240"/>
           </a:xfrm>
           <a:prstGeom prst="rect">
             <a:avLst/>
@@ -24415,7 +24604,7 @@
         <p:spPr>
           <a:xfrm>
             <a:off x="985680" y="1373040"/>
-            <a:ext cx="10218960" cy="4519800"/>
+            <a:ext cx="10218600" cy="4519440"/>
           </a:xfrm>
           <a:prstGeom prst="rect">
             <a:avLst/>
@@ -24531,7 +24720,7 @@
         <p:spPr>
           <a:xfrm>
             <a:off x="5220000" y="1080000"/>
-            <a:ext cx="2360880" cy="274680"/>
+            <a:ext cx="2360520" cy="274320"/>
           </a:xfrm>
           <a:prstGeom prst="rect">
             <a:avLst/>
@@ -24554,7 +24743,7 @@
         <p:spPr>
           <a:xfrm>
             <a:off x="5155200" y="1467000"/>
-            <a:ext cx="3303720" cy="331920"/>
+            <a:ext cx="3303360" cy="331560"/>
           </a:xfrm>
           <a:prstGeom prst="rect">
             <a:avLst/>
@@ -24577,7 +24766,7 @@
         <p:spPr>
           <a:xfrm>
             <a:off x="5220000" y="1922400"/>
-            <a:ext cx="2322720" cy="236520"/>
+            <a:ext cx="2322360" cy="236160"/>
           </a:xfrm>
           <a:prstGeom prst="rect">
             <a:avLst/>
@@ -24600,7 +24789,7 @@
         <p:spPr>
           <a:xfrm>
             <a:off x="720000" y="3060000"/>
-            <a:ext cx="4044960" cy="2644560"/>
+            <a:ext cx="4044600" cy="2644200"/>
           </a:xfrm>
           <a:prstGeom prst="rect">
             <a:avLst/>
@@ -24623,7 +24812,7 @@
         <p:spPr>
           <a:xfrm>
             <a:off x="5220000" y="2880000"/>
-            <a:ext cx="5203440" cy="2832840"/>
+            <a:ext cx="5203080" cy="2832480"/>
           </a:xfrm>
           <a:prstGeom prst="rect">
             <a:avLst/>
@@ -24646,7 +24835,7 @@
         <p:spPr>
           <a:xfrm>
             <a:off x="5220000" y="2340000"/>
-            <a:ext cx="6427800" cy="341640"/>
+            <a:ext cx="6427440" cy="341280"/>
           </a:xfrm>
           <a:prstGeom prst="rect">
             <a:avLst/>
@@ -24699,7 +24888,7 @@
         <p:spPr>
           <a:xfrm>
             <a:off x="316080" y="228600"/>
-            <a:ext cx="11554560" cy="750600"/>
+            <a:ext cx="11554200" cy="750240"/>
           </a:xfrm>
           <a:prstGeom prst="rect">
             <a:avLst/>
@@ -24749,7 +24938,7 @@
         <p:spPr>
           <a:xfrm>
             <a:off x="985680" y="1373040"/>
-            <a:ext cx="10218960" cy="4519800"/>
+            <a:ext cx="10218600" cy="4519440"/>
           </a:xfrm>
           <a:prstGeom prst="rect">
             <a:avLst/>
@@ -24807,7 +24996,7 @@
         <p:spPr>
           <a:xfrm>
             <a:off x="3909960" y="1621080"/>
-            <a:ext cx="7790040" cy="2179800"/>
+            <a:ext cx="7789680" cy="2179440"/>
           </a:xfrm>
           <a:prstGeom prst="rect">
             <a:avLst/>
@@ -24830,7 +25019,7 @@
         <p:spPr>
           <a:xfrm>
             <a:off x="3960000" y="3960000"/>
-            <a:ext cx="4521600" cy="2174040"/>
+            <a:ext cx="4521240" cy="2173680"/>
           </a:xfrm>
           <a:prstGeom prst="rect">
             <a:avLst/>
@@ -24890,7 +25079,7 @@
         <p:spPr>
           <a:xfrm>
             <a:off x="985680" y="2898000"/>
-            <a:ext cx="10219320" cy="829800"/>
+            <a:ext cx="10218960" cy="829440"/>
           </a:xfrm>
           <a:prstGeom prst="rect">
             <a:avLst/>
@@ -24969,7 +25158,7 @@
         <p:spPr>
           <a:xfrm>
             <a:off x="316080" y="149040"/>
-            <a:ext cx="11555640" cy="570240"/>
+            <a:ext cx="11555280" cy="569880"/>
           </a:xfrm>
           <a:prstGeom prst="rect">
             <a:avLst/>
@@ -25019,7 +25208,7 @@
         <p:spPr>
           <a:xfrm>
             <a:off x="985680" y="1960200"/>
-            <a:ext cx="10218960" cy="3935880"/>
+            <a:ext cx="10218600" cy="3935520"/>
           </a:xfrm>
           <a:prstGeom prst="rect">
             <a:avLst/>
@@ -25248,7 +25437,7 @@
         <p:spPr>
           <a:xfrm>
             <a:off x="4901040" y="1080000"/>
-            <a:ext cx="5537880" cy="2878920"/>
+            <a:ext cx="5537520" cy="2878560"/>
           </a:xfrm>
           <a:prstGeom prst="rect">
             <a:avLst/>
@@ -25271,7 +25460,7 @@
         <p:spPr>
           <a:xfrm>
             <a:off x="5040000" y="3780000"/>
-            <a:ext cx="3890520" cy="2338920"/>
+            <a:ext cx="3890160" cy="2338560"/>
           </a:xfrm>
           <a:prstGeom prst="rect">
             <a:avLst/>
@@ -25324,7 +25513,7 @@
         <p:spPr>
           <a:xfrm>
             <a:off x="316080" y="149040"/>
-            <a:ext cx="11555640" cy="570240"/>
+            <a:ext cx="11555280" cy="569880"/>
           </a:xfrm>
           <a:prstGeom prst="rect">
             <a:avLst/>
@@ -25374,7 +25563,7 @@
         <p:spPr>
           <a:xfrm>
             <a:off x="985680" y="1960200"/>
-            <a:ext cx="10218960" cy="3935880"/>
+            <a:ext cx="10218600" cy="3935520"/>
           </a:xfrm>
           <a:prstGeom prst="rect">
             <a:avLst/>
@@ -25619,7 +25808,7 @@
         <p:spPr>
           <a:xfrm>
             <a:off x="316080" y="149040"/>
-            <a:ext cx="11555640" cy="570240"/>
+            <a:ext cx="11555280" cy="569880"/>
           </a:xfrm>
           <a:prstGeom prst="rect">
             <a:avLst/>
@@ -25669,7 +25858,7 @@
         <p:spPr>
           <a:xfrm>
             <a:off x="985680" y="1960200"/>
-            <a:ext cx="10218960" cy="3935880"/>
+            <a:ext cx="10218600" cy="3935520"/>
           </a:xfrm>
           <a:prstGeom prst="rect">
             <a:avLst/>
@@ -25742,35 +25931,6 @@
             </a:endParaRPr>
           </a:p>
           <a:p>
-            <a:pPr marL="432000" indent="-324000">
-              <a:lnSpc>
-                <a:spcPct val="90000"/>
-              </a:lnSpc>
-              <a:spcBef>
-                <a:spcPts val="1417"/>
-              </a:spcBef>
-              <a:buClr>
-                <a:srgbClr val="000000"/>
-              </a:buClr>
-              <a:buSzPct val="45000"/>
-              <a:buFont typeface="Wingdings" charset="2"/>
-              <a:buChar char=""/>
-            </a:pPr>
-            <a:r>
-              <a:rPr b="0" lang="en-US" sz="2000" spc="-1" strike="noStrike">
-                <a:solidFill>
-                  <a:srgbClr val="000000"/>
-                </a:solidFill>
-                <a:latin typeface="AU Passata"/>
-                <a:ea typeface="DejaVu Sans"/>
-              </a:rPr>
-              <a:t>RAFT </a:t>
-            </a:r>
-            <a:endParaRPr b="0" lang="en-DK" sz="2000" spc="-1" strike="noStrike">
-              <a:latin typeface="Arial"/>
-            </a:endParaRPr>
-          </a:p>
-          <a:p>
             <a:pPr>
               <a:lnSpc>
                 <a:spcPct val="90000"/>
@@ -25854,8 +26014,8 @@
         </p:blipFill>
         <p:spPr>
           <a:xfrm>
-            <a:off x="900000" y="3780000"/>
-            <a:ext cx="4637160" cy="2046600"/>
+            <a:off x="6120000" y="3960000"/>
+            <a:ext cx="4636800" cy="2046240"/>
           </a:xfrm>
           <a:prstGeom prst="rect">
             <a:avLst/>
@@ -25878,30 +26038,7 @@
         <p:spPr>
           <a:xfrm>
             <a:off x="5860800" y="1006560"/>
-            <a:ext cx="5343840" cy="2592360"/>
-          </a:xfrm>
-          <a:prstGeom prst="rect">
-            <a:avLst/>
-          </a:prstGeom>
-          <a:ln w="0">
-            <a:noFill/>
-          </a:ln>
-        </p:spPr>
-      </p:pic>
-      <p:pic>
-        <p:nvPicPr>
-          <p:cNvPr id="364" name="Billede 374" descr=""/>
-          <p:cNvPicPr/>
-          <p:nvPr/>
-        </p:nvPicPr>
-        <p:blipFill>
-          <a:blip r:embed="rId3"/>
-          <a:stretch/>
-        </p:blipFill>
-        <p:spPr>
-          <a:xfrm>
-            <a:off x="6076080" y="3780000"/>
-            <a:ext cx="5128560" cy="2175120"/>
+            <a:ext cx="5343480" cy="2592000"/>
           </a:xfrm>
           <a:prstGeom prst="rect">
             <a:avLst/>

--- a/Præsentation.pptx
+++ b/Præsentation.pptx
@@ -51,6 +51,8 @@
     <p:sldId id="291" r:id="rId44"/>
     <p:sldId id="292" r:id="rId45"/>
     <p:sldId id="293" r:id="rId46"/>
+    <p:sldId id="294" r:id="rId47"/>
+    <p:sldId id="295" r:id="rId48"/>
   </p:sldIdLst>
   <p:sldSz cx="12188825" cy="6858000"/>
   <p:notesSz cx="6797675" cy="9926638"/>
@@ -311,7 +313,7 @@
             <a:pPr algn="r">
               <a:buNone/>
             </a:pPr>
-            <a:fld id="{3F45F31D-B202-4127-9156-AF1D349CF553}" type="slidenum">
+            <a:fld id="{176851A1-874E-49E1-8B8C-98C5007FD903}" type="slidenum">
               <a:rPr b="0" lang="en-DK" sz="1400" spc="-1" strike="noStrike">
                 <a:latin typeface="Times New Roman"/>
               </a:rPr>
@@ -348,7 +350,7 @@
       </p:grpSpPr>
       <p:sp>
         <p:nvSpPr>
-          <p:cNvPr id="478" name="PlaceHolder 1"/>
+          <p:cNvPr id="485" name="PlaceHolder 1"/>
           <p:cNvSpPr>
             <a:spLocks noGrp="1"/>
           </p:cNvSpPr>
@@ -359,19 +361,19 @@
         <p:spPr>
           <a:xfrm>
             <a:off x="92160" y="744480"/>
-            <a:ext cx="6612120" cy="3721320"/>
-          </a:xfrm>
-          <a:prstGeom prst="rect">
-            <a:avLst/>
-          </a:prstGeom>
-          <a:ln w="0">
-            <a:noFill/>
-          </a:ln>
-        </p:spPr>
-      </p:sp>
-      <p:sp>
-        <p:nvSpPr>
-          <p:cNvPr id="479" name="PlaceHolder 2"/>
+            <a:ext cx="6611760" cy="3720960"/>
+          </a:xfrm>
+          <a:prstGeom prst="rect">
+            <a:avLst/>
+          </a:prstGeom>
+          <a:ln w="0">
+            <a:noFill/>
+          </a:ln>
+        </p:spPr>
+      </p:sp>
+      <p:sp>
+        <p:nvSpPr>
+          <p:cNvPr id="486" name="PlaceHolder 2"/>
           <p:cNvSpPr>
             <a:spLocks noGrp="1"/>
           </p:cNvSpPr>
@@ -382,7 +384,7 @@
         <p:spPr>
           <a:xfrm>
             <a:off x="679680" y="4715280"/>
-            <a:ext cx="5436360" cy="4465080"/>
+            <a:ext cx="5436000" cy="4464720"/>
           </a:xfrm>
           <a:prstGeom prst="rect">
             <a:avLst/>
@@ -405,7 +407,7 @@
       </p:sp>
       <p:sp>
         <p:nvSpPr>
-          <p:cNvPr id="480" name="PlaceHolder 3"/>
+          <p:cNvPr id="487" name="PlaceHolder 3"/>
           <p:cNvSpPr>
             <a:spLocks noGrp="1"/>
           </p:cNvSpPr>
@@ -416,7 +418,7 @@
         <p:spPr>
           <a:xfrm>
             <a:off x="3850560" y="9428760"/>
-            <a:ext cx="2943720" cy="494640"/>
+            <a:ext cx="2943360" cy="494280"/>
           </a:xfrm>
           <a:prstGeom prst="rect">
             <a:avLst/>
@@ -437,7 +439,7 @@
               </a:lnSpc>
               <a:buNone/>
             </a:pPr>
-            <a:fld id="{1444FB72-6B41-4C12-94C7-BDD37ED40906}" type="slidenum">
+            <a:fld id="{990D34D1-4FFF-49C0-B28A-902532CCB252}" type="slidenum">
               <a:rPr b="0" lang="en-GB" sz="1200" spc="-1" strike="noStrike">
                 <a:solidFill>
                   <a:srgbClr val="000000"/>
@@ -477,7 +479,7 @@
       </p:grpSpPr>
       <p:sp>
         <p:nvSpPr>
-          <p:cNvPr id="481" name="PlaceHolder 1"/>
+          <p:cNvPr id="488" name="PlaceHolder 1"/>
           <p:cNvSpPr>
             <a:spLocks noGrp="1"/>
           </p:cNvSpPr>
@@ -488,19 +490,19 @@
         <p:spPr>
           <a:xfrm>
             <a:off x="92160" y="744480"/>
-            <a:ext cx="6612120" cy="3721320"/>
-          </a:xfrm>
-          <a:prstGeom prst="rect">
-            <a:avLst/>
-          </a:prstGeom>
-          <a:ln w="0">
-            <a:noFill/>
-          </a:ln>
-        </p:spPr>
-      </p:sp>
-      <p:sp>
-        <p:nvSpPr>
-          <p:cNvPr id="482" name="PlaceHolder 2"/>
+            <a:ext cx="6611760" cy="3720960"/>
+          </a:xfrm>
+          <a:prstGeom prst="rect">
+            <a:avLst/>
+          </a:prstGeom>
+          <a:ln w="0">
+            <a:noFill/>
+          </a:ln>
+        </p:spPr>
+      </p:sp>
+      <p:sp>
+        <p:nvSpPr>
+          <p:cNvPr id="489" name="PlaceHolder 2"/>
           <p:cNvSpPr>
             <a:spLocks noGrp="1"/>
           </p:cNvSpPr>
@@ -511,7 +513,7 @@
         <p:spPr>
           <a:xfrm>
             <a:off x="679680" y="4715280"/>
-            <a:ext cx="5436360" cy="4465080"/>
+            <a:ext cx="5436000" cy="4464720"/>
           </a:xfrm>
           <a:prstGeom prst="rect">
             <a:avLst/>
@@ -534,7 +536,7 @@
       </p:sp>
       <p:sp>
         <p:nvSpPr>
-          <p:cNvPr id="483" name="PlaceHolder 3"/>
+          <p:cNvPr id="490" name="PlaceHolder 3"/>
           <p:cNvSpPr>
             <a:spLocks noGrp="1"/>
           </p:cNvSpPr>
@@ -545,7 +547,7 @@
         <p:spPr>
           <a:xfrm>
             <a:off x="3850560" y="9428760"/>
-            <a:ext cx="2943720" cy="494640"/>
+            <a:ext cx="2943360" cy="494280"/>
           </a:xfrm>
           <a:prstGeom prst="rect">
             <a:avLst/>
@@ -566,7 +568,7 @@
               </a:lnSpc>
               <a:buNone/>
             </a:pPr>
-            <a:fld id="{662D3441-D253-4AB3-A102-8E82E121035C}" type="slidenum">
+            <a:fld id="{4355F2F7-6759-41BC-A7FB-A02046157B44}" type="slidenum">
               <a:rPr b="0" lang="en-GB" sz="1200" spc="-1" strike="noStrike">
                 <a:solidFill>
                   <a:srgbClr val="000000"/>
@@ -606,7 +608,7 @@
       </p:grpSpPr>
       <p:sp>
         <p:nvSpPr>
-          <p:cNvPr id="484" name="PlaceHolder 1"/>
+          <p:cNvPr id="491" name="PlaceHolder 1"/>
           <p:cNvSpPr>
             <a:spLocks noGrp="1"/>
           </p:cNvSpPr>
@@ -617,19 +619,19 @@
         <p:spPr>
           <a:xfrm>
             <a:off x="92160" y="744480"/>
-            <a:ext cx="6612120" cy="3721320"/>
-          </a:xfrm>
-          <a:prstGeom prst="rect">
-            <a:avLst/>
-          </a:prstGeom>
-          <a:ln w="0">
-            <a:noFill/>
-          </a:ln>
-        </p:spPr>
-      </p:sp>
-      <p:sp>
-        <p:nvSpPr>
-          <p:cNvPr id="485" name="PlaceHolder 2"/>
+            <a:ext cx="6611760" cy="3720960"/>
+          </a:xfrm>
+          <a:prstGeom prst="rect">
+            <a:avLst/>
+          </a:prstGeom>
+          <a:ln w="0">
+            <a:noFill/>
+          </a:ln>
+        </p:spPr>
+      </p:sp>
+      <p:sp>
+        <p:nvSpPr>
+          <p:cNvPr id="492" name="PlaceHolder 2"/>
           <p:cNvSpPr>
             <a:spLocks noGrp="1"/>
           </p:cNvSpPr>
@@ -640,7 +642,7 @@
         <p:spPr>
           <a:xfrm>
             <a:off x="679680" y="4715280"/>
-            <a:ext cx="5436360" cy="4465080"/>
+            <a:ext cx="5436000" cy="4464720"/>
           </a:xfrm>
           <a:prstGeom prst="rect">
             <a:avLst/>
@@ -663,7 +665,7 @@
       </p:sp>
       <p:sp>
         <p:nvSpPr>
-          <p:cNvPr id="486" name="PlaceHolder 3"/>
+          <p:cNvPr id="493" name="PlaceHolder 3"/>
           <p:cNvSpPr>
             <a:spLocks noGrp="1"/>
           </p:cNvSpPr>
@@ -674,7 +676,7 @@
         <p:spPr>
           <a:xfrm>
             <a:off x="3850560" y="9428760"/>
-            <a:ext cx="2943720" cy="494640"/>
+            <a:ext cx="2943360" cy="494280"/>
           </a:xfrm>
           <a:prstGeom prst="rect">
             <a:avLst/>
@@ -695,7 +697,7 @@
               </a:lnSpc>
               <a:buNone/>
             </a:pPr>
-            <a:fld id="{29A9242C-1727-4A0A-97E0-A5392CED05C7}" type="slidenum">
+            <a:fld id="{B6B84FC6-A0DA-49E8-B7C5-E794A3BFE90B}" type="slidenum">
               <a:rPr b="0" lang="en-GB" sz="1200" spc="-1" strike="noStrike">
                 <a:solidFill>
                   <a:srgbClr val="000000"/>
@@ -9893,7 +9895,7 @@
         <p:spPr>
           <a:xfrm>
             <a:off x="10206000" y="5999040"/>
-            <a:ext cx="1665360" cy="556560"/>
+            <a:ext cx="1665000" cy="556200"/>
           </a:xfrm>
           <a:prstGeom prst="rect">
             <a:avLst/>
@@ -9919,7 +9921,7 @@
         <p:spPr>
           <a:xfrm>
             <a:off x="989280" y="1663200"/>
-            <a:ext cx="646560" cy="46440"/>
+            <a:ext cx="646200" cy="46080"/>
           </a:xfrm>
           <a:prstGeom prst="rect">
             <a:avLst/>
@@ -9987,7 +9989,7 @@
         <p:spPr>
           <a:xfrm>
             <a:off x="3691440" y="5997600"/>
-            <a:ext cx="2270520" cy="442800"/>
+            <a:ext cx="2270160" cy="442800"/>
           </a:xfrm>
           <a:prstGeom prst="rect">
             <a:avLst/>
@@ -10039,7 +10041,7 @@
         <p:spPr>
           <a:xfrm>
             <a:off x="6239880" y="5997600"/>
-            <a:ext cx="2980800" cy="442800"/>
+            <a:ext cx="2980440" cy="442800"/>
           </a:xfrm>
           <a:prstGeom prst="rect">
             <a:avLst/>
@@ -10091,7 +10093,7 @@
         <p:spPr>
           <a:xfrm>
             <a:off x="3691440" y="5997600"/>
-            <a:ext cx="2270520" cy="576000"/>
+            <a:ext cx="2270160" cy="576000"/>
           </a:xfrm>
           <a:prstGeom prst="rect">
             <a:avLst/>
@@ -10143,7 +10145,7 @@
         <p:spPr>
           <a:xfrm>
             <a:off x="6239880" y="5997600"/>
-            <a:ext cx="2980800" cy="576000"/>
+            <a:ext cx="2980440" cy="576000"/>
           </a:xfrm>
           <a:prstGeom prst="rect">
             <a:avLst/>
@@ -10199,7 +10201,7 @@
         <p:spPr>
           <a:xfrm>
             <a:off x="302400" y="5999040"/>
-            <a:ext cx="556200" cy="556560"/>
+            <a:ext cx="555840" cy="556200"/>
           </a:xfrm>
           <a:prstGeom prst="rect">
             <a:avLst/>
@@ -10222,7 +10224,7 @@
         <p:spPr>
           <a:xfrm>
             <a:off x="6073200" y="5997600"/>
-            <a:ext cx="70200" cy="556560"/>
+            <a:ext cx="69840" cy="556200"/>
           </a:xfrm>
           <a:prstGeom prst="rect">
             <a:avLst/>
@@ -10241,7 +10243,7 @@
         <p:spPr>
           <a:xfrm>
             <a:off x="972000" y="5997600"/>
-            <a:ext cx="2348640" cy="675000"/>
+            <a:ext cx="2348280" cy="674640"/>
           </a:xfrm>
           <a:prstGeom prst="rect">
             <a:avLst/>
@@ -10267,7 +10269,7 @@
         <p:spPr>
           <a:xfrm>
             <a:off x="972000" y="5997600"/>
-            <a:ext cx="360" cy="449640"/>
+            <a:ext cx="360" cy="449280"/>
           </a:xfrm>
           <a:prstGeom prst="rect">
             <a:avLst/>
@@ -10297,7 +10299,7 @@
         <p:spPr>
           <a:xfrm>
             <a:off x="0" y="0"/>
-            <a:ext cx="12187440" cy="6856560"/>
+            <a:ext cx="12187080" cy="6856200"/>
           </a:xfrm>
           <a:prstGeom prst="rect">
             <a:avLst/>
@@ -10316,7 +10318,7 @@
         <p:spPr>
           <a:xfrm>
             <a:off x="-1973520" y="3082680"/>
-            <a:ext cx="1824480" cy="304200"/>
+            <a:ext cx="1824120" cy="304200"/>
           </a:xfrm>
           <a:prstGeom prst="rect">
             <a:avLst/>
@@ -10389,7 +10391,7 @@
         <p:spPr>
           <a:xfrm>
             <a:off x="972000" y="5997600"/>
-            <a:ext cx="2348640" cy="675000"/>
+            <a:ext cx="2348280" cy="674640"/>
           </a:xfrm>
           <a:prstGeom prst="rect">
             <a:avLst/>
@@ -10415,7 +10417,7 @@
         <p:spPr>
           <a:xfrm>
             <a:off x="3691440" y="5997600"/>
-            <a:ext cx="2270520" cy="576000"/>
+            <a:ext cx="2270160" cy="576000"/>
           </a:xfrm>
           <a:prstGeom prst="rect">
             <a:avLst/>
@@ -10467,7 +10469,7 @@
         <p:spPr>
           <a:xfrm>
             <a:off x="6239880" y="5997600"/>
-            <a:ext cx="2980800" cy="576000"/>
+            <a:ext cx="2980440" cy="576000"/>
           </a:xfrm>
           <a:prstGeom prst="rect">
             <a:avLst/>
@@ -10519,7 +10521,7 @@
         <p:spPr>
           <a:xfrm>
             <a:off x="3691440" y="5997600"/>
-            <a:ext cx="2270520" cy="442800"/>
+            <a:ext cx="2270160" cy="442800"/>
           </a:xfrm>
           <a:prstGeom prst="rect">
             <a:avLst/>
@@ -10571,7 +10573,7 @@
         <p:spPr>
           <a:xfrm>
             <a:off x="6239880" y="5997600"/>
-            <a:ext cx="2980800" cy="442800"/>
+            <a:ext cx="2980440" cy="442800"/>
           </a:xfrm>
           <a:prstGeom prst="rect">
             <a:avLst/>
@@ -10623,7 +10625,7 @@
         <p:spPr>
           <a:xfrm>
             <a:off x="972000" y="5997600"/>
-            <a:ext cx="360" cy="449640"/>
+            <a:ext cx="360" cy="449280"/>
           </a:xfrm>
           <a:prstGeom prst="rect">
             <a:avLst/>
@@ -10653,7 +10655,7 @@
         <p:spPr>
           <a:xfrm>
             <a:off x="302400" y="5997600"/>
-            <a:ext cx="556200" cy="556560"/>
+            <a:ext cx="555840" cy="556200"/>
           </a:xfrm>
           <a:prstGeom prst="rect">
             <a:avLst/>
@@ -10672,7 +10674,7 @@
         <p:spPr>
           <a:xfrm>
             <a:off x="10206000" y="5999040"/>
-            <a:ext cx="1665360" cy="556560"/>
+            <a:ext cx="1665000" cy="556200"/>
           </a:xfrm>
           <a:prstGeom prst="rect">
             <a:avLst/>
@@ -10702,7 +10704,7 @@
         <p:spPr>
           <a:xfrm>
             <a:off x="6073200" y="5997600"/>
-            <a:ext cx="70200" cy="556560"/>
+            <a:ext cx="69840" cy="556200"/>
           </a:xfrm>
           <a:prstGeom prst="rect">
             <a:avLst/>
@@ -11003,7 +11005,7 @@
         <p:spPr>
           <a:xfrm>
             <a:off x="10206000" y="5999040"/>
-            <a:ext cx="1665000" cy="556200"/>
+            <a:ext cx="1664640" cy="555840"/>
           </a:xfrm>
           <a:prstGeom prst="rect">
             <a:avLst/>
@@ -11029,7 +11031,7 @@
         <p:spPr>
           <a:xfrm>
             <a:off x="989280" y="1663200"/>
-            <a:ext cx="646200" cy="46080"/>
+            <a:ext cx="645840" cy="45720"/>
           </a:xfrm>
           <a:prstGeom prst="rect">
             <a:avLst/>
@@ -11091,7 +11093,7 @@
         <p:spPr>
           <a:xfrm>
             <a:off x="3691440" y="5997600"/>
-            <a:ext cx="2270160" cy="442800"/>
+            <a:ext cx="2269800" cy="442800"/>
           </a:xfrm>
           <a:prstGeom prst="rect">
             <a:avLst/>
@@ -11143,7 +11145,7 @@
         <p:spPr>
           <a:xfrm>
             <a:off x="6239880" y="5997600"/>
-            <a:ext cx="2980440" cy="442800"/>
+            <a:ext cx="2980080" cy="442800"/>
           </a:xfrm>
           <a:prstGeom prst="rect">
             <a:avLst/>
@@ -11195,7 +11197,7 @@
         <p:spPr>
           <a:xfrm>
             <a:off x="3691440" y="5997600"/>
-            <a:ext cx="2270160" cy="576000"/>
+            <a:ext cx="2269800" cy="576000"/>
           </a:xfrm>
           <a:prstGeom prst="rect">
             <a:avLst/>
@@ -11247,7 +11249,7 @@
         <p:spPr>
           <a:xfrm>
             <a:off x="6239880" y="5997600"/>
-            <a:ext cx="2980440" cy="576000"/>
+            <a:ext cx="2980080" cy="576000"/>
           </a:xfrm>
           <a:prstGeom prst="rect">
             <a:avLst/>
@@ -11303,7 +11305,7 @@
         <p:spPr>
           <a:xfrm>
             <a:off x="302400" y="5999040"/>
-            <a:ext cx="555840" cy="556200"/>
+            <a:ext cx="555480" cy="555840"/>
           </a:xfrm>
           <a:prstGeom prst="rect">
             <a:avLst/>
@@ -11326,7 +11328,7 @@
         <p:spPr>
           <a:xfrm>
             <a:off x="6073200" y="5997600"/>
-            <a:ext cx="69840" cy="556200"/>
+            <a:ext cx="69480" cy="555840"/>
           </a:xfrm>
           <a:prstGeom prst="rect">
             <a:avLst/>
@@ -11345,7 +11347,7 @@
         <p:spPr>
           <a:xfrm>
             <a:off x="972000" y="5997600"/>
-            <a:ext cx="2348280" cy="674640"/>
+            <a:ext cx="2347920" cy="674280"/>
           </a:xfrm>
           <a:prstGeom prst="rect">
             <a:avLst/>
@@ -11371,7 +11373,7 @@
         <p:spPr>
           <a:xfrm>
             <a:off x="972000" y="5997600"/>
-            <a:ext cx="360" cy="449280"/>
+            <a:ext cx="360" cy="448920"/>
           </a:xfrm>
           <a:prstGeom prst="rect">
             <a:avLst/>
@@ -11397,7 +11399,7 @@
         <p:spPr>
           <a:xfrm>
             <a:off x="-1973520" y="340200"/>
-            <a:ext cx="1824120" cy="456480"/>
+            <a:ext cx="1823760" cy="456480"/>
           </a:xfrm>
           <a:prstGeom prst="rect">
             <a:avLst/>
@@ -11761,7 +11763,7 @@
         <p:spPr>
           <a:xfrm>
             <a:off x="10206000" y="5999040"/>
-            <a:ext cx="1665000" cy="556200"/>
+            <a:ext cx="1664640" cy="555840"/>
           </a:xfrm>
           <a:prstGeom prst="rect">
             <a:avLst/>
@@ -11787,7 +11789,7 @@
         <p:spPr>
           <a:xfrm>
             <a:off x="989280" y="1663200"/>
-            <a:ext cx="646200" cy="46080"/>
+            <a:ext cx="645840" cy="45720"/>
           </a:xfrm>
           <a:prstGeom prst="rect">
             <a:avLst/>
@@ -11849,7 +11851,7 @@
         <p:spPr>
           <a:xfrm>
             <a:off x="3691440" y="5997600"/>
-            <a:ext cx="2270160" cy="442800"/>
+            <a:ext cx="2269800" cy="442800"/>
           </a:xfrm>
           <a:prstGeom prst="rect">
             <a:avLst/>
@@ -11901,7 +11903,7 @@
         <p:spPr>
           <a:xfrm>
             <a:off x="6239880" y="5997600"/>
-            <a:ext cx="2980440" cy="442800"/>
+            <a:ext cx="2980080" cy="442800"/>
           </a:xfrm>
           <a:prstGeom prst="rect">
             <a:avLst/>
@@ -11953,7 +11955,7 @@
         <p:spPr>
           <a:xfrm>
             <a:off x="3691440" y="5997600"/>
-            <a:ext cx="2270160" cy="576000"/>
+            <a:ext cx="2269800" cy="576000"/>
           </a:xfrm>
           <a:prstGeom prst="rect">
             <a:avLst/>
@@ -12005,7 +12007,7 @@
         <p:spPr>
           <a:xfrm>
             <a:off x="6239880" y="5997600"/>
-            <a:ext cx="2980440" cy="576000"/>
+            <a:ext cx="2980080" cy="576000"/>
           </a:xfrm>
           <a:prstGeom prst="rect">
             <a:avLst/>
@@ -12061,7 +12063,7 @@
         <p:spPr>
           <a:xfrm>
             <a:off x="302400" y="5999040"/>
-            <a:ext cx="555840" cy="556200"/>
+            <a:ext cx="555480" cy="555840"/>
           </a:xfrm>
           <a:prstGeom prst="rect">
             <a:avLst/>
@@ -12084,7 +12086,7 @@
         <p:spPr>
           <a:xfrm>
             <a:off x="6073200" y="5997600"/>
-            <a:ext cx="69840" cy="556200"/>
+            <a:ext cx="69480" cy="555840"/>
           </a:xfrm>
           <a:prstGeom prst="rect">
             <a:avLst/>
@@ -12103,7 +12105,7 @@
         <p:spPr>
           <a:xfrm>
             <a:off x="972000" y="5997600"/>
-            <a:ext cx="2348280" cy="674640"/>
+            <a:ext cx="2347920" cy="674280"/>
           </a:xfrm>
           <a:prstGeom prst="rect">
             <a:avLst/>
@@ -12129,7 +12131,7 @@
         <p:spPr>
           <a:xfrm>
             <a:off x="972000" y="5997600"/>
-            <a:ext cx="360" cy="449280"/>
+            <a:ext cx="360" cy="448920"/>
           </a:xfrm>
           <a:prstGeom prst="rect">
             <a:avLst/>
@@ -12155,7 +12157,7 @@
         <p:spPr>
           <a:xfrm>
             <a:off x="0" y="0"/>
-            <a:ext cx="12191400" cy="5892480"/>
+            <a:ext cx="12191040" cy="5892120"/>
           </a:xfrm>
           <a:prstGeom prst="rect">
             <a:avLst/>
@@ -12183,7 +12185,7 @@
         <p:spPr>
           <a:xfrm>
             <a:off x="990000" y="1045800"/>
-            <a:ext cx="646200" cy="46080"/>
+            <a:ext cx="645840" cy="45720"/>
           </a:xfrm>
           <a:prstGeom prst="rect">
             <a:avLst/>
@@ -12245,7 +12247,7 @@
         <p:spPr>
           <a:xfrm>
             <a:off x="-1973520" y="340200"/>
-            <a:ext cx="1824120" cy="304200"/>
+            <a:ext cx="1823760" cy="304200"/>
           </a:xfrm>
           <a:prstGeom prst="rect">
             <a:avLst/>
@@ -12588,7 +12590,7 @@
         <p:spPr>
           <a:xfrm>
             <a:off x="10206000" y="5999040"/>
-            <a:ext cx="1665000" cy="556200"/>
+            <a:ext cx="1664640" cy="555840"/>
           </a:xfrm>
           <a:prstGeom prst="rect">
             <a:avLst/>
@@ -12614,7 +12616,7 @@
         <p:spPr>
           <a:xfrm>
             <a:off x="989280" y="1663200"/>
-            <a:ext cx="646200" cy="46080"/>
+            <a:ext cx="645840" cy="45720"/>
           </a:xfrm>
           <a:prstGeom prst="rect">
             <a:avLst/>
@@ -12676,7 +12678,7 @@
         <p:spPr>
           <a:xfrm>
             <a:off x="3691440" y="5997600"/>
-            <a:ext cx="2270160" cy="442800"/>
+            <a:ext cx="2269800" cy="442800"/>
           </a:xfrm>
           <a:prstGeom prst="rect">
             <a:avLst/>
@@ -12728,7 +12730,7 @@
         <p:spPr>
           <a:xfrm>
             <a:off x="6239880" y="5997600"/>
-            <a:ext cx="2980440" cy="442800"/>
+            <a:ext cx="2980080" cy="442800"/>
           </a:xfrm>
           <a:prstGeom prst="rect">
             <a:avLst/>
@@ -12780,7 +12782,7 @@
         <p:spPr>
           <a:xfrm>
             <a:off x="3691440" y="5997600"/>
-            <a:ext cx="2270160" cy="576000"/>
+            <a:ext cx="2269800" cy="576000"/>
           </a:xfrm>
           <a:prstGeom prst="rect">
             <a:avLst/>
@@ -12832,7 +12834,7 @@
         <p:spPr>
           <a:xfrm>
             <a:off x="6239880" y="5997600"/>
-            <a:ext cx="2980440" cy="576000"/>
+            <a:ext cx="2980080" cy="576000"/>
           </a:xfrm>
           <a:prstGeom prst="rect">
             <a:avLst/>
@@ -12888,7 +12890,7 @@
         <p:spPr>
           <a:xfrm>
             <a:off x="302400" y="5999040"/>
-            <a:ext cx="555840" cy="556200"/>
+            <a:ext cx="555480" cy="555840"/>
           </a:xfrm>
           <a:prstGeom prst="rect">
             <a:avLst/>
@@ -12911,7 +12913,7 @@
         <p:spPr>
           <a:xfrm>
             <a:off x="6073200" y="5997600"/>
-            <a:ext cx="69840" cy="556200"/>
+            <a:ext cx="69480" cy="555840"/>
           </a:xfrm>
           <a:prstGeom prst="rect">
             <a:avLst/>
@@ -12930,7 +12932,7 @@
         <p:spPr>
           <a:xfrm>
             <a:off x="972000" y="5997600"/>
-            <a:ext cx="2348280" cy="674640"/>
+            <a:ext cx="2347920" cy="674280"/>
           </a:xfrm>
           <a:prstGeom prst="rect">
             <a:avLst/>
@@ -12956,7 +12958,7 @@
         <p:spPr>
           <a:xfrm>
             <a:off x="972000" y="5997600"/>
-            <a:ext cx="360" cy="449280"/>
+            <a:ext cx="360" cy="448920"/>
           </a:xfrm>
           <a:prstGeom prst="rect">
             <a:avLst/>
@@ -12986,7 +12988,7 @@
         <p:spPr>
           <a:xfrm>
             <a:off x="0" y="0"/>
-            <a:ext cx="12187080" cy="6856200"/>
+            <a:ext cx="12186720" cy="6855840"/>
           </a:xfrm>
           <a:prstGeom prst="rect">
             <a:avLst/>
@@ -13005,7 +13007,7 @@
         <p:spPr>
           <a:xfrm>
             <a:off x="-1973520" y="3082680"/>
-            <a:ext cx="1824120" cy="304200"/>
+            <a:ext cx="1823760" cy="304200"/>
           </a:xfrm>
           <a:prstGeom prst="rect">
             <a:avLst/>
@@ -13078,7 +13080,7 @@
         <p:spPr>
           <a:xfrm>
             <a:off x="972000" y="5997600"/>
-            <a:ext cx="2348280" cy="674640"/>
+            <a:ext cx="2347920" cy="674280"/>
           </a:xfrm>
           <a:prstGeom prst="rect">
             <a:avLst/>
@@ -13104,7 +13106,7 @@
         <p:spPr>
           <a:xfrm>
             <a:off x="3691440" y="5997600"/>
-            <a:ext cx="2270160" cy="576000"/>
+            <a:ext cx="2269800" cy="576000"/>
           </a:xfrm>
           <a:prstGeom prst="rect">
             <a:avLst/>
@@ -13156,7 +13158,7 @@
         <p:spPr>
           <a:xfrm>
             <a:off x="6239880" y="5997600"/>
-            <a:ext cx="2980440" cy="576000"/>
+            <a:ext cx="2980080" cy="576000"/>
           </a:xfrm>
           <a:prstGeom prst="rect">
             <a:avLst/>
@@ -13208,7 +13210,7 @@
         <p:spPr>
           <a:xfrm>
             <a:off x="3691440" y="5997600"/>
-            <a:ext cx="2270160" cy="442800"/>
+            <a:ext cx="2269800" cy="442800"/>
           </a:xfrm>
           <a:prstGeom prst="rect">
             <a:avLst/>
@@ -13260,7 +13262,7 @@
         <p:spPr>
           <a:xfrm>
             <a:off x="6239880" y="5997600"/>
-            <a:ext cx="2980440" cy="442800"/>
+            <a:ext cx="2980080" cy="442800"/>
           </a:xfrm>
           <a:prstGeom prst="rect">
             <a:avLst/>
@@ -13312,7 +13314,7 @@
         <p:spPr>
           <a:xfrm>
             <a:off x="972000" y="5997600"/>
-            <a:ext cx="360" cy="449280"/>
+            <a:ext cx="360" cy="448920"/>
           </a:xfrm>
           <a:prstGeom prst="rect">
             <a:avLst/>
@@ -13342,7 +13344,7 @@
         <p:spPr>
           <a:xfrm>
             <a:off x="302400" y="5997600"/>
-            <a:ext cx="555840" cy="556200"/>
+            <a:ext cx="555480" cy="555840"/>
           </a:xfrm>
           <a:prstGeom prst="rect">
             <a:avLst/>
@@ -13361,7 +13363,7 @@
         <p:spPr>
           <a:xfrm>
             <a:off x="10206000" y="5999040"/>
-            <a:ext cx="1665000" cy="556200"/>
+            <a:ext cx="1664640" cy="555840"/>
           </a:xfrm>
           <a:prstGeom prst="rect">
             <a:avLst/>
@@ -13391,7 +13393,7 @@
         <p:spPr>
           <a:xfrm>
             <a:off x="6073200" y="5997600"/>
-            <a:ext cx="69840" cy="556200"/>
+            <a:ext cx="69480" cy="555840"/>
           </a:xfrm>
           <a:prstGeom prst="rect">
             <a:avLst/>
@@ -13680,7 +13682,7 @@
         <p:spPr>
           <a:xfrm>
             <a:off x="10206000" y="5999040"/>
-            <a:ext cx="1665000" cy="556200"/>
+            <a:ext cx="1664640" cy="555840"/>
           </a:xfrm>
           <a:prstGeom prst="rect">
             <a:avLst/>
@@ -13706,7 +13708,7 @@
         <p:spPr>
           <a:xfrm>
             <a:off x="989280" y="1663200"/>
-            <a:ext cx="646200" cy="46080"/>
+            <a:ext cx="645840" cy="45720"/>
           </a:xfrm>
           <a:prstGeom prst="rect">
             <a:avLst/>
@@ -13768,7 +13770,7 @@
         <p:spPr>
           <a:xfrm>
             <a:off x="3691440" y="5997600"/>
-            <a:ext cx="2270160" cy="442800"/>
+            <a:ext cx="2269800" cy="442800"/>
           </a:xfrm>
           <a:prstGeom prst="rect">
             <a:avLst/>
@@ -13820,7 +13822,7 @@
         <p:spPr>
           <a:xfrm>
             <a:off x="6239880" y="5997600"/>
-            <a:ext cx="2980440" cy="442800"/>
+            <a:ext cx="2980080" cy="442800"/>
           </a:xfrm>
           <a:prstGeom prst="rect">
             <a:avLst/>
@@ -13872,7 +13874,7 @@
         <p:spPr>
           <a:xfrm>
             <a:off x="3691440" y="5997600"/>
-            <a:ext cx="2270160" cy="576000"/>
+            <a:ext cx="2269800" cy="576000"/>
           </a:xfrm>
           <a:prstGeom prst="rect">
             <a:avLst/>
@@ -13924,7 +13926,7 @@
         <p:spPr>
           <a:xfrm>
             <a:off x="6239880" y="5997600"/>
-            <a:ext cx="2980440" cy="576000"/>
+            <a:ext cx="2980080" cy="576000"/>
           </a:xfrm>
           <a:prstGeom prst="rect">
             <a:avLst/>
@@ -13980,7 +13982,7 @@
         <p:spPr>
           <a:xfrm>
             <a:off x="302400" y="5999040"/>
-            <a:ext cx="555840" cy="556200"/>
+            <a:ext cx="555480" cy="555840"/>
           </a:xfrm>
           <a:prstGeom prst="rect">
             <a:avLst/>
@@ -14003,7 +14005,7 @@
         <p:spPr>
           <a:xfrm>
             <a:off x="6073200" y="5997600"/>
-            <a:ext cx="69840" cy="556200"/>
+            <a:ext cx="69480" cy="555840"/>
           </a:xfrm>
           <a:prstGeom prst="rect">
             <a:avLst/>
@@ -14022,7 +14024,7 @@
         <p:spPr>
           <a:xfrm>
             <a:off x="972000" y="5997600"/>
-            <a:ext cx="2348280" cy="674640"/>
+            <a:ext cx="2347920" cy="674280"/>
           </a:xfrm>
           <a:prstGeom prst="rect">
             <a:avLst/>
@@ -14048,7 +14050,7 @@
         <p:spPr>
           <a:xfrm>
             <a:off x="972000" y="5997600"/>
-            <a:ext cx="360" cy="449280"/>
+            <a:ext cx="360" cy="448920"/>
           </a:xfrm>
           <a:prstGeom prst="rect">
             <a:avLst/>
@@ -14078,7 +14080,7 @@
         <p:spPr>
           <a:xfrm>
             <a:off x="0" y="0"/>
-            <a:ext cx="12187080" cy="6856200"/>
+            <a:ext cx="12186720" cy="6855840"/>
           </a:xfrm>
           <a:prstGeom prst="rect">
             <a:avLst/>
@@ -14097,7 +14099,7 @@
         <p:spPr>
           <a:xfrm>
             <a:off x="-1973520" y="3082680"/>
-            <a:ext cx="1824120" cy="304200"/>
+            <a:ext cx="1823760" cy="304200"/>
           </a:xfrm>
           <a:prstGeom prst="rect">
             <a:avLst/>
@@ -14170,7 +14172,7 @@
         <p:spPr>
           <a:xfrm>
             <a:off x="972000" y="5997600"/>
-            <a:ext cx="2348280" cy="674640"/>
+            <a:ext cx="2347920" cy="674280"/>
           </a:xfrm>
           <a:prstGeom prst="rect">
             <a:avLst/>
@@ -14196,7 +14198,7 @@
         <p:spPr>
           <a:xfrm>
             <a:off x="3691440" y="5997600"/>
-            <a:ext cx="2270160" cy="576000"/>
+            <a:ext cx="2269800" cy="576000"/>
           </a:xfrm>
           <a:prstGeom prst="rect">
             <a:avLst/>
@@ -14248,7 +14250,7 @@
         <p:spPr>
           <a:xfrm>
             <a:off x="6239880" y="5997600"/>
-            <a:ext cx="2980440" cy="576000"/>
+            <a:ext cx="2980080" cy="576000"/>
           </a:xfrm>
           <a:prstGeom prst="rect">
             <a:avLst/>
@@ -14300,7 +14302,7 @@
         <p:spPr>
           <a:xfrm>
             <a:off x="3691440" y="5997600"/>
-            <a:ext cx="2270160" cy="442800"/>
+            <a:ext cx="2269800" cy="442800"/>
           </a:xfrm>
           <a:prstGeom prst="rect">
             <a:avLst/>
@@ -14352,7 +14354,7 @@
         <p:spPr>
           <a:xfrm>
             <a:off x="6239880" y="5997600"/>
-            <a:ext cx="2980440" cy="442800"/>
+            <a:ext cx="2980080" cy="442800"/>
           </a:xfrm>
           <a:prstGeom prst="rect">
             <a:avLst/>
@@ -14404,7 +14406,7 @@
         <p:spPr>
           <a:xfrm>
             <a:off x="972000" y="5997600"/>
-            <a:ext cx="360" cy="449280"/>
+            <a:ext cx="360" cy="448920"/>
           </a:xfrm>
           <a:prstGeom prst="rect">
             <a:avLst/>
@@ -14434,7 +14436,7 @@
         <p:spPr>
           <a:xfrm>
             <a:off x="302400" y="5997600"/>
-            <a:ext cx="555840" cy="556200"/>
+            <a:ext cx="555480" cy="555840"/>
           </a:xfrm>
           <a:prstGeom prst="rect">
             <a:avLst/>
@@ -14453,7 +14455,7 @@
         <p:spPr>
           <a:xfrm>
             <a:off x="10206000" y="5999040"/>
-            <a:ext cx="1665000" cy="556200"/>
+            <a:ext cx="1664640" cy="555840"/>
           </a:xfrm>
           <a:prstGeom prst="rect">
             <a:avLst/>
@@ -14483,7 +14485,7 @@
         <p:spPr>
           <a:xfrm>
             <a:off x="6073200" y="5997600"/>
-            <a:ext cx="69840" cy="556200"/>
+            <a:ext cx="69480" cy="555840"/>
           </a:xfrm>
           <a:prstGeom prst="rect">
             <a:avLst/>
@@ -14772,7 +14774,7 @@
         <p:spPr>
           <a:xfrm>
             <a:off x="10206000" y="5999040"/>
-            <a:ext cx="1665000" cy="556200"/>
+            <a:ext cx="1664640" cy="555840"/>
           </a:xfrm>
           <a:prstGeom prst="rect">
             <a:avLst/>
@@ -14798,7 +14800,7 @@
         <p:spPr>
           <a:xfrm>
             <a:off x="989280" y="1663200"/>
-            <a:ext cx="646200" cy="46080"/>
+            <a:ext cx="645840" cy="45720"/>
           </a:xfrm>
           <a:prstGeom prst="rect">
             <a:avLst/>
@@ -14860,7 +14862,7 @@
         <p:spPr>
           <a:xfrm>
             <a:off x="3691440" y="5997600"/>
-            <a:ext cx="2270160" cy="442800"/>
+            <a:ext cx="2269800" cy="442800"/>
           </a:xfrm>
           <a:prstGeom prst="rect">
             <a:avLst/>
@@ -14912,7 +14914,7 @@
         <p:spPr>
           <a:xfrm>
             <a:off x="6239880" y="5997600"/>
-            <a:ext cx="2980440" cy="442800"/>
+            <a:ext cx="2980080" cy="442800"/>
           </a:xfrm>
           <a:prstGeom prst="rect">
             <a:avLst/>
@@ -14964,7 +14966,7 @@
         <p:spPr>
           <a:xfrm>
             <a:off x="3691440" y="5997600"/>
-            <a:ext cx="2270160" cy="576000"/>
+            <a:ext cx="2269800" cy="576000"/>
           </a:xfrm>
           <a:prstGeom prst="rect">
             <a:avLst/>
@@ -15016,7 +15018,7 @@
         <p:spPr>
           <a:xfrm>
             <a:off x="6239880" y="5997600"/>
-            <a:ext cx="2980440" cy="576000"/>
+            <a:ext cx="2980080" cy="576000"/>
           </a:xfrm>
           <a:prstGeom prst="rect">
             <a:avLst/>
@@ -15072,7 +15074,7 @@
         <p:spPr>
           <a:xfrm>
             <a:off x="302400" y="5999040"/>
-            <a:ext cx="555840" cy="556200"/>
+            <a:ext cx="555480" cy="555840"/>
           </a:xfrm>
           <a:prstGeom prst="rect">
             <a:avLst/>
@@ -15095,7 +15097,7 @@
         <p:spPr>
           <a:xfrm>
             <a:off x="6073200" y="5997600"/>
-            <a:ext cx="69840" cy="556200"/>
+            <a:ext cx="69480" cy="555840"/>
           </a:xfrm>
           <a:prstGeom prst="rect">
             <a:avLst/>
@@ -15114,7 +15116,7 @@
         <p:spPr>
           <a:xfrm>
             <a:off x="972000" y="5997600"/>
-            <a:ext cx="2348280" cy="674640"/>
+            <a:ext cx="2347920" cy="674280"/>
           </a:xfrm>
           <a:prstGeom prst="rect">
             <a:avLst/>
@@ -15140,7 +15142,7 @@
         <p:spPr>
           <a:xfrm>
             <a:off x="972000" y="5997600"/>
-            <a:ext cx="360" cy="449280"/>
+            <a:ext cx="360" cy="448920"/>
           </a:xfrm>
           <a:prstGeom prst="rect">
             <a:avLst/>
@@ -15166,7 +15168,7 @@
         <p:spPr>
           <a:xfrm>
             <a:off x="-1973520" y="340200"/>
-            <a:ext cx="1824120" cy="456480"/>
+            <a:ext cx="1823760" cy="456480"/>
           </a:xfrm>
           <a:prstGeom prst="rect">
             <a:avLst/>
@@ -15534,7 +15536,7 @@
         <p:spPr>
           <a:xfrm>
             <a:off x="985680" y="2898000"/>
-            <a:ext cx="10218960" cy="829440"/>
+            <a:ext cx="10218600" cy="829080"/>
           </a:xfrm>
           <a:prstGeom prst="rect">
             <a:avLst/>
@@ -15602,7 +15604,7 @@
       </p:grpSpPr>
       <p:sp>
         <p:nvSpPr>
-          <p:cNvPr id="364" name="PlaceHolder 1"/>
+          <p:cNvPr id="366" name="PlaceHolder 1"/>
           <p:cNvSpPr>
             <a:spLocks noGrp="1"/>
           </p:cNvSpPr>
@@ -15613,7 +15615,7 @@
         <p:spPr>
           <a:xfrm>
             <a:off x="316080" y="149040"/>
-            <a:ext cx="11555280" cy="569880"/>
+            <a:ext cx="11554920" cy="569520"/>
           </a:xfrm>
           <a:prstGeom prst="rect">
             <a:avLst/>
@@ -15652,7 +15654,7 @@
       </p:sp>
       <p:sp>
         <p:nvSpPr>
-          <p:cNvPr id="365" name="PlaceHolder 2"/>
+          <p:cNvPr id="367" name="PlaceHolder 2"/>
           <p:cNvSpPr>
             <a:spLocks noGrp="1"/>
           </p:cNvSpPr>
@@ -15663,7 +15665,7 @@
         <p:spPr>
           <a:xfrm>
             <a:off x="1021680" y="1960200"/>
-            <a:ext cx="10218600" cy="3935520"/>
+            <a:ext cx="10218240" cy="3935160"/>
           </a:xfrm>
           <a:prstGeom prst="rect">
             <a:avLst/>
@@ -15809,7 +15811,7 @@
       </p:sp>
       <p:pic>
         <p:nvPicPr>
-          <p:cNvPr id="366" name="Billede 377" descr=""/>
+          <p:cNvPr id="368" name="Billede 377" descr=""/>
           <p:cNvPicPr/>
           <p:nvPr/>
         </p:nvPicPr>
@@ -15820,7 +15822,7 @@
         <p:spPr>
           <a:xfrm>
             <a:off x="6690240" y="360000"/>
-            <a:ext cx="3028320" cy="2680560"/>
+            <a:ext cx="3027960" cy="2680200"/>
           </a:xfrm>
           <a:prstGeom prst="rect">
             <a:avLst/>
@@ -15832,7 +15834,7 @@
       </p:pic>
       <p:pic>
         <p:nvPicPr>
-          <p:cNvPr id="367" name="Billede 378" descr=""/>
+          <p:cNvPr id="369" name="Billede 378" descr=""/>
           <p:cNvPicPr/>
           <p:nvPr/>
         </p:nvPicPr>
@@ -15843,7 +15845,7 @@
         <p:spPr>
           <a:xfrm>
             <a:off x="5760000" y="3060000"/>
-            <a:ext cx="4678560" cy="3140640"/>
+            <a:ext cx="4678200" cy="3140280"/>
           </a:xfrm>
           <a:prstGeom prst="rect">
             <a:avLst/>
@@ -15855,28 +15857,40 @@
       </p:pic>
       <p:sp>
         <p:nvSpPr>
-          <p:cNvPr id="368" name=""/>
-          <p:cNvSpPr txBox="1"/>
+          <p:cNvPr id="370" name=""/>
+          <p:cNvSpPr/>
           <p:nvPr/>
         </p:nvSpPr>
         <p:spPr>
           <a:xfrm>
             <a:off x="4320000" y="149040"/>
-            <a:ext cx="1080000" cy="346320"/>
-          </a:xfrm>
-          <a:prstGeom prst="rect">
-            <a:avLst/>
-          </a:prstGeom>
-          <a:noFill/>
-          <a:ln w="0">
-            <a:noFill/>
-          </a:ln>
-        </p:spPr>
+            <a:ext cx="1079640" cy="345960"/>
+          </a:xfrm>
+          <a:prstGeom prst="rect">
+            <a:avLst/>
+          </a:prstGeom>
+          <a:noFill/>
+          <a:ln w="0">
+            <a:noFill/>
+          </a:ln>
+        </p:spPr>
+        <p:style>
+          <a:lnRef idx="0"/>
+          <a:fillRef idx="0"/>
+          <a:effectRef idx="0"/>
+          <a:fontRef idx="minor"/>
+        </p:style>
         <p:txBody>
           <a:bodyPr lIns="90000" rIns="90000" tIns="45000" bIns="45000" anchor="t">
             <a:noAutofit/>
           </a:bodyPr>
           <a:p>
+            <a:pPr>
+              <a:lnSpc>
+                <a:spcPct val="100000"/>
+              </a:lnSpc>
+              <a:buNone/>
+            </a:pPr>
             <a:r>
               <a:rPr b="0" lang="en-DK" sz="1800" spc="-1" strike="noStrike">
                 <a:latin typeface="Arial"/>
@@ -15921,7 +15935,7 @@
       </p:grpSpPr>
       <p:sp>
         <p:nvSpPr>
-          <p:cNvPr id="369" name="PlaceHolder 1"/>
+          <p:cNvPr id="371" name="PlaceHolder 1"/>
           <p:cNvSpPr>
             <a:spLocks noGrp="1"/>
           </p:cNvSpPr>
@@ -15932,7 +15946,7 @@
         <p:spPr>
           <a:xfrm>
             <a:off x="316080" y="149040"/>
-            <a:ext cx="11555280" cy="569880"/>
+            <a:ext cx="11554920" cy="569520"/>
           </a:xfrm>
           <a:prstGeom prst="rect">
             <a:avLst/>
@@ -15971,7 +15985,7 @@
       </p:sp>
       <p:sp>
         <p:nvSpPr>
-          <p:cNvPr id="370" name="PlaceHolder 2"/>
+          <p:cNvPr id="372" name="PlaceHolder 2"/>
           <p:cNvSpPr>
             <a:spLocks noGrp="1"/>
           </p:cNvSpPr>
@@ -15982,7 +15996,7 @@
         <p:spPr>
           <a:xfrm>
             <a:off x="985680" y="1960200"/>
-            <a:ext cx="10218600" cy="3935520"/>
+            <a:ext cx="10218240" cy="3935160"/>
           </a:xfrm>
           <a:prstGeom prst="rect">
             <a:avLst/>
@@ -16162,7 +16176,17 @@
                 <a:latin typeface="AU Passata"/>
                 <a:ea typeface="DejaVu Sans"/>
               </a:rPr>
-              <a:t>Casual/read-writes….</a:t>
+              <a:t>…</a:t>
+            </a:r>
+            <a:r>
+              <a:rPr b="0" lang="en-US" sz="2000" spc="-1" strike="noStrike">
+                <a:solidFill>
+                  <a:srgbClr val="000000"/>
+                </a:solidFill>
+                <a:latin typeface="AU Passata"/>
+                <a:ea typeface="DejaVu Sans"/>
+              </a:rPr>
+              <a:t>.</a:t>
             </a:r>
             <a:endParaRPr b="0" lang="en-DK" sz="2000" spc="-1" strike="noStrike">
               <a:latin typeface="Arial"/>
@@ -16172,7 +16196,7 @@
       </p:sp>
       <p:pic>
         <p:nvPicPr>
-          <p:cNvPr id="371" name="Billede 381" descr=""/>
+          <p:cNvPr id="373" name="Billede 381" descr=""/>
           <p:cNvPicPr/>
           <p:nvPr/>
         </p:nvPicPr>
@@ -16183,7 +16207,7 @@
         <p:spPr>
           <a:xfrm>
             <a:off x="5040000" y="1875960"/>
-            <a:ext cx="5951160" cy="3522600"/>
+            <a:ext cx="5950800" cy="3522240"/>
           </a:xfrm>
           <a:prstGeom prst="rect">
             <a:avLst/>
@@ -16232,7 +16256,7 @@
       </p:grpSpPr>
       <p:sp>
         <p:nvSpPr>
-          <p:cNvPr id="372" name="PlaceHolder 1"/>
+          <p:cNvPr id="374" name="PlaceHolder 1"/>
           <p:cNvSpPr>
             <a:spLocks noGrp="1"/>
           </p:cNvSpPr>
@@ -16243,7 +16267,7 @@
         <p:spPr>
           <a:xfrm>
             <a:off x="985680" y="2898000"/>
-            <a:ext cx="10218960" cy="829440"/>
+            <a:ext cx="10218600" cy="829080"/>
           </a:xfrm>
           <a:prstGeom prst="rect">
             <a:avLst/>
@@ -16311,7 +16335,7 @@
       </p:grpSpPr>
       <p:sp>
         <p:nvSpPr>
-          <p:cNvPr id="373" name="PlaceHolder 1"/>
+          <p:cNvPr id="375" name="PlaceHolder 1"/>
           <p:cNvSpPr>
             <a:spLocks noGrp="1"/>
           </p:cNvSpPr>
@@ -16322,7 +16346,7 @@
         <p:spPr>
           <a:xfrm>
             <a:off x="316080" y="149040"/>
-            <a:ext cx="11555280" cy="569880"/>
+            <a:ext cx="11554920" cy="569520"/>
           </a:xfrm>
           <a:prstGeom prst="rect">
             <a:avLst/>
@@ -16361,7 +16385,7 @@
       </p:sp>
       <p:sp>
         <p:nvSpPr>
-          <p:cNvPr id="374" name="PlaceHolder 2"/>
+          <p:cNvPr id="376" name="PlaceHolder 2"/>
           <p:cNvSpPr>
             <a:spLocks noGrp="1"/>
           </p:cNvSpPr>
@@ -16372,7 +16396,7 @@
         <p:spPr>
           <a:xfrm>
             <a:off x="985680" y="1960200"/>
-            <a:ext cx="10218600" cy="3935520"/>
+            <a:ext cx="10218240" cy="3935160"/>
           </a:xfrm>
           <a:prstGeom prst="rect">
             <a:avLst/>
@@ -16590,7 +16614,7 @@
       </p:sp>
       <p:pic>
         <p:nvPicPr>
-          <p:cNvPr id="375" name="Billede 385" descr=""/>
+          <p:cNvPr id="377" name="Billede 385" descr=""/>
           <p:cNvPicPr/>
           <p:nvPr/>
         </p:nvPicPr>
@@ -16601,7 +16625,7 @@
         <p:spPr>
           <a:xfrm>
             <a:off x="5220000" y="1260000"/>
-            <a:ext cx="5578560" cy="2659320"/>
+            <a:ext cx="5578200" cy="2658960"/>
           </a:xfrm>
           <a:prstGeom prst="rect">
             <a:avLst/>
@@ -16613,7 +16637,7 @@
       </p:pic>
       <p:pic>
         <p:nvPicPr>
-          <p:cNvPr id="376" name="Billede 386" descr=""/>
+          <p:cNvPr id="378" name="Billede 386" descr=""/>
           <p:cNvPicPr/>
           <p:nvPr/>
         </p:nvPicPr>
@@ -16624,7 +16648,7 @@
         <p:spPr>
           <a:xfrm>
             <a:off x="5760000" y="4305960"/>
-            <a:ext cx="4189320" cy="1093680"/>
+            <a:ext cx="4188960" cy="1093320"/>
           </a:xfrm>
           <a:prstGeom prst="rect">
             <a:avLst/>
@@ -16666,7 +16690,7 @@
       </p:grpSpPr>
       <p:sp>
         <p:nvSpPr>
-          <p:cNvPr id="377" name="PlaceHolder 1"/>
+          <p:cNvPr id="379" name="PlaceHolder 1"/>
           <p:cNvSpPr>
             <a:spLocks noGrp="1"/>
           </p:cNvSpPr>
@@ -16677,7 +16701,7 @@
         <p:spPr>
           <a:xfrm>
             <a:off x="316080" y="149040"/>
-            <a:ext cx="11555280" cy="569880"/>
+            <a:ext cx="11554920" cy="569520"/>
           </a:xfrm>
           <a:prstGeom prst="rect">
             <a:avLst/>
@@ -16716,7 +16740,7 @@
       </p:sp>
       <p:sp>
         <p:nvSpPr>
-          <p:cNvPr id="378" name="PlaceHolder 2"/>
+          <p:cNvPr id="380" name="PlaceHolder 2"/>
           <p:cNvSpPr>
             <a:spLocks noGrp="1"/>
           </p:cNvSpPr>
@@ -16727,7 +16751,7 @@
         <p:spPr>
           <a:xfrm>
             <a:off x="985680" y="1960200"/>
-            <a:ext cx="10218600" cy="3935520"/>
+            <a:ext cx="10218240" cy="3935160"/>
           </a:xfrm>
           <a:prstGeom prst="rect">
             <a:avLst/>
@@ -16916,7 +16940,7 @@
       </p:sp>
       <p:pic>
         <p:nvPicPr>
-          <p:cNvPr id="379" name="Billede 389" descr=""/>
+          <p:cNvPr id="381" name="Billede 389" descr=""/>
           <p:cNvPicPr/>
           <p:nvPr/>
         </p:nvPicPr>
@@ -16927,7 +16951,7 @@
         <p:spPr>
           <a:xfrm>
             <a:off x="6480000" y="1440000"/>
-            <a:ext cx="3779640" cy="3519360"/>
+            <a:ext cx="3779280" cy="3519000"/>
           </a:xfrm>
           <a:prstGeom prst="rect">
             <a:avLst/>
@@ -16969,7 +16993,7 @@
       </p:grpSpPr>
       <p:sp>
         <p:nvSpPr>
-          <p:cNvPr id="380" name="PlaceHolder 1"/>
+          <p:cNvPr id="382" name="PlaceHolder 1"/>
           <p:cNvSpPr>
             <a:spLocks noGrp="1"/>
           </p:cNvSpPr>
@@ -16980,7 +17004,7 @@
         <p:spPr>
           <a:xfrm>
             <a:off x="316080" y="149040"/>
-            <a:ext cx="11555280" cy="569880"/>
+            <a:ext cx="11554920" cy="569520"/>
           </a:xfrm>
           <a:prstGeom prst="rect">
             <a:avLst/>
@@ -17019,7 +17043,7 @@
       </p:sp>
       <p:sp>
         <p:nvSpPr>
-          <p:cNvPr id="381" name="PlaceHolder 2"/>
+          <p:cNvPr id="383" name="PlaceHolder 2"/>
           <p:cNvSpPr>
             <a:spLocks noGrp="1"/>
           </p:cNvSpPr>
@@ -17030,7 +17054,7 @@
         <p:spPr>
           <a:xfrm>
             <a:off x="985680" y="1960200"/>
-            <a:ext cx="10218600" cy="3935520"/>
+            <a:ext cx="10218240" cy="3935160"/>
           </a:xfrm>
           <a:prstGeom prst="rect">
             <a:avLst/>
@@ -17334,7 +17358,7 @@
       </p:sp>
       <p:pic>
         <p:nvPicPr>
-          <p:cNvPr id="382" name="Billede 392" descr=""/>
+          <p:cNvPr id="384" name="Billede 392" descr=""/>
           <p:cNvPicPr/>
           <p:nvPr/>
         </p:nvPicPr>
@@ -17345,7 +17369,7 @@
         <p:spPr>
           <a:xfrm>
             <a:off x="6344640" y="1800000"/>
-            <a:ext cx="4859640" cy="3753360"/>
+            <a:ext cx="4859280" cy="3753000"/>
           </a:xfrm>
           <a:prstGeom prst="rect">
             <a:avLst/>
@@ -17387,7 +17411,7 @@
       </p:grpSpPr>
       <p:sp>
         <p:nvSpPr>
-          <p:cNvPr id="383" name="PlaceHolder 1"/>
+          <p:cNvPr id="385" name="PlaceHolder 1"/>
           <p:cNvSpPr>
             <a:spLocks noGrp="1"/>
           </p:cNvSpPr>
@@ -17398,7 +17422,7 @@
         <p:spPr>
           <a:xfrm>
             <a:off x="316080" y="149040"/>
-            <a:ext cx="11555280" cy="569880"/>
+            <a:ext cx="11554920" cy="569520"/>
           </a:xfrm>
           <a:prstGeom prst="rect">
             <a:avLst/>
@@ -17437,7 +17461,7 @@
       </p:sp>
       <p:sp>
         <p:nvSpPr>
-          <p:cNvPr id="384" name="PlaceHolder 2"/>
+          <p:cNvPr id="386" name="PlaceHolder 2"/>
           <p:cNvSpPr>
             <a:spLocks noGrp="1"/>
           </p:cNvSpPr>
@@ -17448,7 +17472,7 @@
         <p:spPr>
           <a:xfrm>
             <a:off x="985680" y="1960200"/>
-            <a:ext cx="10218600" cy="3935520"/>
+            <a:ext cx="10218240" cy="3935160"/>
           </a:xfrm>
           <a:prstGeom prst="rect">
             <a:avLst/>
@@ -17478,7 +17502,7 @@
               <a:buChar char=""/>
             </a:pPr>
             <a:r>
-              <a:rPr b="0" lang="en-US" sz="2000" spc="-1" strike="noStrike">
+              <a:rPr b="1" lang="en-US" sz="2000" spc="-1" strike="noStrike">
                 <a:solidFill>
                   <a:srgbClr val="000000"/>
                 </a:solidFill>
@@ -17487,20 +17511,6 @@
               </a:rPr>
               <a:t>Basics</a:t>
             </a:r>
-            <a:endParaRPr b="0" lang="en-DK" sz="2000" spc="-1" strike="noStrike">
-              <a:latin typeface="Arial"/>
-            </a:endParaRPr>
-          </a:p>
-          <a:p>
-            <a:pPr>
-              <a:lnSpc>
-                <a:spcPct val="90000"/>
-              </a:lnSpc>
-              <a:spcBef>
-                <a:spcPts val="1417"/>
-              </a:spcBef>
-              <a:buNone/>
-            </a:pPr>
             <a:endParaRPr b="0" lang="en-DK" sz="2000" spc="-1" strike="noStrike">
               <a:latin typeface="Arial"/>
             </a:endParaRPr>
@@ -17535,6 +17545,64 @@
             </a:endParaRPr>
           </a:p>
           <a:p>
+            <a:pPr marL="432000" indent="-324000">
+              <a:lnSpc>
+                <a:spcPct val="90000"/>
+              </a:lnSpc>
+              <a:spcBef>
+                <a:spcPts val="1417"/>
+              </a:spcBef>
+              <a:buClr>
+                <a:srgbClr val="000000"/>
+              </a:buClr>
+              <a:buSzPct val="45000"/>
+              <a:buFont typeface="Wingdings" charset="2"/>
+              <a:buChar char=""/>
+            </a:pPr>
+            <a:r>
+              <a:rPr b="0" lang="en-US" sz="2000" spc="-1" strike="noStrike">
+                <a:solidFill>
+                  <a:srgbClr val="000000"/>
+                </a:solidFill>
+                <a:latin typeface="AU Passata"/>
+                <a:ea typeface="DejaVu Sans"/>
+              </a:rPr>
+              <a:t>Log Replication</a:t>
+            </a:r>
+            <a:endParaRPr b="0" lang="en-DK" sz="2000" spc="-1" strike="noStrike">
+              <a:latin typeface="Arial"/>
+            </a:endParaRPr>
+          </a:p>
+          <a:p>
+            <a:pPr marL="432000" indent="-324000">
+              <a:lnSpc>
+                <a:spcPct val="90000"/>
+              </a:lnSpc>
+              <a:spcBef>
+                <a:spcPts val="1417"/>
+              </a:spcBef>
+              <a:buClr>
+                <a:srgbClr val="000000"/>
+              </a:buClr>
+              <a:buSzPct val="45000"/>
+              <a:buFont typeface="Wingdings" charset="2"/>
+              <a:buChar char=""/>
+            </a:pPr>
+            <a:r>
+              <a:rPr b="0" lang="en-US" sz="2000" spc="-1" strike="noStrike">
+                <a:solidFill>
+                  <a:srgbClr val="000000"/>
+                </a:solidFill>
+                <a:latin typeface="AU Passata"/>
+                <a:ea typeface="DejaVu Sans"/>
+              </a:rPr>
+              <a:t>Election Restriction (Safety)</a:t>
+            </a:r>
+            <a:endParaRPr b="0" lang="en-DK" sz="2000" spc="-1" strike="noStrike">
+              <a:latin typeface="Arial"/>
+            </a:endParaRPr>
+          </a:p>
+          <a:p>
             <a:pPr>
               <a:lnSpc>
                 <a:spcPct val="90000"/>
@@ -17615,6 +17683,54 @@
               <a:buNone/>
             </a:pPr>
             <a:endParaRPr b="0" lang="en-DK" sz="2000" spc="-1" strike="noStrike">
+              <a:latin typeface="Arial"/>
+            </a:endParaRPr>
+          </a:p>
+        </p:txBody>
+      </p:sp>
+      <p:sp>
+        <p:nvSpPr>
+          <p:cNvPr id="387" name=""/>
+          <p:cNvSpPr/>
+          <p:nvPr/>
+        </p:nvSpPr>
+        <p:spPr>
+          <a:xfrm>
+            <a:off x="2700000" y="149040"/>
+            <a:ext cx="899640" cy="345960"/>
+          </a:xfrm>
+          <a:prstGeom prst="rect">
+            <a:avLst/>
+          </a:prstGeom>
+          <a:noFill/>
+          <a:ln w="0">
+            <a:noFill/>
+          </a:ln>
+        </p:spPr>
+        <p:style>
+          <a:lnRef idx="0"/>
+          <a:fillRef idx="0"/>
+          <a:effectRef idx="0"/>
+          <a:fontRef idx="minor"/>
+        </p:style>
+        <p:txBody>
+          <a:bodyPr lIns="90000" rIns="90000" tIns="45000" bIns="45000" anchor="t">
+            <a:noAutofit/>
+          </a:bodyPr>
+          <a:p>
+            <a:pPr>
+              <a:lnSpc>
+                <a:spcPct val="100000"/>
+              </a:lnSpc>
+              <a:buNone/>
+            </a:pPr>
+            <a:r>
+              <a:rPr b="0" lang="en-DK" sz="1800" spc="-1" strike="noStrike">
+                <a:latin typeface="Arial"/>
+              </a:rPr>
+              <a:t>!</a:t>
+            </a:r>
+            <a:endParaRPr b="0" lang="en-DK" sz="1800" spc="-1" strike="noStrike">
               <a:latin typeface="Arial"/>
             </a:endParaRPr>
           </a:p>
@@ -17622,7 +17738,7 @@
       </p:sp>
       <p:pic>
         <p:nvPicPr>
-          <p:cNvPr id="385" name="Billede 395" descr=""/>
+          <p:cNvPr id="388" name="" descr=""/>
           <p:cNvPicPr/>
           <p:nvPr/>
         </p:nvPicPr>
@@ -17632,8 +17748,8 @@
         </p:blipFill>
         <p:spPr>
           <a:xfrm>
-            <a:off x="4039200" y="720000"/>
-            <a:ext cx="3294000" cy="2027160"/>
+            <a:off x="5998680" y="1824120"/>
+            <a:ext cx="5076360" cy="3209400"/>
           </a:xfrm>
           <a:prstGeom prst="rect">
             <a:avLst/>
@@ -17643,111 +17759,6 @@
           </a:ln>
         </p:spPr>
       </p:pic>
-      <p:pic>
-        <p:nvPicPr>
-          <p:cNvPr id="386" name="Billede 396" descr=""/>
-          <p:cNvPicPr/>
-          <p:nvPr/>
-        </p:nvPicPr>
-        <p:blipFill>
-          <a:blip r:embed="rId2"/>
-          <a:stretch/>
-        </p:blipFill>
-        <p:spPr>
-          <a:xfrm>
-            <a:off x="7452000" y="1004760"/>
-            <a:ext cx="4255920" cy="1693800"/>
-          </a:xfrm>
-          <a:prstGeom prst="rect">
-            <a:avLst/>
-          </a:prstGeom>
-          <a:ln w="0">
-            <a:noFill/>
-          </a:ln>
-        </p:spPr>
-      </p:pic>
-      <p:pic>
-        <p:nvPicPr>
-          <p:cNvPr id="387" name="Billede 397" descr=""/>
-          <p:cNvPicPr/>
-          <p:nvPr/>
-        </p:nvPicPr>
-        <p:blipFill>
-          <a:blip r:embed="rId3"/>
-          <a:stretch/>
-        </p:blipFill>
-        <p:spPr>
-          <a:xfrm>
-            <a:off x="4302000" y="3960000"/>
-            <a:ext cx="3294000" cy="1274400"/>
-          </a:xfrm>
-          <a:prstGeom prst="rect">
-            <a:avLst/>
-          </a:prstGeom>
-          <a:ln w="0">
-            <a:noFill/>
-          </a:ln>
-        </p:spPr>
-      </p:pic>
-      <p:pic>
-        <p:nvPicPr>
-          <p:cNvPr id="388" name="Billede 398" descr=""/>
-          <p:cNvPicPr/>
-          <p:nvPr/>
-        </p:nvPicPr>
-        <p:blipFill>
-          <a:blip r:embed="rId4"/>
-          <a:stretch/>
-        </p:blipFill>
-        <p:spPr>
-          <a:xfrm>
-            <a:off x="8150400" y="3648600"/>
-            <a:ext cx="2788920" cy="2084040"/>
-          </a:xfrm>
-          <a:prstGeom prst="rect">
-            <a:avLst/>
-          </a:prstGeom>
-          <a:ln w="0">
-            <a:noFill/>
-          </a:ln>
-        </p:spPr>
-      </p:pic>
-      <p:sp>
-        <p:nvSpPr>
-          <p:cNvPr id="389" name=""/>
-          <p:cNvSpPr txBox="1"/>
-          <p:nvPr/>
-        </p:nvSpPr>
-        <p:spPr>
-          <a:xfrm>
-            <a:off x="2700000" y="149040"/>
-            <a:ext cx="900000" cy="346320"/>
-          </a:xfrm>
-          <a:prstGeom prst="rect">
-            <a:avLst/>
-          </a:prstGeom>
-          <a:noFill/>
-          <a:ln w="0">
-            <a:noFill/>
-          </a:ln>
-        </p:spPr>
-        <p:txBody>
-          <a:bodyPr lIns="90000" rIns="90000" tIns="45000" bIns="45000" anchor="t">
-            <a:noAutofit/>
-          </a:bodyPr>
-          <a:p>
-            <a:r>
-              <a:rPr b="0" lang="en-DK" sz="1800" spc="-1" strike="noStrike">
-                <a:latin typeface="Arial"/>
-              </a:rPr>
-              <a:t>!</a:t>
-            </a:r>
-            <a:endParaRPr b="0" lang="en-DK" sz="1800" spc="-1" strike="noStrike">
-              <a:latin typeface="Arial"/>
-            </a:endParaRPr>
-          </a:p>
-        </p:txBody>
-      </p:sp>
     </p:spTree>
   </p:cSld>
   <mc:AlternateContent>
@@ -17780,7 +17791,7 @@
       </p:grpSpPr>
       <p:sp>
         <p:nvSpPr>
-          <p:cNvPr id="390" name="PlaceHolder 1"/>
+          <p:cNvPr id="389" name="PlaceHolder 1"/>
           <p:cNvSpPr>
             <a:spLocks noGrp="1"/>
           </p:cNvSpPr>
@@ -17791,7 +17802,7 @@
         <p:spPr>
           <a:xfrm>
             <a:off x="316080" y="149040"/>
-            <a:ext cx="11555280" cy="569880"/>
+            <a:ext cx="11554920" cy="569520"/>
           </a:xfrm>
           <a:prstGeom prst="rect">
             <a:avLst/>
@@ -17830,7 +17841,7 @@
       </p:sp>
       <p:sp>
         <p:nvSpPr>
-          <p:cNvPr id="391" name="PlaceHolder 2"/>
+          <p:cNvPr id="390" name="PlaceHolder 2"/>
           <p:cNvSpPr>
             <a:spLocks noGrp="1"/>
           </p:cNvSpPr>
@@ -17841,7 +17852,7 @@
         <p:spPr>
           <a:xfrm>
             <a:off x="985680" y="1960200"/>
-            <a:ext cx="10218600" cy="3935520"/>
+            <a:ext cx="10218240" cy="3935160"/>
           </a:xfrm>
           <a:prstGeom prst="rect">
             <a:avLst/>
@@ -17856,16 +17867,60 @@
             <a:noAutofit/>
           </a:bodyPr>
           <a:p>
-            <a:pPr>
+            <a:pPr marL="432000" indent="-324000">
               <a:lnSpc>
                 <a:spcPct val="90000"/>
               </a:lnSpc>
               <a:spcBef>
                 <a:spcPts val="1417"/>
               </a:spcBef>
-              <a:buNone/>
-            </a:pPr>
-            <a:endParaRPr b="0" lang="en-DK" sz="3200" spc="-1" strike="noStrike">
+              <a:buClr>
+                <a:srgbClr val="000000"/>
+              </a:buClr>
+              <a:buSzPct val="45000"/>
+              <a:buFont typeface="Wingdings" charset="2"/>
+              <a:buChar char=""/>
+            </a:pPr>
+            <a:r>
+              <a:rPr b="0" lang="en-US" sz="2000" spc="-1" strike="noStrike">
+                <a:solidFill>
+                  <a:srgbClr val="000000"/>
+                </a:solidFill>
+                <a:latin typeface="AU Passata"/>
+                <a:ea typeface="DejaVu Sans"/>
+              </a:rPr>
+              <a:t>Basics</a:t>
+            </a:r>
+            <a:endParaRPr b="0" lang="en-DK" sz="2000" spc="-1" strike="noStrike">
+              <a:latin typeface="Arial"/>
+            </a:endParaRPr>
+          </a:p>
+          <a:p>
+            <a:pPr marL="432000" indent="-324000">
+              <a:lnSpc>
+                <a:spcPct val="90000"/>
+              </a:lnSpc>
+              <a:spcBef>
+                <a:spcPts val="1417"/>
+              </a:spcBef>
+              <a:buClr>
+                <a:srgbClr val="000000"/>
+              </a:buClr>
+              <a:buSzPct val="45000"/>
+              <a:buFont typeface="Wingdings" charset="2"/>
+              <a:buChar char=""/>
+            </a:pPr>
+            <a:r>
+              <a:rPr b="1" lang="en-US" sz="2000" spc="-1" strike="noStrike">
+                <a:solidFill>
+                  <a:srgbClr val="000000"/>
+                </a:solidFill>
+                <a:latin typeface="AU Passata"/>
+                <a:ea typeface="DejaVu Sans"/>
+              </a:rPr>
+              <a:t>Leader Election</a:t>
+            </a:r>
+            <a:endParaRPr b="0" lang="en-DK" sz="2000" spc="-1" strike="noStrike">
               <a:latin typeface="Arial"/>
             </a:endParaRPr>
           </a:p>
@@ -17899,20 +17954,6 @@
             </a:endParaRPr>
           </a:p>
           <a:p>
-            <a:pPr>
-              <a:lnSpc>
-                <a:spcPct val="90000"/>
-              </a:lnSpc>
-              <a:spcBef>
-                <a:spcPts val="1417"/>
-              </a:spcBef>
-              <a:buNone/>
-            </a:pPr>
-            <a:endParaRPr b="0" lang="en-DK" sz="2000" spc="-1" strike="noStrike">
-              <a:latin typeface="Arial"/>
-            </a:endParaRPr>
-          </a:p>
-          <a:p>
             <a:pPr marL="432000" indent="-324000">
               <a:lnSpc>
                 <a:spcPct val="90000"/>
@@ -18027,9 +18068,57 @@
           </a:p>
         </p:txBody>
       </p:sp>
+      <p:sp>
+        <p:nvSpPr>
+          <p:cNvPr id="391" name=""/>
+          <p:cNvSpPr/>
+          <p:nvPr/>
+        </p:nvSpPr>
+        <p:spPr>
+          <a:xfrm>
+            <a:off x="2700000" y="149040"/>
+            <a:ext cx="899640" cy="345960"/>
+          </a:xfrm>
+          <a:prstGeom prst="rect">
+            <a:avLst/>
+          </a:prstGeom>
+          <a:noFill/>
+          <a:ln w="0">
+            <a:noFill/>
+          </a:ln>
+        </p:spPr>
+        <p:style>
+          <a:lnRef idx="0"/>
+          <a:fillRef idx="0"/>
+          <a:effectRef idx="0"/>
+          <a:fontRef idx="minor"/>
+        </p:style>
+        <p:txBody>
+          <a:bodyPr lIns="90000" rIns="90000" tIns="45000" bIns="45000" anchor="t">
+            <a:noAutofit/>
+          </a:bodyPr>
+          <a:p>
+            <a:pPr>
+              <a:lnSpc>
+                <a:spcPct val="100000"/>
+              </a:lnSpc>
+              <a:buNone/>
+            </a:pPr>
+            <a:r>
+              <a:rPr b="0" lang="en-DK" sz="1800" spc="-1" strike="noStrike">
+                <a:latin typeface="Arial"/>
+              </a:rPr>
+              <a:t>!</a:t>
+            </a:r>
+            <a:endParaRPr b="0" lang="en-DK" sz="1800" spc="-1" strike="noStrike">
+              <a:latin typeface="Arial"/>
+            </a:endParaRPr>
+          </a:p>
+        </p:txBody>
+      </p:sp>
       <p:pic>
         <p:nvPicPr>
-          <p:cNvPr id="392" name="Billede 401" descr=""/>
+          <p:cNvPr id="392" name="" descr=""/>
           <p:cNvPicPr/>
           <p:nvPr/>
         </p:nvPicPr>
@@ -18039,8 +18128,8 @@
         </p:blipFill>
         <p:spPr>
           <a:xfrm>
-            <a:off x="7020000" y="1260000"/>
-            <a:ext cx="3239640" cy="2225520"/>
+            <a:off x="6290280" y="1460160"/>
+            <a:ext cx="3609720" cy="1599840"/>
           </a:xfrm>
           <a:prstGeom prst="rect">
             <a:avLst/>
@@ -18052,7 +18141,7 @@
       </p:pic>
       <p:pic>
         <p:nvPicPr>
-          <p:cNvPr id="393" name="Billede 402" descr=""/>
+          <p:cNvPr id="393" name="" descr=""/>
           <p:cNvPicPr/>
           <p:nvPr/>
         </p:nvPicPr>
@@ -18062,8 +18151,8 @@
         </p:blipFill>
         <p:spPr>
           <a:xfrm>
-            <a:off x="7137000" y="3936600"/>
-            <a:ext cx="3302640" cy="1463040"/>
+            <a:off x="6480000" y="3764880"/>
+            <a:ext cx="3872160" cy="1455120"/>
           </a:xfrm>
           <a:prstGeom prst="rect">
             <a:avLst/>
@@ -18073,42 +18162,6 @@
           </a:ln>
         </p:spPr>
       </p:pic>
-      <p:sp>
-        <p:nvSpPr>
-          <p:cNvPr id="394" name=""/>
-          <p:cNvSpPr txBox="1"/>
-          <p:nvPr/>
-        </p:nvSpPr>
-        <p:spPr>
-          <a:xfrm>
-            <a:off x="2520000" y="149040"/>
-            <a:ext cx="1260000" cy="346320"/>
-          </a:xfrm>
-          <a:prstGeom prst="rect">
-            <a:avLst/>
-          </a:prstGeom>
-          <a:noFill/>
-          <a:ln w="0">
-            <a:noFill/>
-          </a:ln>
-        </p:spPr>
-        <p:txBody>
-          <a:bodyPr lIns="90000" rIns="90000" tIns="45000" bIns="45000" anchor="t">
-            <a:noAutofit/>
-          </a:bodyPr>
-          <a:p>
-            <a:r>
-              <a:rPr b="0" lang="en-DK" sz="1800" spc="-1" strike="noStrike">
-                <a:latin typeface="Arial"/>
-              </a:rPr>
-              <a:t>!</a:t>
-            </a:r>
-            <a:endParaRPr b="0" lang="en-DK" sz="1800" spc="-1" strike="noStrike">
-              <a:latin typeface="Arial"/>
-            </a:endParaRPr>
-          </a:p>
-        </p:txBody>
-      </p:sp>
     </p:spTree>
   </p:cSld>
   <mc:AlternateContent>
@@ -18125,13 +18178,6 @@
 <file path=ppt/slides/slide18.xml><?xml version="1.0" encoding="utf-8"?>
 <p:sld xmlns:a="http://schemas.openxmlformats.org/drawingml/2006/main" xmlns:p="http://schemas.openxmlformats.org/presentationml/2006/main" xmlns:r="http://schemas.openxmlformats.org/officeDocument/2006/relationships" xmlns:p14="http://schemas.microsoft.com/office/powerpoint/2010/main" xmlns:p15="http://schemas.microsoft.com/office/powerpoint/2012/main" xmlns:mc="http://schemas.openxmlformats.org/markup-compatibility/2006">
   <p:cSld>
-    <p:bg>
-      <p:bgPr>
-        <a:solidFill>
-          <a:srgbClr val="002546"/>
-        </a:solidFill>
-      </p:bgPr>
-    </p:bg>
     <p:spTree>
       <p:nvGrpSpPr>
         <p:cNvPr id="1" name=""/>
@@ -18148,7 +18194,7 @@
       </p:grpSpPr>
       <p:sp>
         <p:nvSpPr>
-          <p:cNvPr id="395" name="PlaceHolder 1"/>
+          <p:cNvPr id="394" name="PlaceHolder 1"/>
           <p:cNvSpPr>
             <a:spLocks noGrp="1"/>
           </p:cNvSpPr>
@@ -18158,8 +18204,8 @@
         </p:nvSpPr>
         <p:spPr>
           <a:xfrm>
-            <a:off x="985680" y="2898000"/>
-            <a:ext cx="10218600" cy="829080"/>
+            <a:off x="316080" y="149040"/>
+            <a:ext cx="11554920" cy="569520"/>
           </a:xfrm>
           <a:prstGeom prst="rect">
             <a:avLst/>
@@ -18170,7 +18216,7 @@
           </a:ln>
         </p:spPr>
         <p:txBody>
-          <a:bodyPr numCol="1" spcCol="0" lIns="0" rIns="0" tIns="0" bIns="0" anchor="ctr">
+          <a:bodyPr numCol="1" spcCol="0" lIns="0" rIns="0" tIns="0" bIns="0" anchor="b">
             <a:noAutofit/>
           </a:bodyPr>
           <a:p>
@@ -18181,21 +18227,321 @@
               <a:buNone/>
             </a:pPr>
             <a:r>
-              <a:rPr b="1" lang="en-US" sz="6000" spc="-1" strike="noStrike" cap="all">
+              <a:rPr b="0" lang="en-US" sz="4800" spc="-1" strike="noStrike">
                 <a:solidFill>
-                  <a:srgbClr val="ffffff"/>
+                  <a:srgbClr val="000000"/>
                 </a:solidFill>
-                <a:latin typeface="AU Passata Light"/>
+                <a:latin typeface="AU Passata"/>
                 <a:ea typeface="DejaVu Sans"/>
               </a:rPr>
-              <a:t>4. Positioning and location awareness</a:t>
+              <a:t>RAFT</a:t>
             </a:r>
-            <a:endParaRPr b="0" lang="en-DK" sz="6000" spc="-1" strike="noStrike">
-              <a:latin typeface="Arial"/>
-            </a:endParaRPr>
-          </a:p>
-        </p:txBody>
-      </p:sp>
+            <a:endParaRPr b="0" lang="en-DK" sz="4800" spc="-1" strike="noStrike">
+              <a:latin typeface="Arial"/>
+            </a:endParaRPr>
+          </a:p>
+        </p:txBody>
+      </p:sp>
+      <p:sp>
+        <p:nvSpPr>
+          <p:cNvPr id="395" name="PlaceHolder 2"/>
+          <p:cNvSpPr>
+            <a:spLocks noGrp="1"/>
+          </p:cNvSpPr>
+          <p:nvPr>
+            <p:ph/>
+          </p:nvPr>
+        </p:nvSpPr>
+        <p:spPr>
+          <a:xfrm>
+            <a:off x="985680" y="1960200"/>
+            <a:ext cx="10218240" cy="3935160"/>
+          </a:xfrm>
+          <a:prstGeom prst="rect">
+            <a:avLst/>
+          </a:prstGeom>
+          <a:noFill/>
+          <a:ln w="9360">
+            <a:noFill/>
+          </a:ln>
+        </p:spPr>
+        <p:txBody>
+          <a:bodyPr numCol="1" spcCol="0" lIns="0" rIns="0" tIns="0" bIns="0" anchor="t">
+            <a:noAutofit/>
+          </a:bodyPr>
+          <a:p>
+            <a:pPr marL="432000" indent="-324000">
+              <a:lnSpc>
+                <a:spcPct val="90000"/>
+              </a:lnSpc>
+              <a:spcBef>
+                <a:spcPts val="1417"/>
+              </a:spcBef>
+              <a:buClr>
+                <a:srgbClr val="000000"/>
+              </a:buClr>
+              <a:buSzPct val="45000"/>
+              <a:buFont typeface="Wingdings" charset="2"/>
+              <a:buChar char=""/>
+            </a:pPr>
+            <a:r>
+              <a:rPr b="0" lang="en-US" sz="2000" spc="-1" strike="noStrike">
+                <a:solidFill>
+                  <a:srgbClr val="000000"/>
+                </a:solidFill>
+                <a:latin typeface="AU Passata"/>
+                <a:ea typeface="DejaVu Sans"/>
+              </a:rPr>
+              <a:t>Basics</a:t>
+            </a:r>
+            <a:endParaRPr b="0" lang="en-DK" sz="2000" spc="-1" strike="noStrike">
+              <a:latin typeface="Arial"/>
+            </a:endParaRPr>
+          </a:p>
+          <a:p>
+            <a:pPr marL="432000" indent="-324000">
+              <a:lnSpc>
+                <a:spcPct val="90000"/>
+              </a:lnSpc>
+              <a:spcBef>
+                <a:spcPts val="1417"/>
+              </a:spcBef>
+              <a:buClr>
+                <a:srgbClr val="000000"/>
+              </a:buClr>
+              <a:buSzPct val="45000"/>
+              <a:buFont typeface="Wingdings" charset="2"/>
+              <a:buChar char=""/>
+            </a:pPr>
+            <a:r>
+              <a:rPr b="0" lang="en-US" sz="2000" spc="-1" strike="noStrike">
+                <a:solidFill>
+                  <a:srgbClr val="000000"/>
+                </a:solidFill>
+                <a:latin typeface="AU Passata"/>
+                <a:ea typeface="DejaVu Sans"/>
+              </a:rPr>
+              <a:t>Leader Election</a:t>
+            </a:r>
+            <a:endParaRPr b="0" lang="en-DK" sz="2000" spc="-1" strike="noStrike">
+              <a:latin typeface="Arial"/>
+            </a:endParaRPr>
+          </a:p>
+          <a:p>
+            <a:pPr marL="432000" indent="-324000">
+              <a:lnSpc>
+                <a:spcPct val="90000"/>
+              </a:lnSpc>
+              <a:spcBef>
+                <a:spcPts val="1417"/>
+              </a:spcBef>
+              <a:buClr>
+                <a:srgbClr val="000000"/>
+              </a:buClr>
+              <a:buSzPct val="45000"/>
+              <a:buFont typeface="Wingdings" charset="2"/>
+              <a:buChar char=""/>
+            </a:pPr>
+            <a:r>
+              <a:rPr b="1" lang="en-US" sz="2000" spc="-1" strike="noStrike">
+                <a:solidFill>
+                  <a:srgbClr val="000000"/>
+                </a:solidFill>
+                <a:latin typeface="AU Passata"/>
+                <a:ea typeface="DejaVu Sans"/>
+              </a:rPr>
+              <a:t>Log Replication</a:t>
+            </a:r>
+            <a:endParaRPr b="0" lang="en-DK" sz="2000" spc="-1" strike="noStrike">
+              <a:latin typeface="Arial"/>
+            </a:endParaRPr>
+          </a:p>
+          <a:p>
+            <a:pPr marL="432000" indent="-324000">
+              <a:lnSpc>
+                <a:spcPct val="90000"/>
+              </a:lnSpc>
+              <a:spcBef>
+                <a:spcPts val="1417"/>
+              </a:spcBef>
+              <a:buClr>
+                <a:srgbClr val="000000"/>
+              </a:buClr>
+              <a:buSzPct val="45000"/>
+              <a:buFont typeface="Wingdings" charset="2"/>
+              <a:buChar char=""/>
+            </a:pPr>
+            <a:r>
+              <a:rPr b="0" lang="en-US" sz="2000" spc="-1" strike="noStrike">
+                <a:solidFill>
+                  <a:srgbClr val="000000"/>
+                </a:solidFill>
+                <a:latin typeface="AU Passata"/>
+                <a:ea typeface="DejaVu Sans"/>
+              </a:rPr>
+              <a:t>Election Restriction (Safety)</a:t>
+            </a:r>
+            <a:endParaRPr b="0" lang="en-DK" sz="2000" spc="-1" strike="noStrike">
+              <a:latin typeface="Arial"/>
+            </a:endParaRPr>
+          </a:p>
+          <a:p>
+            <a:pPr>
+              <a:lnSpc>
+                <a:spcPct val="90000"/>
+              </a:lnSpc>
+              <a:spcBef>
+                <a:spcPts val="1417"/>
+              </a:spcBef>
+              <a:buNone/>
+            </a:pPr>
+            <a:endParaRPr b="0" lang="en-DK" sz="2000" spc="-1" strike="noStrike">
+              <a:latin typeface="Arial"/>
+            </a:endParaRPr>
+          </a:p>
+          <a:p>
+            <a:pPr>
+              <a:lnSpc>
+                <a:spcPct val="90000"/>
+              </a:lnSpc>
+              <a:spcBef>
+                <a:spcPts val="1417"/>
+              </a:spcBef>
+              <a:buNone/>
+            </a:pPr>
+            <a:endParaRPr b="0" lang="en-DK" sz="2000" spc="-1" strike="noStrike">
+              <a:latin typeface="Arial"/>
+            </a:endParaRPr>
+          </a:p>
+          <a:p>
+            <a:pPr>
+              <a:lnSpc>
+                <a:spcPct val="90000"/>
+              </a:lnSpc>
+              <a:spcBef>
+                <a:spcPts val="1417"/>
+              </a:spcBef>
+              <a:buNone/>
+            </a:pPr>
+            <a:endParaRPr b="0" lang="en-DK" sz="2000" spc="-1" strike="noStrike">
+              <a:latin typeface="Arial"/>
+            </a:endParaRPr>
+          </a:p>
+          <a:p>
+            <a:pPr>
+              <a:lnSpc>
+                <a:spcPct val="90000"/>
+              </a:lnSpc>
+              <a:spcBef>
+                <a:spcPts val="1417"/>
+              </a:spcBef>
+              <a:buNone/>
+            </a:pPr>
+            <a:endParaRPr b="0" lang="en-DK" sz="2000" spc="-1" strike="noStrike">
+              <a:latin typeface="Arial"/>
+            </a:endParaRPr>
+          </a:p>
+          <a:p>
+            <a:pPr>
+              <a:lnSpc>
+                <a:spcPct val="90000"/>
+              </a:lnSpc>
+              <a:spcBef>
+                <a:spcPts val="1417"/>
+              </a:spcBef>
+              <a:buNone/>
+            </a:pPr>
+            <a:endParaRPr b="0" lang="en-DK" sz="2000" spc="-1" strike="noStrike">
+              <a:latin typeface="Arial"/>
+            </a:endParaRPr>
+          </a:p>
+          <a:p>
+            <a:pPr>
+              <a:lnSpc>
+                <a:spcPct val="90000"/>
+              </a:lnSpc>
+              <a:spcBef>
+                <a:spcPts val="1417"/>
+              </a:spcBef>
+              <a:buNone/>
+            </a:pPr>
+            <a:endParaRPr b="0" lang="en-DK" sz="2000" spc="-1" strike="noStrike">
+              <a:latin typeface="Arial"/>
+            </a:endParaRPr>
+          </a:p>
+        </p:txBody>
+      </p:sp>
+      <p:sp>
+        <p:nvSpPr>
+          <p:cNvPr id="396" name=""/>
+          <p:cNvSpPr/>
+          <p:nvPr/>
+        </p:nvSpPr>
+        <p:spPr>
+          <a:xfrm>
+            <a:off x="2700000" y="149040"/>
+            <a:ext cx="899640" cy="345960"/>
+          </a:xfrm>
+          <a:prstGeom prst="rect">
+            <a:avLst/>
+          </a:prstGeom>
+          <a:noFill/>
+          <a:ln w="0">
+            <a:noFill/>
+          </a:ln>
+        </p:spPr>
+        <p:style>
+          <a:lnRef idx="0"/>
+          <a:fillRef idx="0"/>
+          <a:effectRef idx="0"/>
+          <a:fontRef idx="minor"/>
+        </p:style>
+        <p:txBody>
+          <a:bodyPr lIns="90000" rIns="90000" tIns="45000" bIns="45000" anchor="t">
+            <a:noAutofit/>
+          </a:bodyPr>
+          <a:p>
+            <a:pPr>
+              <a:lnSpc>
+                <a:spcPct val="100000"/>
+              </a:lnSpc>
+              <a:buNone/>
+            </a:pPr>
+            <a:r>
+              <a:rPr b="0" lang="en-DK" sz="1800" spc="-1" strike="noStrike">
+                <a:latin typeface="Arial"/>
+              </a:rPr>
+              <a:t>!</a:t>
+            </a:r>
+            <a:endParaRPr b="0" lang="en-DK" sz="1800" spc="-1" strike="noStrike">
+              <a:latin typeface="Arial"/>
+            </a:endParaRPr>
+          </a:p>
+        </p:txBody>
+      </p:sp>
+      <p:pic>
+        <p:nvPicPr>
+          <p:cNvPr id="397" name="" descr=""/>
+          <p:cNvPicPr/>
+          <p:nvPr/>
+        </p:nvPicPr>
+        <p:blipFill>
+          <a:blip r:embed="rId1"/>
+          <a:stretch/>
+        </p:blipFill>
+        <p:spPr>
+          <a:xfrm>
+            <a:off x="6300000" y="1878480"/>
+            <a:ext cx="4214520" cy="2981520"/>
+          </a:xfrm>
+          <a:prstGeom prst="rect">
+            <a:avLst/>
+          </a:prstGeom>
+          <a:ln w="0">
+            <a:noFill/>
+          </a:ln>
+        </p:spPr>
+      </p:pic>
     </p:spTree>
   </p:cSld>
   <mc:AlternateContent>
@@ -18228,7 +18574,7 @@
       </p:grpSpPr>
       <p:sp>
         <p:nvSpPr>
-          <p:cNvPr id="396" name="PlaceHolder 1"/>
+          <p:cNvPr id="398" name="PlaceHolder 1"/>
           <p:cNvSpPr>
             <a:spLocks noGrp="1"/>
           </p:cNvSpPr>
@@ -18239,7 +18585,7 @@
         <p:spPr>
           <a:xfrm>
             <a:off x="316080" y="149040"/>
-            <a:ext cx="11555280" cy="569880"/>
+            <a:ext cx="11554920" cy="569520"/>
           </a:xfrm>
           <a:prstGeom prst="rect">
             <a:avLst/>
@@ -18268,7 +18614,7 @@
                 <a:latin typeface="AU Passata"/>
                 <a:ea typeface="DejaVu Sans"/>
               </a:rPr>
-              <a:t>Motivation</a:t>
+              <a:t>RAFT</a:t>
             </a:r>
             <a:endParaRPr b="0" lang="en-DK" sz="4800" spc="-1" strike="noStrike">
               <a:latin typeface="Arial"/>
@@ -18278,7 +18624,7 @@
       </p:sp>
       <p:sp>
         <p:nvSpPr>
-          <p:cNvPr id="397" name="PlaceHolder 2"/>
+          <p:cNvPr id="399" name="PlaceHolder 2"/>
           <p:cNvSpPr>
             <a:spLocks noGrp="1"/>
           </p:cNvSpPr>
@@ -18288,8 +18634,8 @@
         </p:nvSpPr>
         <p:spPr>
           <a:xfrm>
-            <a:off x="1080000" y="1960200"/>
-            <a:ext cx="10218600" cy="3935520"/>
+            <a:off x="985680" y="1960200"/>
+            <a:ext cx="10218240" cy="3935160"/>
           </a:xfrm>
           <a:prstGeom prst="rect">
             <a:avLst/>
@@ -18326,22 +18672,8 @@
                 <a:latin typeface="AU Passata"/>
                 <a:ea typeface="DejaVu Sans"/>
               </a:rPr>
-              <a:t>Navigation</a:t>
+              <a:t>Basics</a:t>
             </a:r>
-            <a:endParaRPr b="0" lang="en-DK" sz="2000" spc="-1" strike="noStrike">
-              <a:latin typeface="Arial"/>
-            </a:endParaRPr>
-          </a:p>
-          <a:p>
-            <a:pPr>
-              <a:lnSpc>
-                <a:spcPct val="90000"/>
-              </a:lnSpc>
-              <a:spcBef>
-                <a:spcPts val="1417"/>
-              </a:spcBef>
-              <a:buNone/>
-            </a:pPr>
             <a:endParaRPr b="0" lang="en-DK" sz="2000" spc="-1" strike="noStrike">
               <a:latin typeface="Arial"/>
             </a:endParaRPr>
@@ -18369,22 +18701,8 @@
                 <a:latin typeface="AU Passata"/>
                 <a:ea typeface="DejaVu Sans"/>
               </a:rPr>
-              <a:t>Tracking/locating</a:t>
+              <a:t>Leader Election</a:t>
             </a:r>
-            <a:endParaRPr b="0" lang="en-DK" sz="2000" spc="-1" strike="noStrike">
-              <a:latin typeface="Arial"/>
-            </a:endParaRPr>
-          </a:p>
-          <a:p>
-            <a:pPr>
-              <a:lnSpc>
-                <a:spcPct val="90000"/>
-              </a:lnSpc>
-              <a:spcBef>
-                <a:spcPts val="1417"/>
-              </a:spcBef>
-              <a:buNone/>
-            </a:pPr>
             <a:endParaRPr b="0" lang="en-DK" sz="2000" spc="-1" strike="noStrike">
               <a:latin typeface="Arial"/>
             </a:endParaRPr>
@@ -18412,13 +18730,42 @@
                 <a:latin typeface="AU Passata"/>
                 <a:ea typeface="DejaVu Sans"/>
               </a:rPr>
-              <a:t>Firefighters</a:t>
+              <a:t>Log Replication</a:t>
             </a:r>
             <a:endParaRPr b="0" lang="en-DK" sz="2000" spc="-1" strike="noStrike">
               <a:latin typeface="Arial"/>
             </a:endParaRPr>
           </a:p>
           <a:p>
+            <a:pPr marL="432000" indent="-324000">
+              <a:lnSpc>
+                <a:spcPct val="90000"/>
+              </a:lnSpc>
+              <a:spcBef>
+                <a:spcPts val="1417"/>
+              </a:spcBef>
+              <a:buClr>
+                <a:srgbClr val="000000"/>
+              </a:buClr>
+              <a:buSzPct val="45000"/>
+              <a:buFont typeface="Wingdings" charset="2"/>
+              <a:buChar char=""/>
+            </a:pPr>
+            <a:r>
+              <a:rPr b="1" lang="en-US" sz="2000" spc="-1" strike="noStrike">
+                <a:solidFill>
+                  <a:srgbClr val="000000"/>
+                </a:solidFill>
+                <a:latin typeface="AU Passata"/>
+                <a:ea typeface="DejaVu Sans"/>
+              </a:rPr>
+              <a:t>Election Restriction (Safety)</a:t>
+            </a:r>
+            <a:endParaRPr b="0" lang="en-DK" sz="2000" spc="-1" strike="noStrike">
+              <a:latin typeface="Arial"/>
+            </a:endParaRPr>
+          </a:p>
+          <a:p>
             <a:pPr>
               <a:lnSpc>
                 <a:spcPct val="90000"/>
@@ -18485,6 +18832,68 @@
               <a:buNone/>
             </a:pPr>
             <a:endParaRPr b="0" lang="en-DK" sz="2000" spc="-1" strike="noStrike">
+              <a:latin typeface="Arial"/>
+            </a:endParaRPr>
+          </a:p>
+          <a:p>
+            <a:pPr>
+              <a:lnSpc>
+                <a:spcPct val="90000"/>
+              </a:lnSpc>
+              <a:spcBef>
+                <a:spcPts val="1417"/>
+              </a:spcBef>
+              <a:buNone/>
+            </a:pPr>
+            <a:endParaRPr b="0" lang="en-DK" sz="2000" spc="-1" strike="noStrike">
+              <a:latin typeface="Arial"/>
+            </a:endParaRPr>
+          </a:p>
+        </p:txBody>
+      </p:sp>
+      <p:sp>
+        <p:nvSpPr>
+          <p:cNvPr id="400" name=""/>
+          <p:cNvSpPr/>
+          <p:nvPr/>
+        </p:nvSpPr>
+        <p:spPr>
+          <a:xfrm>
+            <a:off x="2700000" y="149040"/>
+            <a:ext cx="899640" cy="345960"/>
+          </a:xfrm>
+          <a:prstGeom prst="rect">
+            <a:avLst/>
+          </a:prstGeom>
+          <a:noFill/>
+          <a:ln w="0">
+            <a:noFill/>
+          </a:ln>
+        </p:spPr>
+        <p:style>
+          <a:lnRef idx="0"/>
+          <a:fillRef idx="0"/>
+          <a:effectRef idx="0"/>
+          <a:fontRef idx="minor"/>
+        </p:style>
+        <p:txBody>
+          <a:bodyPr lIns="90000" rIns="90000" tIns="45000" bIns="45000" anchor="t">
+            <a:noAutofit/>
+          </a:bodyPr>
+          <a:p>
+            <a:pPr>
+              <a:lnSpc>
+                <a:spcPct val="100000"/>
+              </a:lnSpc>
+              <a:buNone/>
+            </a:pPr>
+            <a:r>
+              <a:rPr b="0" lang="en-DK" sz="1800" spc="-1" strike="noStrike">
+                <a:latin typeface="Arial"/>
+              </a:rPr>
+              <a:t>!</a:t>
+            </a:r>
+            <a:endParaRPr b="0" lang="en-DK" sz="1800" spc="-1" strike="noStrike">
               <a:latin typeface="Arial"/>
             </a:endParaRPr>
           </a:p>
@@ -18492,7 +18901,7 @@
       </p:sp>
       <p:pic>
         <p:nvPicPr>
-          <p:cNvPr id="398" name="Billede 406" descr=""/>
+          <p:cNvPr id="401" name="" descr=""/>
           <p:cNvPicPr/>
           <p:nvPr/>
         </p:nvPicPr>
@@ -18502,8 +18911,8 @@
         </p:blipFill>
         <p:spPr>
           <a:xfrm>
-            <a:off x="4320000" y="1960200"/>
-            <a:ext cx="6888600" cy="3598560"/>
+            <a:off x="7020000" y="1960200"/>
+            <a:ext cx="3240000" cy="3411000"/>
           </a:xfrm>
           <a:prstGeom prst="rect">
             <a:avLst/>
@@ -18556,7 +18965,7 @@
         <p:spPr>
           <a:xfrm>
             <a:off x="316080" y="149040"/>
-            <a:ext cx="11555280" cy="569880"/>
+            <a:ext cx="11554920" cy="569520"/>
           </a:xfrm>
           <a:prstGeom prst="rect">
             <a:avLst/>
@@ -18606,7 +19015,7 @@
         <p:spPr>
           <a:xfrm>
             <a:off x="985680" y="1960200"/>
-            <a:ext cx="10218600" cy="3935520"/>
+            <a:ext cx="10218240" cy="3935160"/>
           </a:xfrm>
           <a:prstGeom prst="rect">
             <a:avLst/>
@@ -18763,7 +19172,7 @@
         <p:spPr>
           <a:xfrm>
             <a:off x="5373360" y="2340000"/>
-            <a:ext cx="5785200" cy="3238560"/>
+            <a:ext cx="5784840" cy="3238200"/>
           </a:xfrm>
           <a:prstGeom prst="rect">
             <a:avLst/>
@@ -18789,6 +19198,13 @@
 <file path=ppt/slides/slide20.xml><?xml version="1.0" encoding="utf-8"?>
 <p:sld xmlns:a="http://schemas.openxmlformats.org/drawingml/2006/main" xmlns:p="http://schemas.openxmlformats.org/presentationml/2006/main" xmlns:r="http://schemas.openxmlformats.org/officeDocument/2006/relationships" xmlns:p14="http://schemas.microsoft.com/office/powerpoint/2010/main" xmlns:p15="http://schemas.microsoft.com/office/powerpoint/2012/main" xmlns:mc="http://schemas.openxmlformats.org/markup-compatibility/2006">
   <p:cSld>
+    <p:bg>
+      <p:bgPr>
+        <a:solidFill>
+          <a:srgbClr val="002546"/>
+        </a:solidFill>
+      </p:bgPr>
+    </p:bg>
     <p:spTree>
       <p:nvGrpSpPr>
         <p:cNvPr id="1" name=""/>
@@ -18805,7 +19221,7 @@
       </p:grpSpPr>
       <p:sp>
         <p:nvSpPr>
-          <p:cNvPr id="399" name="PlaceHolder 1"/>
+          <p:cNvPr id="402" name="PlaceHolder 1"/>
           <p:cNvSpPr>
             <a:spLocks noGrp="1"/>
           </p:cNvSpPr>
@@ -18815,8 +19231,8 @@
         </p:nvSpPr>
         <p:spPr>
           <a:xfrm>
-            <a:off x="316080" y="149040"/>
-            <a:ext cx="11555280" cy="569880"/>
+            <a:off x="985680" y="2898000"/>
+            <a:ext cx="10218240" cy="828720"/>
           </a:xfrm>
           <a:prstGeom prst="rect">
             <a:avLst/>
@@ -18827,7 +19243,7 @@
           </a:ln>
         </p:spPr>
         <p:txBody>
-          <a:bodyPr numCol="1" spcCol="0" lIns="0" rIns="0" tIns="0" bIns="0" anchor="b">
+          <a:bodyPr numCol="1" spcCol="0" lIns="0" rIns="0" tIns="0" bIns="0" anchor="ctr">
             <a:noAutofit/>
           </a:bodyPr>
           <a:p>
@@ -18838,229 +19254,21 @@
               <a:buNone/>
             </a:pPr>
             <a:r>
-              <a:rPr b="0" lang="en-US" sz="4800" spc="-1" strike="noStrike">
+              <a:rPr b="1" lang="en-US" sz="6000" spc="-1" strike="noStrike" cap="all">
                 <a:solidFill>
-                  <a:srgbClr val="000000"/>
+                  <a:srgbClr val="ffffff"/>
                 </a:solidFill>
-                <a:latin typeface="AU Passata"/>
+                <a:latin typeface="AU Passata Light"/>
                 <a:ea typeface="DejaVu Sans"/>
               </a:rPr>
-              <a:t>Challenges</a:t>
+              <a:t>4. Positioning and location awareness</a:t>
             </a:r>
-            <a:endParaRPr b="0" lang="en-DK" sz="4800" spc="-1" strike="noStrike">
-              <a:latin typeface="Arial"/>
-            </a:endParaRPr>
-          </a:p>
-        </p:txBody>
-      </p:sp>
-      <p:sp>
-        <p:nvSpPr>
-          <p:cNvPr id="400" name="PlaceHolder 2"/>
-          <p:cNvSpPr>
-            <a:spLocks noGrp="1"/>
-          </p:cNvSpPr>
-          <p:nvPr>
-            <p:ph/>
-          </p:nvPr>
-        </p:nvSpPr>
-        <p:spPr>
-          <a:xfrm>
-            <a:off x="1080000" y="1960200"/>
-            <a:ext cx="10218600" cy="3935520"/>
-          </a:xfrm>
-          <a:prstGeom prst="rect">
-            <a:avLst/>
-          </a:prstGeom>
-          <a:noFill/>
-          <a:ln w="9360">
-            <a:noFill/>
-          </a:ln>
-        </p:spPr>
-        <p:txBody>
-          <a:bodyPr numCol="1" spcCol="0" lIns="0" rIns="0" tIns="0" bIns="0" anchor="t">
-            <a:noAutofit/>
-          </a:bodyPr>
-          <a:p>
-            <a:pPr marL="432000" indent="-324000">
-              <a:lnSpc>
-                <a:spcPct val="90000"/>
-              </a:lnSpc>
-              <a:spcBef>
-                <a:spcPts val="1417"/>
-              </a:spcBef>
-              <a:buClr>
-                <a:srgbClr val="000000"/>
-              </a:buClr>
-              <a:buSzPct val="45000"/>
-              <a:buFont typeface="Wingdings" charset="2"/>
-              <a:buChar char=""/>
-            </a:pPr>
-            <a:r>
-              <a:rPr b="0" lang="en-US" sz="2000" spc="-1" strike="noStrike">
-                <a:solidFill>
-                  <a:srgbClr val="000000"/>
-                </a:solidFill>
-                <a:latin typeface="AU Passata"/>
-                <a:ea typeface="DejaVu Sans"/>
-              </a:rPr>
-              <a:t>Level</a:t>
-            </a:r>
-            <a:endParaRPr b="0" lang="en-DK" sz="2000" spc="-1" strike="noStrike">
-              <a:latin typeface="Arial"/>
-            </a:endParaRPr>
-          </a:p>
-          <a:p>
-            <a:pPr>
-              <a:lnSpc>
-                <a:spcPct val="90000"/>
-              </a:lnSpc>
-              <a:spcBef>
-                <a:spcPts val="1417"/>
-              </a:spcBef>
-              <a:buNone/>
-            </a:pPr>
-            <a:endParaRPr b="0" lang="en-DK" sz="2000" spc="-1" strike="noStrike">
-              <a:latin typeface="Arial"/>
-            </a:endParaRPr>
-          </a:p>
-          <a:p>
-            <a:pPr marL="432000" indent="-324000">
-              <a:lnSpc>
-                <a:spcPct val="90000"/>
-              </a:lnSpc>
-              <a:spcBef>
-                <a:spcPts val="1417"/>
-              </a:spcBef>
-              <a:buClr>
-                <a:srgbClr val="000000"/>
-              </a:buClr>
-              <a:buSzPct val="45000"/>
-              <a:buFont typeface="Wingdings" charset="2"/>
-              <a:buChar char=""/>
-            </a:pPr>
-            <a:r>
-              <a:rPr b="0" lang="en-US" sz="2000" spc="-1" strike="noStrike">
-                <a:solidFill>
-                  <a:srgbClr val="000000"/>
-                </a:solidFill>
-                <a:latin typeface="AU Passata"/>
-                <a:ea typeface="DejaVu Sans"/>
-              </a:rPr>
-              <a:t>Privacy</a:t>
-            </a:r>
-            <a:endParaRPr b="0" lang="en-DK" sz="2000" spc="-1" strike="noStrike">
-              <a:latin typeface="Arial"/>
-            </a:endParaRPr>
-          </a:p>
-          <a:p>
-            <a:pPr>
-              <a:lnSpc>
-                <a:spcPct val="90000"/>
-              </a:lnSpc>
-              <a:spcBef>
-                <a:spcPts val="1417"/>
-              </a:spcBef>
-              <a:buNone/>
-            </a:pPr>
-            <a:endParaRPr b="0" lang="en-DK" sz="2000" spc="-1" strike="noStrike">
-              <a:latin typeface="Arial"/>
-            </a:endParaRPr>
-          </a:p>
-          <a:p>
-            <a:pPr>
-              <a:lnSpc>
-                <a:spcPct val="90000"/>
-              </a:lnSpc>
-              <a:spcBef>
-                <a:spcPts val="1417"/>
-              </a:spcBef>
-              <a:buNone/>
-            </a:pPr>
-            <a:endParaRPr b="0" lang="en-DK" sz="2000" spc="-1" strike="noStrike">
-              <a:latin typeface="Arial"/>
-            </a:endParaRPr>
-          </a:p>
-          <a:p>
-            <a:pPr>
-              <a:lnSpc>
-                <a:spcPct val="90000"/>
-              </a:lnSpc>
-              <a:spcBef>
-                <a:spcPts val="1417"/>
-              </a:spcBef>
-              <a:buNone/>
-            </a:pPr>
-            <a:endParaRPr b="0" lang="en-DK" sz="2000" spc="-1" strike="noStrike">
-              <a:latin typeface="Arial"/>
-            </a:endParaRPr>
-          </a:p>
-          <a:p>
-            <a:pPr>
-              <a:lnSpc>
-                <a:spcPct val="90000"/>
-              </a:lnSpc>
-              <a:spcBef>
-                <a:spcPts val="1417"/>
-              </a:spcBef>
-              <a:buNone/>
-            </a:pPr>
-            <a:endParaRPr b="0" lang="en-DK" sz="2000" spc="-1" strike="noStrike">
-              <a:latin typeface="Arial"/>
-            </a:endParaRPr>
-          </a:p>
-          <a:p>
-            <a:pPr>
-              <a:lnSpc>
-                <a:spcPct val="90000"/>
-              </a:lnSpc>
-              <a:spcBef>
-                <a:spcPts val="1417"/>
-              </a:spcBef>
-              <a:buNone/>
-            </a:pPr>
-            <a:endParaRPr b="0" lang="en-DK" sz="2000" spc="-1" strike="noStrike">
-              <a:latin typeface="Arial"/>
-            </a:endParaRPr>
-          </a:p>
-          <a:p>
-            <a:pPr>
-              <a:lnSpc>
-                <a:spcPct val="90000"/>
-              </a:lnSpc>
-              <a:spcBef>
-                <a:spcPts val="1417"/>
-              </a:spcBef>
-              <a:buNone/>
-            </a:pPr>
-            <a:endParaRPr b="0" lang="en-DK" sz="2000" spc="-1" strike="noStrike">
-              <a:latin typeface="Arial"/>
-            </a:endParaRPr>
-          </a:p>
-        </p:txBody>
-      </p:sp>
-      <p:pic>
-        <p:nvPicPr>
-          <p:cNvPr id="401" name="" descr=""/>
-          <p:cNvPicPr/>
-          <p:nvPr/>
-        </p:nvPicPr>
-        <p:blipFill>
-          <a:blip r:embed="rId1"/>
-          <a:stretch/>
-        </p:blipFill>
-        <p:spPr>
-          <a:xfrm>
-            <a:off x="5040000" y="1757160"/>
-            <a:ext cx="5220000" cy="2922840"/>
-          </a:xfrm>
-          <a:prstGeom prst="rect">
-            <a:avLst/>
-          </a:prstGeom>
-          <a:ln w="0">
-            <a:noFill/>
-          </a:ln>
-        </p:spPr>
-      </p:pic>
+            <a:endParaRPr b="0" lang="en-DK" sz="6000" spc="-1" strike="noStrike">
+              <a:latin typeface="Arial"/>
+            </a:endParaRPr>
+          </a:p>
+        </p:txBody>
+      </p:sp>
     </p:spTree>
   </p:cSld>
   <mc:AlternateContent>
@@ -19093,7 +19301,7 @@
       </p:grpSpPr>
       <p:sp>
         <p:nvSpPr>
-          <p:cNvPr id="402" name="PlaceHolder 1"/>
+          <p:cNvPr id="403" name="PlaceHolder 1"/>
           <p:cNvSpPr>
             <a:spLocks noGrp="1"/>
           </p:cNvSpPr>
@@ -19104,7 +19312,7 @@
         <p:spPr>
           <a:xfrm>
             <a:off x="316080" y="149040"/>
-            <a:ext cx="11555280" cy="569880"/>
+            <a:ext cx="11554920" cy="569520"/>
           </a:xfrm>
           <a:prstGeom prst="rect">
             <a:avLst/>
@@ -19133,7 +19341,7 @@
                 <a:latin typeface="AU Passata"/>
                 <a:ea typeface="DejaVu Sans"/>
               </a:rPr>
-              <a:t>Concepts</a:t>
+              <a:t>Motivation</a:t>
             </a:r>
             <a:endParaRPr b="0" lang="en-DK" sz="4800" spc="-1" strike="noStrike">
               <a:latin typeface="Arial"/>
@@ -19143,7 +19351,7 @@
       </p:sp>
       <p:sp>
         <p:nvSpPr>
-          <p:cNvPr id="403" name="PlaceHolder 2"/>
+          <p:cNvPr id="404" name="PlaceHolder 2"/>
           <p:cNvSpPr>
             <a:spLocks noGrp="1"/>
           </p:cNvSpPr>
@@ -19154,7 +19362,7 @@
         <p:spPr>
           <a:xfrm>
             <a:off x="1080000" y="1960200"/>
-            <a:ext cx="10218600" cy="3935520"/>
+            <a:ext cx="10218240" cy="3935160"/>
           </a:xfrm>
           <a:prstGeom prst="rect">
             <a:avLst/>
@@ -19191,26 +19399,40 @@
                 <a:latin typeface="AU Passata"/>
                 <a:ea typeface="DejaVu Sans"/>
               </a:rPr>
-              <a:t>Position</a:t>
+              <a:t>Navigation</a:t>
             </a:r>
             <a:endParaRPr b="0" lang="en-DK" sz="2000" spc="-1" strike="noStrike">
               <a:latin typeface="Arial"/>
             </a:endParaRPr>
           </a:p>
           <a:p>
-            <a:pPr lvl="1" marL="864000" indent="-324000">
-              <a:lnSpc>
-                <a:spcPct val="90000"/>
-              </a:lnSpc>
-              <a:spcBef>
-                <a:spcPts val="1134"/>
+            <a:pPr>
+              <a:lnSpc>
+                <a:spcPct val="90000"/>
+              </a:lnSpc>
+              <a:spcBef>
+                <a:spcPts val="1417"/>
+              </a:spcBef>
+              <a:buNone/>
+            </a:pPr>
+            <a:endParaRPr b="0" lang="en-DK" sz="2000" spc="-1" strike="noStrike">
+              <a:latin typeface="Arial"/>
+            </a:endParaRPr>
+          </a:p>
+          <a:p>
+            <a:pPr marL="432000" indent="-324000">
+              <a:lnSpc>
+                <a:spcPct val="90000"/>
+              </a:lnSpc>
+              <a:spcBef>
+                <a:spcPts val="1417"/>
               </a:spcBef>
               <a:buClr>
                 <a:srgbClr val="000000"/>
               </a:buClr>
-              <a:buSzPct val="75000"/>
-              <a:buFont typeface="Symbol"/>
-              <a:buChar char=""/>
+              <a:buSzPct val="45000"/>
+              <a:buFont typeface="Wingdings" charset="2"/>
+              <a:buChar char=""/>
             </a:pPr>
             <a:r>
               <a:rPr b="0" lang="en-US" sz="2000" spc="-1" strike="noStrike">
@@ -19220,123 +19442,22 @@
                 <a:latin typeface="AU Passata"/>
                 <a:ea typeface="DejaVu Sans"/>
               </a:rPr>
-              <a:t>Absolute/Relative</a:t>
+              <a:t>Firefighters</a:t>
             </a:r>
             <a:endParaRPr b="0" lang="en-DK" sz="2000" spc="-1" strike="noStrike">
               <a:latin typeface="Arial"/>
             </a:endParaRPr>
           </a:p>
           <a:p>
-            <a:pPr marL="432000" indent="-324000">
+            <a:pPr>
               <a:lnSpc>
                 <a:spcPct val="90000"/>
               </a:lnSpc>
               <a:spcBef>
                 <a:spcPts val="1417"/>
               </a:spcBef>
-              <a:buClr>
-                <a:srgbClr val="000000"/>
-              </a:buClr>
-              <a:buSzPct val="45000"/>
-              <a:buFont typeface="Wingdings" charset="2"/>
-              <a:buChar char=""/>
-            </a:pPr>
-            <a:r>
-              <a:rPr b="0" lang="en-US" sz="2000" spc="-1" strike="noStrike">
-                <a:solidFill>
-                  <a:srgbClr val="000000"/>
-                </a:solidFill>
-                <a:latin typeface="AU Passata"/>
-                <a:ea typeface="DejaVu Sans"/>
-              </a:rPr>
-              <a:t>Location</a:t>
-            </a:r>
-            <a:endParaRPr b="0" lang="en-DK" sz="2000" spc="-1" strike="noStrike">
-              <a:latin typeface="Arial"/>
-            </a:endParaRPr>
-          </a:p>
-          <a:p>
-            <a:pPr>
-              <a:lnSpc>
-                <a:spcPct val="90000"/>
-              </a:lnSpc>
-              <a:spcBef>
-                <a:spcPts val="1417"/>
-              </a:spcBef>
-              <a:buNone/>
-            </a:pPr>
-            <a:endParaRPr b="0" lang="en-DK" sz="2000" spc="-1" strike="noStrike">
-              <a:latin typeface="Arial"/>
-            </a:endParaRPr>
-          </a:p>
-          <a:p>
-            <a:pPr marL="432000" indent="-324000">
-              <a:lnSpc>
-                <a:spcPct val="90000"/>
-              </a:lnSpc>
-              <a:spcBef>
-                <a:spcPts val="1417"/>
-              </a:spcBef>
-              <a:buClr>
-                <a:srgbClr val="000000"/>
-              </a:buClr>
-              <a:buSzPct val="45000"/>
-              <a:buFont typeface="Wingdings" charset="2"/>
-              <a:buChar char=""/>
-            </a:pPr>
-            <a:r>
-              <a:rPr b="0" lang="en-US" sz="2000" spc="-1" strike="noStrike">
-                <a:solidFill>
-                  <a:srgbClr val="000000"/>
-                </a:solidFill>
-                <a:latin typeface="AU Passata"/>
-                <a:ea typeface="DejaVu Sans"/>
-              </a:rPr>
-              <a:t>Location Service</a:t>
-            </a:r>
-            <a:endParaRPr b="0" lang="en-DK" sz="2000" spc="-1" strike="noStrike">
-              <a:latin typeface="Arial"/>
-            </a:endParaRPr>
-          </a:p>
-          <a:p>
-            <a:pPr>
-              <a:lnSpc>
-                <a:spcPct val="90000"/>
-              </a:lnSpc>
-              <a:spcBef>
-                <a:spcPts val="1417"/>
-              </a:spcBef>
-              <a:buNone/>
-            </a:pPr>
-            <a:endParaRPr b="0" lang="en-DK" sz="2000" spc="-1" strike="noStrike">
-              <a:latin typeface="Arial"/>
-            </a:endParaRPr>
-          </a:p>
-          <a:p>
-            <a:pPr marL="432000" indent="-324000">
-              <a:lnSpc>
-                <a:spcPct val="90000"/>
-              </a:lnSpc>
-              <a:spcBef>
-                <a:spcPts val="1417"/>
-              </a:spcBef>
-              <a:buClr>
-                <a:srgbClr val="000000"/>
-              </a:buClr>
-              <a:buSzPct val="45000"/>
-              <a:buFont typeface="Wingdings" charset="2"/>
-              <a:buChar char=""/>
-            </a:pPr>
-            <a:r>
-              <a:rPr b="0" lang="en-US" sz="2000" spc="-1" strike="noStrike">
-                <a:solidFill>
-                  <a:srgbClr val="000000"/>
-                </a:solidFill>
-                <a:latin typeface="AU Passata"/>
-                <a:ea typeface="DejaVu Sans"/>
-              </a:rPr>
-              <a:t>Location Based Service</a:t>
-            </a:r>
+              <a:buNone/>
+            </a:pPr>
             <a:endParaRPr b="0" lang="en-DK" sz="2000" spc="-1" strike="noStrike">
               <a:latin typeface="Arial"/>
             </a:endParaRPr>
@@ -19401,7 +19522,7 @@
       </p:sp>
       <p:pic>
         <p:nvPicPr>
-          <p:cNvPr id="404" name="Billede 411" descr=""/>
+          <p:cNvPr id="405" name="Billede 406" descr=""/>
           <p:cNvPicPr/>
           <p:nvPr/>
         </p:nvPicPr>
@@ -19411,8 +19532,8 @@
         </p:blipFill>
         <p:spPr>
           <a:xfrm>
-            <a:off x="5101560" y="1960200"/>
-            <a:ext cx="5878080" cy="3778560"/>
+            <a:off x="4320000" y="1960200"/>
+            <a:ext cx="6888240" cy="3598200"/>
           </a:xfrm>
           <a:prstGeom prst="rect">
             <a:avLst/>
@@ -19454,7 +19575,7 @@
       </p:grpSpPr>
       <p:sp>
         <p:nvSpPr>
-          <p:cNvPr id="405" name="PlaceHolder 1"/>
+          <p:cNvPr id="406" name="PlaceHolder 1"/>
           <p:cNvSpPr>
             <a:spLocks noGrp="1"/>
           </p:cNvSpPr>
@@ -19465,7 +19586,7 @@
         <p:spPr>
           <a:xfrm>
             <a:off x="316080" y="149040"/>
-            <a:ext cx="11555280" cy="569880"/>
+            <a:ext cx="11554920" cy="569520"/>
           </a:xfrm>
           <a:prstGeom prst="rect">
             <a:avLst/>
@@ -19494,7 +19615,7 @@
                 <a:latin typeface="AU Passata"/>
                 <a:ea typeface="DejaVu Sans"/>
               </a:rPr>
-              <a:t>Absolute Positioning</a:t>
+              <a:t>Challenges</a:t>
             </a:r>
             <a:endParaRPr b="0" lang="en-DK" sz="4800" spc="-1" strike="noStrike">
               <a:latin typeface="Arial"/>
@@ -19504,7 +19625,7 @@
       </p:sp>
       <p:sp>
         <p:nvSpPr>
-          <p:cNvPr id="406" name="PlaceHolder 2"/>
+          <p:cNvPr id="407" name="PlaceHolder 2"/>
           <p:cNvSpPr>
             <a:spLocks noGrp="1"/>
           </p:cNvSpPr>
@@ -19515,7 +19636,7 @@
         <p:spPr>
           <a:xfrm>
             <a:off x="1080000" y="1960200"/>
-            <a:ext cx="10218600" cy="3935520"/>
+            <a:ext cx="10218240" cy="3935160"/>
           </a:xfrm>
           <a:prstGeom prst="rect">
             <a:avLst/>
@@ -19552,7 +19673,7 @@
                 <a:latin typeface="AU Passata"/>
                 <a:ea typeface="DejaVu Sans"/>
               </a:rPr>
-              <a:t>Triangulation (ToTal)</a:t>
+              <a:t>Level</a:t>
             </a:r>
             <a:endParaRPr b="0" lang="en-DK" sz="2000" spc="-1" strike="noStrike">
               <a:latin typeface="Arial"/>
@@ -19595,8 +19716,36 @@
                 <a:latin typeface="AU Passata"/>
                 <a:ea typeface="DejaVu Sans"/>
               </a:rPr>
-              <a:t>Trilateration</a:t>
+              <a:t>Privacy</a:t>
             </a:r>
+            <a:endParaRPr b="0" lang="en-DK" sz="2000" spc="-1" strike="noStrike">
+              <a:latin typeface="Arial"/>
+            </a:endParaRPr>
+          </a:p>
+          <a:p>
+            <a:pPr>
+              <a:lnSpc>
+                <a:spcPct val="90000"/>
+              </a:lnSpc>
+              <a:spcBef>
+                <a:spcPts val="1417"/>
+              </a:spcBef>
+              <a:buNone/>
+            </a:pPr>
+            <a:endParaRPr b="0" lang="en-DK" sz="2000" spc="-1" strike="noStrike">
+              <a:latin typeface="Arial"/>
+            </a:endParaRPr>
+          </a:p>
+          <a:p>
+            <a:pPr>
+              <a:lnSpc>
+                <a:spcPct val="90000"/>
+              </a:lnSpc>
+              <a:spcBef>
+                <a:spcPts val="1417"/>
+              </a:spcBef>
+              <a:buNone/>
+            </a:pPr>
             <a:endParaRPr b="0" lang="en-DK" sz="2000" spc="-1" strike="noStrike">
               <a:latin typeface="Arial"/>
             </a:endParaRPr>
@@ -19661,7 +19810,7 @@
       </p:sp>
       <p:pic>
         <p:nvPicPr>
-          <p:cNvPr id="407" name="Billede 414" descr=""/>
+          <p:cNvPr id="408" name="" descr=""/>
           <p:cNvPicPr/>
           <p:nvPr/>
         </p:nvPicPr>
@@ -19671,31 +19820,8 @@
         </p:blipFill>
         <p:spPr>
           <a:xfrm>
-            <a:off x="5760000" y="3240000"/>
-            <a:ext cx="5038560" cy="2590920"/>
-          </a:xfrm>
-          <a:prstGeom prst="rect">
-            <a:avLst/>
-          </a:prstGeom>
-          <a:ln w="0">
-            <a:noFill/>
-          </a:ln>
-        </p:spPr>
-      </p:pic>
-      <p:pic>
-        <p:nvPicPr>
-          <p:cNvPr id="408" name="Billede 415" descr=""/>
-          <p:cNvPicPr/>
-          <p:nvPr/>
-        </p:nvPicPr>
-        <p:blipFill>
-          <a:blip r:embed="rId2"/>
-          <a:stretch/>
-        </p:blipFill>
-        <p:spPr>
-          <a:xfrm>
-            <a:off x="8116920" y="783000"/>
-            <a:ext cx="2682720" cy="2096640"/>
+            <a:off x="5040000" y="1757160"/>
+            <a:ext cx="5219640" cy="2922480"/>
           </a:xfrm>
           <a:prstGeom prst="rect">
             <a:avLst/>
@@ -19748,7 +19874,7 @@
         <p:spPr>
           <a:xfrm>
             <a:off x="316080" y="149040"/>
-            <a:ext cx="11555280" cy="569880"/>
+            <a:ext cx="11554920" cy="569520"/>
           </a:xfrm>
           <a:prstGeom prst="rect">
             <a:avLst/>
@@ -19777,7 +19903,7 @@
                 <a:latin typeface="AU Passata"/>
                 <a:ea typeface="DejaVu Sans"/>
               </a:rPr>
-              <a:t>Relative Positioning</a:t>
+              <a:t>Concepts</a:t>
             </a:r>
             <a:endParaRPr b="0" lang="en-DK" sz="4800" spc="-1" strike="noStrike">
               <a:latin typeface="Arial"/>
@@ -19798,7 +19924,7 @@
         <p:spPr>
           <a:xfrm>
             <a:off x="1080000" y="1960200"/>
-            <a:ext cx="10218600" cy="3935520"/>
+            <a:ext cx="10218240" cy="3935160"/>
           </a:xfrm>
           <a:prstGeom prst="rect">
             <a:avLst/>
@@ -19835,7 +19961,151 @@
                 <a:latin typeface="AU Passata"/>
                 <a:ea typeface="DejaVu Sans"/>
               </a:rPr>
-              <a:t>Dead Reckoning</a:t>
+              <a:t>Position</a:t>
+            </a:r>
+            <a:endParaRPr b="0" lang="en-DK" sz="2000" spc="-1" strike="noStrike">
+              <a:latin typeface="Arial"/>
+            </a:endParaRPr>
+          </a:p>
+          <a:p>
+            <a:pPr lvl="1" marL="864000" indent="-324000">
+              <a:lnSpc>
+                <a:spcPct val="90000"/>
+              </a:lnSpc>
+              <a:spcBef>
+                <a:spcPts val="1134"/>
+              </a:spcBef>
+              <a:buClr>
+                <a:srgbClr val="000000"/>
+              </a:buClr>
+              <a:buSzPct val="75000"/>
+              <a:buFont typeface="Symbol"/>
+              <a:buChar char=""/>
+            </a:pPr>
+            <a:r>
+              <a:rPr b="0" lang="en-US" sz="2000" spc="-1" strike="noStrike">
+                <a:solidFill>
+                  <a:srgbClr val="000000"/>
+                </a:solidFill>
+                <a:latin typeface="AU Passata"/>
+                <a:ea typeface="DejaVu Sans"/>
+              </a:rPr>
+              <a:t>Absolute/Relative/Hybrid</a:t>
+            </a:r>
+            <a:endParaRPr b="0" lang="en-DK" sz="2000" spc="-1" strike="noStrike">
+              <a:latin typeface="Arial"/>
+            </a:endParaRPr>
+          </a:p>
+          <a:p>
+            <a:pPr marL="432000" indent="-324000">
+              <a:lnSpc>
+                <a:spcPct val="90000"/>
+              </a:lnSpc>
+              <a:spcBef>
+                <a:spcPts val="1417"/>
+              </a:spcBef>
+              <a:buClr>
+                <a:srgbClr val="000000"/>
+              </a:buClr>
+              <a:buSzPct val="45000"/>
+              <a:buFont typeface="Wingdings" charset="2"/>
+              <a:buChar char=""/>
+            </a:pPr>
+            <a:r>
+              <a:rPr b="0" lang="en-US" sz="2000" spc="-1" strike="noStrike">
+                <a:solidFill>
+                  <a:srgbClr val="000000"/>
+                </a:solidFill>
+                <a:latin typeface="AU Passata"/>
+                <a:ea typeface="DejaVu Sans"/>
+              </a:rPr>
+              <a:t>Location</a:t>
+            </a:r>
+            <a:endParaRPr b="0" lang="en-DK" sz="2000" spc="-1" strike="noStrike">
+              <a:latin typeface="Arial"/>
+            </a:endParaRPr>
+          </a:p>
+          <a:p>
+            <a:pPr>
+              <a:lnSpc>
+                <a:spcPct val="90000"/>
+              </a:lnSpc>
+              <a:spcBef>
+                <a:spcPts val="1417"/>
+              </a:spcBef>
+              <a:buNone/>
+            </a:pPr>
+            <a:endParaRPr b="0" lang="en-DK" sz="2000" spc="-1" strike="noStrike">
+              <a:latin typeface="Arial"/>
+            </a:endParaRPr>
+          </a:p>
+          <a:p>
+            <a:pPr marL="432000" indent="-324000">
+              <a:lnSpc>
+                <a:spcPct val="90000"/>
+              </a:lnSpc>
+              <a:spcBef>
+                <a:spcPts val="1417"/>
+              </a:spcBef>
+              <a:buClr>
+                <a:srgbClr val="000000"/>
+              </a:buClr>
+              <a:buSzPct val="45000"/>
+              <a:buFont typeface="Wingdings" charset="2"/>
+              <a:buChar char=""/>
+            </a:pPr>
+            <a:r>
+              <a:rPr b="0" lang="en-US" sz="2000" spc="-1" strike="noStrike">
+                <a:solidFill>
+                  <a:srgbClr val="000000"/>
+                </a:solidFill>
+                <a:latin typeface="AU Passata"/>
+                <a:ea typeface="DejaVu Sans"/>
+              </a:rPr>
+              <a:t>Location Service</a:t>
+            </a:r>
+            <a:endParaRPr b="0" lang="en-DK" sz="2000" spc="-1" strike="noStrike">
+              <a:latin typeface="Arial"/>
+            </a:endParaRPr>
+          </a:p>
+          <a:p>
+            <a:pPr>
+              <a:lnSpc>
+                <a:spcPct val="90000"/>
+              </a:lnSpc>
+              <a:spcBef>
+                <a:spcPts val="1417"/>
+              </a:spcBef>
+              <a:buNone/>
+            </a:pPr>
+            <a:endParaRPr b="0" lang="en-DK" sz="2000" spc="-1" strike="noStrike">
+              <a:latin typeface="Arial"/>
+            </a:endParaRPr>
+          </a:p>
+          <a:p>
+            <a:pPr marL="432000" indent="-324000">
+              <a:lnSpc>
+                <a:spcPct val="90000"/>
+              </a:lnSpc>
+              <a:spcBef>
+                <a:spcPts val="1417"/>
+              </a:spcBef>
+              <a:buClr>
+                <a:srgbClr val="000000"/>
+              </a:buClr>
+              <a:buSzPct val="45000"/>
+              <a:buFont typeface="Wingdings" charset="2"/>
+              <a:buChar char=""/>
+            </a:pPr>
+            <a:r>
+              <a:rPr b="0" lang="en-US" sz="2000" spc="-1" strike="noStrike">
+                <a:solidFill>
+                  <a:srgbClr val="000000"/>
+                </a:solidFill>
+                <a:latin typeface="AU Passata"/>
+                <a:ea typeface="DejaVu Sans"/>
+              </a:rPr>
+              <a:t>Location Based Service</a:t>
             </a:r>
             <a:endParaRPr b="0" lang="en-DK" sz="2000" spc="-1" strike="noStrike">
               <a:latin typeface="Arial"/>
@@ -19901,7 +20171,7 @@
       </p:sp>
       <p:pic>
         <p:nvPicPr>
-          <p:cNvPr id="411" name="Billede 418" descr=""/>
+          <p:cNvPr id="411" name="Billede 411" descr=""/>
           <p:cNvPicPr/>
           <p:nvPr/>
         </p:nvPicPr>
@@ -19911,31 +20181,8 @@
         </p:blipFill>
         <p:spPr>
           <a:xfrm>
-            <a:off x="5040000" y="900000"/>
-            <a:ext cx="6050880" cy="3433680"/>
-          </a:xfrm>
-          <a:prstGeom prst="rect">
-            <a:avLst/>
-          </a:prstGeom>
-          <a:ln w="0">
-            <a:noFill/>
-          </a:ln>
-        </p:spPr>
-      </p:pic>
-      <p:pic>
-        <p:nvPicPr>
-          <p:cNvPr id="412" name="" descr=""/>
-          <p:cNvPicPr/>
-          <p:nvPr/>
-        </p:nvPicPr>
-        <p:blipFill>
-          <a:blip r:embed="rId2"/>
-          <a:stretch/>
-        </p:blipFill>
-        <p:spPr>
-          <a:xfrm>
-            <a:off x="1838160" y="2989440"/>
-            <a:ext cx="1761480" cy="2590200"/>
+            <a:off x="5282280" y="1801800"/>
+            <a:ext cx="5877720" cy="3778200"/>
           </a:xfrm>
           <a:prstGeom prst="rect">
             <a:avLst/>
@@ -19977,7 +20224,7 @@
       </p:grpSpPr>
       <p:sp>
         <p:nvSpPr>
-          <p:cNvPr id="413" name="PlaceHolder 1"/>
+          <p:cNvPr id="412" name="PlaceHolder 1"/>
           <p:cNvSpPr>
             <a:spLocks noGrp="1"/>
           </p:cNvSpPr>
@@ -19988,7 +20235,7 @@
         <p:spPr>
           <a:xfrm>
             <a:off x="316080" y="149040"/>
-            <a:ext cx="11555280" cy="569880"/>
+            <a:ext cx="11554920" cy="569520"/>
           </a:xfrm>
           <a:prstGeom prst="rect">
             <a:avLst/>
@@ -20017,7 +20264,7 @@
                 <a:latin typeface="AU Passata"/>
                 <a:ea typeface="DejaVu Sans"/>
               </a:rPr>
-              <a:t>Hybrid Positioning</a:t>
+              <a:t>Absolute Positioning</a:t>
             </a:r>
             <a:endParaRPr b="0" lang="en-DK" sz="4800" spc="-1" strike="noStrike">
               <a:latin typeface="Arial"/>
@@ -20027,7 +20274,7 @@
       </p:sp>
       <p:sp>
         <p:nvSpPr>
-          <p:cNvPr id="414" name="PlaceHolder 2"/>
+          <p:cNvPr id="413" name="PlaceHolder 2"/>
           <p:cNvSpPr>
             <a:spLocks noGrp="1"/>
           </p:cNvSpPr>
@@ -20038,7 +20285,7 @@
         <p:spPr>
           <a:xfrm>
             <a:off x="1080000" y="1960200"/>
-            <a:ext cx="10218600" cy="3935520"/>
+            <a:ext cx="10218240" cy="3935160"/>
           </a:xfrm>
           <a:prstGeom prst="rect">
             <a:avLst/>
@@ -20052,6 +20299,35 @@
           <a:bodyPr numCol="1" spcCol="0" lIns="0" rIns="0" tIns="0" bIns="0" anchor="t">
             <a:noAutofit/>
           </a:bodyPr>
+          <a:p>
+            <a:pPr marL="432000" indent="-324000">
+              <a:lnSpc>
+                <a:spcPct val="90000"/>
+              </a:lnSpc>
+              <a:spcBef>
+                <a:spcPts val="1417"/>
+              </a:spcBef>
+              <a:buClr>
+                <a:srgbClr val="000000"/>
+              </a:buClr>
+              <a:buSzPct val="45000"/>
+              <a:buFont typeface="Wingdings" charset="2"/>
+              <a:buChar char=""/>
+            </a:pPr>
+            <a:r>
+              <a:rPr b="1" lang="en-US" sz="2000" spc="-1" strike="noStrike">
+                <a:solidFill>
+                  <a:srgbClr val="000000"/>
+                </a:solidFill>
+                <a:latin typeface="AU Passata"/>
+                <a:ea typeface="DejaVu Sans"/>
+              </a:rPr>
+              <a:t>Trilateration</a:t>
+            </a:r>
+            <a:endParaRPr b="0" lang="en-DK" sz="2000" spc="-1" strike="noStrike">
+              <a:latin typeface="Arial"/>
+            </a:endParaRPr>
+          </a:p>
           <a:p>
             <a:pPr marL="432000" indent="-324000">
               <a:lnSpc>
@@ -20075,7 +20351,7 @@
                 <a:latin typeface="AU Passata"/>
                 <a:ea typeface="DejaVu Sans"/>
               </a:rPr>
-              <a:t>Sensor Fusion</a:t>
+              <a:t>Triangulation (ToTal)</a:t>
             </a:r>
             <a:endParaRPr b="0" lang="en-DK" sz="2000" spc="-1" strike="noStrike">
               <a:latin typeface="Arial"/>
@@ -20096,30 +20372,15 @@
             </a:endParaRPr>
           </a:p>
           <a:p>
-            <a:pPr marL="432000" indent="-324000">
+            <a:pPr>
               <a:lnSpc>
                 <a:spcPct val="90000"/>
               </a:lnSpc>
               <a:spcBef>
                 <a:spcPts val="1417"/>
               </a:spcBef>
-              <a:buClr>
-                <a:srgbClr val="000000"/>
-              </a:buClr>
-              <a:buSzPct val="45000"/>
-              <a:buFont typeface="Wingdings" charset="2"/>
-              <a:buChar char=""/>
-            </a:pPr>
-            <a:r>
-              <a:rPr b="0" lang="en-US" sz="2000" spc="-1" strike="noStrike">
-                <a:solidFill>
-                  <a:srgbClr val="000000"/>
-                </a:solidFill>
-                <a:latin typeface="AU Passata"/>
-                <a:ea typeface="DejaVu Sans"/>
-              </a:rPr>
-              <a:t>Kalman filters</a:t>
-            </a:r>
+              <a:buNone/>
+            </a:pPr>
             <a:endParaRPr b="0" lang="en-DK" sz="2000" spc="-1" strike="noStrike">
               <a:latin typeface="Arial"/>
             </a:endParaRPr>
@@ -20184,7 +20445,7 @@
       </p:sp>
       <p:pic>
         <p:nvPicPr>
-          <p:cNvPr id="415" name="Billede 421" descr=""/>
+          <p:cNvPr id="414" name="" descr=""/>
           <p:cNvPicPr/>
           <p:nvPr/>
         </p:nvPicPr>
@@ -20194,31 +20455,8 @@
         </p:blipFill>
         <p:spPr>
           <a:xfrm>
-            <a:off x="7142760" y="1260000"/>
-            <a:ext cx="3836880" cy="4741560"/>
-          </a:xfrm>
-          <a:prstGeom prst="rect">
-            <a:avLst/>
-          </a:prstGeom>
-          <a:ln w="0">
-            <a:noFill/>
-          </a:ln>
-        </p:spPr>
-      </p:pic>
-      <p:pic>
-        <p:nvPicPr>
-          <p:cNvPr id="416" name="" descr=""/>
-          <p:cNvPicPr/>
-          <p:nvPr/>
-        </p:nvPicPr>
-        <p:blipFill>
-          <a:blip r:embed="rId2"/>
-          <a:stretch/>
-        </p:blipFill>
-        <p:spPr>
-          <a:xfrm>
-            <a:off x="2816280" y="4500000"/>
-            <a:ext cx="3123720" cy="818640"/>
+            <a:off x="5724000" y="1718280"/>
+            <a:ext cx="5101920" cy="3321720"/>
           </a:xfrm>
           <a:prstGeom prst="rect">
             <a:avLst/>
@@ -20260,7 +20498,7 @@
       </p:grpSpPr>
       <p:sp>
         <p:nvSpPr>
-          <p:cNvPr id="417" name="PlaceHolder 1"/>
+          <p:cNvPr id="415" name="PlaceHolder 1"/>
           <p:cNvSpPr>
             <a:spLocks noGrp="1"/>
           </p:cNvSpPr>
@@ -20271,7 +20509,7 @@
         <p:spPr>
           <a:xfrm>
             <a:off x="316080" y="149040"/>
-            <a:ext cx="11555280" cy="569880"/>
+            <a:ext cx="11554920" cy="569520"/>
           </a:xfrm>
           <a:prstGeom prst="rect">
             <a:avLst/>
@@ -20300,7 +20538,7 @@
                 <a:latin typeface="AU Passata"/>
                 <a:ea typeface="DejaVu Sans"/>
               </a:rPr>
-              <a:t>Perspective</a:t>
+              <a:t>Absolute Positioning</a:t>
             </a:r>
             <a:endParaRPr b="0" lang="en-DK" sz="4800" spc="-1" strike="noStrike">
               <a:latin typeface="Arial"/>
@@ -20310,7 +20548,7 @@
       </p:sp>
       <p:sp>
         <p:nvSpPr>
-          <p:cNvPr id="418" name="PlaceHolder 2"/>
+          <p:cNvPr id="416" name="PlaceHolder 2"/>
           <p:cNvSpPr>
             <a:spLocks noGrp="1"/>
           </p:cNvSpPr>
@@ -20321,7 +20559,7 @@
         <p:spPr>
           <a:xfrm>
             <a:off x="1080000" y="1960200"/>
-            <a:ext cx="10218600" cy="3935520"/>
+            <a:ext cx="10218240" cy="3935160"/>
           </a:xfrm>
           <a:prstGeom prst="rect">
             <a:avLst/>
@@ -20358,7 +20596,7 @@
                 <a:latin typeface="AU Passata"/>
                 <a:ea typeface="DejaVu Sans"/>
               </a:rPr>
-              <a:t>Pervasive systems</a:t>
+              <a:t>Trilateration</a:t>
             </a:r>
             <a:endParaRPr b="0" lang="en-DK" sz="2000" spc="-1" strike="noStrike">
               <a:latin typeface="Arial"/>
@@ -20379,34 +20617,15 @@
               <a:buFont typeface="Wingdings" charset="2"/>
               <a:buChar char=""/>
             </a:pPr>
-            <a:endParaRPr b="0" lang="en-DK" sz="2000" spc="-1" strike="noStrike">
-              <a:latin typeface="Arial"/>
-            </a:endParaRPr>
-          </a:p>
-          <a:p>
-            <a:pPr marL="432000" indent="-324000">
-              <a:lnSpc>
-                <a:spcPct val="90000"/>
-              </a:lnSpc>
-              <a:spcBef>
-                <a:spcPts val="1417"/>
-              </a:spcBef>
-              <a:buClr>
-                <a:srgbClr val="000000"/>
-              </a:buClr>
-              <a:buSzPct val="45000"/>
-              <a:buFont typeface="Wingdings" charset="2"/>
-              <a:buChar char=""/>
-            </a:pPr>
             <a:r>
-              <a:rPr b="0" lang="en-US" sz="2000" spc="-1" strike="noStrike">
+              <a:rPr b="1" lang="en-US" sz="2000" spc="-1" strike="noStrike">
                 <a:solidFill>
                   <a:srgbClr val="000000"/>
                 </a:solidFill>
                 <a:latin typeface="AU Passata"/>
                 <a:ea typeface="DejaVu Sans"/>
               </a:rPr>
-              <a:t>Article - Privacy</a:t>
+              <a:t>Triangulation (ToTal)</a:t>
             </a:r>
             <a:endParaRPr b="0" lang="en-DK" sz="2000" spc="-1" strike="noStrike">
               <a:latin typeface="Arial"/>
@@ -20482,8 +20701,68 @@
               <a:latin typeface="Arial"/>
             </a:endParaRPr>
           </a:p>
-        </p:txBody>
-      </p:sp>
+          <a:p>
+            <a:pPr>
+              <a:lnSpc>
+                <a:spcPct val="90000"/>
+              </a:lnSpc>
+              <a:spcBef>
+                <a:spcPts val="1417"/>
+              </a:spcBef>
+              <a:buNone/>
+            </a:pPr>
+            <a:endParaRPr b="0" lang="en-DK" sz="2000" spc="-1" strike="noStrike">
+              <a:latin typeface="Arial"/>
+            </a:endParaRPr>
+          </a:p>
+        </p:txBody>
+      </p:sp>
+      <p:pic>
+        <p:nvPicPr>
+          <p:cNvPr id="417" name="" descr=""/>
+          <p:cNvPicPr/>
+          <p:nvPr/>
+        </p:nvPicPr>
+        <p:blipFill>
+          <a:blip r:embed="rId1"/>
+          <a:stretch/>
+        </p:blipFill>
+        <p:spPr>
+          <a:xfrm>
+            <a:off x="900000" y="2729520"/>
+            <a:ext cx="4171680" cy="3390480"/>
+          </a:xfrm>
+          <a:prstGeom prst="rect">
+            <a:avLst/>
+          </a:prstGeom>
+          <a:ln w="0">
+            <a:noFill/>
+          </a:ln>
+        </p:spPr>
+      </p:pic>
+      <p:pic>
+        <p:nvPicPr>
+          <p:cNvPr id="418" name="" descr=""/>
+          <p:cNvPicPr/>
+          <p:nvPr/>
+        </p:nvPicPr>
+        <p:blipFill>
+          <a:blip r:embed="rId2"/>
+          <a:stretch/>
+        </p:blipFill>
+        <p:spPr>
+          <a:xfrm>
+            <a:off x="6094080" y="2683800"/>
+            <a:ext cx="4885920" cy="3076200"/>
+          </a:xfrm>
+          <a:prstGeom prst="rect">
+            <a:avLst/>
+          </a:prstGeom>
+          <a:ln w="0">
+            <a:noFill/>
+          </a:ln>
+        </p:spPr>
+      </p:pic>
     </p:spTree>
   </p:cSld>
   <mc:AlternateContent>
@@ -20500,13 +20779,6 @@
 <file path=ppt/slides/slide26.xml><?xml version="1.0" encoding="utf-8"?>
 <p:sld xmlns:a="http://schemas.openxmlformats.org/drawingml/2006/main" xmlns:p="http://schemas.openxmlformats.org/presentationml/2006/main" xmlns:r="http://schemas.openxmlformats.org/officeDocument/2006/relationships" xmlns:p14="http://schemas.microsoft.com/office/powerpoint/2010/main" xmlns:p15="http://schemas.microsoft.com/office/powerpoint/2012/main" xmlns:mc="http://schemas.openxmlformats.org/markup-compatibility/2006">
   <p:cSld>
-    <p:bg>
-      <p:bgPr>
-        <a:solidFill>
-          <a:srgbClr val="002546"/>
-        </a:solidFill>
-      </p:bgPr>
-    </p:bg>
     <p:spTree>
       <p:nvGrpSpPr>
         <p:cNvPr id="1" name=""/>
@@ -20533,8 +20805,8 @@
         </p:nvSpPr>
         <p:spPr>
           <a:xfrm>
-            <a:off x="985680" y="2898000"/>
-            <a:ext cx="10218600" cy="829080"/>
+            <a:off x="316080" y="149040"/>
+            <a:ext cx="11554920" cy="569520"/>
           </a:xfrm>
           <a:prstGeom prst="rect">
             <a:avLst/>
@@ -20545,7 +20817,7 @@
           </a:ln>
         </p:spPr>
         <p:txBody>
-          <a:bodyPr numCol="1" spcCol="0" lIns="0" rIns="0" tIns="0" bIns="0" anchor="ctr">
+          <a:bodyPr numCol="1" spcCol="0" lIns="0" rIns="0" tIns="0" bIns="0" anchor="b">
             <a:noAutofit/>
           </a:bodyPr>
           <a:p>
@@ -20556,21 +20828,181 @@
               <a:buNone/>
             </a:pPr>
             <a:r>
-              <a:rPr b="1" lang="en-US" sz="6000" spc="-1" strike="noStrike" cap="all">
+              <a:rPr b="0" lang="en-US" sz="4800" spc="-1" strike="noStrike">
                 <a:solidFill>
-                  <a:srgbClr val="ffffff"/>
+                  <a:srgbClr val="000000"/>
                 </a:solidFill>
-                <a:latin typeface="AU Passata Light"/>
+                <a:latin typeface="AU Passata"/>
                 <a:ea typeface="DejaVu Sans"/>
               </a:rPr>
-              <a:t>5. Pervasive Computing (Background, Methods and Enabling tech.)</a:t>
+              <a:t>Relative Positioning</a:t>
             </a:r>
-            <a:endParaRPr b="0" lang="en-DK" sz="6000" spc="-1" strike="noStrike">
-              <a:latin typeface="Arial"/>
-            </a:endParaRPr>
-          </a:p>
-        </p:txBody>
-      </p:sp>
+            <a:endParaRPr b="0" lang="en-DK" sz="4800" spc="-1" strike="noStrike">
+              <a:latin typeface="Arial"/>
+            </a:endParaRPr>
+          </a:p>
+        </p:txBody>
+      </p:sp>
+      <p:sp>
+        <p:nvSpPr>
+          <p:cNvPr id="420" name="PlaceHolder 2"/>
+          <p:cNvSpPr>
+            <a:spLocks noGrp="1"/>
+          </p:cNvSpPr>
+          <p:nvPr>
+            <p:ph/>
+          </p:nvPr>
+        </p:nvSpPr>
+        <p:spPr>
+          <a:xfrm>
+            <a:off x="1080000" y="1960200"/>
+            <a:ext cx="10218240" cy="3935160"/>
+          </a:xfrm>
+          <a:prstGeom prst="rect">
+            <a:avLst/>
+          </a:prstGeom>
+          <a:noFill/>
+          <a:ln w="9360">
+            <a:noFill/>
+          </a:ln>
+        </p:spPr>
+        <p:txBody>
+          <a:bodyPr numCol="1" spcCol="0" lIns="0" rIns="0" tIns="0" bIns="0" anchor="t">
+            <a:noAutofit/>
+          </a:bodyPr>
+          <a:p>
+            <a:pPr marL="432000" indent="-324000">
+              <a:lnSpc>
+                <a:spcPct val="90000"/>
+              </a:lnSpc>
+              <a:spcBef>
+                <a:spcPts val="1417"/>
+              </a:spcBef>
+              <a:buClr>
+                <a:srgbClr val="000000"/>
+              </a:buClr>
+              <a:buSzPct val="45000"/>
+              <a:buFont typeface="Wingdings" charset="2"/>
+              <a:buChar char=""/>
+            </a:pPr>
+            <a:r>
+              <a:rPr b="0" lang="en-US" sz="2000" spc="-1" strike="noStrike">
+                <a:solidFill>
+                  <a:srgbClr val="000000"/>
+                </a:solidFill>
+                <a:latin typeface="AU Passata"/>
+                <a:ea typeface="DejaVu Sans"/>
+              </a:rPr>
+              <a:t>Dead Reckoning</a:t>
+            </a:r>
+            <a:endParaRPr b="0" lang="en-DK" sz="2000" spc="-1" strike="noStrike">
+              <a:latin typeface="Arial"/>
+            </a:endParaRPr>
+          </a:p>
+          <a:p>
+            <a:pPr>
+              <a:lnSpc>
+                <a:spcPct val="90000"/>
+              </a:lnSpc>
+              <a:spcBef>
+                <a:spcPts val="1417"/>
+              </a:spcBef>
+              <a:buNone/>
+            </a:pPr>
+            <a:endParaRPr b="0" lang="en-DK" sz="2000" spc="-1" strike="noStrike">
+              <a:latin typeface="Arial"/>
+            </a:endParaRPr>
+          </a:p>
+          <a:p>
+            <a:pPr>
+              <a:lnSpc>
+                <a:spcPct val="90000"/>
+              </a:lnSpc>
+              <a:spcBef>
+                <a:spcPts val="1417"/>
+              </a:spcBef>
+              <a:buNone/>
+            </a:pPr>
+            <a:endParaRPr b="0" lang="en-DK" sz="2000" spc="-1" strike="noStrike">
+              <a:latin typeface="Arial"/>
+            </a:endParaRPr>
+          </a:p>
+          <a:p>
+            <a:pPr>
+              <a:lnSpc>
+                <a:spcPct val="90000"/>
+              </a:lnSpc>
+              <a:spcBef>
+                <a:spcPts val="1417"/>
+              </a:spcBef>
+              <a:buNone/>
+            </a:pPr>
+            <a:endParaRPr b="0" lang="en-DK" sz="2000" spc="-1" strike="noStrike">
+              <a:latin typeface="Arial"/>
+            </a:endParaRPr>
+          </a:p>
+          <a:p>
+            <a:pPr>
+              <a:lnSpc>
+                <a:spcPct val="90000"/>
+              </a:lnSpc>
+              <a:spcBef>
+                <a:spcPts val="1417"/>
+              </a:spcBef>
+              <a:buNone/>
+            </a:pPr>
+            <a:endParaRPr b="0" lang="en-DK" sz="2000" spc="-1" strike="noStrike">
+              <a:latin typeface="Arial"/>
+            </a:endParaRPr>
+          </a:p>
+        </p:txBody>
+      </p:sp>
+      <p:pic>
+        <p:nvPicPr>
+          <p:cNvPr id="421" name="Billede 418" descr=""/>
+          <p:cNvPicPr/>
+          <p:nvPr/>
+        </p:nvPicPr>
+        <p:blipFill>
+          <a:blip r:embed="rId1"/>
+          <a:stretch/>
+        </p:blipFill>
+        <p:spPr>
+          <a:xfrm>
+            <a:off x="5040000" y="900000"/>
+            <a:ext cx="6050520" cy="3433320"/>
+          </a:xfrm>
+          <a:prstGeom prst="rect">
+            <a:avLst/>
+          </a:prstGeom>
+          <a:ln w="0">
+            <a:noFill/>
+          </a:ln>
+        </p:spPr>
+      </p:pic>
+      <p:pic>
+        <p:nvPicPr>
+          <p:cNvPr id="422" name="" descr=""/>
+          <p:cNvPicPr/>
+          <p:nvPr/>
+        </p:nvPicPr>
+        <p:blipFill>
+          <a:blip r:embed="rId2"/>
+          <a:stretch/>
+        </p:blipFill>
+        <p:spPr>
+          <a:xfrm>
+            <a:off x="1260000" y="2880000"/>
+            <a:ext cx="3561840" cy="2523600"/>
+          </a:xfrm>
+          <a:prstGeom prst="rect">
+            <a:avLst/>
+          </a:prstGeom>
+          <a:ln w="0">
+            <a:noFill/>
+          </a:ln>
+        </p:spPr>
+      </p:pic>
     </p:spTree>
   </p:cSld>
   <mc:AlternateContent>
@@ -20603,7 +21035,7 @@
       </p:grpSpPr>
       <p:sp>
         <p:nvSpPr>
-          <p:cNvPr id="420" name="PlaceHolder 1"/>
+          <p:cNvPr id="423" name="PlaceHolder 1"/>
           <p:cNvSpPr>
             <a:spLocks noGrp="1"/>
           </p:cNvSpPr>
@@ -20614,7 +21046,7 @@
         <p:spPr>
           <a:xfrm>
             <a:off x="316080" y="149040"/>
-            <a:ext cx="11555280" cy="569880"/>
+            <a:ext cx="11554920" cy="569520"/>
           </a:xfrm>
           <a:prstGeom prst="rect">
             <a:avLst/>
@@ -20643,7 +21075,7 @@
                 <a:latin typeface="AU Passata"/>
                 <a:ea typeface="DejaVu Sans"/>
               </a:rPr>
-              <a:t>Background</a:t>
+              <a:t>Hybrid Positioning</a:t>
             </a:r>
             <a:endParaRPr b="0" lang="en-DK" sz="4800" spc="-1" strike="noStrike">
               <a:latin typeface="Arial"/>
@@ -20653,7 +21085,7 @@
       </p:sp>
       <p:sp>
         <p:nvSpPr>
-          <p:cNvPr id="421" name="PlaceHolder 2"/>
+          <p:cNvPr id="424" name="PlaceHolder 2"/>
           <p:cNvSpPr>
             <a:spLocks noGrp="1"/>
           </p:cNvSpPr>
@@ -20663,8 +21095,8 @@
         </p:nvSpPr>
         <p:spPr>
           <a:xfrm>
-            <a:off x="330480" y="1867680"/>
-            <a:ext cx="5108400" cy="4242960"/>
+            <a:off x="1080000" y="1960200"/>
+            <a:ext cx="10218240" cy="3935160"/>
           </a:xfrm>
           <a:prstGeom prst="rect">
             <a:avLst/>
@@ -20701,8 +21133,22 @@
                 <a:latin typeface="AU Passata"/>
                 <a:ea typeface="DejaVu Sans"/>
               </a:rPr>
-              <a:t>Weiser – XEROC PARC</a:t>
+              <a:t>Sensor Fusion</a:t>
             </a:r>
+            <a:endParaRPr b="0" lang="en-DK" sz="2000" spc="-1" strike="noStrike">
+              <a:latin typeface="Arial"/>
+            </a:endParaRPr>
+          </a:p>
+          <a:p>
+            <a:pPr>
+              <a:lnSpc>
+                <a:spcPct val="90000"/>
+              </a:lnSpc>
+              <a:spcBef>
+                <a:spcPts val="1417"/>
+              </a:spcBef>
+              <a:buNone/>
+            </a:pPr>
             <a:endParaRPr b="0" lang="en-DK" sz="2000" spc="-1" strike="noStrike">
               <a:latin typeface="Arial"/>
             </a:endParaRPr>
@@ -20730,32 +21176,8 @@
                 <a:latin typeface="AU Passata"/>
                 <a:ea typeface="DejaVu Sans"/>
               </a:rPr>
-              <a:t>→ </a:t>
+              <a:t>Kalman filters</a:t>
             </a:r>
-            <a:r>
-              <a:rPr b="0" lang="en-US" sz="2000" spc="-1" strike="noStrike">
-                <a:solidFill>
-                  <a:srgbClr val="000000"/>
-                </a:solidFill>
-                <a:latin typeface="AU Passata"/>
-                <a:ea typeface="DejaVu Sans"/>
-              </a:rPr>
-              <a:t>Cloud, Crowd and Shroud </a:t>
-            </a:r>
-            <a:endParaRPr b="0" lang="en-DK" sz="2000" spc="-1" strike="noStrike">
-              <a:latin typeface="Arial"/>
-            </a:endParaRPr>
-          </a:p>
-          <a:p>
-            <a:pPr>
-              <a:lnSpc>
-                <a:spcPct val="90000"/>
-              </a:lnSpc>
-              <a:spcBef>
-                <a:spcPts val="1417"/>
-              </a:spcBef>
-              <a:buNone/>
-            </a:pPr>
             <a:endParaRPr b="0" lang="en-DK" sz="2000" spc="-1" strike="noStrike">
               <a:latin typeface="Arial"/>
             </a:endParaRPr>
@@ -20820,7 +21242,7 @@
       </p:sp>
       <p:pic>
         <p:nvPicPr>
-          <p:cNvPr id="422" name="Picture 2" descr="The Computer for the Twenty-First Century Mark Weiser, ACM MCCR 1991 Part  of slides are adapted from: - ppt download"/>
+          <p:cNvPr id="425" name="Billede 421" descr=""/>
           <p:cNvPicPr/>
           <p:nvPr/>
         </p:nvPicPr>
@@ -20830,8 +21252,8 @@
         </p:blipFill>
         <p:spPr>
           <a:xfrm>
-            <a:off x="8312040" y="789480"/>
-            <a:ext cx="3027600" cy="2270160"/>
+            <a:off x="7142760" y="1260000"/>
+            <a:ext cx="3836520" cy="4741200"/>
           </a:xfrm>
           <a:prstGeom prst="rect">
             <a:avLst/>
@@ -20843,7 +21265,7 @@
       </p:pic>
       <p:pic>
         <p:nvPicPr>
-          <p:cNvPr id="423" name="Picture 2" descr=""/>
+          <p:cNvPr id="426" name="" descr=""/>
           <p:cNvPicPr/>
           <p:nvPr/>
         </p:nvPicPr>
@@ -20853,8 +21275,8 @@
         </p:blipFill>
         <p:spPr>
           <a:xfrm>
-            <a:off x="330480" y="2968920"/>
-            <a:ext cx="7857720" cy="2970720"/>
+            <a:off x="2816280" y="4500000"/>
+            <a:ext cx="3123360" cy="818280"/>
           </a:xfrm>
           <a:prstGeom prst="rect">
             <a:avLst/>
@@ -20896,7 +21318,7 @@
       </p:grpSpPr>
       <p:sp>
         <p:nvSpPr>
-          <p:cNvPr id="424" name="PlaceHolder 1"/>
+          <p:cNvPr id="427" name="PlaceHolder 1"/>
           <p:cNvSpPr>
             <a:spLocks noGrp="1"/>
           </p:cNvSpPr>
@@ -20907,7 +21329,7 @@
         <p:spPr>
           <a:xfrm>
             <a:off x="316080" y="149040"/>
-            <a:ext cx="11555280" cy="569880"/>
+            <a:ext cx="11554920" cy="569520"/>
           </a:xfrm>
           <a:prstGeom prst="rect">
             <a:avLst/>
@@ -20936,7 +21358,7 @@
                 <a:latin typeface="AU Passata"/>
                 <a:ea typeface="DejaVu Sans"/>
               </a:rPr>
-              <a:t>Properties</a:t>
+              <a:t>Perspective</a:t>
             </a:r>
             <a:endParaRPr b="0" lang="en-DK" sz="4800" spc="-1" strike="noStrike">
               <a:latin typeface="Arial"/>
@@ -20946,7 +21368,7 @@
       </p:sp>
       <p:sp>
         <p:nvSpPr>
-          <p:cNvPr id="425" name="PlaceHolder 2"/>
+          <p:cNvPr id="428" name="PlaceHolder 2"/>
           <p:cNvSpPr>
             <a:spLocks noGrp="1"/>
           </p:cNvSpPr>
@@ -20956,8 +21378,8 @@
         </p:nvSpPr>
         <p:spPr>
           <a:xfrm>
-            <a:off x="330480" y="1867680"/>
-            <a:ext cx="5108400" cy="4242960"/>
+            <a:off x="1080000" y="1960200"/>
+            <a:ext cx="10218240" cy="3935160"/>
           </a:xfrm>
           <a:prstGeom prst="rect">
             <a:avLst/>
@@ -20994,7 +21416,7 @@
                 <a:latin typeface="AU Passata"/>
                 <a:ea typeface="DejaVu Sans"/>
               </a:rPr>
-              <a:t>Ubiquitous</a:t>
+              <a:t>Pervasive systems</a:t>
             </a:r>
             <a:endParaRPr b="0" lang="en-DK" sz="2000" spc="-1" strike="noStrike">
               <a:latin typeface="Arial"/>
@@ -21037,7 +21459,7 @@
                 <a:latin typeface="AU Passata"/>
                 <a:ea typeface="DejaVu Sans"/>
               </a:rPr>
-              <a:t>Transparent</a:t>
+              <a:t>Article - Privacy</a:t>
             </a:r>
             <a:endParaRPr b="0" lang="en-DK" sz="2000" spc="-1" strike="noStrike">
               <a:latin typeface="Arial"/>
@@ -21058,30 +21480,15 @@
             </a:endParaRPr>
           </a:p>
           <a:p>
-            <a:pPr marL="432000" indent="-324000">
+            <a:pPr>
               <a:lnSpc>
                 <a:spcPct val="90000"/>
               </a:lnSpc>
               <a:spcBef>
                 <a:spcPts val="1417"/>
               </a:spcBef>
-              <a:buClr>
-                <a:srgbClr val="000000"/>
-              </a:buClr>
-              <a:buSzPct val="45000"/>
-              <a:buFont typeface="Wingdings" charset="2"/>
-              <a:buChar char=""/>
-            </a:pPr>
-            <a:r>
-              <a:rPr b="0" lang="en-US" sz="2000" spc="-1" strike="noStrike">
-                <a:solidFill>
-                  <a:srgbClr val="000000"/>
-                </a:solidFill>
-                <a:latin typeface="AU Passata"/>
-                <a:ea typeface="DejaVu Sans"/>
-              </a:rPr>
-              <a:t>Openness</a:t>
-            </a:r>
+              <a:buNone/>
+            </a:pPr>
             <a:endParaRPr b="0" lang="en-DK" sz="2000" spc="-1" strike="noStrike">
               <a:latin typeface="Arial"/>
             </a:endParaRPr>
@@ -21128,59 +21535,8 @@
               <a:latin typeface="Arial"/>
             </a:endParaRPr>
           </a:p>
-          <a:p>
-            <a:pPr>
-              <a:lnSpc>
-                <a:spcPct val="90000"/>
-              </a:lnSpc>
-              <a:spcBef>
-                <a:spcPts val="1417"/>
-              </a:spcBef>
-              <a:buNone/>
-            </a:pPr>
-            <a:endParaRPr b="0" lang="en-DK" sz="2000" spc="-1" strike="noStrike">
-              <a:latin typeface="Arial"/>
-            </a:endParaRPr>
-          </a:p>
-          <a:p>
-            <a:pPr>
-              <a:lnSpc>
-                <a:spcPct val="90000"/>
-              </a:lnSpc>
-              <a:spcBef>
-                <a:spcPts val="1417"/>
-              </a:spcBef>
-              <a:buNone/>
-            </a:pPr>
-            <a:endParaRPr b="0" lang="en-DK" sz="2000" spc="-1" strike="noStrike">
-              <a:latin typeface="Arial"/>
-            </a:endParaRPr>
-          </a:p>
-        </p:txBody>
-      </p:sp>
-      <p:pic>
-        <p:nvPicPr>
-          <p:cNvPr id="426" name="Picture 1" descr="Smart DEI Model @BULLET Autonomy: Where computers act independent of... |  Download Scientific Diagram"/>
-          <p:cNvPicPr/>
-          <p:nvPr/>
-        </p:nvPicPr>
-        <p:blipFill>
-          <a:blip r:embed="rId1"/>
-          <a:stretch/>
-        </p:blipFill>
-        <p:spPr>
-          <a:xfrm>
-            <a:off x="5580000" y="1620000"/>
-            <a:ext cx="4780080" cy="3579840"/>
-          </a:xfrm>
-          <a:prstGeom prst="rect">
-            <a:avLst/>
-          </a:prstGeom>
-          <a:ln w="0">
-            <a:noFill/>
-          </a:ln>
-        </p:spPr>
-      </p:pic>
+        </p:txBody>
+      </p:sp>
     </p:spTree>
   </p:cSld>
   <mc:AlternateContent>
@@ -21197,6 +21553,13 @@
 <file path=ppt/slides/slide29.xml><?xml version="1.0" encoding="utf-8"?>
 <p:sld xmlns:a="http://schemas.openxmlformats.org/drawingml/2006/main" xmlns:p="http://schemas.openxmlformats.org/presentationml/2006/main" xmlns:r="http://schemas.openxmlformats.org/officeDocument/2006/relationships" xmlns:p14="http://schemas.microsoft.com/office/powerpoint/2010/main" xmlns:p15="http://schemas.microsoft.com/office/powerpoint/2012/main" xmlns:mc="http://schemas.openxmlformats.org/markup-compatibility/2006">
   <p:cSld>
+    <p:bg>
+      <p:bgPr>
+        <a:solidFill>
+          <a:srgbClr val="002546"/>
+        </a:solidFill>
+      </p:bgPr>
+    </p:bg>
     <p:spTree>
       <p:nvGrpSpPr>
         <p:cNvPr id="1" name=""/>
@@ -21213,7 +21576,7 @@
       </p:grpSpPr>
       <p:sp>
         <p:nvSpPr>
-          <p:cNvPr id="427" name="PlaceHolder 1"/>
+          <p:cNvPr id="429" name="PlaceHolder 1"/>
           <p:cNvSpPr>
             <a:spLocks noGrp="1"/>
           </p:cNvSpPr>
@@ -21223,8 +21586,8 @@
         </p:nvSpPr>
         <p:spPr>
           <a:xfrm>
-            <a:off x="316080" y="149040"/>
-            <a:ext cx="11555280" cy="569880"/>
+            <a:off x="985680" y="2898000"/>
+            <a:ext cx="10218240" cy="828720"/>
           </a:xfrm>
           <a:prstGeom prst="rect">
             <a:avLst/>
@@ -21235,7 +21598,7 @@
           </a:ln>
         </p:spPr>
         <p:txBody>
-          <a:bodyPr numCol="1" spcCol="0" lIns="0" rIns="0" tIns="0" bIns="0" anchor="b">
+          <a:bodyPr numCol="1" spcCol="0" lIns="0" rIns="0" tIns="0" bIns="0" anchor="ctr">
             <a:noAutofit/>
           </a:bodyPr>
           <a:p>
@@ -21246,404 +21609,16 @@
               <a:buNone/>
             </a:pPr>
             <a:r>
-              <a:rPr b="0" lang="en-US" sz="4800" spc="-1" strike="noStrike">
+              <a:rPr b="1" lang="en-US" sz="6000" spc="-1" strike="noStrike" cap="all">
                 <a:solidFill>
-                  <a:srgbClr val="000000"/>
+                  <a:srgbClr val="ffffff"/>
                 </a:solidFill>
-                <a:latin typeface="AU Passata"/>
+                <a:latin typeface="AU Passata Light"/>
                 <a:ea typeface="DejaVu Sans"/>
               </a:rPr>
-              <a:t>Concepts</a:t>
+              <a:t>5. Pervasive Computing (Background, Methods and Enabling tech.)</a:t>
             </a:r>
-            <a:endParaRPr b="0" lang="en-DK" sz="4800" spc="-1" strike="noStrike">
-              <a:latin typeface="Arial"/>
-            </a:endParaRPr>
-          </a:p>
-        </p:txBody>
-      </p:sp>
-      <p:sp>
-        <p:nvSpPr>
-          <p:cNvPr id="428" name="PlaceHolder 2"/>
-          <p:cNvSpPr>
-            <a:spLocks noGrp="1"/>
-          </p:cNvSpPr>
-          <p:nvPr>
-            <p:ph/>
-          </p:nvPr>
-        </p:nvSpPr>
-        <p:spPr>
-          <a:xfrm>
-            <a:off x="330480" y="1867680"/>
-            <a:ext cx="5108400" cy="4242960"/>
-          </a:xfrm>
-          <a:prstGeom prst="rect">
-            <a:avLst/>
-          </a:prstGeom>
-          <a:noFill/>
-          <a:ln w="9360">
-            <a:noFill/>
-          </a:ln>
-        </p:spPr>
-        <p:txBody>
-          <a:bodyPr numCol="1" spcCol="0" lIns="0" rIns="0" tIns="0" bIns="0" anchor="t">
-            <a:noAutofit/>
-          </a:bodyPr>
-          <a:p>
-            <a:pPr marL="432000" indent="-324000">
-              <a:lnSpc>
-                <a:spcPct val="90000"/>
-              </a:lnSpc>
-              <a:spcBef>
-                <a:spcPts val="1417"/>
-              </a:spcBef>
-              <a:buClr>
-                <a:srgbClr val="000000"/>
-              </a:buClr>
-              <a:buSzPct val="45000"/>
-              <a:buFont typeface="Wingdings" charset="2"/>
-              <a:buChar char=""/>
-            </a:pPr>
-            <a:r>
-              <a:rPr b="0" lang="en-US" sz="2000" spc="-1" strike="noStrike">
-                <a:solidFill>
-                  <a:srgbClr val="000000"/>
-                </a:solidFill>
-                <a:latin typeface="AU Passata"/>
-                <a:ea typeface="DejaVu Sans"/>
-              </a:rPr>
-              <a:t>Awareness</a:t>
-            </a:r>
-            <a:endParaRPr b="0" lang="en-DK" sz="2000" spc="-1" strike="noStrike">
-              <a:latin typeface="Arial"/>
-            </a:endParaRPr>
-          </a:p>
-          <a:p>
-            <a:pPr>
-              <a:lnSpc>
-                <a:spcPct val="90000"/>
-              </a:lnSpc>
-              <a:spcBef>
-                <a:spcPts val="1417"/>
-              </a:spcBef>
-              <a:buNone/>
-            </a:pPr>
-            <a:endParaRPr b="0" lang="en-DK" sz="2000" spc="-1" strike="noStrike">
-              <a:latin typeface="Arial"/>
-            </a:endParaRPr>
-          </a:p>
-          <a:p>
-            <a:pPr marL="432000" indent="-324000">
-              <a:lnSpc>
-                <a:spcPct val="90000"/>
-              </a:lnSpc>
-              <a:spcBef>
-                <a:spcPts val="1417"/>
-              </a:spcBef>
-              <a:buClr>
-                <a:srgbClr val="000000"/>
-              </a:buClr>
-              <a:buSzPct val="45000"/>
-              <a:buFont typeface="Wingdings" charset="2"/>
-              <a:buChar char=""/>
-            </a:pPr>
-            <a:r>
-              <a:rPr b="0" lang="en-US" sz="2000" spc="-1" strike="noStrike">
-                <a:solidFill>
-                  <a:srgbClr val="000000"/>
-                </a:solidFill>
-                <a:latin typeface="AU Passata"/>
-                <a:ea typeface="DejaVu Sans"/>
-              </a:rPr>
-              <a:t>Interaction</a:t>
-            </a:r>
-            <a:endParaRPr b="0" lang="en-DK" sz="2000" spc="-1" strike="noStrike">
-              <a:latin typeface="Arial"/>
-            </a:endParaRPr>
-          </a:p>
-          <a:p>
-            <a:pPr>
-              <a:lnSpc>
-                <a:spcPct val="90000"/>
-              </a:lnSpc>
-              <a:spcBef>
-                <a:spcPts val="1417"/>
-              </a:spcBef>
-              <a:buNone/>
-            </a:pPr>
-            <a:endParaRPr b="0" lang="en-DK" sz="2000" spc="-1" strike="noStrike">
-              <a:latin typeface="Arial"/>
-            </a:endParaRPr>
-          </a:p>
-          <a:p>
-            <a:pPr marL="432000" indent="-324000">
-              <a:lnSpc>
-                <a:spcPct val="90000"/>
-              </a:lnSpc>
-              <a:spcBef>
-                <a:spcPts val="1417"/>
-              </a:spcBef>
-              <a:buClr>
-                <a:srgbClr val="000000"/>
-              </a:buClr>
-              <a:buSzPct val="45000"/>
-              <a:buFont typeface="Wingdings" charset="2"/>
-              <a:buChar char=""/>
-            </a:pPr>
-            <a:r>
-              <a:rPr b="0" lang="en-US" sz="2000" spc="-1" strike="noStrike">
-                <a:solidFill>
-                  <a:srgbClr val="000000"/>
-                </a:solidFill>
-                <a:latin typeface="AU Passata"/>
-                <a:ea typeface="DejaVu Sans"/>
-              </a:rPr>
-              <a:t>Smart X</a:t>
-            </a:r>
-            <a:endParaRPr b="0" lang="en-DK" sz="2000" spc="-1" strike="noStrike">
-              <a:latin typeface="Arial"/>
-            </a:endParaRPr>
-          </a:p>
-          <a:p>
-            <a:pPr>
-              <a:lnSpc>
-                <a:spcPct val="90000"/>
-              </a:lnSpc>
-              <a:spcBef>
-                <a:spcPts val="1417"/>
-              </a:spcBef>
-              <a:buNone/>
-            </a:pPr>
-            <a:endParaRPr b="0" lang="en-DK" sz="2000" spc="-1" strike="noStrike">
-              <a:latin typeface="Arial"/>
-            </a:endParaRPr>
-          </a:p>
-          <a:p>
-            <a:pPr marL="432000" indent="-324000">
-              <a:lnSpc>
-                <a:spcPct val="90000"/>
-              </a:lnSpc>
-              <a:spcBef>
-                <a:spcPts val="1417"/>
-              </a:spcBef>
-              <a:buClr>
-                <a:srgbClr val="000000"/>
-              </a:buClr>
-              <a:buSzPct val="45000"/>
-              <a:buFont typeface="Wingdings" charset="2"/>
-              <a:buChar char=""/>
-            </a:pPr>
-            <a:r>
-              <a:rPr b="0" lang="en-US" sz="2000" spc="-1" strike="noStrike">
-                <a:solidFill>
-                  <a:srgbClr val="000000"/>
-                </a:solidFill>
-                <a:latin typeface="AU Passata"/>
-                <a:ea typeface="DejaVu Sans"/>
-              </a:rPr>
-              <a:t>Calm Tech.</a:t>
-            </a:r>
-            <a:endParaRPr b="0" lang="en-DK" sz="2000" spc="-1" strike="noStrike">
-              <a:latin typeface="Arial"/>
-            </a:endParaRPr>
-          </a:p>
-          <a:p>
-            <a:pPr>
-              <a:lnSpc>
-                <a:spcPct val="90000"/>
-              </a:lnSpc>
-              <a:spcBef>
-                <a:spcPts val="1417"/>
-              </a:spcBef>
-              <a:buNone/>
-            </a:pPr>
-            <a:endParaRPr b="0" lang="en-DK" sz="2000" spc="-1" strike="noStrike">
-              <a:latin typeface="Arial"/>
-            </a:endParaRPr>
-          </a:p>
-          <a:p>
-            <a:pPr>
-              <a:lnSpc>
-                <a:spcPct val="90000"/>
-              </a:lnSpc>
-              <a:spcBef>
-                <a:spcPts val="1417"/>
-              </a:spcBef>
-              <a:buNone/>
-            </a:pPr>
-            <a:endParaRPr b="0" lang="en-DK" sz="2000" spc="-1" strike="noStrike">
-              <a:latin typeface="Arial"/>
-            </a:endParaRPr>
-          </a:p>
-          <a:p>
-            <a:pPr>
-              <a:lnSpc>
-                <a:spcPct val="90000"/>
-              </a:lnSpc>
-              <a:spcBef>
-                <a:spcPts val="1417"/>
-              </a:spcBef>
-              <a:buNone/>
-            </a:pPr>
-            <a:endParaRPr b="0" lang="en-DK" sz="2000" spc="-1" strike="noStrike">
-              <a:latin typeface="Arial"/>
-            </a:endParaRPr>
-          </a:p>
-          <a:p>
-            <a:pPr>
-              <a:lnSpc>
-                <a:spcPct val="90000"/>
-              </a:lnSpc>
-              <a:spcBef>
-                <a:spcPts val="1417"/>
-              </a:spcBef>
-              <a:buNone/>
-            </a:pPr>
-            <a:endParaRPr b="0" lang="en-DK" sz="2000" spc="-1" strike="noStrike">
-              <a:latin typeface="Arial"/>
-            </a:endParaRPr>
-          </a:p>
-          <a:p>
-            <a:pPr>
-              <a:lnSpc>
-                <a:spcPct val="90000"/>
-              </a:lnSpc>
-              <a:spcBef>
-                <a:spcPts val="1417"/>
-              </a:spcBef>
-              <a:buNone/>
-            </a:pPr>
-            <a:endParaRPr b="0" lang="en-DK" sz="2000" spc="-1" strike="noStrike">
-              <a:latin typeface="Arial"/>
-            </a:endParaRPr>
-          </a:p>
-        </p:txBody>
-      </p:sp>
-      <p:sp>
-        <p:nvSpPr>
-          <p:cNvPr id="429" name="AutoShape 6"/>
-          <p:cNvSpPr/>
-          <p:nvPr/>
-        </p:nvSpPr>
-        <p:spPr>
-          <a:xfrm>
-            <a:off x="5942160" y="3276720"/>
-            <a:ext cx="303480" cy="303480"/>
-          </a:xfrm>
-          <a:prstGeom prst="rect">
-            <a:avLst/>
-          </a:prstGeom>
-          <a:noFill/>
-          <a:ln w="0">
-            <a:noFill/>
-          </a:ln>
-        </p:spPr>
-        <p:style>
-          <a:lnRef idx="0"/>
-          <a:fillRef idx="0"/>
-          <a:effectRef idx="0"/>
-          <a:fontRef idx="minor"/>
-        </p:style>
-      </p:sp>
-      <p:pic>
-        <p:nvPicPr>
-          <p:cNvPr id="430" name="Picture 10" descr=""/>
-          <p:cNvPicPr/>
-          <p:nvPr/>
-        </p:nvPicPr>
-        <p:blipFill>
-          <a:blip r:embed="rId1"/>
-          <a:stretch/>
-        </p:blipFill>
-        <p:spPr>
-          <a:xfrm>
-            <a:off x="6876720" y="3606480"/>
-            <a:ext cx="4561560" cy="2504160"/>
-          </a:xfrm>
-          <a:prstGeom prst="rect">
-            <a:avLst/>
-          </a:prstGeom>
-          <a:ln w="0">
-            <a:noFill/>
-          </a:ln>
-        </p:spPr>
-      </p:pic>
-      <p:pic>
-        <p:nvPicPr>
-          <p:cNvPr id="431" name="Picture 12" descr=""/>
-          <p:cNvPicPr/>
-          <p:nvPr/>
-        </p:nvPicPr>
-        <p:blipFill>
-          <a:blip r:embed="rId2"/>
-          <a:stretch/>
-        </p:blipFill>
-        <p:spPr>
-          <a:xfrm>
-            <a:off x="2535840" y="3783600"/>
-            <a:ext cx="3838320" cy="2327040"/>
-          </a:xfrm>
-          <a:prstGeom prst="rect">
-            <a:avLst/>
-          </a:prstGeom>
-          <a:ln w="0">
-            <a:noFill/>
-          </a:ln>
-        </p:spPr>
-      </p:pic>
-      <p:pic>
-        <p:nvPicPr>
-          <p:cNvPr id="432" name="Picture 3" descr="Smart DEI Model @BULLET Autonomy: Where computers act independent of... |  Download Scientific Diagram"/>
-          <p:cNvPicPr/>
-          <p:nvPr/>
-        </p:nvPicPr>
-        <p:blipFill>
-          <a:blip r:embed="rId3"/>
-          <a:stretch/>
-        </p:blipFill>
-        <p:spPr>
-          <a:xfrm>
-            <a:off x="5901120" y="1099080"/>
-            <a:ext cx="3097800" cy="2319840"/>
-          </a:xfrm>
-          <a:prstGeom prst="rect">
-            <a:avLst/>
-          </a:prstGeom>
-          <a:ln w="0">
-            <a:noFill/>
-          </a:ln>
-        </p:spPr>
-      </p:pic>
-      <p:sp>
-        <p:nvSpPr>
-          <p:cNvPr id="433" name=""/>
-          <p:cNvSpPr txBox="1"/>
-          <p:nvPr/>
-        </p:nvSpPr>
-        <p:spPr>
-          <a:xfrm>
-            <a:off x="3780000" y="180000"/>
-            <a:ext cx="720000" cy="346320"/>
-          </a:xfrm>
-          <a:prstGeom prst="rect">
-            <a:avLst/>
-          </a:prstGeom>
-          <a:noFill/>
-          <a:ln w="0">
-            <a:noFill/>
-          </a:ln>
-        </p:spPr>
-        <p:txBody>
-          <a:bodyPr lIns="90000" rIns="90000" tIns="45000" bIns="45000" anchor="t">
-            <a:noAutofit/>
-          </a:bodyPr>
-          <a:p>
-            <a:r>
-              <a:rPr b="0" lang="en-DK" sz="1800" spc="-1" strike="noStrike">
-                <a:latin typeface="Arial"/>
-              </a:rPr>
-              <a:t>!</a:t>
-            </a:r>
-            <a:endParaRPr b="0" lang="en-DK" sz="1800" spc="-1" strike="noStrike">
+            <a:endParaRPr b="0" lang="en-DK" sz="6000" spc="-1" strike="noStrike">
               <a:latin typeface="Arial"/>
             </a:endParaRPr>
           </a:p>
@@ -21692,7 +21667,7 @@
         <p:spPr>
           <a:xfrm>
             <a:off x="316080" y="228600"/>
-            <a:ext cx="11554200" cy="670320"/>
+            <a:ext cx="11553840" cy="669960"/>
           </a:xfrm>
           <a:prstGeom prst="rect">
             <a:avLst/>
@@ -21742,7 +21717,7 @@
         <p:spPr>
           <a:xfrm>
             <a:off x="985680" y="1373040"/>
-            <a:ext cx="10218600" cy="4519440"/>
+            <a:ext cx="10218240" cy="4519080"/>
           </a:xfrm>
           <a:prstGeom prst="rect">
             <a:avLst/>
@@ -21858,7 +21833,7 @@
         <p:spPr>
           <a:xfrm>
             <a:off x="540000" y="3421080"/>
-            <a:ext cx="6496920" cy="2338560"/>
+            <a:ext cx="6496560" cy="2338200"/>
           </a:xfrm>
           <a:prstGeom prst="rect">
             <a:avLst/>
@@ -21870,7 +21845,7 @@
       </p:pic>
       <p:pic>
         <p:nvPicPr>
-          <p:cNvPr id="339" name="Billede 349" descr=""/>
+          <p:cNvPr id="339" name="" descr=""/>
           <p:cNvPicPr/>
           <p:nvPr/>
         </p:nvPicPr>
@@ -21880,8 +21855,8 @@
         </p:blipFill>
         <p:spPr>
           <a:xfrm>
-            <a:off x="7200000" y="609480"/>
-            <a:ext cx="4404960" cy="2449080"/>
+            <a:off x="7020000" y="360000"/>
+            <a:ext cx="3025080" cy="2700000"/>
           </a:xfrm>
           <a:prstGeom prst="rect">
             <a:avLst/>
@@ -21893,7 +21868,7 @@
       </p:pic>
       <p:pic>
         <p:nvPicPr>
-          <p:cNvPr id="340" name="Billede 350" descr=""/>
+          <p:cNvPr id="340" name="" descr=""/>
           <p:cNvPicPr/>
           <p:nvPr/>
         </p:nvPicPr>
@@ -21903,8 +21878,8 @@
         </p:blipFill>
         <p:spPr>
           <a:xfrm>
-            <a:off x="7200000" y="3240000"/>
-            <a:ext cx="4203360" cy="2871000"/>
+            <a:off x="7200000" y="3124800"/>
+            <a:ext cx="2484720" cy="2815200"/>
           </a:xfrm>
           <a:prstGeom prst="rect">
             <a:avLst/>
@@ -21946,7 +21921,7 @@
       </p:grpSpPr>
       <p:sp>
         <p:nvSpPr>
-          <p:cNvPr id="434" name="PlaceHolder 1"/>
+          <p:cNvPr id="430" name="PlaceHolder 1"/>
           <p:cNvSpPr>
             <a:spLocks noGrp="1"/>
           </p:cNvSpPr>
@@ -21957,7 +21932,7 @@
         <p:spPr>
           <a:xfrm>
             <a:off x="316080" y="149040"/>
-            <a:ext cx="11555280" cy="569880"/>
+            <a:ext cx="11554920" cy="569520"/>
           </a:xfrm>
           <a:prstGeom prst="rect">
             <a:avLst/>
@@ -21986,7 +21961,7 @@
                 <a:latin typeface="AU Passata"/>
                 <a:ea typeface="DejaVu Sans"/>
               </a:rPr>
-              <a:t>Methods</a:t>
+              <a:t>Background</a:t>
             </a:r>
             <a:endParaRPr b="0" lang="en-DK" sz="4800" spc="-1" strike="noStrike">
               <a:latin typeface="Arial"/>
@@ -21996,7 +21971,7 @@
       </p:sp>
       <p:sp>
         <p:nvSpPr>
-          <p:cNvPr id="435" name="PlaceHolder 2"/>
+          <p:cNvPr id="431" name="PlaceHolder 2"/>
           <p:cNvSpPr>
             <a:spLocks noGrp="1"/>
           </p:cNvSpPr>
@@ -22007,7 +21982,7 @@
         <p:spPr>
           <a:xfrm>
             <a:off x="330480" y="1867680"/>
-            <a:ext cx="5108400" cy="4242960"/>
+            <a:ext cx="5108040" cy="4242600"/>
           </a:xfrm>
           <a:prstGeom prst="rect">
             <a:avLst/>
@@ -22044,13 +22019,52 @@
                 <a:latin typeface="AU Passata"/>
                 <a:ea typeface="DejaVu Sans"/>
               </a:rPr>
-              <a:t>???</a:t>
+              <a:t>Weiser – XEROC PARC</a:t>
             </a:r>
             <a:endParaRPr b="0" lang="en-DK" sz="2000" spc="-1" strike="noStrike">
               <a:latin typeface="Arial"/>
             </a:endParaRPr>
           </a:p>
           <a:p>
+            <a:pPr marL="432000" indent="-324000">
+              <a:lnSpc>
+                <a:spcPct val="90000"/>
+              </a:lnSpc>
+              <a:spcBef>
+                <a:spcPts val="1417"/>
+              </a:spcBef>
+              <a:buClr>
+                <a:srgbClr val="000000"/>
+              </a:buClr>
+              <a:buSzPct val="45000"/>
+              <a:buFont typeface="Wingdings" charset="2"/>
+              <a:buChar char=""/>
+            </a:pPr>
+            <a:r>
+              <a:rPr b="0" lang="en-US" sz="2000" spc="-1" strike="noStrike">
+                <a:solidFill>
+                  <a:srgbClr val="000000"/>
+                </a:solidFill>
+                <a:latin typeface="AU Passata"/>
+                <a:ea typeface="DejaVu Sans"/>
+              </a:rPr>
+              <a:t>→ </a:t>
+            </a:r>
+            <a:r>
+              <a:rPr b="0" lang="en-US" sz="2000" spc="-1" strike="noStrike">
+                <a:solidFill>
+                  <a:srgbClr val="000000"/>
+                </a:solidFill>
+                <a:latin typeface="AU Passata"/>
+                <a:ea typeface="DejaVu Sans"/>
+              </a:rPr>
+              <a:t>Cloud, Crowd and Shroud </a:t>
+            </a:r>
+            <a:endParaRPr b="0" lang="en-DK" sz="2000" spc="-1" strike="noStrike">
+              <a:latin typeface="Arial"/>
+            </a:endParaRPr>
+          </a:p>
+          <a:p>
             <a:pPr>
               <a:lnSpc>
                 <a:spcPct val="90000"/>
@@ -22122,32 +22136,52 @@
           </a:p>
         </p:txBody>
       </p:sp>
-      <p:sp>
-        <p:nvSpPr>
-          <p:cNvPr id="436" name="AutoShape 1"/>
-          <p:cNvSpPr/>
+      <p:pic>
+        <p:nvPicPr>
+          <p:cNvPr id="432" name="Picture 2" descr=""/>
+          <p:cNvPicPr/>
           <p:nvPr/>
-        </p:nvSpPr>
-        <p:spPr>
-          <a:xfrm>
-            <a:off x="5942160" y="3276720"/>
-            <a:ext cx="303480" cy="303480"/>
-          </a:xfrm>
-          <a:prstGeom prst="rect">
-            <a:avLst/>
-          </a:prstGeom>
-          <a:noFill/>
-          <a:ln w="0">
-            <a:noFill/>
-          </a:ln>
-        </p:spPr>
-        <p:style>
-          <a:lnRef idx="0"/>
-          <a:fillRef idx="0"/>
-          <a:effectRef idx="0"/>
-          <a:fontRef idx="minor"/>
-        </p:style>
-      </p:sp>
+        </p:nvPicPr>
+        <p:blipFill>
+          <a:blip r:embed="rId1"/>
+          <a:stretch/>
+        </p:blipFill>
+        <p:spPr>
+          <a:xfrm>
+            <a:off x="330480" y="2968920"/>
+            <a:ext cx="7857360" cy="2970360"/>
+          </a:xfrm>
+          <a:prstGeom prst="rect">
+            <a:avLst/>
+          </a:prstGeom>
+          <a:ln w="0">
+            <a:noFill/>
+          </a:ln>
+        </p:spPr>
+      </p:pic>
+      <p:pic>
+        <p:nvPicPr>
+          <p:cNvPr id="433" name="" descr=""/>
+          <p:cNvPicPr/>
+          <p:nvPr/>
+        </p:nvPicPr>
+        <p:blipFill>
+          <a:blip r:embed="rId2"/>
+          <a:stretch/>
+        </p:blipFill>
+        <p:spPr>
+          <a:xfrm>
+            <a:off x="7380000" y="1080000"/>
+            <a:ext cx="3198960" cy="1980000"/>
+          </a:xfrm>
+          <a:prstGeom prst="rect">
+            <a:avLst/>
+          </a:prstGeom>
+          <a:ln w="0">
+            <a:noFill/>
+          </a:ln>
+        </p:spPr>
+      </p:pic>
     </p:spTree>
   </p:cSld>
   <mc:AlternateContent>
@@ -22180,7 +22214,7 @@
       </p:grpSpPr>
       <p:sp>
         <p:nvSpPr>
-          <p:cNvPr id="437" name="PlaceHolder 1"/>
+          <p:cNvPr id="434" name="PlaceHolder 1"/>
           <p:cNvSpPr>
             <a:spLocks noGrp="1"/>
           </p:cNvSpPr>
@@ -22190,19 +22224,19 @@
         </p:nvSpPr>
         <p:spPr>
           <a:xfrm>
-            <a:off x="393120" y="129600"/>
-            <a:ext cx="10968120" cy="625320"/>
-          </a:xfrm>
-          <a:prstGeom prst="rect">
-            <a:avLst/>
-          </a:prstGeom>
-          <a:noFill/>
-          <a:ln w="0">
-            <a:noFill/>
-          </a:ln>
-        </p:spPr>
-        <p:txBody>
-          <a:bodyPr numCol="1" spcCol="0" lIns="0" rIns="0" tIns="0" bIns="0" anchor="ctr">
+            <a:off x="316080" y="149040"/>
+            <a:ext cx="11554920" cy="569520"/>
+          </a:xfrm>
+          <a:prstGeom prst="rect">
+            <a:avLst/>
+          </a:prstGeom>
+          <a:noFill/>
+          <a:ln w="9360">
+            <a:noFill/>
+          </a:ln>
+        </p:spPr>
+        <p:txBody>
+          <a:bodyPr numCol="1" spcCol="0" lIns="0" rIns="0" tIns="0" bIns="0" anchor="b">
             <a:noAutofit/>
           </a:bodyPr>
           <a:p>
@@ -22213,16 +22247,297 @@
               <a:buNone/>
             </a:pPr>
             <a:r>
-              <a:rPr b="0" lang="en-GB" sz="4400" spc="-1" strike="noStrike">
+              <a:rPr b="0" lang="en-US" sz="4800" spc="-1" strike="noStrike">
                 <a:solidFill>
                   <a:srgbClr val="000000"/>
                 </a:solidFill>
-                <a:latin typeface="Arial"/>
+                <a:latin typeface="AU Passata"/>
                 <a:ea typeface="DejaVu Sans"/>
               </a:rPr>
-              <a:t>Enabling Technologies</a:t>
+              <a:t>Properties</a:t>
             </a:r>
-            <a:endParaRPr b="0" lang="en-DK" sz="4400" spc="-1" strike="noStrike">
+            <a:endParaRPr b="0" lang="en-DK" sz="4800" spc="-1" strike="noStrike">
+              <a:latin typeface="Arial"/>
+            </a:endParaRPr>
+          </a:p>
+        </p:txBody>
+      </p:sp>
+      <p:sp>
+        <p:nvSpPr>
+          <p:cNvPr id="435" name="PlaceHolder 2"/>
+          <p:cNvSpPr>
+            <a:spLocks noGrp="1"/>
+          </p:cNvSpPr>
+          <p:nvPr>
+            <p:ph/>
+          </p:nvPr>
+        </p:nvSpPr>
+        <p:spPr>
+          <a:xfrm>
+            <a:off x="330480" y="1867680"/>
+            <a:ext cx="5108040" cy="4242600"/>
+          </a:xfrm>
+          <a:prstGeom prst="rect">
+            <a:avLst/>
+          </a:prstGeom>
+          <a:noFill/>
+          <a:ln w="9360">
+            <a:noFill/>
+          </a:ln>
+        </p:spPr>
+        <p:txBody>
+          <a:bodyPr numCol="1" spcCol="0" lIns="0" rIns="0" tIns="0" bIns="0" anchor="t">
+            <a:noAutofit/>
+          </a:bodyPr>
+          <a:p>
+            <a:pPr marL="432000" indent="-324000">
+              <a:lnSpc>
+                <a:spcPct val="90000"/>
+              </a:lnSpc>
+              <a:spcBef>
+                <a:spcPts val="1417"/>
+              </a:spcBef>
+              <a:buClr>
+                <a:srgbClr val="000000"/>
+              </a:buClr>
+              <a:buSzPct val="45000"/>
+              <a:buFont typeface="Wingdings" charset="2"/>
+              <a:buChar char=""/>
+            </a:pPr>
+            <a:r>
+              <a:rPr b="0" lang="en-US" sz="2000" spc="-1" strike="noStrike">
+                <a:solidFill>
+                  <a:srgbClr val="000000"/>
+                </a:solidFill>
+                <a:latin typeface="AU Passata"/>
+                <a:ea typeface="DejaVu Sans"/>
+              </a:rPr>
+              <a:t>Ubiquitous</a:t>
+            </a:r>
+            <a:endParaRPr b="0" lang="en-DK" sz="2000" spc="-1" strike="noStrike">
+              <a:latin typeface="Arial"/>
+            </a:endParaRPr>
+          </a:p>
+          <a:p>
+            <a:pPr>
+              <a:lnSpc>
+                <a:spcPct val="90000"/>
+              </a:lnSpc>
+              <a:spcBef>
+                <a:spcPts val="1417"/>
+              </a:spcBef>
+              <a:buNone/>
+            </a:pPr>
+            <a:endParaRPr b="0" lang="en-DK" sz="2000" spc="-1" strike="noStrike">
+              <a:latin typeface="Arial"/>
+            </a:endParaRPr>
+          </a:p>
+          <a:p>
+            <a:pPr marL="432000" indent="-324000">
+              <a:lnSpc>
+                <a:spcPct val="90000"/>
+              </a:lnSpc>
+              <a:spcBef>
+                <a:spcPts val="1417"/>
+              </a:spcBef>
+              <a:buClr>
+                <a:srgbClr val="000000"/>
+              </a:buClr>
+              <a:buSzPct val="45000"/>
+              <a:buFont typeface="Wingdings" charset="2"/>
+              <a:buChar char=""/>
+            </a:pPr>
+            <a:r>
+              <a:rPr b="0" lang="en-US" sz="2000" spc="-1" strike="noStrike">
+                <a:solidFill>
+                  <a:srgbClr val="000000"/>
+                </a:solidFill>
+                <a:latin typeface="AU Passata"/>
+                <a:ea typeface="DejaVu Sans"/>
+              </a:rPr>
+              <a:t>Transparent</a:t>
+            </a:r>
+            <a:endParaRPr b="0" lang="en-DK" sz="2000" spc="-1" strike="noStrike">
+              <a:latin typeface="Arial"/>
+            </a:endParaRPr>
+          </a:p>
+          <a:p>
+            <a:pPr>
+              <a:lnSpc>
+                <a:spcPct val="90000"/>
+              </a:lnSpc>
+              <a:spcBef>
+                <a:spcPts val="1417"/>
+              </a:spcBef>
+              <a:buNone/>
+            </a:pPr>
+            <a:endParaRPr b="0" lang="en-DK" sz="2000" spc="-1" strike="noStrike">
+              <a:latin typeface="Arial"/>
+            </a:endParaRPr>
+          </a:p>
+          <a:p>
+            <a:pPr marL="432000" indent="-324000">
+              <a:lnSpc>
+                <a:spcPct val="90000"/>
+              </a:lnSpc>
+              <a:spcBef>
+                <a:spcPts val="1417"/>
+              </a:spcBef>
+              <a:buClr>
+                <a:srgbClr val="000000"/>
+              </a:buClr>
+              <a:buSzPct val="45000"/>
+              <a:buFont typeface="Wingdings" charset="2"/>
+              <a:buChar char=""/>
+            </a:pPr>
+            <a:r>
+              <a:rPr b="0" lang="en-US" sz="2000" spc="-1" strike="noStrike">
+                <a:solidFill>
+                  <a:srgbClr val="000000"/>
+                </a:solidFill>
+                <a:latin typeface="AU Passata"/>
+                <a:ea typeface="DejaVu Sans"/>
+              </a:rPr>
+              <a:t>Openness</a:t>
+            </a:r>
+            <a:endParaRPr b="0" lang="en-DK" sz="2000" spc="-1" strike="noStrike">
+              <a:latin typeface="Arial"/>
+            </a:endParaRPr>
+          </a:p>
+          <a:p>
+            <a:pPr marL="432000" indent="-324000">
+              <a:lnSpc>
+                <a:spcPct val="90000"/>
+              </a:lnSpc>
+              <a:spcBef>
+                <a:spcPts val="1417"/>
+              </a:spcBef>
+              <a:buClr>
+                <a:srgbClr val="000000"/>
+              </a:buClr>
+              <a:buSzPct val="45000"/>
+              <a:buFont typeface="Wingdings" charset="2"/>
+              <a:buChar char=""/>
+            </a:pPr>
+            <a:endParaRPr b="0" lang="en-DK" sz="2000" spc="-1" strike="noStrike">
+              <a:latin typeface="Arial"/>
+            </a:endParaRPr>
+          </a:p>
+          <a:p>
+            <a:pPr marL="432000" indent="-324000">
+              <a:lnSpc>
+                <a:spcPct val="90000"/>
+              </a:lnSpc>
+              <a:spcBef>
+                <a:spcPts val="1417"/>
+              </a:spcBef>
+              <a:buClr>
+                <a:srgbClr val="000000"/>
+              </a:buClr>
+              <a:buSzPct val="45000"/>
+              <a:buFont typeface="Wingdings" charset="2"/>
+              <a:buChar char=""/>
+            </a:pPr>
+            <a:r>
+              <a:rPr b="0" lang="en-US" sz="2000" spc="-1" strike="noStrike">
+                <a:solidFill>
+                  <a:srgbClr val="000000"/>
+                </a:solidFill>
+                <a:latin typeface="AU Passata"/>
+                <a:ea typeface="DejaVu Sans"/>
+              </a:rPr>
+              <a:t>Autonomous</a:t>
+            </a:r>
+            <a:endParaRPr b="0" lang="en-DK" sz="2000" spc="-1" strike="noStrike">
+              <a:latin typeface="Arial"/>
+            </a:endParaRPr>
+          </a:p>
+          <a:p>
+            <a:pPr marL="432000" indent="-324000">
+              <a:lnSpc>
+                <a:spcPct val="90000"/>
+              </a:lnSpc>
+              <a:spcBef>
+                <a:spcPts val="1417"/>
+              </a:spcBef>
+              <a:buClr>
+                <a:srgbClr val="000000"/>
+              </a:buClr>
+              <a:buSzPct val="45000"/>
+              <a:buFont typeface="Wingdings" charset="2"/>
+              <a:buChar char=""/>
+            </a:pPr>
+            <a:endParaRPr b="0" lang="en-DK" sz="2000" spc="-1" strike="noStrike">
+              <a:latin typeface="Arial"/>
+            </a:endParaRPr>
+          </a:p>
+          <a:p>
+            <a:pPr>
+              <a:lnSpc>
+                <a:spcPct val="90000"/>
+              </a:lnSpc>
+              <a:spcBef>
+                <a:spcPts val="1417"/>
+              </a:spcBef>
+              <a:buNone/>
+            </a:pPr>
+            <a:endParaRPr b="0" lang="en-DK" sz="2000" spc="-1" strike="noStrike">
+              <a:latin typeface="Arial"/>
+            </a:endParaRPr>
+          </a:p>
+          <a:p>
+            <a:pPr>
+              <a:lnSpc>
+                <a:spcPct val="90000"/>
+              </a:lnSpc>
+              <a:spcBef>
+                <a:spcPts val="1417"/>
+              </a:spcBef>
+              <a:buNone/>
+            </a:pPr>
+            <a:endParaRPr b="0" lang="en-DK" sz="2000" spc="-1" strike="noStrike">
+              <a:latin typeface="Arial"/>
+            </a:endParaRPr>
+          </a:p>
+          <a:p>
+            <a:pPr>
+              <a:lnSpc>
+                <a:spcPct val="90000"/>
+              </a:lnSpc>
+              <a:spcBef>
+                <a:spcPts val="1417"/>
+              </a:spcBef>
+              <a:buNone/>
+            </a:pPr>
+            <a:endParaRPr b="0" lang="en-DK" sz="2000" spc="-1" strike="noStrike">
+              <a:latin typeface="Arial"/>
+            </a:endParaRPr>
+          </a:p>
+          <a:p>
+            <a:pPr>
+              <a:lnSpc>
+                <a:spcPct val="90000"/>
+              </a:lnSpc>
+              <a:spcBef>
+                <a:spcPts val="1417"/>
+              </a:spcBef>
+              <a:buNone/>
+            </a:pPr>
+            <a:endParaRPr b="0" lang="en-DK" sz="2000" spc="-1" strike="noStrike">
+              <a:latin typeface="Arial"/>
+            </a:endParaRPr>
+          </a:p>
+          <a:p>
+            <a:pPr>
+              <a:lnSpc>
+                <a:spcPct val="90000"/>
+              </a:lnSpc>
+              <a:spcBef>
+                <a:spcPts val="1417"/>
+              </a:spcBef>
+              <a:buNone/>
+            </a:pPr>
+            <a:endParaRPr b="0" lang="en-DK" sz="2000" spc="-1" strike="noStrike">
               <a:latin typeface="Arial"/>
             </a:endParaRPr>
           </a:p>
@@ -22230,7 +22545,7 @@
       </p:sp>
       <p:pic>
         <p:nvPicPr>
-          <p:cNvPr id="438" name="" descr=""/>
+          <p:cNvPr id="436" name="Picture 1" descr="Smart DEI Model @BULLET Autonomy: Where computers act independent of... |  Download Scientific Diagram"/>
           <p:cNvPicPr/>
           <p:nvPr/>
         </p:nvPicPr>
@@ -22240,8 +22555,8 @@
         </p:blipFill>
         <p:spPr>
           <a:xfrm>
-            <a:off x="1018080" y="1762920"/>
-            <a:ext cx="2760840" cy="1656000"/>
+            <a:off x="5580000" y="1620000"/>
+            <a:ext cx="4779720" cy="3579480"/>
           </a:xfrm>
           <a:prstGeom prst="rect">
             <a:avLst/>
@@ -22251,213 +22566,6 @@
           </a:ln>
         </p:spPr>
       </p:pic>
-      <p:pic>
-        <p:nvPicPr>
-          <p:cNvPr id="439" name="" descr=""/>
-          <p:cNvPicPr/>
-          <p:nvPr/>
-        </p:nvPicPr>
-        <p:blipFill>
-          <a:blip r:embed="rId2"/>
-          <a:stretch/>
-        </p:blipFill>
-        <p:spPr>
-          <a:xfrm>
-            <a:off x="4140000" y="1905840"/>
-            <a:ext cx="3027600" cy="1513080"/>
-          </a:xfrm>
-          <a:prstGeom prst="rect">
-            <a:avLst/>
-          </a:prstGeom>
-          <a:ln w="0">
-            <a:noFill/>
-          </a:ln>
-        </p:spPr>
-      </p:pic>
-      <p:pic>
-        <p:nvPicPr>
-          <p:cNvPr id="440" name="" descr=""/>
-          <p:cNvPicPr/>
-          <p:nvPr/>
-        </p:nvPicPr>
-        <p:blipFill>
-          <a:blip r:embed="rId3"/>
-          <a:stretch/>
-        </p:blipFill>
-        <p:spPr>
-          <a:xfrm>
-            <a:off x="900000" y="3960000"/>
-            <a:ext cx="3151440" cy="1446480"/>
-          </a:xfrm>
-          <a:prstGeom prst="rect">
-            <a:avLst/>
-          </a:prstGeom>
-          <a:ln w="0">
-            <a:noFill/>
-          </a:ln>
-        </p:spPr>
-      </p:pic>
-      <p:pic>
-        <p:nvPicPr>
-          <p:cNvPr id="441" name="" descr=""/>
-          <p:cNvPicPr/>
-          <p:nvPr/>
-        </p:nvPicPr>
-        <p:blipFill>
-          <a:blip r:embed="rId4"/>
-          <a:stretch/>
-        </p:blipFill>
-        <p:spPr>
-          <a:xfrm>
-            <a:off x="4500000" y="3780000"/>
-            <a:ext cx="2541600" cy="1798920"/>
-          </a:xfrm>
-          <a:prstGeom prst="rect">
-            <a:avLst/>
-          </a:prstGeom>
-          <a:ln w="0">
-            <a:noFill/>
-          </a:ln>
-        </p:spPr>
-      </p:pic>
-      <p:sp>
-        <p:nvSpPr>
-          <p:cNvPr id="442" name=""/>
-          <p:cNvSpPr/>
-          <p:nvPr/>
-        </p:nvSpPr>
-        <p:spPr>
-          <a:xfrm>
-            <a:off x="900000" y="1620000"/>
-            <a:ext cx="3058920" cy="1978920"/>
-          </a:xfrm>
-          <a:prstGeom prst="ellipse">
-            <a:avLst/>
-          </a:prstGeom>
-          <a:noFill/>
-          <a:ln w="0">
-            <a:solidFill>
-              <a:srgbClr val="3465a4"/>
-            </a:solidFill>
-          </a:ln>
-        </p:spPr>
-        <p:style>
-          <a:lnRef idx="0"/>
-          <a:fillRef idx="0"/>
-          <a:effectRef idx="0"/>
-          <a:fontRef idx="minor"/>
-        </p:style>
-      </p:sp>
-      <p:sp>
-        <p:nvSpPr>
-          <p:cNvPr id="443" name=""/>
-          <p:cNvSpPr/>
-          <p:nvPr/>
-        </p:nvSpPr>
-        <p:spPr>
-          <a:xfrm>
-            <a:off x="6480000" y="3672000"/>
-            <a:ext cx="600840" cy="1006920"/>
-          </a:xfrm>
-          <a:prstGeom prst="ellipse">
-            <a:avLst/>
-          </a:prstGeom>
-          <a:noFill/>
-          <a:ln w="0">
-            <a:solidFill>
-              <a:srgbClr val="3465a4"/>
-            </a:solidFill>
-          </a:ln>
-        </p:spPr>
-        <p:style>
-          <a:lnRef idx="0"/>
-          <a:fillRef idx="0"/>
-          <a:effectRef idx="0"/>
-          <a:fontRef idx="minor"/>
-        </p:style>
-      </p:sp>
-      <p:pic>
-        <p:nvPicPr>
-          <p:cNvPr id="444" name="" descr=""/>
-          <p:cNvPicPr/>
-          <p:nvPr/>
-        </p:nvPicPr>
-        <p:blipFill>
-          <a:blip r:embed="rId5"/>
-          <a:stretch/>
-        </p:blipFill>
-        <p:spPr>
-          <a:xfrm>
-            <a:off x="7200000" y="1914480"/>
-            <a:ext cx="2703600" cy="1684440"/>
-          </a:xfrm>
-          <a:prstGeom prst="rect">
-            <a:avLst/>
-          </a:prstGeom>
-          <a:ln w="0">
-            <a:noFill/>
-          </a:ln>
-        </p:spPr>
-      </p:pic>
-      <p:pic>
-        <p:nvPicPr>
-          <p:cNvPr id="445" name="" descr=""/>
-          <p:cNvPicPr/>
-          <p:nvPr/>
-        </p:nvPicPr>
-        <p:blipFill>
-          <a:blip r:embed="rId6"/>
-          <a:stretch/>
-        </p:blipFill>
-        <p:spPr>
-          <a:xfrm>
-            <a:off x="7380000" y="3960000"/>
-            <a:ext cx="1585080" cy="400680"/>
-          </a:xfrm>
-          <a:prstGeom prst="rect">
-            <a:avLst/>
-          </a:prstGeom>
-          <a:ln w="0">
-            <a:noFill/>
-          </a:ln>
-        </p:spPr>
-      </p:pic>
-      <p:sp>
-        <p:nvSpPr>
-          <p:cNvPr id="446" name=""/>
-          <p:cNvSpPr txBox="1"/>
-          <p:nvPr/>
-        </p:nvSpPr>
-        <p:spPr>
-          <a:xfrm>
-            <a:off x="6660000" y="129600"/>
-            <a:ext cx="720000" cy="346320"/>
-          </a:xfrm>
-          <a:prstGeom prst="rect">
-            <a:avLst/>
-          </a:prstGeom>
-          <a:noFill/>
-          <a:ln w="0">
-            <a:noFill/>
-          </a:ln>
-        </p:spPr>
-        <p:txBody>
-          <a:bodyPr lIns="90000" rIns="90000" tIns="45000" bIns="45000" anchor="t">
-            <a:noAutofit/>
-          </a:bodyPr>
-          <a:p>
-            <a:r>
-              <a:rPr b="0" lang="en-DK" sz="1800" spc="-1" strike="noStrike">
-                <a:latin typeface="Arial"/>
-              </a:rPr>
-              <a:t>!</a:t>
-            </a:r>
-            <a:endParaRPr b="0" lang="en-DK" sz="1800" spc="-1" strike="noStrike">
-              <a:latin typeface="Arial"/>
-            </a:endParaRPr>
-          </a:p>
-        </p:txBody>
-      </p:sp>
     </p:spTree>
   </p:cSld>
   <mc:AlternateContent>
@@ -22474,13 +22582,6 @@
 <file path=ppt/slides/slide32.xml><?xml version="1.0" encoding="utf-8"?>
 <p:sld xmlns:a="http://schemas.openxmlformats.org/drawingml/2006/main" xmlns:p="http://schemas.openxmlformats.org/presentationml/2006/main" xmlns:r="http://schemas.openxmlformats.org/officeDocument/2006/relationships" xmlns:p14="http://schemas.microsoft.com/office/powerpoint/2010/main" xmlns:p15="http://schemas.microsoft.com/office/powerpoint/2012/main" xmlns:mc="http://schemas.openxmlformats.org/markup-compatibility/2006">
   <p:cSld>
-    <p:bg>
-      <p:bgPr>
-        <a:solidFill>
-          <a:srgbClr val="002546"/>
-        </a:solidFill>
-      </p:bgPr>
-    </p:bg>
     <p:spTree>
       <p:nvGrpSpPr>
         <p:cNvPr id="1" name=""/>
@@ -22497,7 +22598,7 @@
       </p:grpSpPr>
       <p:sp>
         <p:nvSpPr>
-          <p:cNvPr id="447" name="PlaceHolder 1"/>
+          <p:cNvPr id="437" name="PlaceHolder 1"/>
           <p:cNvSpPr>
             <a:spLocks noGrp="1"/>
           </p:cNvSpPr>
@@ -22507,8 +22608,8 @@
         </p:nvSpPr>
         <p:spPr>
           <a:xfrm>
-            <a:off x="985680" y="2898000"/>
-            <a:ext cx="10218600" cy="829080"/>
+            <a:off x="325080" y="150480"/>
+            <a:ext cx="11554920" cy="569520"/>
           </a:xfrm>
           <a:prstGeom prst="rect">
             <a:avLst/>
@@ -22519,7 +22620,7 @@
           </a:ln>
         </p:spPr>
         <p:txBody>
-          <a:bodyPr numCol="1" spcCol="0" lIns="0" rIns="0" tIns="0" bIns="0" anchor="ctr">
+          <a:bodyPr numCol="1" spcCol="0" lIns="0" rIns="0" tIns="0" bIns="0" anchor="b">
             <a:noAutofit/>
           </a:bodyPr>
           <a:p>
@@ -22530,21 +22631,421 @@
               <a:buNone/>
             </a:pPr>
             <a:r>
-              <a:rPr b="1" lang="en-US" sz="6000" spc="-1" strike="noStrike" cap="all">
+              <a:rPr b="0" lang="en-US" sz="4800" spc="-1" strike="noStrike">
                 <a:solidFill>
-                  <a:srgbClr val="ffffff"/>
+                  <a:srgbClr val="000000"/>
                 </a:solidFill>
-                <a:latin typeface="AU Passata Light"/>
+                <a:latin typeface="AU Passata"/>
                 <a:ea typeface="DejaVu Sans"/>
               </a:rPr>
-              <a:t>6. Context awareness using smart X (towards intelligent environments)</a:t>
+              <a:t>Concepts/Methods</a:t>
             </a:r>
-            <a:endParaRPr b="0" lang="en-DK" sz="6000" spc="-1" strike="noStrike">
-              <a:latin typeface="Arial"/>
-            </a:endParaRPr>
-          </a:p>
-        </p:txBody>
-      </p:sp>
+            <a:endParaRPr b="0" lang="en-DK" sz="4800" spc="-1" strike="noStrike">
+              <a:latin typeface="Arial"/>
+            </a:endParaRPr>
+          </a:p>
+        </p:txBody>
+      </p:sp>
+      <p:sp>
+        <p:nvSpPr>
+          <p:cNvPr id="438" name="PlaceHolder 2"/>
+          <p:cNvSpPr>
+            <a:spLocks noGrp="1"/>
+          </p:cNvSpPr>
+          <p:nvPr>
+            <p:ph/>
+          </p:nvPr>
+        </p:nvSpPr>
+        <p:spPr>
+          <a:xfrm>
+            <a:off x="330480" y="1867680"/>
+            <a:ext cx="5108040" cy="4242600"/>
+          </a:xfrm>
+          <a:prstGeom prst="rect">
+            <a:avLst/>
+          </a:prstGeom>
+          <a:noFill/>
+          <a:ln w="9360">
+            <a:noFill/>
+          </a:ln>
+        </p:spPr>
+        <p:txBody>
+          <a:bodyPr numCol="1" spcCol="0" lIns="0" rIns="0" tIns="0" bIns="0" anchor="t">
+            <a:noAutofit/>
+          </a:bodyPr>
+          <a:p>
+            <a:pPr marL="432000" indent="-324000">
+              <a:lnSpc>
+                <a:spcPct val="90000"/>
+              </a:lnSpc>
+              <a:spcBef>
+                <a:spcPts val="1417"/>
+              </a:spcBef>
+              <a:buClr>
+                <a:srgbClr val="000000"/>
+              </a:buClr>
+              <a:buSzPct val="45000"/>
+              <a:buFont typeface="Wingdings" charset="2"/>
+              <a:buChar char=""/>
+            </a:pPr>
+            <a:r>
+              <a:rPr b="0" lang="en-US" sz="2000" spc="-1" strike="noStrike">
+                <a:solidFill>
+                  <a:srgbClr val="000000"/>
+                </a:solidFill>
+                <a:latin typeface="AU Passata"/>
+                <a:ea typeface="DejaVu Sans"/>
+              </a:rPr>
+              <a:t>Awareness</a:t>
+            </a:r>
+            <a:endParaRPr b="0" lang="en-DK" sz="2000" spc="-1" strike="noStrike">
+              <a:latin typeface="Arial"/>
+            </a:endParaRPr>
+          </a:p>
+          <a:p>
+            <a:pPr>
+              <a:lnSpc>
+                <a:spcPct val="90000"/>
+              </a:lnSpc>
+              <a:spcBef>
+                <a:spcPts val="1417"/>
+              </a:spcBef>
+              <a:buNone/>
+            </a:pPr>
+            <a:endParaRPr b="0" lang="en-DK" sz="2000" spc="-1" strike="noStrike">
+              <a:latin typeface="Arial"/>
+            </a:endParaRPr>
+          </a:p>
+          <a:p>
+            <a:pPr marL="432000" indent="-324000">
+              <a:lnSpc>
+                <a:spcPct val="90000"/>
+              </a:lnSpc>
+              <a:spcBef>
+                <a:spcPts val="1417"/>
+              </a:spcBef>
+              <a:buClr>
+                <a:srgbClr val="000000"/>
+              </a:buClr>
+              <a:buSzPct val="45000"/>
+              <a:buFont typeface="Wingdings" charset="2"/>
+              <a:buChar char=""/>
+            </a:pPr>
+            <a:r>
+              <a:rPr b="0" lang="en-US" sz="2000" spc="-1" strike="noStrike">
+                <a:solidFill>
+                  <a:srgbClr val="000000"/>
+                </a:solidFill>
+                <a:latin typeface="AU Passata"/>
+                <a:ea typeface="DejaVu Sans"/>
+              </a:rPr>
+              <a:t>Interaction</a:t>
+            </a:r>
+            <a:endParaRPr b="0" lang="en-DK" sz="2000" spc="-1" strike="noStrike">
+              <a:latin typeface="Arial"/>
+            </a:endParaRPr>
+          </a:p>
+          <a:p>
+            <a:pPr>
+              <a:lnSpc>
+                <a:spcPct val="90000"/>
+              </a:lnSpc>
+              <a:spcBef>
+                <a:spcPts val="1417"/>
+              </a:spcBef>
+              <a:buNone/>
+            </a:pPr>
+            <a:endParaRPr b="0" lang="en-DK" sz="2000" spc="-1" strike="noStrike">
+              <a:latin typeface="Arial"/>
+            </a:endParaRPr>
+          </a:p>
+          <a:p>
+            <a:pPr marL="432000" indent="-324000">
+              <a:lnSpc>
+                <a:spcPct val="90000"/>
+              </a:lnSpc>
+              <a:spcBef>
+                <a:spcPts val="1417"/>
+              </a:spcBef>
+              <a:buClr>
+                <a:srgbClr val="000000"/>
+              </a:buClr>
+              <a:buSzPct val="45000"/>
+              <a:buFont typeface="Wingdings" charset="2"/>
+              <a:buChar char=""/>
+            </a:pPr>
+            <a:r>
+              <a:rPr b="0" lang="en-US" sz="2000" spc="-1" strike="noStrike">
+                <a:solidFill>
+                  <a:srgbClr val="000000"/>
+                </a:solidFill>
+                <a:latin typeface="AU Passata"/>
+                <a:ea typeface="DejaVu Sans"/>
+              </a:rPr>
+              <a:t>Smart X</a:t>
+            </a:r>
+            <a:endParaRPr b="0" lang="en-DK" sz="2000" spc="-1" strike="noStrike">
+              <a:latin typeface="Arial"/>
+            </a:endParaRPr>
+          </a:p>
+          <a:p>
+            <a:pPr>
+              <a:lnSpc>
+                <a:spcPct val="90000"/>
+              </a:lnSpc>
+              <a:spcBef>
+                <a:spcPts val="1417"/>
+              </a:spcBef>
+              <a:buNone/>
+            </a:pPr>
+            <a:endParaRPr b="0" lang="en-DK" sz="2000" spc="-1" strike="noStrike">
+              <a:latin typeface="Arial"/>
+            </a:endParaRPr>
+          </a:p>
+          <a:p>
+            <a:pPr marL="432000" indent="-324000">
+              <a:lnSpc>
+                <a:spcPct val="90000"/>
+              </a:lnSpc>
+              <a:spcBef>
+                <a:spcPts val="1417"/>
+              </a:spcBef>
+              <a:buClr>
+                <a:srgbClr val="000000"/>
+              </a:buClr>
+              <a:buSzPct val="45000"/>
+              <a:buFont typeface="Wingdings" charset="2"/>
+              <a:buChar char=""/>
+            </a:pPr>
+            <a:r>
+              <a:rPr b="0" lang="en-US" sz="2000" spc="-1" strike="noStrike">
+                <a:solidFill>
+                  <a:srgbClr val="000000"/>
+                </a:solidFill>
+                <a:latin typeface="AU Passata"/>
+                <a:ea typeface="DejaVu Sans"/>
+              </a:rPr>
+              <a:t>Calm Tech.</a:t>
+            </a:r>
+            <a:endParaRPr b="0" lang="en-DK" sz="2000" spc="-1" strike="noStrike">
+              <a:latin typeface="Arial"/>
+            </a:endParaRPr>
+          </a:p>
+          <a:p>
+            <a:pPr>
+              <a:lnSpc>
+                <a:spcPct val="90000"/>
+              </a:lnSpc>
+              <a:spcBef>
+                <a:spcPts val="1417"/>
+              </a:spcBef>
+              <a:buNone/>
+            </a:pPr>
+            <a:endParaRPr b="0" lang="en-DK" sz="2000" spc="-1" strike="noStrike">
+              <a:latin typeface="Arial"/>
+            </a:endParaRPr>
+          </a:p>
+          <a:p>
+            <a:pPr>
+              <a:lnSpc>
+                <a:spcPct val="90000"/>
+              </a:lnSpc>
+              <a:spcBef>
+                <a:spcPts val="1417"/>
+              </a:spcBef>
+              <a:buNone/>
+            </a:pPr>
+            <a:endParaRPr b="0" lang="en-DK" sz="2000" spc="-1" strike="noStrike">
+              <a:latin typeface="Arial"/>
+            </a:endParaRPr>
+          </a:p>
+          <a:p>
+            <a:pPr>
+              <a:lnSpc>
+                <a:spcPct val="90000"/>
+              </a:lnSpc>
+              <a:spcBef>
+                <a:spcPts val="1417"/>
+              </a:spcBef>
+              <a:buNone/>
+            </a:pPr>
+            <a:endParaRPr b="0" lang="en-DK" sz="2000" spc="-1" strike="noStrike">
+              <a:latin typeface="Arial"/>
+            </a:endParaRPr>
+          </a:p>
+          <a:p>
+            <a:pPr>
+              <a:lnSpc>
+                <a:spcPct val="90000"/>
+              </a:lnSpc>
+              <a:spcBef>
+                <a:spcPts val="1417"/>
+              </a:spcBef>
+              <a:buNone/>
+            </a:pPr>
+            <a:endParaRPr b="0" lang="en-DK" sz="2000" spc="-1" strike="noStrike">
+              <a:latin typeface="Arial"/>
+            </a:endParaRPr>
+          </a:p>
+          <a:p>
+            <a:pPr>
+              <a:lnSpc>
+                <a:spcPct val="90000"/>
+              </a:lnSpc>
+              <a:spcBef>
+                <a:spcPts val="1417"/>
+              </a:spcBef>
+              <a:buNone/>
+            </a:pPr>
+            <a:endParaRPr b="0" lang="en-DK" sz="2000" spc="-1" strike="noStrike">
+              <a:latin typeface="Arial"/>
+            </a:endParaRPr>
+          </a:p>
+        </p:txBody>
+      </p:sp>
+      <p:sp>
+        <p:nvSpPr>
+          <p:cNvPr id="439" name="AutoShape 6"/>
+          <p:cNvSpPr/>
+          <p:nvPr/>
+        </p:nvSpPr>
+        <p:spPr>
+          <a:xfrm>
+            <a:off x="5942160" y="3276720"/>
+            <a:ext cx="303120" cy="303120"/>
+          </a:xfrm>
+          <a:prstGeom prst="rect">
+            <a:avLst/>
+          </a:prstGeom>
+          <a:noFill/>
+          <a:ln w="0">
+            <a:noFill/>
+          </a:ln>
+        </p:spPr>
+        <p:style>
+          <a:lnRef idx="0"/>
+          <a:fillRef idx="0"/>
+          <a:effectRef idx="0"/>
+          <a:fontRef idx="minor"/>
+        </p:style>
+      </p:sp>
+      <p:pic>
+        <p:nvPicPr>
+          <p:cNvPr id="440" name="Picture 12" descr=""/>
+          <p:cNvPicPr/>
+          <p:nvPr/>
+        </p:nvPicPr>
+        <p:blipFill>
+          <a:blip r:embed="rId1"/>
+          <a:stretch/>
+        </p:blipFill>
+        <p:spPr>
+          <a:xfrm>
+            <a:off x="4442040" y="3600000"/>
+            <a:ext cx="3837960" cy="2326680"/>
+          </a:xfrm>
+          <a:prstGeom prst="rect">
+            <a:avLst/>
+          </a:prstGeom>
+          <a:ln w="0">
+            <a:noFill/>
+          </a:ln>
+        </p:spPr>
+      </p:pic>
+      <p:pic>
+        <p:nvPicPr>
+          <p:cNvPr id="441" name="Picture 3" descr="Smart DEI Model @BULLET Autonomy: Where computers act independent of... |  Download Scientific Diagram"/>
+          <p:cNvPicPr/>
+          <p:nvPr/>
+        </p:nvPicPr>
+        <p:blipFill>
+          <a:blip r:embed="rId2"/>
+          <a:stretch/>
+        </p:blipFill>
+        <p:spPr>
+          <a:xfrm>
+            <a:off x="4680000" y="965880"/>
+            <a:ext cx="3277440" cy="2454120"/>
+          </a:xfrm>
+          <a:prstGeom prst="rect">
+            <a:avLst/>
+          </a:prstGeom>
+          <a:ln w="0">
+            <a:noFill/>
+          </a:ln>
+        </p:spPr>
+      </p:pic>
+      <p:sp>
+        <p:nvSpPr>
+          <p:cNvPr id="442" name=""/>
+          <p:cNvSpPr/>
+          <p:nvPr/>
+        </p:nvSpPr>
+        <p:spPr>
+          <a:xfrm>
+            <a:off x="3780000" y="180000"/>
+            <a:ext cx="719640" cy="345960"/>
+          </a:xfrm>
+          <a:prstGeom prst="rect">
+            <a:avLst/>
+          </a:prstGeom>
+          <a:noFill/>
+          <a:ln w="0">
+            <a:noFill/>
+          </a:ln>
+        </p:spPr>
+        <p:style>
+          <a:lnRef idx="0"/>
+          <a:fillRef idx="0"/>
+          <a:effectRef idx="0"/>
+          <a:fontRef idx="minor"/>
+        </p:style>
+        <p:txBody>
+          <a:bodyPr lIns="90000" rIns="90000" tIns="45000" bIns="45000" anchor="t">
+            <a:noAutofit/>
+          </a:bodyPr>
+          <a:p>
+            <a:pPr>
+              <a:lnSpc>
+                <a:spcPct val="100000"/>
+              </a:lnSpc>
+              <a:buNone/>
+            </a:pPr>
+            <a:r>
+              <a:rPr b="0" lang="en-DK" sz="1800" spc="-1" strike="noStrike">
+                <a:latin typeface="Arial"/>
+              </a:rPr>
+              <a:t>!</a:t>
+            </a:r>
+            <a:endParaRPr b="0" lang="en-DK" sz="1800" spc="-1" strike="noStrike">
+              <a:latin typeface="Arial"/>
+            </a:endParaRPr>
+          </a:p>
+        </p:txBody>
+      </p:sp>
+      <p:pic>
+        <p:nvPicPr>
+          <p:cNvPr id="443" name="" descr=""/>
+          <p:cNvPicPr/>
+          <p:nvPr/>
+        </p:nvPicPr>
+        <p:blipFill>
+          <a:blip r:embed="rId3"/>
+          <a:stretch/>
+        </p:blipFill>
+        <p:spPr>
+          <a:xfrm>
+            <a:off x="8430120" y="3620520"/>
+            <a:ext cx="3349800" cy="2319480"/>
+          </a:xfrm>
+          <a:prstGeom prst="rect">
+            <a:avLst/>
+          </a:prstGeom>
+          <a:ln w="0">
+            <a:noFill/>
+          </a:ln>
+        </p:spPr>
+      </p:pic>
     </p:spTree>
   </p:cSld>
   <mc:AlternateContent>
@@ -22577,7 +23078,7 @@
       </p:grpSpPr>
       <p:sp>
         <p:nvSpPr>
-          <p:cNvPr id="448" name="PlaceHolder 1"/>
+          <p:cNvPr id="444" name="PlaceHolder 1"/>
           <p:cNvSpPr>
             <a:spLocks noGrp="1"/>
           </p:cNvSpPr>
@@ -22587,19 +23088,19 @@
         </p:nvSpPr>
         <p:spPr>
           <a:xfrm>
-            <a:off x="316080" y="149040"/>
-            <a:ext cx="11555280" cy="569880"/>
-          </a:xfrm>
-          <a:prstGeom prst="rect">
-            <a:avLst/>
-          </a:prstGeom>
-          <a:noFill/>
-          <a:ln w="9360">
-            <a:noFill/>
-          </a:ln>
-        </p:spPr>
-        <p:txBody>
-          <a:bodyPr numCol="1" spcCol="0" lIns="0" rIns="0" tIns="0" bIns="0" anchor="b">
+            <a:off x="393120" y="129600"/>
+            <a:ext cx="10967760" cy="624960"/>
+          </a:xfrm>
+          <a:prstGeom prst="rect">
+            <a:avLst/>
+          </a:prstGeom>
+          <a:noFill/>
+          <a:ln w="0">
+            <a:noFill/>
+          </a:ln>
+        </p:spPr>
+        <p:txBody>
+          <a:bodyPr numCol="1" spcCol="0" lIns="0" rIns="0" tIns="0" bIns="0" anchor="ctr">
             <a:noAutofit/>
           </a:bodyPr>
           <a:p>
@@ -22610,294 +23111,24 @@
               <a:buNone/>
             </a:pPr>
             <a:r>
-              <a:rPr b="0" lang="en-US" sz="4800" spc="-1" strike="noStrike">
+              <a:rPr b="0" lang="en-GB" sz="4400" spc="-1" strike="noStrike">
                 <a:solidFill>
                   <a:srgbClr val="000000"/>
                 </a:solidFill>
-                <a:latin typeface="AU Passata"/>
+                <a:latin typeface="Arial"/>
                 <a:ea typeface="DejaVu Sans"/>
               </a:rPr>
-              <a:t>Context Aware System</a:t>
+              <a:t>Enabling Technologies</a:t>
             </a:r>
-            <a:endParaRPr b="0" lang="en-DK" sz="4800" spc="-1" strike="noStrike">
-              <a:latin typeface="Arial"/>
-            </a:endParaRPr>
-          </a:p>
-        </p:txBody>
-      </p:sp>
-      <p:sp>
-        <p:nvSpPr>
-          <p:cNvPr id="449" name="PlaceHolder 2"/>
-          <p:cNvSpPr>
-            <a:spLocks noGrp="1"/>
-          </p:cNvSpPr>
-          <p:nvPr>
-            <p:ph/>
-          </p:nvPr>
-        </p:nvSpPr>
-        <p:spPr>
-          <a:xfrm>
-            <a:off x="330480" y="1867680"/>
-            <a:ext cx="5108400" cy="4242960"/>
-          </a:xfrm>
-          <a:prstGeom prst="rect">
-            <a:avLst/>
-          </a:prstGeom>
-          <a:noFill/>
-          <a:ln w="9360">
-            <a:noFill/>
-          </a:ln>
-        </p:spPr>
-        <p:txBody>
-          <a:bodyPr numCol="1" spcCol="0" lIns="0" rIns="0" tIns="0" bIns="0" anchor="t">
-            <a:noAutofit/>
-          </a:bodyPr>
-          <a:p>
-            <a:pPr marL="432000" indent="-324000">
-              <a:lnSpc>
-                <a:spcPct val="90000"/>
-              </a:lnSpc>
-              <a:spcBef>
-                <a:spcPts val="1417"/>
-              </a:spcBef>
-              <a:buClr>
-                <a:srgbClr val="000000"/>
-              </a:buClr>
-              <a:buSzPct val="45000"/>
-              <a:buFont typeface="Wingdings" charset="2"/>
-              <a:buChar char=""/>
-            </a:pPr>
-            <a:r>
-              <a:rPr b="0" lang="en-US" sz="2000" spc="-1" strike="noStrike">
-                <a:solidFill>
-                  <a:srgbClr val="000000"/>
-                </a:solidFill>
-                <a:latin typeface="AU Passata"/>
-                <a:ea typeface="DejaVu Sans"/>
-              </a:rPr>
-              <a:t>Situation</a:t>
-            </a:r>
-            <a:endParaRPr b="0" lang="en-DK" sz="2000" spc="-1" strike="noStrike">
-              <a:latin typeface="Arial"/>
-            </a:endParaRPr>
-          </a:p>
-          <a:p>
-            <a:pPr marL="432000" indent="-324000">
-              <a:lnSpc>
-                <a:spcPct val="90000"/>
-              </a:lnSpc>
-              <a:spcBef>
-                <a:spcPts val="1417"/>
-              </a:spcBef>
-              <a:buClr>
-                <a:srgbClr val="000000"/>
-              </a:buClr>
-              <a:buSzPct val="45000"/>
-              <a:buFont typeface="Wingdings" charset="2"/>
-              <a:buChar char=""/>
-            </a:pPr>
-            <a:r>
-              <a:rPr b="0" lang="en-US" sz="2000" spc="-1" strike="noStrike">
-                <a:solidFill>
-                  <a:srgbClr val="000000"/>
-                </a:solidFill>
-                <a:latin typeface="AU Passata"/>
-                <a:ea typeface="DejaVu Sans"/>
-              </a:rPr>
-              <a:t>What, Where, When,</a:t>
-            </a:r>
-            <a:endParaRPr b="0" lang="en-DK" sz="2000" spc="-1" strike="noStrike">
-              <a:latin typeface="Arial"/>
-            </a:endParaRPr>
-          </a:p>
-          <a:p>
-            <a:pPr marL="432000" indent="-324000">
-              <a:lnSpc>
-                <a:spcPct val="90000"/>
-              </a:lnSpc>
-              <a:spcBef>
-                <a:spcPts val="1417"/>
-              </a:spcBef>
-              <a:buClr>
-                <a:srgbClr val="000000"/>
-              </a:buClr>
-              <a:buSzPct val="45000"/>
-              <a:buFont typeface="Wingdings" charset="2"/>
-              <a:buChar char=""/>
-            </a:pPr>
-            <a:r>
-              <a:rPr b="0" lang="en-US" sz="2000" spc="-1" strike="noStrike">
-                <a:solidFill>
-                  <a:srgbClr val="000000"/>
-                </a:solidFill>
-                <a:latin typeface="AU Passata"/>
-                <a:ea typeface="DejaVu Sans"/>
-              </a:rPr>
-              <a:t>How</a:t>
-            </a:r>
-            <a:endParaRPr b="0" lang="en-DK" sz="2000" spc="-1" strike="noStrike">
-              <a:latin typeface="Arial"/>
-            </a:endParaRPr>
-          </a:p>
-          <a:p>
-            <a:pPr marL="432000" indent="-324000">
-              <a:lnSpc>
-                <a:spcPct val="90000"/>
-              </a:lnSpc>
-              <a:spcBef>
-                <a:spcPts val="1417"/>
-              </a:spcBef>
-              <a:buClr>
-                <a:srgbClr val="000000"/>
-              </a:buClr>
-              <a:buSzPct val="45000"/>
-              <a:buFont typeface="Wingdings" charset="2"/>
-              <a:buChar char=""/>
-            </a:pPr>
-            <a:r>
-              <a:rPr b="0" lang="en-US" sz="2000" spc="-1" strike="noStrike">
-                <a:solidFill>
-                  <a:srgbClr val="000000"/>
-                </a:solidFill>
-                <a:latin typeface="AU Passata"/>
-                <a:ea typeface="DejaVu Sans"/>
-              </a:rPr>
-              <a:t>and Why</a:t>
-            </a:r>
-            <a:endParaRPr b="0" lang="en-DK" sz="2000" spc="-1" strike="noStrike">
-              <a:latin typeface="Arial"/>
-            </a:endParaRPr>
-          </a:p>
-          <a:p>
-            <a:pPr marL="432000" indent="-324000">
-              <a:lnSpc>
-                <a:spcPct val="90000"/>
-              </a:lnSpc>
-              <a:spcBef>
-                <a:spcPts val="1417"/>
-              </a:spcBef>
-              <a:buClr>
-                <a:srgbClr val="000000"/>
-              </a:buClr>
-              <a:buSzPct val="45000"/>
-              <a:buFont typeface="Wingdings" charset="2"/>
-              <a:buChar char=""/>
-            </a:pPr>
-            <a:r>
-              <a:rPr b="0" lang="en-US" sz="2000" spc="-1" strike="noStrike">
-                <a:solidFill>
-                  <a:srgbClr val="000000"/>
-                </a:solidFill>
-                <a:latin typeface="AU Passata"/>
-                <a:ea typeface="DejaVu Sans"/>
-              </a:rPr>
-              <a:t>Sensor Fusion</a:t>
-            </a:r>
-            <a:endParaRPr b="0" lang="en-DK" sz="2000" spc="-1" strike="noStrike">
-              <a:latin typeface="Arial"/>
-            </a:endParaRPr>
-          </a:p>
-          <a:p>
-            <a:pPr>
-              <a:lnSpc>
-                <a:spcPct val="90000"/>
-              </a:lnSpc>
-              <a:spcBef>
-                <a:spcPts val="1417"/>
-              </a:spcBef>
-              <a:buNone/>
-            </a:pPr>
-            <a:endParaRPr b="0" lang="en-DK" sz="2000" spc="-1" strike="noStrike">
-              <a:latin typeface="Arial"/>
-            </a:endParaRPr>
-          </a:p>
-          <a:p>
-            <a:pPr>
-              <a:lnSpc>
-                <a:spcPct val="90000"/>
-              </a:lnSpc>
-              <a:spcBef>
-                <a:spcPts val="1417"/>
-              </a:spcBef>
-              <a:buNone/>
-            </a:pPr>
-            <a:endParaRPr b="0" lang="en-DK" sz="2000" spc="-1" strike="noStrike">
-              <a:latin typeface="Arial"/>
-            </a:endParaRPr>
-          </a:p>
-          <a:p>
-            <a:pPr>
-              <a:lnSpc>
-                <a:spcPct val="90000"/>
-              </a:lnSpc>
-              <a:spcBef>
-                <a:spcPts val="1417"/>
-              </a:spcBef>
-              <a:buNone/>
-            </a:pPr>
-            <a:endParaRPr b="0" lang="en-DK" sz="2000" spc="-1" strike="noStrike">
-              <a:latin typeface="Arial"/>
-            </a:endParaRPr>
-          </a:p>
-          <a:p>
-            <a:pPr>
-              <a:lnSpc>
-                <a:spcPct val="90000"/>
-              </a:lnSpc>
-              <a:spcBef>
-                <a:spcPts val="1417"/>
-              </a:spcBef>
-              <a:buNone/>
-            </a:pPr>
-            <a:endParaRPr b="0" lang="en-DK" sz="2000" spc="-1" strike="noStrike">
-              <a:latin typeface="Arial"/>
-            </a:endParaRPr>
-          </a:p>
-          <a:p>
-            <a:pPr>
-              <a:lnSpc>
-                <a:spcPct val="90000"/>
-              </a:lnSpc>
-              <a:spcBef>
-                <a:spcPts val="1417"/>
-              </a:spcBef>
-              <a:buNone/>
-            </a:pPr>
-            <a:endParaRPr b="0" lang="en-DK" sz="2000" spc="-1" strike="noStrike">
-              <a:latin typeface="Arial"/>
-            </a:endParaRPr>
-          </a:p>
-        </p:txBody>
-      </p:sp>
-      <p:sp>
-        <p:nvSpPr>
-          <p:cNvPr id="450" name="AutoShape 2"/>
-          <p:cNvSpPr/>
-          <p:nvPr/>
-        </p:nvSpPr>
-        <p:spPr>
-          <a:xfrm>
-            <a:off x="5942160" y="3276720"/>
-            <a:ext cx="303480" cy="303480"/>
-          </a:xfrm>
-          <a:prstGeom prst="rect">
-            <a:avLst/>
-          </a:prstGeom>
-          <a:noFill/>
-          <a:ln w="0">
-            <a:noFill/>
-          </a:ln>
-        </p:spPr>
-        <p:style>
-          <a:lnRef idx="0"/>
-          <a:fillRef idx="0"/>
-          <a:effectRef idx="0"/>
-          <a:fontRef idx="minor"/>
-        </p:style>
+            <a:endParaRPr b="0" lang="en-DK" sz="4400" spc="-1" strike="noStrike">
+              <a:latin typeface="Arial"/>
+            </a:endParaRPr>
+          </a:p>
+        </p:txBody>
       </p:sp>
       <p:pic>
         <p:nvPicPr>
-          <p:cNvPr id="451" name="Picture 6" descr="Smart DEI Model @BULLET Autonomy: Where computers act independent of... |  Download Scientific Diagram"/>
+          <p:cNvPr id="445" name="" descr=""/>
           <p:cNvPicPr/>
           <p:nvPr/>
         </p:nvPicPr>
@@ -22907,8 +23138,156 @@
         </p:blipFill>
         <p:spPr>
           <a:xfrm>
-            <a:off x="3562200" y="3260880"/>
-            <a:ext cx="3817800" cy="2859120"/>
+            <a:off x="658080" y="1834920"/>
+            <a:ext cx="2760480" cy="1655640"/>
+          </a:xfrm>
+          <a:prstGeom prst="rect">
+            <a:avLst/>
+          </a:prstGeom>
+          <a:ln w="0">
+            <a:noFill/>
+          </a:ln>
+        </p:spPr>
+      </p:pic>
+      <p:pic>
+        <p:nvPicPr>
+          <p:cNvPr id="446" name="" descr=""/>
+          <p:cNvPicPr/>
+          <p:nvPr/>
+        </p:nvPicPr>
+        <p:blipFill>
+          <a:blip r:embed="rId2"/>
+          <a:stretch/>
+        </p:blipFill>
+        <p:spPr>
+          <a:xfrm>
+            <a:off x="4140000" y="1905840"/>
+            <a:ext cx="3027240" cy="1512720"/>
+          </a:xfrm>
+          <a:prstGeom prst="rect">
+            <a:avLst/>
+          </a:prstGeom>
+          <a:ln w="0">
+            <a:noFill/>
+          </a:ln>
+        </p:spPr>
+      </p:pic>
+      <p:pic>
+        <p:nvPicPr>
+          <p:cNvPr id="447" name="" descr=""/>
+          <p:cNvPicPr/>
+          <p:nvPr/>
+        </p:nvPicPr>
+        <p:blipFill>
+          <a:blip r:embed="rId3"/>
+          <a:stretch/>
+        </p:blipFill>
+        <p:spPr>
+          <a:xfrm>
+            <a:off x="540000" y="3780000"/>
+            <a:ext cx="3921840" cy="1800000"/>
+          </a:xfrm>
+          <a:prstGeom prst="rect">
+            <a:avLst/>
+          </a:prstGeom>
+          <a:ln w="0">
+            <a:noFill/>
+          </a:ln>
+        </p:spPr>
+      </p:pic>
+      <p:pic>
+        <p:nvPicPr>
+          <p:cNvPr id="448" name="" descr=""/>
+          <p:cNvPicPr/>
+          <p:nvPr/>
+        </p:nvPicPr>
+        <p:blipFill>
+          <a:blip r:embed="rId4"/>
+          <a:stretch/>
+        </p:blipFill>
+        <p:spPr>
+          <a:xfrm>
+            <a:off x="4658760" y="3780000"/>
+            <a:ext cx="2541240" cy="1798560"/>
+          </a:xfrm>
+          <a:prstGeom prst="rect">
+            <a:avLst/>
+          </a:prstGeom>
+          <a:ln w="0">
+            <a:noFill/>
+          </a:ln>
+        </p:spPr>
+      </p:pic>
+      <p:sp>
+        <p:nvSpPr>
+          <p:cNvPr id="449" name=""/>
+          <p:cNvSpPr/>
+          <p:nvPr/>
+        </p:nvSpPr>
+        <p:spPr>
+          <a:xfrm>
+            <a:off x="540000" y="1692000"/>
+            <a:ext cx="3058560" cy="1978560"/>
+          </a:xfrm>
+          <a:prstGeom prst="ellipse">
+            <a:avLst/>
+          </a:prstGeom>
+          <a:noFill/>
+          <a:ln w="0">
+            <a:solidFill>
+              <a:srgbClr val="3465a4"/>
+            </a:solidFill>
+          </a:ln>
+        </p:spPr>
+        <p:style>
+          <a:lnRef idx="0"/>
+          <a:fillRef idx="0"/>
+          <a:effectRef idx="0"/>
+          <a:fontRef idx="minor"/>
+        </p:style>
+      </p:sp>
+      <p:sp>
+        <p:nvSpPr>
+          <p:cNvPr id="450" name=""/>
+          <p:cNvSpPr/>
+          <p:nvPr/>
+        </p:nvSpPr>
+        <p:spPr>
+          <a:xfrm>
+            <a:off x="6660000" y="3673440"/>
+            <a:ext cx="600480" cy="1006560"/>
+          </a:xfrm>
+          <a:prstGeom prst="ellipse">
+            <a:avLst/>
+          </a:prstGeom>
+          <a:noFill/>
+          <a:ln w="0">
+            <a:solidFill>
+              <a:srgbClr val="3465a4"/>
+            </a:solidFill>
+          </a:ln>
+        </p:spPr>
+        <p:style>
+          <a:lnRef idx="0"/>
+          <a:fillRef idx="0"/>
+          <a:effectRef idx="0"/>
+          <a:fontRef idx="minor"/>
+        </p:style>
+      </p:sp>
+      <p:pic>
+        <p:nvPicPr>
+          <p:cNvPr id="451" name="" descr=""/>
+          <p:cNvPicPr/>
+          <p:nvPr/>
+        </p:nvPicPr>
+        <p:blipFill>
+          <a:blip r:embed="rId5"/>
+          <a:stretch/>
+        </p:blipFill>
+        <p:spPr>
+          <a:xfrm>
+            <a:off x="7200000" y="1914480"/>
+            <a:ext cx="2416680" cy="1505520"/>
           </a:xfrm>
           <a:prstGeom prst="rect">
             <a:avLst/>
@@ -22925,13 +23304,13 @@
           <p:nvPr/>
         </p:nvPicPr>
         <p:blipFill>
-          <a:blip r:embed="rId2"/>
+          <a:blip r:embed="rId6"/>
           <a:stretch/>
         </p:blipFill>
         <p:spPr>
           <a:xfrm>
-            <a:off x="8069400" y="3960000"/>
-            <a:ext cx="3090240" cy="2139840"/>
+            <a:off x="7344000" y="3780000"/>
+            <a:ext cx="2137680" cy="540000"/>
           </a:xfrm>
           <a:prstGeom prst="rect">
             <a:avLst/>
@@ -22941,6 +23320,54 @@
           </a:ln>
         </p:spPr>
       </p:pic>
+      <p:sp>
+        <p:nvSpPr>
+          <p:cNvPr id="453" name=""/>
+          <p:cNvSpPr/>
+          <p:nvPr/>
+        </p:nvSpPr>
+        <p:spPr>
+          <a:xfrm>
+            <a:off x="6660000" y="129600"/>
+            <a:ext cx="719640" cy="345960"/>
+          </a:xfrm>
+          <a:prstGeom prst="rect">
+            <a:avLst/>
+          </a:prstGeom>
+          <a:noFill/>
+          <a:ln w="0">
+            <a:noFill/>
+          </a:ln>
+        </p:spPr>
+        <p:style>
+          <a:lnRef idx="0"/>
+          <a:fillRef idx="0"/>
+          <a:effectRef idx="0"/>
+          <a:fontRef idx="minor"/>
+        </p:style>
+        <p:txBody>
+          <a:bodyPr lIns="90000" rIns="90000" tIns="45000" bIns="45000" anchor="t">
+            <a:noAutofit/>
+          </a:bodyPr>
+          <a:p>
+            <a:pPr>
+              <a:lnSpc>
+                <a:spcPct val="100000"/>
+              </a:lnSpc>
+              <a:buNone/>
+            </a:pPr>
+            <a:r>
+              <a:rPr b="0" lang="en-DK" sz="1800" spc="-1" strike="noStrike">
+                <a:latin typeface="Arial"/>
+              </a:rPr>
+              <a:t>!</a:t>
+            </a:r>
+            <a:endParaRPr b="0" lang="en-DK" sz="1800" spc="-1" strike="noStrike">
+              <a:latin typeface="Arial"/>
+            </a:endParaRPr>
+          </a:p>
+        </p:txBody>
+      </p:sp>
     </p:spTree>
   </p:cSld>
   <mc:AlternateContent>
@@ -22957,6 +23384,13 @@
 <file path=ppt/slides/slide34.xml><?xml version="1.0" encoding="utf-8"?>
 <p:sld xmlns:a="http://schemas.openxmlformats.org/drawingml/2006/main" xmlns:p="http://schemas.openxmlformats.org/presentationml/2006/main" xmlns:r="http://schemas.openxmlformats.org/officeDocument/2006/relationships" xmlns:p14="http://schemas.microsoft.com/office/powerpoint/2010/main" xmlns:p15="http://schemas.microsoft.com/office/powerpoint/2012/main" xmlns:mc="http://schemas.openxmlformats.org/markup-compatibility/2006">
   <p:cSld>
+    <p:bg>
+      <p:bgPr>
+        <a:solidFill>
+          <a:srgbClr val="002546"/>
+        </a:solidFill>
+      </p:bgPr>
+    </p:bg>
     <p:spTree>
       <p:nvGrpSpPr>
         <p:cNvPr id="1" name=""/>
@@ -22973,7 +23407,7 @@
       </p:grpSpPr>
       <p:sp>
         <p:nvSpPr>
-          <p:cNvPr id="453" name="PlaceHolder 1"/>
+          <p:cNvPr id="454" name="PlaceHolder 1"/>
           <p:cNvSpPr>
             <a:spLocks noGrp="1"/>
           </p:cNvSpPr>
@@ -22983,8 +23417,8 @@
         </p:nvSpPr>
         <p:spPr>
           <a:xfrm>
-            <a:off x="316080" y="149040"/>
-            <a:ext cx="11555280" cy="569880"/>
+            <a:off x="985680" y="2898000"/>
+            <a:ext cx="10218240" cy="828720"/>
           </a:xfrm>
           <a:prstGeom prst="rect">
             <a:avLst/>
@@ -22995,7 +23429,7 @@
           </a:ln>
         </p:spPr>
         <p:txBody>
-          <a:bodyPr numCol="1" spcCol="0" lIns="0" rIns="0" tIns="0" bIns="0" anchor="b">
+          <a:bodyPr numCol="1" spcCol="0" lIns="0" rIns="0" tIns="0" bIns="0" anchor="ctr">
             <a:noAutofit/>
           </a:bodyPr>
           <a:p>
@@ -23006,261 +23440,20 @@
               <a:buNone/>
             </a:pPr>
             <a:r>
-              <a:rPr b="0" lang="en-US" sz="4800" spc="-1" strike="noStrike">
+              <a:rPr b="1" lang="en-US" sz="6000" spc="-1" strike="noStrike" cap="all">
                 <a:solidFill>
-                  <a:srgbClr val="000000"/>
+                  <a:srgbClr val="ffffff"/>
                 </a:solidFill>
-                <a:latin typeface="AU Passata"/>
+                <a:latin typeface="AU Passata Light"/>
                 <a:ea typeface="DejaVu Sans"/>
               </a:rPr>
-              <a:t>Challenges</a:t>
+              <a:t>6. Context awareness using smart X (towards intelligent environments)</a:t>
             </a:r>
-            <a:endParaRPr b="0" lang="en-DK" sz="4800" spc="-1" strike="noStrike">
-              <a:latin typeface="Arial"/>
-            </a:endParaRPr>
-          </a:p>
-        </p:txBody>
-      </p:sp>
-      <p:sp>
-        <p:nvSpPr>
-          <p:cNvPr id="454" name="PlaceHolder 2"/>
-          <p:cNvSpPr>
-            <a:spLocks noGrp="1"/>
-          </p:cNvSpPr>
-          <p:nvPr>
-            <p:ph/>
-          </p:nvPr>
-        </p:nvSpPr>
-        <p:spPr>
-          <a:xfrm>
-            <a:off x="330480" y="1867680"/>
-            <a:ext cx="5108400" cy="4242960"/>
-          </a:xfrm>
-          <a:prstGeom prst="rect">
-            <a:avLst/>
-          </a:prstGeom>
-          <a:noFill/>
-          <a:ln w="9360">
-            <a:noFill/>
-          </a:ln>
-        </p:spPr>
-        <p:txBody>
-          <a:bodyPr numCol="1" spcCol="0" lIns="0" rIns="0" tIns="0" bIns="0" anchor="t">
-            <a:noAutofit/>
-          </a:bodyPr>
-          <a:p>
-            <a:pPr marL="432000" indent="-324000">
-              <a:lnSpc>
-                <a:spcPct val="90000"/>
-              </a:lnSpc>
-              <a:spcBef>
-                <a:spcPts val="1417"/>
-              </a:spcBef>
-              <a:buClr>
-                <a:srgbClr val="000000"/>
-              </a:buClr>
-              <a:buSzPct val="45000"/>
-              <a:buFont typeface="Wingdings" charset="2"/>
-              <a:buChar char=""/>
-            </a:pPr>
-            <a:r>
-              <a:rPr b="0" lang="en-US" sz="2000" spc="-1" strike="noStrike">
-                <a:solidFill>
-                  <a:srgbClr val="000000"/>
-                </a:solidFill>
-                <a:latin typeface="AU Passata"/>
-                <a:ea typeface="DejaVu Sans"/>
-              </a:rPr>
-              <a:t>User Context</a:t>
-            </a:r>
-            <a:endParaRPr b="0" lang="en-DK" sz="2000" spc="-1" strike="noStrike">
-              <a:latin typeface="Arial"/>
-            </a:endParaRPr>
-          </a:p>
-          <a:p>
-            <a:pPr marL="432000" indent="-324000">
-              <a:lnSpc>
-                <a:spcPct val="90000"/>
-              </a:lnSpc>
-              <a:spcBef>
-                <a:spcPts val="1417"/>
-              </a:spcBef>
-              <a:buClr>
-                <a:srgbClr val="000000"/>
-              </a:buClr>
-              <a:buSzPct val="45000"/>
-              <a:buFont typeface="Wingdings" charset="2"/>
-              <a:buChar char=""/>
-            </a:pPr>
-            <a:r>
-              <a:rPr b="0" lang="en-US" sz="2000" spc="-1" strike="noStrike">
-                <a:solidFill>
-                  <a:srgbClr val="000000"/>
-                </a:solidFill>
-                <a:latin typeface="AU Passata"/>
-                <a:ea typeface="DejaVu Sans"/>
-              </a:rPr>
-              <a:t>Environment Context</a:t>
-            </a:r>
-            <a:endParaRPr b="0" lang="en-DK" sz="2000" spc="-1" strike="noStrike">
-              <a:latin typeface="Arial"/>
-            </a:endParaRPr>
-          </a:p>
-          <a:p>
-            <a:pPr marL="432000" indent="-324000">
-              <a:lnSpc>
-                <a:spcPct val="90000"/>
-              </a:lnSpc>
-              <a:spcBef>
-                <a:spcPts val="1417"/>
-              </a:spcBef>
-              <a:buClr>
-                <a:srgbClr val="000000"/>
-              </a:buClr>
-              <a:buSzPct val="45000"/>
-              <a:buFont typeface="Wingdings" charset="2"/>
-              <a:buChar char=""/>
-            </a:pPr>
-            <a:r>
-              <a:rPr b="0" lang="en-US" sz="2000" spc="-1" strike="noStrike">
-                <a:solidFill>
-                  <a:srgbClr val="000000"/>
-                </a:solidFill>
-                <a:latin typeface="AU Passata"/>
-                <a:ea typeface="DejaVu Sans"/>
-              </a:rPr>
-              <a:t>Privacy</a:t>
-            </a:r>
-            <a:endParaRPr b="0" lang="en-DK" sz="2000" spc="-1" strike="noStrike">
-              <a:latin typeface="Arial"/>
-            </a:endParaRPr>
-          </a:p>
-          <a:p>
-            <a:pPr marL="432000" indent="-324000">
-              <a:lnSpc>
-                <a:spcPct val="90000"/>
-              </a:lnSpc>
-              <a:spcBef>
-                <a:spcPts val="1417"/>
-              </a:spcBef>
-              <a:buClr>
-                <a:srgbClr val="000000"/>
-              </a:buClr>
-              <a:buSzPct val="45000"/>
-              <a:buFont typeface="Wingdings" charset="2"/>
-              <a:buChar char=""/>
-            </a:pPr>
-            <a:r>
-              <a:rPr b="0" lang="en-US" sz="2000" spc="-1" strike="noStrike">
-                <a:solidFill>
-                  <a:srgbClr val="000000"/>
-                </a:solidFill>
-                <a:latin typeface="AU Passata"/>
-                <a:ea typeface="DejaVu Sans"/>
-              </a:rPr>
-              <a:t>Accuracy vs. Cost</a:t>
-            </a:r>
-            <a:endParaRPr b="0" lang="en-DK" sz="2000" spc="-1" strike="noStrike">
-              <a:latin typeface="Arial"/>
-            </a:endParaRPr>
-          </a:p>
-          <a:p>
-            <a:pPr>
-              <a:lnSpc>
-                <a:spcPct val="90000"/>
-              </a:lnSpc>
-              <a:spcBef>
-                <a:spcPts val="1417"/>
-              </a:spcBef>
-              <a:buNone/>
-            </a:pPr>
-            <a:endParaRPr b="0" lang="en-DK" sz="2000" spc="-1" strike="noStrike">
-              <a:latin typeface="Arial"/>
-            </a:endParaRPr>
-          </a:p>
-          <a:p>
-            <a:pPr>
-              <a:lnSpc>
-                <a:spcPct val="90000"/>
-              </a:lnSpc>
-              <a:spcBef>
-                <a:spcPts val="1417"/>
-              </a:spcBef>
-              <a:buNone/>
-            </a:pPr>
-            <a:endParaRPr b="0" lang="en-DK" sz="2000" spc="-1" strike="noStrike">
-              <a:latin typeface="Arial"/>
-            </a:endParaRPr>
-          </a:p>
-          <a:p>
-            <a:pPr>
-              <a:lnSpc>
-                <a:spcPct val="90000"/>
-              </a:lnSpc>
-              <a:spcBef>
-                <a:spcPts val="1417"/>
-              </a:spcBef>
-              <a:buNone/>
-            </a:pPr>
-            <a:endParaRPr b="0" lang="en-DK" sz="2000" spc="-1" strike="noStrike">
-              <a:latin typeface="Arial"/>
-            </a:endParaRPr>
-          </a:p>
-          <a:p>
-            <a:pPr>
-              <a:lnSpc>
-                <a:spcPct val="90000"/>
-              </a:lnSpc>
-              <a:spcBef>
-                <a:spcPts val="1417"/>
-              </a:spcBef>
-              <a:buNone/>
-            </a:pPr>
-            <a:endParaRPr b="0" lang="en-DK" sz="2000" spc="-1" strike="noStrike">
-              <a:latin typeface="Arial"/>
-            </a:endParaRPr>
-          </a:p>
-          <a:p>
-            <a:pPr>
-              <a:lnSpc>
-                <a:spcPct val="90000"/>
-              </a:lnSpc>
-              <a:spcBef>
-                <a:spcPts val="1417"/>
-              </a:spcBef>
-              <a:buNone/>
-            </a:pPr>
-            <a:endParaRPr b="0" lang="en-DK" sz="2000" spc="-1" strike="noStrike">
-              <a:latin typeface="Arial"/>
-            </a:endParaRPr>
-          </a:p>
-        </p:txBody>
-      </p:sp>
-      <p:sp>
-        <p:nvSpPr>
-          <p:cNvPr id="455" name="AutoShape 4"/>
-          <p:cNvSpPr/>
-          <p:nvPr/>
-        </p:nvSpPr>
-        <p:spPr>
-          <a:xfrm>
-            <a:off x="5942160" y="3276720"/>
-            <a:ext cx="303480" cy="303480"/>
-          </a:xfrm>
-          <a:prstGeom prst="rect">
-            <a:avLst/>
-          </a:prstGeom>
-          <a:noFill/>
-          <a:ln w="0">
-            <a:noFill/>
-          </a:ln>
-        </p:spPr>
-        <p:style>
-          <a:lnRef idx="0"/>
-          <a:fillRef idx="0"/>
-          <a:effectRef idx="0"/>
-          <a:fontRef idx="minor"/>
-        </p:style>
+            <a:endParaRPr b="0" lang="en-DK" sz="6000" spc="-1" strike="noStrike">
+              <a:latin typeface="Arial"/>
+            </a:endParaRPr>
+          </a:p>
+        </p:txBody>
       </p:sp>
     </p:spTree>
   </p:cSld>
@@ -23294,7 +23487,7 @@
       </p:grpSpPr>
       <p:sp>
         <p:nvSpPr>
-          <p:cNvPr id="456" name="PlaceHolder 1"/>
+          <p:cNvPr id="455" name="PlaceHolder 1"/>
           <p:cNvSpPr>
             <a:spLocks noGrp="1"/>
           </p:cNvSpPr>
@@ -23305,7 +23498,7 @@
         <p:spPr>
           <a:xfrm>
             <a:off x="316080" y="149040"/>
-            <a:ext cx="11555280" cy="569880"/>
+            <a:ext cx="11554920" cy="569520"/>
           </a:xfrm>
           <a:prstGeom prst="rect">
             <a:avLst/>
@@ -23334,7 +23527,7 @@
                 <a:latin typeface="AU Passata"/>
                 <a:ea typeface="DejaVu Sans"/>
               </a:rPr>
-              <a:t>Lifecycle</a:t>
+              <a:t>Context Aware System</a:t>
             </a:r>
             <a:endParaRPr b="0" lang="en-DK" sz="4800" spc="-1" strike="noStrike">
               <a:latin typeface="Arial"/>
@@ -23344,14 +23537,258 @@
       </p:sp>
       <p:sp>
         <p:nvSpPr>
-          <p:cNvPr id="457" name="AutoShape 3"/>
+          <p:cNvPr id="456" name="PlaceHolder 2"/>
+          <p:cNvSpPr>
+            <a:spLocks noGrp="1"/>
+          </p:cNvSpPr>
+          <p:nvPr>
+            <p:ph/>
+          </p:nvPr>
+        </p:nvSpPr>
+        <p:spPr>
+          <a:xfrm>
+            <a:off x="330480" y="1867680"/>
+            <a:ext cx="5108040" cy="4242600"/>
+          </a:xfrm>
+          <a:prstGeom prst="rect">
+            <a:avLst/>
+          </a:prstGeom>
+          <a:noFill/>
+          <a:ln w="9360">
+            <a:noFill/>
+          </a:ln>
+        </p:spPr>
+        <p:txBody>
+          <a:bodyPr numCol="1" spcCol="0" lIns="0" rIns="0" tIns="0" bIns="0" anchor="t">
+            <a:noAutofit/>
+          </a:bodyPr>
+          <a:p>
+            <a:pPr marL="432000" indent="-324000">
+              <a:lnSpc>
+                <a:spcPct val="90000"/>
+              </a:lnSpc>
+              <a:spcBef>
+                <a:spcPts val="1417"/>
+              </a:spcBef>
+              <a:buClr>
+                <a:srgbClr val="000000"/>
+              </a:buClr>
+              <a:buSzPct val="45000"/>
+              <a:buFont typeface="Wingdings" charset="2"/>
+              <a:buChar char=""/>
+            </a:pPr>
+            <a:r>
+              <a:rPr b="0" lang="en-US" sz="2000" spc="-1" strike="noStrike">
+                <a:solidFill>
+                  <a:srgbClr val="000000"/>
+                </a:solidFill>
+                <a:latin typeface="AU Passata"/>
+                <a:ea typeface="DejaVu Sans"/>
+              </a:rPr>
+              <a:t>Situation</a:t>
+            </a:r>
+            <a:endParaRPr b="0" lang="en-DK" sz="2000" spc="-1" strike="noStrike">
+              <a:latin typeface="Arial"/>
+            </a:endParaRPr>
+          </a:p>
+          <a:p>
+            <a:pPr marL="432000" indent="-324000">
+              <a:lnSpc>
+                <a:spcPct val="90000"/>
+              </a:lnSpc>
+              <a:spcBef>
+                <a:spcPts val="1417"/>
+              </a:spcBef>
+              <a:buClr>
+                <a:srgbClr val="000000"/>
+              </a:buClr>
+              <a:buSzPct val="45000"/>
+              <a:buFont typeface="Wingdings" charset="2"/>
+              <a:buChar char=""/>
+            </a:pPr>
+            <a:r>
+              <a:rPr b="0" lang="en-US" sz="2000" spc="-1" strike="noStrike">
+                <a:solidFill>
+                  <a:srgbClr val="000000"/>
+                </a:solidFill>
+                <a:latin typeface="AU Passata"/>
+                <a:ea typeface="DejaVu Sans"/>
+              </a:rPr>
+              <a:t>What, Where, When,</a:t>
+            </a:r>
+            <a:endParaRPr b="0" lang="en-DK" sz="2000" spc="-1" strike="noStrike">
+              <a:latin typeface="Arial"/>
+            </a:endParaRPr>
+          </a:p>
+          <a:p>
+            <a:pPr marL="432000" indent="-324000">
+              <a:lnSpc>
+                <a:spcPct val="90000"/>
+              </a:lnSpc>
+              <a:spcBef>
+                <a:spcPts val="1417"/>
+              </a:spcBef>
+              <a:buClr>
+                <a:srgbClr val="000000"/>
+              </a:buClr>
+              <a:buSzPct val="45000"/>
+              <a:buFont typeface="Wingdings" charset="2"/>
+              <a:buChar char=""/>
+            </a:pPr>
+            <a:r>
+              <a:rPr b="0" lang="en-US" sz="2000" spc="-1" strike="noStrike">
+                <a:solidFill>
+                  <a:srgbClr val="000000"/>
+                </a:solidFill>
+                <a:latin typeface="AU Passata"/>
+                <a:ea typeface="DejaVu Sans"/>
+              </a:rPr>
+              <a:t>How</a:t>
+            </a:r>
+            <a:endParaRPr b="0" lang="en-DK" sz="2000" spc="-1" strike="noStrike">
+              <a:latin typeface="Arial"/>
+            </a:endParaRPr>
+          </a:p>
+          <a:p>
+            <a:pPr marL="432000" indent="-324000">
+              <a:lnSpc>
+                <a:spcPct val="90000"/>
+              </a:lnSpc>
+              <a:spcBef>
+                <a:spcPts val="1417"/>
+              </a:spcBef>
+              <a:buClr>
+                <a:srgbClr val="000000"/>
+              </a:buClr>
+              <a:buSzPct val="45000"/>
+              <a:buFont typeface="Wingdings" charset="2"/>
+              <a:buChar char=""/>
+            </a:pPr>
+            <a:r>
+              <a:rPr b="0" lang="en-US" sz="2000" spc="-1" strike="noStrike">
+                <a:solidFill>
+                  <a:srgbClr val="000000"/>
+                </a:solidFill>
+                <a:latin typeface="AU Passata"/>
+                <a:ea typeface="DejaVu Sans"/>
+              </a:rPr>
+              <a:t>and Why</a:t>
+            </a:r>
+            <a:endParaRPr b="0" lang="en-DK" sz="2000" spc="-1" strike="noStrike">
+              <a:latin typeface="Arial"/>
+            </a:endParaRPr>
+          </a:p>
+          <a:p>
+            <a:pPr marL="432000" indent="-324000">
+              <a:lnSpc>
+                <a:spcPct val="90000"/>
+              </a:lnSpc>
+              <a:spcBef>
+                <a:spcPts val="1417"/>
+              </a:spcBef>
+              <a:buClr>
+                <a:srgbClr val="000000"/>
+              </a:buClr>
+              <a:buSzPct val="45000"/>
+              <a:buFont typeface="Wingdings" charset="2"/>
+              <a:buChar char=""/>
+            </a:pPr>
+            <a:r>
+              <a:rPr b="0" lang="en-US" sz="2000" spc="-1" strike="noStrike">
+                <a:solidFill>
+                  <a:srgbClr val="000000"/>
+                </a:solidFill>
+                <a:latin typeface="AU Passata"/>
+                <a:ea typeface="DejaVu Sans"/>
+              </a:rPr>
+              <a:t>Sensor Fusion</a:t>
+            </a:r>
+            <a:endParaRPr b="0" lang="en-DK" sz="2000" spc="-1" strike="noStrike">
+              <a:latin typeface="Arial"/>
+            </a:endParaRPr>
+          </a:p>
+          <a:p>
+            <a:pPr>
+              <a:lnSpc>
+                <a:spcPct val="90000"/>
+              </a:lnSpc>
+              <a:spcBef>
+                <a:spcPts val="1417"/>
+              </a:spcBef>
+              <a:buNone/>
+            </a:pPr>
+            <a:endParaRPr b="0" lang="en-DK" sz="2000" spc="-1" strike="noStrike">
+              <a:latin typeface="Arial"/>
+            </a:endParaRPr>
+          </a:p>
+          <a:p>
+            <a:pPr>
+              <a:lnSpc>
+                <a:spcPct val="90000"/>
+              </a:lnSpc>
+              <a:spcBef>
+                <a:spcPts val="1417"/>
+              </a:spcBef>
+              <a:buNone/>
+            </a:pPr>
+            <a:endParaRPr b="0" lang="en-DK" sz="2000" spc="-1" strike="noStrike">
+              <a:latin typeface="Arial"/>
+            </a:endParaRPr>
+          </a:p>
+          <a:p>
+            <a:pPr>
+              <a:lnSpc>
+                <a:spcPct val="90000"/>
+              </a:lnSpc>
+              <a:spcBef>
+                <a:spcPts val="1417"/>
+              </a:spcBef>
+              <a:buNone/>
+            </a:pPr>
+            <a:endParaRPr b="0" lang="en-DK" sz="2000" spc="-1" strike="noStrike">
+              <a:latin typeface="Arial"/>
+            </a:endParaRPr>
+          </a:p>
+          <a:p>
+            <a:pPr>
+              <a:lnSpc>
+                <a:spcPct val="90000"/>
+              </a:lnSpc>
+              <a:spcBef>
+                <a:spcPts val="1417"/>
+              </a:spcBef>
+              <a:buNone/>
+            </a:pPr>
+            <a:endParaRPr b="0" lang="en-DK" sz="2000" spc="-1" strike="noStrike">
+              <a:latin typeface="Arial"/>
+            </a:endParaRPr>
+          </a:p>
+          <a:p>
+            <a:pPr>
+              <a:lnSpc>
+                <a:spcPct val="90000"/>
+              </a:lnSpc>
+              <a:spcBef>
+                <a:spcPts val="1417"/>
+              </a:spcBef>
+              <a:buNone/>
+            </a:pPr>
+            <a:endParaRPr b="0" lang="en-DK" sz="2000" spc="-1" strike="noStrike">
+              <a:latin typeface="Arial"/>
+            </a:endParaRPr>
+          </a:p>
+        </p:txBody>
+      </p:sp>
+      <p:sp>
+        <p:nvSpPr>
+          <p:cNvPr id="457" name="AutoShape 2"/>
           <p:cNvSpPr/>
           <p:nvPr/>
         </p:nvSpPr>
         <p:spPr>
           <a:xfrm>
-            <a:off x="8102880" y="2779200"/>
-            <a:ext cx="303480" cy="303480"/>
+            <a:off x="5942160" y="3276720"/>
+            <a:ext cx="303120" cy="303120"/>
           </a:xfrm>
           <a:prstGeom prst="rect">
             <a:avLst/>
@@ -23370,7 +23807,7 @@
       </p:sp>
       <p:pic>
         <p:nvPicPr>
-          <p:cNvPr id="458" name="" descr=""/>
+          <p:cNvPr id="458" name="Picture 6" descr="Smart DEI Model @BULLET Autonomy: Where computers act independent of... |  Download Scientific Diagram"/>
           <p:cNvPicPr/>
           <p:nvPr/>
         </p:nvPicPr>
@@ -23380,8 +23817,8 @@
         </p:blipFill>
         <p:spPr>
           <a:xfrm>
-            <a:off x="4415040" y="2018520"/>
-            <a:ext cx="2698920" cy="2522880"/>
+            <a:off x="3562200" y="3260880"/>
+            <a:ext cx="3817440" cy="2858760"/>
           </a:xfrm>
           <a:prstGeom prst="rect">
             <a:avLst/>
@@ -23391,214 +23828,29 @@
           </a:ln>
         </p:spPr>
       </p:pic>
-      <p:sp>
-        <p:nvSpPr>
-          <p:cNvPr id="459" name=""/>
-          <p:cNvSpPr/>
+      <p:pic>
+        <p:nvPicPr>
+          <p:cNvPr id="459" name="" descr=""/>
+          <p:cNvPicPr/>
           <p:nvPr/>
-        </p:nvSpPr>
-        <p:spPr>
-          <a:xfrm>
-            <a:off x="5040720" y="1662480"/>
-            <a:ext cx="1618920" cy="354960"/>
-          </a:xfrm>
-          <a:prstGeom prst="rect">
-            <a:avLst/>
-          </a:prstGeom>
-          <a:noFill/>
-          <a:ln w="0">
-            <a:noFill/>
-          </a:ln>
-        </p:spPr>
-        <p:style>
-          <a:lnRef idx="0"/>
-          <a:fillRef idx="0"/>
-          <a:effectRef idx="0"/>
-          <a:fontRef idx="minor"/>
-        </p:style>
-        <p:txBody>
-          <a:bodyPr lIns="90000" rIns="90000" tIns="45000" bIns="45000" anchor="t">
-            <a:noAutofit/>
-          </a:bodyPr>
-          <a:p>
-            <a:pPr>
-              <a:lnSpc>
-                <a:spcPct val="100000"/>
-              </a:lnSpc>
-              <a:buNone/>
-            </a:pPr>
-            <a:r>
-              <a:rPr b="0" lang="en-DK" sz="1800" spc="-1" strike="noStrike">
-                <a:solidFill>
-                  <a:srgbClr val="000000"/>
-                </a:solidFill>
-                <a:latin typeface="Arial"/>
-                <a:ea typeface="DejaVu Sans"/>
-              </a:rPr>
-              <a:t>Data Sources</a:t>
-            </a:r>
-            <a:endParaRPr b="0" lang="en-DK" sz="1800" spc="-1" strike="noStrike">
-              <a:latin typeface="Arial"/>
-            </a:endParaRPr>
-          </a:p>
-        </p:txBody>
-      </p:sp>
-      <p:sp>
-        <p:nvSpPr>
-          <p:cNvPr id="460" name=""/>
-          <p:cNvSpPr/>
-          <p:nvPr/>
-        </p:nvSpPr>
-        <p:spPr>
-          <a:xfrm>
-            <a:off x="7115040" y="3102480"/>
-            <a:ext cx="1704600" cy="857160"/>
-          </a:xfrm>
-          <a:prstGeom prst="rect">
-            <a:avLst/>
-          </a:prstGeom>
-          <a:noFill/>
-          <a:ln w="0">
-            <a:noFill/>
-          </a:ln>
-        </p:spPr>
-        <p:style>
-          <a:lnRef idx="0"/>
-          <a:fillRef idx="0"/>
-          <a:effectRef idx="0"/>
-          <a:fontRef idx="minor"/>
-        </p:style>
-        <p:txBody>
-          <a:bodyPr lIns="90000" rIns="90000" tIns="45000" bIns="45000" anchor="t">
-            <a:noAutofit/>
-          </a:bodyPr>
-          <a:p>
-            <a:pPr>
-              <a:lnSpc>
-                <a:spcPct val="100000"/>
-              </a:lnSpc>
-              <a:buNone/>
-            </a:pPr>
-            <a:r>
-              <a:rPr b="0" lang="en-DK" sz="1800" spc="-1" strike="noStrike">
-                <a:solidFill>
-                  <a:srgbClr val="000000"/>
-                </a:solidFill>
-                <a:latin typeface="Arial"/>
-                <a:ea typeface="DejaVu Sans"/>
-              </a:rPr>
-              <a:t>KB/KBG - Ontology Based</a:t>
-            </a:r>
-            <a:endParaRPr b="0" lang="en-DK" sz="1800" spc="-1" strike="noStrike">
-              <a:latin typeface="Arial"/>
-            </a:endParaRPr>
-          </a:p>
-        </p:txBody>
-      </p:sp>
-      <p:sp>
-        <p:nvSpPr>
-          <p:cNvPr id="461" name=""/>
-          <p:cNvSpPr/>
-          <p:nvPr/>
-        </p:nvSpPr>
-        <p:spPr>
-          <a:xfrm>
-            <a:off x="5220720" y="4542480"/>
-            <a:ext cx="1978920" cy="857160"/>
-          </a:xfrm>
-          <a:prstGeom prst="rect">
-            <a:avLst/>
-          </a:prstGeom>
-          <a:noFill/>
-          <a:ln w="0">
-            <a:noFill/>
-          </a:ln>
-        </p:spPr>
-        <p:style>
-          <a:lnRef idx="0"/>
-          <a:fillRef idx="0"/>
-          <a:effectRef idx="0"/>
-          <a:fontRef idx="minor"/>
-        </p:style>
-        <p:txBody>
-          <a:bodyPr lIns="90000" rIns="90000" tIns="45000" bIns="45000" anchor="t">
-            <a:noAutofit/>
-          </a:bodyPr>
-          <a:p>
-            <a:pPr>
-              <a:lnSpc>
-                <a:spcPct val="100000"/>
-              </a:lnSpc>
-              <a:buNone/>
-            </a:pPr>
-            <a:r>
-              <a:rPr b="0" lang="en-DK" sz="1800" spc="-1" strike="noStrike">
-                <a:solidFill>
-                  <a:srgbClr val="000000"/>
-                </a:solidFill>
-                <a:latin typeface="Arial"/>
-                <a:ea typeface="DejaVu Sans"/>
-              </a:rPr>
-              <a:t>Ontology Based → Adaption (passive/active)</a:t>
-            </a:r>
-            <a:endParaRPr b="0" lang="en-DK" sz="1800" spc="-1" strike="noStrike">
-              <a:latin typeface="Arial"/>
-            </a:endParaRPr>
-          </a:p>
-        </p:txBody>
-      </p:sp>
-      <p:sp>
-        <p:nvSpPr>
-          <p:cNvPr id="462" name=""/>
-          <p:cNvSpPr/>
-          <p:nvPr/>
-        </p:nvSpPr>
-        <p:spPr>
-          <a:xfrm>
-            <a:off x="3060720" y="2742480"/>
-            <a:ext cx="1618920" cy="747000"/>
-          </a:xfrm>
-          <a:prstGeom prst="rect">
-            <a:avLst/>
-          </a:prstGeom>
-          <a:noFill/>
-          <a:ln w="0">
-            <a:noFill/>
-          </a:ln>
-        </p:spPr>
-        <p:style>
-          <a:lnRef idx="0"/>
-          <a:fillRef idx="0"/>
-          <a:effectRef idx="0"/>
-          <a:fontRef idx="minor"/>
-        </p:style>
-        <p:txBody>
-          <a:bodyPr lIns="90000" rIns="90000" tIns="45000" bIns="45000" anchor="t">
-            <a:noAutofit/>
-          </a:bodyPr>
-          <a:p>
-            <a:pPr>
-              <a:lnSpc>
-                <a:spcPct val="100000"/>
-              </a:lnSpc>
-              <a:buNone/>
-            </a:pPr>
-            <a:r>
-              <a:rPr b="0" lang="en-DK" sz="1800" spc="-1" strike="noStrike">
-                <a:solidFill>
-                  <a:srgbClr val="000000"/>
-                </a:solidFill>
-                <a:latin typeface="Arial"/>
-                <a:ea typeface="DejaVu Sans"/>
-              </a:rPr>
-              <a:t>Management - Querying</a:t>
-            </a:r>
-            <a:endParaRPr b="0" lang="en-DK" sz="1800" spc="-1" strike="noStrike">
-              <a:latin typeface="Arial"/>
-            </a:endParaRPr>
-          </a:p>
-        </p:txBody>
-      </p:sp>
+        </p:nvPicPr>
+        <p:blipFill>
+          <a:blip r:embed="rId2"/>
+          <a:stretch/>
+        </p:blipFill>
+        <p:spPr>
+          <a:xfrm>
+            <a:off x="8069400" y="3960000"/>
+            <a:ext cx="3089880" cy="2139480"/>
+          </a:xfrm>
+          <a:prstGeom prst="rect">
+            <a:avLst/>
+          </a:prstGeom>
+          <a:ln w="0">
+            <a:noFill/>
+          </a:ln>
+        </p:spPr>
+      </p:pic>
     </p:spTree>
   </p:cSld>
   <mc:AlternateContent>
@@ -23631,7 +23883,7 @@
       </p:grpSpPr>
       <p:sp>
         <p:nvSpPr>
-          <p:cNvPr id="463" name="PlaceHolder 1"/>
+          <p:cNvPr id="460" name="PlaceHolder 1"/>
           <p:cNvSpPr>
             <a:spLocks noGrp="1"/>
           </p:cNvSpPr>
@@ -23642,7 +23894,7 @@
         <p:spPr>
           <a:xfrm>
             <a:off x="316080" y="149040"/>
-            <a:ext cx="11555280" cy="569880"/>
+            <a:ext cx="11554920" cy="569520"/>
           </a:xfrm>
           <a:prstGeom prst="rect">
             <a:avLst/>
@@ -23671,7 +23923,7 @@
                 <a:latin typeface="AU Passata"/>
                 <a:ea typeface="DejaVu Sans"/>
               </a:rPr>
-              <a:t>Example</a:t>
+              <a:t>Challenges</a:t>
             </a:r>
             <a:endParaRPr b="0" lang="en-DK" sz="4800" spc="-1" strike="noStrike">
               <a:latin typeface="Arial"/>
@@ -23679,50 +23931,209 @@
           </a:p>
         </p:txBody>
       </p:sp>
-      <p:pic>
-        <p:nvPicPr>
-          <p:cNvPr id="464" name="" descr=""/>
-          <p:cNvPicPr/>
-          <p:nvPr/>
-        </p:nvPicPr>
-        <p:blipFill>
-          <a:blip r:embed="rId1"/>
-          <a:stretch/>
-        </p:blipFill>
-        <p:spPr>
-          <a:xfrm>
-            <a:off x="5580000" y="3961080"/>
-            <a:ext cx="1884600" cy="1617840"/>
-          </a:xfrm>
-          <a:prstGeom prst="rect">
-            <a:avLst/>
-          </a:prstGeom>
-          <a:ln w="0">
-            <a:noFill/>
-          </a:ln>
-        </p:spPr>
-      </p:pic>
-      <p:sp>
-        <p:nvSpPr>
-          <p:cNvPr id="465" name=""/>
+      <p:sp>
+        <p:nvSpPr>
+          <p:cNvPr id="461" name="PlaceHolder 2"/>
+          <p:cNvSpPr>
+            <a:spLocks noGrp="1"/>
+          </p:cNvSpPr>
+          <p:nvPr>
+            <p:ph/>
+          </p:nvPr>
+        </p:nvSpPr>
+        <p:spPr>
+          <a:xfrm>
+            <a:off x="330480" y="1867680"/>
+            <a:ext cx="5108040" cy="4242600"/>
+          </a:xfrm>
+          <a:prstGeom prst="rect">
+            <a:avLst/>
+          </a:prstGeom>
+          <a:noFill/>
+          <a:ln w="9360">
+            <a:noFill/>
+          </a:ln>
+        </p:spPr>
+        <p:txBody>
+          <a:bodyPr numCol="1" spcCol="0" lIns="0" rIns="0" tIns="0" bIns="0" anchor="t">
+            <a:noAutofit/>
+          </a:bodyPr>
+          <a:p>
+            <a:pPr marL="432000" indent="-324000">
+              <a:lnSpc>
+                <a:spcPct val="90000"/>
+              </a:lnSpc>
+              <a:spcBef>
+                <a:spcPts val="1417"/>
+              </a:spcBef>
+              <a:buClr>
+                <a:srgbClr val="000000"/>
+              </a:buClr>
+              <a:buSzPct val="45000"/>
+              <a:buFont typeface="Wingdings" charset="2"/>
+              <a:buChar char=""/>
+            </a:pPr>
+            <a:r>
+              <a:rPr b="0" lang="en-US" sz="2000" spc="-1" strike="noStrike">
+                <a:solidFill>
+                  <a:srgbClr val="000000"/>
+                </a:solidFill>
+                <a:latin typeface="AU Passata"/>
+                <a:ea typeface="DejaVu Sans"/>
+              </a:rPr>
+              <a:t>User Context</a:t>
+            </a:r>
+            <a:endParaRPr b="0" lang="en-DK" sz="2000" spc="-1" strike="noStrike">
+              <a:latin typeface="Arial"/>
+            </a:endParaRPr>
+          </a:p>
+          <a:p>
+            <a:pPr marL="432000" indent="-324000">
+              <a:lnSpc>
+                <a:spcPct val="90000"/>
+              </a:lnSpc>
+              <a:spcBef>
+                <a:spcPts val="1417"/>
+              </a:spcBef>
+              <a:buClr>
+                <a:srgbClr val="000000"/>
+              </a:buClr>
+              <a:buSzPct val="45000"/>
+              <a:buFont typeface="Wingdings" charset="2"/>
+              <a:buChar char=""/>
+            </a:pPr>
+            <a:r>
+              <a:rPr b="0" lang="en-US" sz="2000" spc="-1" strike="noStrike">
+                <a:solidFill>
+                  <a:srgbClr val="000000"/>
+                </a:solidFill>
+                <a:latin typeface="AU Passata"/>
+                <a:ea typeface="DejaVu Sans"/>
+              </a:rPr>
+              <a:t>Environment Context</a:t>
+            </a:r>
+            <a:endParaRPr b="0" lang="en-DK" sz="2000" spc="-1" strike="noStrike">
+              <a:latin typeface="Arial"/>
+            </a:endParaRPr>
+          </a:p>
+          <a:p>
+            <a:pPr marL="432000" indent="-324000">
+              <a:lnSpc>
+                <a:spcPct val="90000"/>
+              </a:lnSpc>
+              <a:spcBef>
+                <a:spcPts val="1417"/>
+              </a:spcBef>
+              <a:buClr>
+                <a:srgbClr val="000000"/>
+              </a:buClr>
+              <a:buSzPct val="45000"/>
+              <a:buFont typeface="Wingdings" charset="2"/>
+              <a:buChar char=""/>
+            </a:pPr>
+            <a:r>
+              <a:rPr b="0" lang="en-US" sz="2000" spc="-1" strike="noStrike">
+                <a:solidFill>
+                  <a:srgbClr val="000000"/>
+                </a:solidFill>
+                <a:latin typeface="AU Passata"/>
+                <a:ea typeface="DejaVu Sans"/>
+              </a:rPr>
+              <a:t>Privacy</a:t>
+            </a:r>
+            <a:endParaRPr b="0" lang="en-DK" sz="2000" spc="-1" strike="noStrike">
+              <a:latin typeface="Arial"/>
+            </a:endParaRPr>
+          </a:p>
+          <a:p>
+            <a:pPr>
+              <a:lnSpc>
+                <a:spcPct val="90000"/>
+              </a:lnSpc>
+              <a:spcBef>
+                <a:spcPts val="1417"/>
+              </a:spcBef>
+              <a:buNone/>
+            </a:pPr>
+            <a:endParaRPr b="0" lang="en-DK" sz="2000" spc="-1" strike="noStrike">
+              <a:latin typeface="Arial"/>
+            </a:endParaRPr>
+          </a:p>
+          <a:p>
+            <a:pPr>
+              <a:lnSpc>
+                <a:spcPct val="90000"/>
+              </a:lnSpc>
+              <a:spcBef>
+                <a:spcPts val="1417"/>
+              </a:spcBef>
+              <a:buNone/>
+            </a:pPr>
+            <a:endParaRPr b="0" lang="en-DK" sz="2000" spc="-1" strike="noStrike">
+              <a:latin typeface="Arial"/>
+            </a:endParaRPr>
+          </a:p>
+          <a:p>
+            <a:pPr>
+              <a:lnSpc>
+                <a:spcPct val="90000"/>
+              </a:lnSpc>
+              <a:spcBef>
+                <a:spcPts val="1417"/>
+              </a:spcBef>
+              <a:buNone/>
+            </a:pPr>
+            <a:endParaRPr b="0" lang="en-DK" sz="2000" spc="-1" strike="noStrike">
+              <a:latin typeface="Arial"/>
+            </a:endParaRPr>
+          </a:p>
+          <a:p>
+            <a:pPr>
+              <a:lnSpc>
+                <a:spcPct val="90000"/>
+              </a:lnSpc>
+              <a:spcBef>
+                <a:spcPts val="1417"/>
+              </a:spcBef>
+              <a:buNone/>
+            </a:pPr>
+            <a:endParaRPr b="0" lang="en-DK" sz="2000" spc="-1" strike="noStrike">
+              <a:latin typeface="Arial"/>
+            </a:endParaRPr>
+          </a:p>
+          <a:p>
+            <a:pPr>
+              <a:lnSpc>
+                <a:spcPct val="90000"/>
+              </a:lnSpc>
+              <a:spcBef>
+                <a:spcPts val="1417"/>
+              </a:spcBef>
+              <a:buNone/>
+            </a:pPr>
+            <a:endParaRPr b="0" lang="en-DK" sz="2000" spc="-1" strike="noStrike">
+              <a:latin typeface="Arial"/>
+            </a:endParaRPr>
+          </a:p>
+        </p:txBody>
+      </p:sp>
+      <p:sp>
+        <p:nvSpPr>
+          <p:cNvPr id="462" name="AutoShape 4"/>
           <p:cNvSpPr/>
           <p:nvPr/>
         </p:nvSpPr>
         <p:spPr>
           <a:xfrm>
-            <a:off x="5760000" y="1620000"/>
-            <a:ext cx="1618920" cy="718920"/>
-          </a:xfrm>
-          <a:prstGeom prst="rect">
-            <a:avLst/>
-          </a:prstGeom>
-          <a:solidFill>
-            <a:srgbClr val="729fcf"/>
-          </a:solidFill>
-          <a:ln w="0">
-            <a:solidFill>
-              <a:srgbClr val="3465a4"/>
-            </a:solidFill>
+            <a:off x="5942160" y="3276720"/>
+            <a:ext cx="303120" cy="303120"/>
+          </a:xfrm>
+          <a:prstGeom prst="rect">
+            <a:avLst/>
+          </a:prstGeom>
+          <a:noFill/>
+          <a:ln w="0">
+            <a:noFill/>
           </a:ln>
         </p:spPr>
         <p:style>
@@ -23731,200 +24142,6 @@
           <a:effectRef idx="0"/>
           <a:fontRef idx="minor"/>
         </p:style>
-        <p:txBody>
-          <a:bodyPr lIns="90000" rIns="90000" tIns="45000" bIns="45000" anchor="ctr">
-            <a:noAutofit/>
-          </a:bodyPr>
-          <a:p>
-            <a:pPr algn="ctr">
-              <a:lnSpc>
-                <a:spcPct val="100000"/>
-              </a:lnSpc>
-              <a:buNone/>
-            </a:pPr>
-            <a:r>
-              <a:rPr b="0" lang="en-DK" sz="1800" spc="-1" strike="noStrike">
-                <a:solidFill>
-                  <a:srgbClr val="000000"/>
-                </a:solidFill>
-                <a:latin typeface="Arial"/>
-                <a:ea typeface="DejaVu Sans"/>
-              </a:rPr>
-              <a:t>Fact</a:t>
-            </a:r>
-            <a:endParaRPr b="0" lang="en-DK" sz="1800" spc="-1" strike="noStrike">
-              <a:latin typeface="Arial"/>
-            </a:endParaRPr>
-          </a:p>
-        </p:txBody>
-      </p:sp>
-      <p:sp>
-        <p:nvSpPr>
-          <p:cNvPr id="466" name=""/>
-          <p:cNvSpPr/>
-          <p:nvPr/>
-        </p:nvSpPr>
-        <p:spPr>
-          <a:xfrm>
-            <a:off x="5760000" y="2880000"/>
-            <a:ext cx="1618920" cy="718920"/>
-          </a:xfrm>
-          <a:prstGeom prst="rect">
-            <a:avLst/>
-          </a:prstGeom>
-          <a:solidFill>
-            <a:srgbClr val="729fcf"/>
-          </a:solidFill>
-          <a:ln w="0">
-            <a:solidFill>
-              <a:srgbClr val="3465a4"/>
-            </a:solidFill>
-          </a:ln>
-        </p:spPr>
-        <p:style>
-          <a:lnRef idx="0"/>
-          <a:fillRef idx="0"/>
-          <a:effectRef idx="0"/>
-          <a:fontRef idx="minor"/>
-        </p:style>
-        <p:txBody>
-          <a:bodyPr lIns="90000" rIns="90000" tIns="45000" bIns="45000" anchor="ctr">
-            <a:noAutofit/>
-          </a:bodyPr>
-          <a:p>
-            <a:pPr algn="ctr">
-              <a:lnSpc>
-                <a:spcPct val="100000"/>
-              </a:lnSpc>
-              <a:buNone/>
-            </a:pPr>
-            <a:r>
-              <a:rPr b="0" lang="en-DK" sz="1800" spc="-1" strike="noStrike">
-                <a:solidFill>
-                  <a:srgbClr val="000000"/>
-                </a:solidFill>
-                <a:latin typeface="Arial"/>
-                <a:ea typeface="DejaVu Sans"/>
-              </a:rPr>
-              <a:t>Relation</a:t>
-            </a:r>
-            <a:endParaRPr b="0" lang="en-DK" sz="1800" spc="-1" strike="noStrike">
-              <a:latin typeface="Arial"/>
-            </a:endParaRPr>
-          </a:p>
-        </p:txBody>
-      </p:sp>
-      <p:sp>
-        <p:nvSpPr>
-          <p:cNvPr id="467" name=""/>
-          <p:cNvSpPr/>
-          <p:nvPr/>
-        </p:nvSpPr>
-        <p:spPr>
-          <a:xfrm>
-            <a:off x="7560000" y="2880000"/>
-            <a:ext cx="1618920" cy="718920"/>
-          </a:xfrm>
-          <a:prstGeom prst="rect">
-            <a:avLst/>
-          </a:prstGeom>
-          <a:solidFill>
-            <a:srgbClr val="729fcf"/>
-          </a:solidFill>
-          <a:ln w="0">
-            <a:solidFill>
-              <a:srgbClr val="3465a4"/>
-            </a:solidFill>
-          </a:ln>
-        </p:spPr>
-        <p:style>
-          <a:lnRef idx="0"/>
-          <a:fillRef idx="0"/>
-          <a:effectRef idx="0"/>
-          <a:fontRef idx="minor"/>
-        </p:style>
-        <p:txBody>
-          <a:bodyPr lIns="90000" rIns="90000" tIns="45000" bIns="45000" anchor="ctr">
-            <a:noAutofit/>
-          </a:bodyPr>
-          <a:p>
-            <a:pPr algn="ctr">
-              <a:lnSpc>
-                <a:spcPct val="100000"/>
-              </a:lnSpc>
-              <a:buNone/>
-            </a:pPr>
-            <a:r>
-              <a:rPr b="0" lang="en-DK" sz="1800" spc="-1" strike="noStrike">
-                <a:solidFill>
-                  <a:srgbClr val="000000"/>
-                </a:solidFill>
-                <a:latin typeface="Arial"/>
-                <a:ea typeface="DejaVu Sans"/>
-              </a:rPr>
-              <a:t>Object</a:t>
-            </a:r>
-            <a:endParaRPr b="0" lang="en-DK" sz="1800" spc="-1" strike="noStrike">
-              <a:latin typeface="Arial"/>
-            </a:endParaRPr>
-          </a:p>
-        </p:txBody>
-      </p:sp>
-      <p:sp>
-        <p:nvSpPr>
-          <p:cNvPr id="468" name=""/>
-          <p:cNvSpPr/>
-          <p:nvPr/>
-        </p:nvSpPr>
-        <p:spPr>
-          <a:xfrm>
-            <a:off x="3960000" y="2880000"/>
-            <a:ext cx="1618920" cy="718920"/>
-          </a:xfrm>
-          <a:prstGeom prst="rect">
-            <a:avLst/>
-          </a:prstGeom>
-          <a:solidFill>
-            <a:srgbClr val="729fcf"/>
-          </a:solidFill>
-          <a:ln w="0">
-            <a:solidFill>
-              <a:srgbClr val="3465a4"/>
-            </a:solidFill>
-          </a:ln>
-        </p:spPr>
-        <p:style>
-          <a:lnRef idx="0"/>
-          <a:fillRef idx="0"/>
-          <a:effectRef idx="0"/>
-          <a:fontRef idx="minor"/>
-        </p:style>
-        <p:txBody>
-          <a:bodyPr lIns="90000" rIns="90000" tIns="45000" bIns="45000" anchor="ctr">
-            <a:noAutofit/>
-          </a:bodyPr>
-          <a:p>
-            <a:pPr algn="ctr">
-              <a:lnSpc>
-                <a:spcPct val="100000"/>
-              </a:lnSpc>
-              <a:buNone/>
-            </a:pPr>
-            <a:r>
-              <a:rPr b="0" lang="en-DK" sz="1800" spc="-1" strike="noStrike">
-                <a:solidFill>
-                  <a:srgbClr val="000000"/>
-                </a:solidFill>
-                <a:latin typeface="Arial"/>
-                <a:ea typeface="DejaVu Sans"/>
-              </a:rPr>
-              <a:t>Subject</a:t>
-            </a:r>
-            <a:endParaRPr b="0" lang="en-DK" sz="1800" spc="-1" strike="noStrike">
-              <a:latin typeface="Arial"/>
-            </a:endParaRPr>
-          </a:p>
-        </p:txBody>
       </p:sp>
     </p:spTree>
   </p:cSld>
@@ -23958,7 +24175,7 @@
       </p:grpSpPr>
       <p:sp>
         <p:nvSpPr>
-          <p:cNvPr id="469" name="PlaceHolder 1"/>
+          <p:cNvPr id="463" name="PlaceHolder 1"/>
           <p:cNvSpPr>
             <a:spLocks noGrp="1"/>
           </p:cNvSpPr>
@@ -23969,7 +24186,7 @@
         <p:spPr>
           <a:xfrm>
             <a:off x="316080" y="149040"/>
-            <a:ext cx="11555280" cy="569880"/>
+            <a:ext cx="11554920" cy="569520"/>
           </a:xfrm>
           <a:prstGeom prst="rect">
             <a:avLst/>
@@ -23998,7 +24215,7 @@
                 <a:latin typeface="AU Passata"/>
                 <a:ea typeface="DejaVu Sans"/>
               </a:rPr>
-              <a:t>Smart X</a:t>
+              <a:t>Lifecycle</a:t>
             </a:r>
             <a:endParaRPr b="0" lang="en-DK" sz="4800" spc="-1" strike="noStrike">
               <a:latin typeface="Arial"/>
@@ -24008,142 +24225,14 @@
       </p:sp>
       <p:sp>
         <p:nvSpPr>
-          <p:cNvPr id="470" name="PlaceHolder 2"/>
-          <p:cNvSpPr>
-            <a:spLocks noGrp="1"/>
-          </p:cNvSpPr>
-          <p:nvPr>
-            <p:ph/>
-          </p:nvPr>
-        </p:nvSpPr>
-        <p:spPr>
-          <a:xfrm>
-            <a:off x="330480" y="1867680"/>
-            <a:ext cx="5108400" cy="4242960"/>
-          </a:xfrm>
-          <a:prstGeom prst="rect">
-            <a:avLst/>
-          </a:prstGeom>
-          <a:noFill/>
-          <a:ln w="9360">
-            <a:noFill/>
-          </a:ln>
-        </p:spPr>
-        <p:txBody>
-          <a:bodyPr numCol="1" spcCol="0" lIns="0" rIns="0" tIns="0" bIns="0" anchor="t">
-            <a:noAutofit/>
-          </a:bodyPr>
-          <a:p>
-            <a:pPr marL="432000" indent="-324000">
-              <a:lnSpc>
-                <a:spcPct val="90000"/>
-              </a:lnSpc>
-              <a:spcBef>
-                <a:spcPts val="1417"/>
-              </a:spcBef>
-              <a:buClr>
-                <a:srgbClr val="000000"/>
-              </a:buClr>
-              <a:buSzPct val="45000"/>
-              <a:buFont typeface="Wingdings" charset="2"/>
-              <a:buChar char=""/>
-            </a:pPr>
-            <a:r>
-              <a:rPr b="0" lang="en-US" sz="2000" spc="-1" strike="noStrike">
-                <a:solidFill>
-                  <a:srgbClr val="000000"/>
-                </a:solidFill>
-                <a:latin typeface="AU Passata"/>
-                <a:ea typeface="DejaVu Sans"/>
-              </a:rPr>
-              <a:t>Combination → Intelligent Environment</a:t>
-            </a:r>
-            <a:endParaRPr b="0" lang="en-DK" sz="2000" spc="-1" strike="noStrike">
-              <a:latin typeface="Arial"/>
-            </a:endParaRPr>
-          </a:p>
-          <a:p>
-            <a:pPr>
-              <a:lnSpc>
-                <a:spcPct val="90000"/>
-              </a:lnSpc>
-              <a:spcBef>
-                <a:spcPts val="1417"/>
-              </a:spcBef>
-              <a:buNone/>
-            </a:pPr>
-            <a:endParaRPr b="0" lang="en-DK" sz="2000" spc="-1" strike="noStrike">
-              <a:latin typeface="Arial"/>
-            </a:endParaRPr>
-          </a:p>
-          <a:p>
-            <a:pPr>
-              <a:lnSpc>
-                <a:spcPct val="90000"/>
-              </a:lnSpc>
-              <a:spcBef>
-                <a:spcPts val="1417"/>
-              </a:spcBef>
-              <a:buNone/>
-            </a:pPr>
-            <a:endParaRPr b="0" lang="en-DK" sz="2000" spc="-1" strike="noStrike">
-              <a:latin typeface="Arial"/>
-            </a:endParaRPr>
-          </a:p>
-          <a:p>
-            <a:pPr>
-              <a:lnSpc>
-                <a:spcPct val="90000"/>
-              </a:lnSpc>
-              <a:spcBef>
-                <a:spcPts val="1417"/>
-              </a:spcBef>
-              <a:buNone/>
-            </a:pPr>
-            <a:endParaRPr b="0" lang="en-DK" sz="2000" spc="-1" strike="noStrike">
-              <a:latin typeface="Arial"/>
-            </a:endParaRPr>
-          </a:p>
-          <a:p>
-            <a:pPr>
-              <a:lnSpc>
-                <a:spcPct val="90000"/>
-              </a:lnSpc>
-              <a:spcBef>
-                <a:spcPts val="1417"/>
-              </a:spcBef>
-              <a:buNone/>
-            </a:pPr>
-            <a:endParaRPr b="0" lang="en-DK" sz="2000" spc="-1" strike="noStrike">
-              <a:latin typeface="Arial"/>
-            </a:endParaRPr>
-          </a:p>
-          <a:p>
-            <a:pPr>
-              <a:lnSpc>
-                <a:spcPct val="90000"/>
-              </a:lnSpc>
-              <a:spcBef>
-                <a:spcPts val="1417"/>
-              </a:spcBef>
-              <a:buNone/>
-            </a:pPr>
-            <a:endParaRPr b="0" lang="en-DK" sz="2000" spc="-1" strike="noStrike">
-              <a:latin typeface="Arial"/>
-            </a:endParaRPr>
-          </a:p>
-        </p:txBody>
-      </p:sp>
-      <p:sp>
-        <p:nvSpPr>
-          <p:cNvPr id="471" name="AutoShape 5"/>
+          <p:cNvPr id="464" name="AutoShape 3"/>
           <p:cNvSpPr/>
           <p:nvPr/>
         </p:nvSpPr>
         <p:spPr>
           <a:xfrm>
-            <a:off x="5942160" y="3276720"/>
-            <a:ext cx="303480" cy="303480"/>
+            <a:off x="8102880" y="2779200"/>
+            <a:ext cx="303120" cy="303120"/>
           </a:xfrm>
           <a:prstGeom prst="rect">
             <a:avLst/>
@@ -24162,7 +24251,7 @@
       </p:sp>
       <p:pic>
         <p:nvPicPr>
-          <p:cNvPr id="472" name="Picture 5" descr=""/>
+          <p:cNvPr id="465" name="" descr=""/>
           <p:cNvPicPr/>
           <p:nvPr/>
         </p:nvPicPr>
@@ -24172,8 +24261,8 @@
         </p:blipFill>
         <p:spPr>
           <a:xfrm>
-            <a:off x="1240560" y="3420000"/>
-            <a:ext cx="4198320" cy="2545200"/>
+            <a:off x="4415040" y="2018520"/>
+            <a:ext cx="2698560" cy="2522520"/>
           </a:xfrm>
           <a:prstGeom prst="rect">
             <a:avLst/>
@@ -24183,29 +24272,214 @@
           </a:ln>
         </p:spPr>
       </p:pic>
-      <p:pic>
-        <p:nvPicPr>
-          <p:cNvPr id="473" name="Picture 7" descr="Smart DEI Model @BULLET Autonomy: Where computers act independent of... |  Download Scientific Diagram"/>
-          <p:cNvPicPr/>
+      <p:sp>
+        <p:nvSpPr>
+          <p:cNvPr id="466" name=""/>
+          <p:cNvSpPr/>
           <p:nvPr/>
-        </p:nvPicPr>
-        <p:blipFill>
-          <a:blip r:embed="rId2"/>
-          <a:stretch/>
-        </p:blipFill>
-        <p:spPr>
-          <a:xfrm>
-            <a:off x="5580000" y="500400"/>
-            <a:ext cx="4859640" cy="3639240"/>
-          </a:xfrm>
-          <a:prstGeom prst="rect">
-            <a:avLst/>
-          </a:prstGeom>
-          <a:ln w="0">
-            <a:noFill/>
-          </a:ln>
-        </p:spPr>
-      </p:pic>
+        </p:nvSpPr>
+        <p:spPr>
+          <a:xfrm>
+            <a:off x="5040720" y="1662480"/>
+            <a:ext cx="1618560" cy="354600"/>
+          </a:xfrm>
+          <a:prstGeom prst="rect">
+            <a:avLst/>
+          </a:prstGeom>
+          <a:noFill/>
+          <a:ln w="0">
+            <a:noFill/>
+          </a:ln>
+        </p:spPr>
+        <p:style>
+          <a:lnRef idx="0"/>
+          <a:fillRef idx="0"/>
+          <a:effectRef idx="0"/>
+          <a:fontRef idx="minor"/>
+        </p:style>
+        <p:txBody>
+          <a:bodyPr lIns="90000" rIns="90000" tIns="45000" bIns="45000" anchor="t">
+            <a:noAutofit/>
+          </a:bodyPr>
+          <a:p>
+            <a:pPr>
+              <a:lnSpc>
+                <a:spcPct val="100000"/>
+              </a:lnSpc>
+              <a:buNone/>
+            </a:pPr>
+            <a:r>
+              <a:rPr b="0" lang="en-DK" sz="1800" spc="-1" strike="noStrike">
+                <a:solidFill>
+                  <a:srgbClr val="000000"/>
+                </a:solidFill>
+                <a:latin typeface="Arial"/>
+                <a:ea typeface="DejaVu Sans"/>
+              </a:rPr>
+              <a:t>Data Sources</a:t>
+            </a:r>
+            <a:endParaRPr b="0" lang="en-DK" sz="1800" spc="-1" strike="noStrike">
+              <a:latin typeface="Arial"/>
+            </a:endParaRPr>
+          </a:p>
+        </p:txBody>
+      </p:sp>
+      <p:sp>
+        <p:nvSpPr>
+          <p:cNvPr id="467" name=""/>
+          <p:cNvSpPr/>
+          <p:nvPr/>
+        </p:nvSpPr>
+        <p:spPr>
+          <a:xfrm>
+            <a:off x="7115040" y="3102480"/>
+            <a:ext cx="1704240" cy="856800"/>
+          </a:xfrm>
+          <a:prstGeom prst="rect">
+            <a:avLst/>
+          </a:prstGeom>
+          <a:noFill/>
+          <a:ln w="0">
+            <a:noFill/>
+          </a:ln>
+        </p:spPr>
+        <p:style>
+          <a:lnRef idx="0"/>
+          <a:fillRef idx="0"/>
+          <a:effectRef idx="0"/>
+          <a:fontRef idx="minor"/>
+        </p:style>
+        <p:txBody>
+          <a:bodyPr lIns="90000" rIns="90000" tIns="45000" bIns="45000" anchor="t">
+            <a:noAutofit/>
+          </a:bodyPr>
+          <a:p>
+            <a:pPr>
+              <a:lnSpc>
+                <a:spcPct val="100000"/>
+              </a:lnSpc>
+              <a:buNone/>
+            </a:pPr>
+            <a:r>
+              <a:rPr b="0" lang="en-DK" sz="1800" spc="-1" strike="noStrike">
+                <a:solidFill>
+                  <a:srgbClr val="000000"/>
+                </a:solidFill>
+                <a:latin typeface="Arial"/>
+                <a:ea typeface="DejaVu Sans"/>
+              </a:rPr>
+              <a:t>KB/KBG - Ontology Based</a:t>
+            </a:r>
+            <a:endParaRPr b="0" lang="en-DK" sz="1800" spc="-1" strike="noStrike">
+              <a:latin typeface="Arial"/>
+            </a:endParaRPr>
+          </a:p>
+        </p:txBody>
+      </p:sp>
+      <p:sp>
+        <p:nvSpPr>
+          <p:cNvPr id="468" name=""/>
+          <p:cNvSpPr/>
+          <p:nvPr/>
+        </p:nvSpPr>
+        <p:spPr>
+          <a:xfrm>
+            <a:off x="5220720" y="4542480"/>
+            <a:ext cx="1978560" cy="856800"/>
+          </a:xfrm>
+          <a:prstGeom prst="rect">
+            <a:avLst/>
+          </a:prstGeom>
+          <a:noFill/>
+          <a:ln w="0">
+            <a:noFill/>
+          </a:ln>
+        </p:spPr>
+        <p:style>
+          <a:lnRef idx="0"/>
+          <a:fillRef idx="0"/>
+          <a:effectRef idx="0"/>
+          <a:fontRef idx="minor"/>
+        </p:style>
+        <p:txBody>
+          <a:bodyPr lIns="90000" rIns="90000" tIns="45000" bIns="45000" anchor="t">
+            <a:noAutofit/>
+          </a:bodyPr>
+          <a:p>
+            <a:pPr>
+              <a:lnSpc>
+                <a:spcPct val="100000"/>
+              </a:lnSpc>
+              <a:buNone/>
+            </a:pPr>
+            <a:r>
+              <a:rPr b="0" lang="en-DK" sz="1800" spc="-1" strike="noStrike">
+                <a:solidFill>
+                  <a:srgbClr val="000000"/>
+                </a:solidFill>
+                <a:latin typeface="Arial"/>
+                <a:ea typeface="DejaVu Sans"/>
+              </a:rPr>
+              <a:t>Ontology Based → Adaption (passive/active)</a:t>
+            </a:r>
+            <a:endParaRPr b="0" lang="en-DK" sz="1800" spc="-1" strike="noStrike">
+              <a:latin typeface="Arial"/>
+            </a:endParaRPr>
+          </a:p>
+        </p:txBody>
+      </p:sp>
+      <p:sp>
+        <p:nvSpPr>
+          <p:cNvPr id="469" name=""/>
+          <p:cNvSpPr/>
+          <p:nvPr/>
+        </p:nvSpPr>
+        <p:spPr>
+          <a:xfrm>
+            <a:off x="3060720" y="2742480"/>
+            <a:ext cx="1618560" cy="746640"/>
+          </a:xfrm>
+          <a:prstGeom prst="rect">
+            <a:avLst/>
+          </a:prstGeom>
+          <a:noFill/>
+          <a:ln w="0">
+            <a:noFill/>
+          </a:ln>
+        </p:spPr>
+        <p:style>
+          <a:lnRef idx="0"/>
+          <a:fillRef idx="0"/>
+          <a:effectRef idx="0"/>
+          <a:fontRef idx="minor"/>
+        </p:style>
+        <p:txBody>
+          <a:bodyPr lIns="90000" rIns="90000" tIns="45000" bIns="45000" anchor="t">
+            <a:noAutofit/>
+          </a:bodyPr>
+          <a:p>
+            <a:pPr>
+              <a:lnSpc>
+                <a:spcPct val="100000"/>
+              </a:lnSpc>
+              <a:buNone/>
+            </a:pPr>
+            <a:r>
+              <a:rPr b="0" lang="en-DK" sz="1800" spc="-1" strike="noStrike">
+                <a:solidFill>
+                  <a:srgbClr val="000000"/>
+                </a:solidFill>
+                <a:latin typeface="Arial"/>
+                <a:ea typeface="DejaVu Sans"/>
+              </a:rPr>
+              <a:t>Management - Querying</a:t>
+            </a:r>
+            <a:endParaRPr b="0" lang="en-DK" sz="1800" spc="-1" strike="noStrike">
+              <a:latin typeface="Arial"/>
+            </a:endParaRPr>
+          </a:p>
+        </p:txBody>
+      </p:sp>
     </p:spTree>
   </p:cSld>
   <mc:AlternateContent>
@@ -24238,7 +24512,7 @@
       </p:grpSpPr>
       <p:sp>
         <p:nvSpPr>
-          <p:cNvPr id="474" name="PlaceHolder 1"/>
+          <p:cNvPr id="470" name="PlaceHolder 1"/>
           <p:cNvSpPr>
             <a:spLocks noGrp="1"/>
           </p:cNvSpPr>
@@ -24249,7 +24523,7 @@
         <p:spPr>
           <a:xfrm>
             <a:off x="316080" y="149040"/>
-            <a:ext cx="11555280" cy="569880"/>
+            <a:ext cx="11554920" cy="569520"/>
           </a:xfrm>
           <a:prstGeom prst="rect">
             <a:avLst/>
@@ -24278,7 +24552,7 @@
                 <a:latin typeface="AU Passata"/>
                 <a:ea typeface="DejaVu Sans"/>
               </a:rPr>
-              <a:t>Intelligent Env. Example</a:t>
+              <a:t>Example</a:t>
             </a:r>
             <a:endParaRPr b="0" lang="en-DK" sz="4800" spc="-1" strike="noStrike">
               <a:latin typeface="Arial"/>
@@ -24286,9 +24560,336 @@
           </a:p>
         </p:txBody>
       </p:sp>
-      <p:sp>
-        <p:nvSpPr>
-          <p:cNvPr id="475" name="PlaceHolder 2"/>
+      <p:pic>
+        <p:nvPicPr>
+          <p:cNvPr id="471" name="" descr=""/>
+          <p:cNvPicPr/>
+          <p:nvPr/>
+        </p:nvPicPr>
+        <p:blipFill>
+          <a:blip r:embed="rId1"/>
+          <a:stretch/>
+        </p:blipFill>
+        <p:spPr>
+          <a:xfrm>
+            <a:off x="5580000" y="3961080"/>
+            <a:ext cx="1884240" cy="1617480"/>
+          </a:xfrm>
+          <a:prstGeom prst="rect">
+            <a:avLst/>
+          </a:prstGeom>
+          <a:ln w="0">
+            <a:noFill/>
+          </a:ln>
+        </p:spPr>
+      </p:pic>
+      <p:sp>
+        <p:nvSpPr>
+          <p:cNvPr id="472" name=""/>
+          <p:cNvSpPr/>
+          <p:nvPr/>
+        </p:nvSpPr>
+        <p:spPr>
+          <a:xfrm>
+            <a:off x="5760000" y="1620000"/>
+            <a:ext cx="1618560" cy="718560"/>
+          </a:xfrm>
+          <a:prstGeom prst="rect">
+            <a:avLst/>
+          </a:prstGeom>
+          <a:solidFill>
+            <a:srgbClr val="729fcf"/>
+          </a:solidFill>
+          <a:ln w="0">
+            <a:solidFill>
+              <a:srgbClr val="3465a4"/>
+            </a:solidFill>
+          </a:ln>
+        </p:spPr>
+        <p:style>
+          <a:lnRef idx="0"/>
+          <a:fillRef idx="0"/>
+          <a:effectRef idx="0"/>
+          <a:fontRef idx="minor"/>
+        </p:style>
+        <p:txBody>
+          <a:bodyPr lIns="90000" rIns="90000" tIns="45000" bIns="45000" anchor="ctr">
+            <a:noAutofit/>
+          </a:bodyPr>
+          <a:p>
+            <a:pPr algn="ctr">
+              <a:lnSpc>
+                <a:spcPct val="100000"/>
+              </a:lnSpc>
+              <a:buNone/>
+            </a:pPr>
+            <a:r>
+              <a:rPr b="0" lang="en-DK" sz="1800" spc="-1" strike="noStrike">
+                <a:solidFill>
+                  <a:srgbClr val="000000"/>
+                </a:solidFill>
+                <a:latin typeface="Arial"/>
+                <a:ea typeface="DejaVu Sans"/>
+              </a:rPr>
+              <a:t>Fact</a:t>
+            </a:r>
+            <a:endParaRPr b="0" lang="en-DK" sz="1800" spc="-1" strike="noStrike">
+              <a:latin typeface="Arial"/>
+            </a:endParaRPr>
+          </a:p>
+        </p:txBody>
+      </p:sp>
+      <p:sp>
+        <p:nvSpPr>
+          <p:cNvPr id="473" name=""/>
+          <p:cNvSpPr/>
+          <p:nvPr/>
+        </p:nvSpPr>
+        <p:spPr>
+          <a:xfrm>
+            <a:off x="5760000" y="2880000"/>
+            <a:ext cx="1618560" cy="718560"/>
+          </a:xfrm>
+          <a:prstGeom prst="rect">
+            <a:avLst/>
+          </a:prstGeom>
+          <a:solidFill>
+            <a:srgbClr val="729fcf"/>
+          </a:solidFill>
+          <a:ln w="0">
+            <a:solidFill>
+              <a:srgbClr val="3465a4"/>
+            </a:solidFill>
+          </a:ln>
+        </p:spPr>
+        <p:style>
+          <a:lnRef idx="0"/>
+          <a:fillRef idx="0"/>
+          <a:effectRef idx="0"/>
+          <a:fontRef idx="minor"/>
+        </p:style>
+        <p:txBody>
+          <a:bodyPr lIns="90000" rIns="90000" tIns="45000" bIns="45000" anchor="ctr">
+            <a:noAutofit/>
+          </a:bodyPr>
+          <a:p>
+            <a:pPr algn="ctr">
+              <a:lnSpc>
+                <a:spcPct val="100000"/>
+              </a:lnSpc>
+              <a:buNone/>
+            </a:pPr>
+            <a:r>
+              <a:rPr b="0" lang="en-DK" sz="1800" spc="-1" strike="noStrike">
+                <a:solidFill>
+                  <a:srgbClr val="000000"/>
+                </a:solidFill>
+                <a:latin typeface="Arial"/>
+                <a:ea typeface="DejaVu Sans"/>
+              </a:rPr>
+              <a:t>Relation</a:t>
+            </a:r>
+            <a:endParaRPr b="0" lang="en-DK" sz="1800" spc="-1" strike="noStrike">
+              <a:latin typeface="Arial"/>
+            </a:endParaRPr>
+          </a:p>
+        </p:txBody>
+      </p:sp>
+      <p:sp>
+        <p:nvSpPr>
+          <p:cNvPr id="474" name=""/>
+          <p:cNvSpPr/>
+          <p:nvPr/>
+        </p:nvSpPr>
+        <p:spPr>
+          <a:xfrm>
+            <a:off x="7560000" y="2880000"/>
+            <a:ext cx="1618560" cy="718560"/>
+          </a:xfrm>
+          <a:prstGeom prst="rect">
+            <a:avLst/>
+          </a:prstGeom>
+          <a:solidFill>
+            <a:srgbClr val="729fcf"/>
+          </a:solidFill>
+          <a:ln w="0">
+            <a:solidFill>
+              <a:srgbClr val="3465a4"/>
+            </a:solidFill>
+          </a:ln>
+        </p:spPr>
+        <p:style>
+          <a:lnRef idx="0"/>
+          <a:fillRef idx="0"/>
+          <a:effectRef idx="0"/>
+          <a:fontRef idx="minor"/>
+        </p:style>
+        <p:txBody>
+          <a:bodyPr lIns="90000" rIns="90000" tIns="45000" bIns="45000" anchor="ctr">
+            <a:noAutofit/>
+          </a:bodyPr>
+          <a:p>
+            <a:pPr algn="ctr">
+              <a:lnSpc>
+                <a:spcPct val="100000"/>
+              </a:lnSpc>
+              <a:buNone/>
+            </a:pPr>
+            <a:r>
+              <a:rPr b="0" lang="en-DK" sz="1800" spc="-1" strike="noStrike">
+                <a:solidFill>
+                  <a:srgbClr val="000000"/>
+                </a:solidFill>
+                <a:latin typeface="Arial"/>
+                <a:ea typeface="DejaVu Sans"/>
+              </a:rPr>
+              <a:t>Object</a:t>
+            </a:r>
+            <a:endParaRPr b="0" lang="en-DK" sz="1800" spc="-1" strike="noStrike">
+              <a:latin typeface="Arial"/>
+            </a:endParaRPr>
+          </a:p>
+        </p:txBody>
+      </p:sp>
+      <p:sp>
+        <p:nvSpPr>
+          <p:cNvPr id="475" name=""/>
+          <p:cNvSpPr/>
+          <p:nvPr/>
+        </p:nvSpPr>
+        <p:spPr>
+          <a:xfrm>
+            <a:off x="3960000" y="2880000"/>
+            <a:ext cx="1618560" cy="718560"/>
+          </a:xfrm>
+          <a:prstGeom prst="rect">
+            <a:avLst/>
+          </a:prstGeom>
+          <a:solidFill>
+            <a:srgbClr val="729fcf"/>
+          </a:solidFill>
+          <a:ln w="0">
+            <a:solidFill>
+              <a:srgbClr val="3465a4"/>
+            </a:solidFill>
+          </a:ln>
+        </p:spPr>
+        <p:style>
+          <a:lnRef idx="0"/>
+          <a:fillRef idx="0"/>
+          <a:effectRef idx="0"/>
+          <a:fontRef idx="minor"/>
+        </p:style>
+        <p:txBody>
+          <a:bodyPr lIns="90000" rIns="90000" tIns="45000" bIns="45000" anchor="ctr">
+            <a:noAutofit/>
+          </a:bodyPr>
+          <a:p>
+            <a:pPr algn="ctr">
+              <a:lnSpc>
+                <a:spcPct val="100000"/>
+              </a:lnSpc>
+              <a:buNone/>
+            </a:pPr>
+            <a:r>
+              <a:rPr b="0" lang="en-DK" sz="1800" spc="-1" strike="noStrike">
+                <a:solidFill>
+                  <a:srgbClr val="000000"/>
+                </a:solidFill>
+                <a:latin typeface="Arial"/>
+                <a:ea typeface="DejaVu Sans"/>
+              </a:rPr>
+              <a:t>Subject</a:t>
+            </a:r>
+            <a:endParaRPr b="0" lang="en-DK" sz="1800" spc="-1" strike="noStrike">
+              <a:latin typeface="Arial"/>
+            </a:endParaRPr>
+          </a:p>
+        </p:txBody>
+      </p:sp>
+    </p:spTree>
+  </p:cSld>
+  <mc:AlternateContent>
+    <mc:Choice Requires="p14">
+      <p:transition spd="slow" p14:dur="2000"/>
+    </mc:Choice>
+    <mc:Fallback>
+      <p:transition spd="slow"/>
+    </mc:Fallback>
+  </mc:AlternateContent>
+</p:sld>
+</file>
+
+<file path=ppt/slides/slide39.xml><?xml version="1.0" encoding="utf-8"?>
+<p:sld xmlns:a="http://schemas.openxmlformats.org/drawingml/2006/main" xmlns:p="http://schemas.openxmlformats.org/presentationml/2006/main" xmlns:r="http://schemas.openxmlformats.org/officeDocument/2006/relationships" xmlns:p14="http://schemas.microsoft.com/office/powerpoint/2010/main" xmlns:p15="http://schemas.microsoft.com/office/powerpoint/2012/main" xmlns:mc="http://schemas.openxmlformats.org/markup-compatibility/2006">
+  <p:cSld>
+    <p:spTree>
+      <p:nvGrpSpPr>
+        <p:cNvPr id="1" name=""/>
+        <p:cNvGrpSpPr/>
+        <p:nvPr/>
+      </p:nvGrpSpPr>
+      <p:grpSpPr>
+        <a:xfrm>
+          <a:off x="0" y="0"/>
+          <a:ext cx="0" cy="0"/>
+          <a:chOff x="0" y="0"/>
+          <a:chExt cx="0" cy="0"/>
+        </a:xfrm>
+      </p:grpSpPr>
+      <p:sp>
+        <p:nvSpPr>
+          <p:cNvPr id="476" name="PlaceHolder 1"/>
+          <p:cNvSpPr>
+            <a:spLocks noGrp="1"/>
+          </p:cNvSpPr>
+          <p:nvPr>
+            <p:ph type="title"/>
+          </p:nvPr>
+        </p:nvSpPr>
+        <p:spPr>
+          <a:xfrm>
+            <a:off x="316080" y="149040"/>
+            <a:ext cx="11554920" cy="569520"/>
+          </a:xfrm>
+          <a:prstGeom prst="rect">
+            <a:avLst/>
+          </a:prstGeom>
+          <a:noFill/>
+          <a:ln w="9360">
+            <a:noFill/>
+          </a:ln>
+        </p:spPr>
+        <p:txBody>
+          <a:bodyPr numCol="1" spcCol="0" lIns="0" rIns="0" tIns="0" bIns="0" anchor="b">
+            <a:noAutofit/>
+          </a:bodyPr>
+          <a:p>
+            <a:pPr>
+              <a:lnSpc>
+                <a:spcPct val="90000"/>
+              </a:lnSpc>
+              <a:buNone/>
+            </a:pPr>
+            <a:r>
+              <a:rPr b="0" lang="en-US" sz="4800" spc="-1" strike="noStrike">
+                <a:solidFill>
+                  <a:srgbClr val="000000"/>
+                </a:solidFill>
+                <a:latin typeface="AU Passata"/>
+                <a:ea typeface="DejaVu Sans"/>
+              </a:rPr>
+              <a:t>Smart X</a:t>
+            </a:r>
+            <a:endParaRPr b="0" lang="en-DK" sz="4800" spc="-1" strike="noStrike">
+              <a:latin typeface="Arial"/>
+            </a:endParaRPr>
+          </a:p>
+        </p:txBody>
+      </p:sp>
+      <p:sp>
+        <p:nvSpPr>
+          <p:cNvPr id="477" name="PlaceHolder 2"/>
           <p:cNvSpPr>
             <a:spLocks noGrp="1"/>
           </p:cNvSpPr>
@@ -24299,7 +24900,7 @@
         <p:spPr>
           <a:xfrm>
             <a:off x="330480" y="1867680"/>
-            <a:ext cx="5108400" cy="4242960"/>
+            <a:ext cx="5108040" cy="4242600"/>
           </a:xfrm>
           <a:prstGeom prst="rect">
             <a:avLst/>
@@ -24336,56 +24937,36 @@
                 <a:latin typeface="AU Passata"/>
                 <a:ea typeface="DejaVu Sans"/>
               </a:rPr>
-              <a:t>Distributed</a:t>
+              <a:t>Combination → Intelligent Environment</a:t>
             </a:r>
             <a:endParaRPr b="0" lang="en-DK" sz="2000" spc="-1" strike="noStrike">
               <a:latin typeface="Arial"/>
             </a:endParaRPr>
           </a:p>
           <a:p>
-            <a:pPr marL="432000" indent="-324000">
+            <a:pPr>
               <a:lnSpc>
                 <a:spcPct val="90000"/>
               </a:lnSpc>
               <a:spcBef>
                 <a:spcPts val="1417"/>
               </a:spcBef>
-              <a:buClr>
-                <a:srgbClr val="000000"/>
-              </a:buClr>
-              <a:buSzPct val="45000"/>
-              <a:buFont typeface="Wingdings" charset="2"/>
-              <a:buChar char=""/>
-            </a:pPr>
-            <a:endParaRPr b="0" lang="en-DK" sz="2000" spc="-1" strike="noStrike">
-              <a:latin typeface="Arial"/>
-            </a:endParaRPr>
-          </a:p>
-          <a:p>
-            <a:pPr marL="432000" indent="-324000">
+              <a:buNone/>
+            </a:pPr>
+            <a:endParaRPr b="0" lang="en-DK" sz="2000" spc="-1" strike="noStrike">
+              <a:latin typeface="Arial"/>
+            </a:endParaRPr>
+          </a:p>
+          <a:p>
+            <a:pPr>
               <a:lnSpc>
                 <a:spcPct val="90000"/>
               </a:lnSpc>
               <a:spcBef>
                 <a:spcPts val="1417"/>
               </a:spcBef>
-              <a:buClr>
-                <a:srgbClr val="000000"/>
-              </a:buClr>
-              <a:buSzPct val="45000"/>
-              <a:buFont typeface="Wingdings" charset="2"/>
-              <a:buChar char=""/>
-            </a:pPr>
-            <a:r>
-              <a:rPr b="0" lang="en-US" sz="2000" spc="-1" strike="noStrike">
-                <a:solidFill>
-                  <a:srgbClr val="000000"/>
-                </a:solidFill>
-                <a:latin typeface="AU Passata"/>
-                <a:ea typeface="DejaVu Sans"/>
-              </a:rPr>
-              <a:t>Zero Conf.</a:t>
-            </a:r>
+              <a:buNone/>
+            </a:pPr>
             <a:endParaRPr b="0" lang="en-DK" sz="2000" spc="-1" strike="noStrike">
               <a:latin typeface="Arial"/>
             </a:endParaRPr>
@@ -24432,46 +25013,18 @@
               <a:latin typeface="Arial"/>
             </a:endParaRPr>
           </a:p>
-          <a:p>
-            <a:pPr>
-              <a:lnSpc>
-                <a:spcPct val="90000"/>
-              </a:lnSpc>
-              <a:spcBef>
-                <a:spcPts val="1417"/>
-              </a:spcBef>
-              <a:buNone/>
-            </a:pPr>
-            <a:endParaRPr b="0" lang="en-DK" sz="2000" spc="-1" strike="noStrike">
-              <a:latin typeface="Arial"/>
-            </a:endParaRPr>
-          </a:p>
-          <a:p>
-            <a:pPr>
-              <a:lnSpc>
-                <a:spcPct val="90000"/>
-              </a:lnSpc>
-              <a:spcBef>
-                <a:spcPts val="1417"/>
-              </a:spcBef>
-              <a:buNone/>
-            </a:pPr>
-            <a:endParaRPr b="0" lang="en-DK" sz="2000" spc="-1" strike="noStrike">
-              <a:latin typeface="Arial"/>
-            </a:endParaRPr>
-          </a:p>
-        </p:txBody>
-      </p:sp>
-      <p:sp>
-        <p:nvSpPr>
-          <p:cNvPr id="476" name="AutoShape 7"/>
+        </p:txBody>
+      </p:sp>
+      <p:sp>
+        <p:nvSpPr>
+          <p:cNvPr id="478" name="AutoShape 5"/>
           <p:cNvSpPr/>
           <p:nvPr/>
         </p:nvSpPr>
         <p:spPr>
           <a:xfrm>
             <a:off x="5942160" y="3276720"/>
-            <a:ext cx="303480" cy="303480"/>
+            <a:ext cx="303120" cy="303120"/>
           </a:xfrm>
           <a:prstGeom prst="rect">
             <a:avLst/>
@@ -24490,7 +25043,7 @@
       </p:sp>
       <p:pic>
         <p:nvPicPr>
-          <p:cNvPr id="477" name="Picture 8" descr=""/>
+          <p:cNvPr id="479" name="Picture 5" descr=""/>
           <p:cNvPicPr/>
           <p:nvPr/>
         </p:nvPicPr>
@@ -24500,8 +25053,31 @@
         </p:blipFill>
         <p:spPr>
           <a:xfrm>
-            <a:off x="5105160" y="1994760"/>
-            <a:ext cx="5874480" cy="3224880"/>
+            <a:off x="662040" y="3395160"/>
+            <a:ext cx="4478760" cy="2715120"/>
+          </a:xfrm>
+          <a:prstGeom prst="rect">
+            <a:avLst/>
+          </a:prstGeom>
+          <a:ln w="0">
+            <a:noFill/>
+          </a:ln>
+        </p:spPr>
+      </p:pic>
+      <p:pic>
+        <p:nvPicPr>
+          <p:cNvPr id="480" name="Picture 7" descr="Smart DEI Model @BULLET Autonomy: Where computers act independent of... |  Download Scientific Diagram"/>
+          <p:cNvPicPr/>
+          <p:nvPr/>
+        </p:nvPicPr>
+        <p:blipFill>
+          <a:blip r:embed="rId2"/>
+          <a:stretch/>
+        </p:blipFill>
+        <p:spPr>
+          <a:xfrm>
+            <a:off x="5580000" y="500400"/>
+            <a:ext cx="4859280" cy="3638880"/>
           </a:xfrm>
           <a:prstGeom prst="rect">
             <a:avLst/>
@@ -24554,7 +25130,7 @@
         <p:spPr>
           <a:xfrm>
             <a:off x="316080" y="228600"/>
-            <a:ext cx="11554200" cy="750240"/>
+            <a:ext cx="11553840" cy="749880"/>
           </a:xfrm>
           <a:prstGeom prst="rect">
             <a:avLst/>
@@ -24604,7 +25180,7 @@
         <p:spPr>
           <a:xfrm>
             <a:off x="985680" y="1373040"/>
-            <a:ext cx="10218600" cy="4519440"/>
+            <a:ext cx="10218240" cy="4519080"/>
           </a:xfrm>
           <a:prstGeom prst="rect">
             <a:avLst/>
@@ -24720,7 +25296,7 @@
         <p:spPr>
           <a:xfrm>
             <a:off x="5220000" y="1080000"/>
-            <a:ext cx="2360520" cy="274320"/>
+            <a:ext cx="2360160" cy="273960"/>
           </a:xfrm>
           <a:prstGeom prst="rect">
             <a:avLst/>
@@ -24743,7 +25319,7 @@
         <p:spPr>
           <a:xfrm>
             <a:off x="5155200" y="1467000"/>
-            <a:ext cx="3303360" cy="331560"/>
+            <a:ext cx="3303000" cy="331200"/>
           </a:xfrm>
           <a:prstGeom prst="rect">
             <a:avLst/>
@@ -24766,7 +25342,7 @@
         <p:spPr>
           <a:xfrm>
             <a:off x="5220000" y="1922400"/>
-            <a:ext cx="2322360" cy="236160"/>
+            <a:ext cx="2322000" cy="235800"/>
           </a:xfrm>
           <a:prstGeom prst="rect">
             <a:avLst/>
@@ -24789,7 +25365,7 @@
         <p:spPr>
           <a:xfrm>
             <a:off x="720000" y="3060000"/>
-            <a:ext cx="4044600" cy="2644200"/>
+            <a:ext cx="4044240" cy="2643840"/>
           </a:xfrm>
           <a:prstGeom prst="rect">
             <a:avLst/>
@@ -24812,7 +25388,7 @@
         <p:spPr>
           <a:xfrm>
             <a:off x="5220000" y="2880000"/>
-            <a:ext cx="5203080" cy="2832480"/>
+            <a:ext cx="5202720" cy="2832120"/>
           </a:xfrm>
           <a:prstGeom prst="rect">
             <a:avLst/>
@@ -24835,7 +25411,437 @@
         <p:spPr>
           <a:xfrm>
             <a:off x="5220000" y="2340000"/>
-            <a:ext cx="6427440" cy="341280"/>
+            <a:ext cx="6427080" cy="340920"/>
+          </a:xfrm>
+          <a:prstGeom prst="rect">
+            <a:avLst/>
+          </a:prstGeom>
+          <a:ln w="0">
+            <a:noFill/>
+          </a:ln>
+        </p:spPr>
+      </p:pic>
+    </p:spTree>
+  </p:cSld>
+  <mc:AlternateContent>
+    <mc:Choice Requires="p14">
+      <p:transition spd="slow" p14:dur="2000"/>
+    </mc:Choice>
+    <mc:Fallback>
+      <p:transition spd="slow"/>
+    </mc:Fallback>
+  </mc:AlternateContent>
+</p:sld>
+</file>
+
+<file path=ppt/slides/slide40.xml><?xml version="1.0" encoding="utf-8"?>
+<p:sld xmlns:a="http://schemas.openxmlformats.org/drawingml/2006/main" xmlns:p="http://schemas.openxmlformats.org/presentationml/2006/main" xmlns:r="http://schemas.openxmlformats.org/officeDocument/2006/relationships" xmlns:p14="http://schemas.microsoft.com/office/powerpoint/2010/main" xmlns:p15="http://schemas.microsoft.com/office/powerpoint/2012/main" xmlns:mc="http://schemas.openxmlformats.org/markup-compatibility/2006">
+  <p:cSld>
+    <p:spTree>
+      <p:nvGrpSpPr>
+        <p:cNvPr id="1" name=""/>
+        <p:cNvGrpSpPr/>
+        <p:nvPr/>
+      </p:nvGrpSpPr>
+      <p:grpSpPr>
+        <a:xfrm>
+          <a:off x="0" y="0"/>
+          <a:ext cx="0" cy="0"/>
+          <a:chOff x="0" y="0"/>
+          <a:chExt cx="0" cy="0"/>
+        </a:xfrm>
+      </p:grpSpPr>
+      <p:sp>
+        <p:nvSpPr>
+          <p:cNvPr id="481" name="PlaceHolder 1"/>
+          <p:cNvSpPr>
+            <a:spLocks noGrp="1"/>
+          </p:cNvSpPr>
+          <p:nvPr>
+            <p:ph type="title"/>
+          </p:nvPr>
+        </p:nvSpPr>
+        <p:spPr>
+          <a:xfrm>
+            <a:off x="316080" y="149040"/>
+            <a:ext cx="11554920" cy="569520"/>
+          </a:xfrm>
+          <a:prstGeom prst="rect">
+            <a:avLst/>
+          </a:prstGeom>
+          <a:noFill/>
+          <a:ln w="9360">
+            <a:noFill/>
+          </a:ln>
+        </p:spPr>
+        <p:txBody>
+          <a:bodyPr numCol="1" spcCol="0" lIns="0" rIns="0" tIns="0" bIns="0" anchor="b">
+            <a:noAutofit/>
+          </a:bodyPr>
+          <a:p>
+            <a:pPr>
+              <a:lnSpc>
+                <a:spcPct val="90000"/>
+              </a:lnSpc>
+              <a:buNone/>
+            </a:pPr>
+            <a:r>
+              <a:rPr b="0" lang="en-US" sz="4800" spc="-1" strike="noStrike">
+                <a:solidFill>
+                  <a:srgbClr val="000000"/>
+                </a:solidFill>
+                <a:latin typeface="AU Passata"/>
+                <a:ea typeface="DejaVu Sans"/>
+              </a:rPr>
+              <a:t>Intelligent System</a:t>
+            </a:r>
+            <a:endParaRPr b="0" lang="en-DK" sz="4800" spc="-1" strike="noStrike">
+              <a:latin typeface="Arial"/>
+            </a:endParaRPr>
+          </a:p>
+        </p:txBody>
+      </p:sp>
+      <p:sp>
+        <p:nvSpPr>
+          <p:cNvPr id="482" name="PlaceHolder 2"/>
+          <p:cNvSpPr>
+            <a:spLocks noGrp="1"/>
+          </p:cNvSpPr>
+          <p:nvPr>
+            <p:ph/>
+          </p:nvPr>
+        </p:nvSpPr>
+        <p:spPr>
+          <a:xfrm>
+            <a:off x="330480" y="1867680"/>
+            <a:ext cx="5108040" cy="4242600"/>
+          </a:xfrm>
+          <a:prstGeom prst="rect">
+            <a:avLst/>
+          </a:prstGeom>
+          <a:noFill/>
+          <a:ln w="9360">
+            <a:noFill/>
+          </a:ln>
+        </p:spPr>
+        <p:txBody>
+          <a:bodyPr numCol="1" spcCol="0" lIns="0" rIns="0" tIns="0" bIns="0" anchor="t">
+            <a:noAutofit/>
+          </a:bodyPr>
+          <a:p>
+            <a:pPr marL="432000" indent="-324000">
+              <a:lnSpc>
+                <a:spcPct val="90000"/>
+              </a:lnSpc>
+              <a:spcBef>
+                <a:spcPts val="1417"/>
+              </a:spcBef>
+              <a:buClr>
+                <a:srgbClr val="000000"/>
+              </a:buClr>
+              <a:buSzPct val="45000"/>
+              <a:buFont typeface="Wingdings" charset="2"/>
+              <a:buChar char=""/>
+            </a:pPr>
+            <a:r>
+              <a:rPr b="0" lang="en-US" sz="2000" spc="-1" strike="noStrike">
+                <a:solidFill>
+                  <a:srgbClr val="000000"/>
+                </a:solidFill>
+                <a:latin typeface="AU Passata"/>
+                <a:ea typeface="DejaVu Sans"/>
+              </a:rPr>
+              <a:t>Distributed</a:t>
+            </a:r>
+            <a:endParaRPr b="0" lang="en-DK" sz="2000" spc="-1" strike="noStrike">
+              <a:latin typeface="Arial"/>
+            </a:endParaRPr>
+          </a:p>
+          <a:p>
+            <a:pPr marL="432000" indent="-324000">
+              <a:lnSpc>
+                <a:spcPct val="90000"/>
+              </a:lnSpc>
+              <a:spcBef>
+                <a:spcPts val="1417"/>
+              </a:spcBef>
+              <a:buClr>
+                <a:srgbClr val="000000"/>
+              </a:buClr>
+              <a:buSzPct val="45000"/>
+              <a:buFont typeface="Wingdings" charset="2"/>
+              <a:buChar char=""/>
+            </a:pPr>
+            <a:r>
+              <a:rPr b="0" lang="en-US" sz="2000" spc="-1" strike="noStrike">
+                <a:solidFill>
+                  <a:srgbClr val="000000"/>
+                </a:solidFill>
+                <a:latin typeface="AU Passata"/>
+                <a:ea typeface="DejaVu Sans"/>
+              </a:rPr>
+              <a:t>Environment</a:t>
+            </a:r>
+            <a:endParaRPr b="0" lang="en-DK" sz="2000" spc="-1" strike="noStrike">
+              <a:latin typeface="Arial"/>
+            </a:endParaRPr>
+          </a:p>
+          <a:p>
+            <a:pPr marL="432000" indent="-324000">
+              <a:lnSpc>
+                <a:spcPct val="90000"/>
+              </a:lnSpc>
+              <a:spcBef>
+                <a:spcPts val="1417"/>
+              </a:spcBef>
+              <a:buClr>
+                <a:srgbClr val="000000"/>
+              </a:buClr>
+              <a:buSzPct val="45000"/>
+              <a:buFont typeface="Wingdings" charset="2"/>
+              <a:buChar char=""/>
+            </a:pPr>
+            <a:r>
+              <a:rPr b="0" lang="en-US" sz="2000" spc="-1" strike="noStrike">
+                <a:solidFill>
+                  <a:srgbClr val="000000"/>
+                </a:solidFill>
+                <a:latin typeface="AU Passata"/>
+                <a:ea typeface="DejaVu Sans"/>
+              </a:rPr>
+              <a:t>Interaction</a:t>
+            </a:r>
+            <a:endParaRPr b="0" lang="en-DK" sz="2000" spc="-1" strike="noStrike">
+              <a:latin typeface="Arial"/>
+            </a:endParaRPr>
+          </a:p>
+          <a:p>
+            <a:pPr marL="432000" indent="-324000">
+              <a:lnSpc>
+                <a:spcPct val="90000"/>
+              </a:lnSpc>
+              <a:spcBef>
+                <a:spcPts val="1417"/>
+              </a:spcBef>
+              <a:buClr>
+                <a:srgbClr val="000000"/>
+              </a:buClr>
+              <a:buSzPct val="45000"/>
+              <a:buFont typeface="Wingdings" charset="2"/>
+              <a:buChar char=""/>
+            </a:pPr>
+            <a:r>
+              <a:rPr b="0" lang="en-US" sz="2000" spc="-1" strike="noStrike">
+                <a:solidFill>
+                  <a:srgbClr val="000000"/>
+                </a:solidFill>
+                <a:latin typeface="AU Passata"/>
+                <a:ea typeface="DejaVu Sans"/>
+              </a:rPr>
+              <a:t>Context</a:t>
+            </a:r>
+            <a:endParaRPr b="0" lang="en-DK" sz="2000" spc="-1" strike="noStrike">
+              <a:latin typeface="Arial"/>
+            </a:endParaRPr>
+          </a:p>
+          <a:p>
+            <a:pPr marL="432000" indent="-324000">
+              <a:lnSpc>
+                <a:spcPct val="90000"/>
+              </a:lnSpc>
+              <a:spcBef>
+                <a:spcPts val="1417"/>
+              </a:spcBef>
+              <a:buClr>
+                <a:srgbClr val="000000"/>
+              </a:buClr>
+              <a:buSzPct val="45000"/>
+              <a:buFont typeface="Wingdings" charset="2"/>
+              <a:buChar char=""/>
+            </a:pPr>
+            <a:endParaRPr b="0" lang="en-DK" sz="2000" spc="-1" strike="noStrike">
+              <a:latin typeface="Arial"/>
+            </a:endParaRPr>
+          </a:p>
+          <a:p>
+            <a:pPr marL="432000" indent="-324000">
+              <a:lnSpc>
+                <a:spcPct val="90000"/>
+              </a:lnSpc>
+              <a:spcBef>
+                <a:spcPts val="1417"/>
+              </a:spcBef>
+              <a:buClr>
+                <a:srgbClr val="000000"/>
+              </a:buClr>
+              <a:buSzPct val="45000"/>
+              <a:buFont typeface="Wingdings" charset="2"/>
+              <a:buChar char=""/>
+            </a:pPr>
+            <a:endParaRPr b="0" lang="en-DK" sz="2000" spc="-1" strike="noStrike">
+              <a:latin typeface="Arial"/>
+            </a:endParaRPr>
+          </a:p>
+          <a:p>
+            <a:pPr marL="432000" indent="-324000">
+              <a:lnSpc>
+                <a:spcPct val="90000"/>
+              </a:lnSpc>
+              <a:spcBef>
+                <a:spcPts val="1417"/>
+              </a:spcBef>
+              <a:buClr>
+                <a:srgbClr val="000000"/>
+              </a:buClr>
+              <a:buSzPct val="45000"/>
+              <a:buFont typeface="Wingdings" charset="2"/>
+              <a:buChar char=""/>
+            </a:pPr>
+            <a:r>
+              <a:rPr b="0" lang="en-US" sz="2000" spc="-1" strike="noStrike">
+                <a:solidFill>
+                  <a:srgbClr val="000000"/>
+                </a:solidFill>
+                <a:latin typeface="AU Passata"/>
+                <a:ea typeface="DejaVu Sans"/>
+              </a:rPr>
+              <a:t>Zero Conf.</a:t>
+            </a:r>
+            <a:endParaRPr b="0" lang="en-DK" sz="2000" spc="-1" strike="noStrike">
+              <a:latin typeface="Arial"/>
+            </a:endParaRPr>
+          </a:p>
+          <a:p>
+            <a:pPr marL="432000" indent="-324000">
+              <a:lnSpc>
+                <a:spcPct val="90000"/>
+              </a:lnSpc>
+              <a:spcBef>
+                <a:spcPts val="1417"/>
+              </a:spcBef>
+              <a:buClr>
+                <a:srgbClr val="000000"/>
+              </a:buClr>
+              <a:buSzPct val="45000"/>
+              <a:buFont typeface="Wingdings" charset="2"/>
+              <a:buChar char=""/>
+            </a:pPr>
+            <a:endParaRPr b="0" lang="en-DK" sz="2000" spc="-1" strike="noStrike">
+              <a:latin typeface="Arial"/>
+            </a:endParaRPr>
+          </a:p>
+          <a:p>
+            <a:pPr>
+              <a:lnSpc>
+                <a:spcPct val="90000"/>
+              </a:lnSpc>
+              <a:spcBef>
+                <a:spcPts val="1417"/>
+              </a:spcBef>
+              <a:buNone/>
+            </a:pPr>
+            <a:endParaRPr b="0" lang="en-DK" sz="2000" spc="-1" strike="noStrike">
+              <a:latin typeface="Arial"/>
+            </a:endParaRPr>
+          </a:p>
+          <a:p>
+            <a:pPr>
+              <a:lnSpc>
+                <a:spcPct val="90000"/>
+              </a:lnSpc>
+              <a:spcBef>
+                <a:spcPts val="1417"/>
+              </a:spcBef>
+              <a:buNone/>
+            </a:pPr>
+            <a:endParaRPr b="0" lang="en-DK" sz="2000" spc="-1" strike="noStrike">
+              <a:latin typeface="Arial"/>
+            </a:endParaRPr>
+          </a:p>
+          <a:p>
+            <a:pPr>
+              <a:lnSpc>
+                <a:spcPct val="90000"/>
+              </a:lnSpc>
+              <a:spcBef>
+                <a:spcPts val="1417"/>
+              </a:spcBef>
+              <a:buNone/>
+            </a:pPr>
+            <a:endParaRPr b="0" lang="en-DK" sz="2000" spc="-1" strike="noStrike">
+              <a:latin typeface="Arial"/>
+            </a:endParaRPr>
+          </a:p>
+          <a:p>
+            <a:pPr>
+              <a:lnSpc>
+                <a:spcPct val="90000"/>
+              </a:lnSpc>
+              <a:spcBef>
+                <a:spcPts val="1417"/>
+              </a:spcBef>
+              <a:buNone/>
+            </a:pPr>
+            <a:endParaRPr b="0" lang="en-DK" sz="2000" spc="-1" strike="noStrike">
+              <a:latin typeface="Arial"/>
+            </a:endParaRPr>
+          </a:p>
+          <a:p>
+            <a:pPr>
+              <a:lnSpc>
+                <a:spcPct val="90000"/>
+              </a:lnSpc>
+              <a:spcBef>
+                <a:spcPts val="1417"/>
+              </a:spcBef>
+              <a:buNone/>
+            </a:pPr>
+            <a:endParaRPr b="0" lang="en-DK" sz="2000" spc="-1" strike="noStrike">
+              <a:latin typeface="Arial"/>
+            </a:endParaRPr>
+          </a:p>
+        </p:txBody>
+      </p:sp>
+      <p:sp>
+        <p:nvSpPr>
+          <p:cNvPr id="483" name="AutoShape 7"/>
+          <p:cNvSpPr/>
+          <p:nvPr/>
+        </p:nvSpPr>
+        <p:spPr>
+          <a:xfrm>
+            <a:off x="5942160" y="3276720"/>
+            <a:ext cx="303120" cy="303120"/>
+          </a:xfrm>
+          <a:prstGeom prst="rect">
+            <a:avLst/>
+          </a:prstGeom>
+          <a:noFill/>
+          <a:ln w="0">
+            <a:noFill/>
+          </a:ln>
+        </p:spPr>
+        <p:style>
+          <a:lnRef idx="0"/>
+          <a:fillRef idx="0"/>
+          <a:effectRef idx="0"/>
+          <a:fontRef idx="minor"/>
+        </p:style>
+      </p:sp>
+      <p:pic>
+        <p:nvPicPr>
+          <p:cNvPr id="484" name="" descr=""/>
+          <p:cNvPicPr/>
+          <p:nvPr/>
+        </p:nvPicPr>
+        <p:blipFill>
+          <a:blip r:embed="rId1"/>
+          <a:stretch/>
+        </p:blipFill>
+        <p:spPr>
+          <a:xfrm>
+            <a:off x="4760640" y="1287360"/>
+            <a:ext cx="5679360" cy="3932640"/>
           </a:xfrm>
           <a:prstGeom prst="rect">
             <a:avLst/>
@@ -24888,7 +25894,7 @@
         <p:spPr>
           <a:xfrm>
             <a:off x="316080" y="228600"/>
-            <a:ext cx="11554200" cy="750240"/>
+            <a:ext cx="11553840" cy="749880"/>
           </a:xfrm>
           <a:prstGeom prst="rect">
             <a:avLst/>
@@ -24938,7 +25944,7 @@
         <p:spPr>
           <a:xfrm>
             <a:off x="985680" y="1373040"/>
-            <a:ext cx="10218600" cy="4519440"/>
+            <a:ext cx="10218240" cy="4519080"/>
           </a:xfrm>
           <a:prstGeom prst="rect">
             <a:avLst/>
@@ -24996,7 +26002,7 @@
         <p:spPr>
           <a:xfrm>
             <a:off x="3909960" y="1621080"/>
-            <a:ext cx="7789680" cy="2179440"/>
+            <a:ext cx="7789320" cy="2179080"/>
           </a:xfrm>
           <a:prstGeom prst="rect">
             <a:avLst/>
@@ -25008,7 +26014,7 @@
       </p:pic>
       <p:pic>
         <p:nvPicPr>
-          <p:cNvPr id="352" name="Billede 362" descr=""/>
+          <p:cNvPr id="352" name="" descr=""/>
           <p:cNvPicPr/>
           <p:nvPr/>
         </p:nvPicPr>
@@ -25018,8 +26024,8 @@
         </p:blipFill>
         <p:spPr>
           <a:xfrm>
-            <a:off x="3960000" y="3960000"/>
-            <a:ext cx="4521240" cy="2173680"/>
+            <a:off x="4500000" y="3960000"/>
+            <a:ext cx="3600000" cy="2238120"/>
           </a:xfrm>
           <a:prstGeom prst="rect">
             <a:avLst/>
@@ -25079,7 +26085,7 @@
         <p:spPr>
           <a:xfrm>
             <a:off x="985680" y="2898000"/>
-            <a:ext cx="10218960" cy="829440"/>
+            <a:ext cx="10218600" cy="829080"/>
           </a:xfrm>
           <a:prstGeom prst="rect">
             <a:avLst/>
@@ -25158,7 +26164,7 @@
         <p:spPr>
           <a:xfrm>
             <a:off x="316080" y="149040"/>
-            <a:ext cx="11555280" cy="569880"/>
+            <a:ext cx="11554920" cy="569520"/>
           </a:xfrm>
           <a:prstGeom prst="rect">
             <a:avLst/>
@@ -25208,7 +26214,7 @@
         <p:spPr>
           <a:xfrm>
             <a:off x="985680" y="1960200"/>
-            <a:ext cx="10218600" cy="3935520"/>
+            <a:ext cx="10218240" cy="3935160"/>
           </a:xfrm>
           <a:prstGeom prst="rect">
             <a:avLst/>
@@ -25437,7 +26443,7 @@
         <p:spPr>
           <a:xfrm>
             <a:off x="4901040" y="1080000"/>
-            <a:ext cx="5537520" cy="2878560"/>
+            <a:ext cx="5537160" cy="2878200"/>
           </a:xfrm>
           <a:prstGeom prst="rect">
             <a:avLst/>
@@ -25449,7 +26455,7 @@
       </p:pic>
       <p:pic>
         <p:nvPicPr>
-          <p:cNvPr id="357" name="Billede 367" descr=""/>
+          <p:cNvPr id="357" name="" descr=""/>
           <p:cNvPicPr/>
           <p:nvPr/>
         </p:nvPicPr>
@@ -25459,8 +26465,8 @@
         </p:blipFill>
         <p:spPr>
           <a:xfrm>
-            <a:off x="5040000" y="3780000"/>
-            <a:ext cx="3890160" cy="2338560"/>
+            <a:off x="5045400" y="4043880"/>
+            <a:ext cx="4314600" cy="2076120"/>
           </a:xfrm>
           <a:prstGeom prst="rect">
             <a:avLst/>
@@ -25513,7 +26519,7 @@
         <p:spPr>
           <a:xfrm>
             <a:off x="316080" y="149040"/>
-            <a:ext cx="11555280" cy="569880"/>
+            <a:ext cx="11554920" cy="569520"/>
           </a:xfrm>
           <a:prstGeom prst="rect">
             <a:avLst/>
@@ -25563,7 +26569,7 @@
         <p:spPr>
           <a:xfrm>
             <a:off x="985680" y="1960200"/>
-            <a:ext cx="10218600" cy="3935520"/>
+            <a:ext cx="10218240" cy="3935160"/>
           </a:xfrm>
           <a:prstGeom prst="rect">
             <a:avLst/>
@@ -25629,7 +26635,7 @@
                 <a:latin typeface="AU Passata"/>
                 <a:ea typeface="DejaVu Sans"/>
               </a:rPr>
-              <a:t>When?</a:t>
+              <a:t>General Approach</a:t>
             </a:r>
             <a:endParaRPr b="0" lang="en-DK" sz="2000" spc="-1" strike="noStrike">
               <a:latin typeface="Arial"/>
@@ -25658,7 +26664,7 @@
                 <a:latin typeface="AU Passata"/>
                 <a:ea typeface="DejaVu Sans"/>
               </a:rPr>
-              <a:t>Approach</a:t>
+              <a:t>When?</a:t>
             </a:r>
             <a:endParaRPr b="0" lang="en-DK" sz="2000" spc="-1" strike="noStrike">
               <a:latin typeface="Arial"/>
@@ -25765,6 +26771,29 @@
           </a:p>
         </p:txBody>
       </p:sp>
+      <p:pic>
+        <p:nvPicPr>
+          <p:cNvPr id="360" name="" descr=""/>
+          <p:cNvPicPr/>
+          <p:nvPr/>
+        </p:nvPicPr>
+        <p:blipFill>
+          <a:blip r:embed="rId1"/>
+          <a:stretch/>
+        </p:blipFill>
+        <p:spPr>
+          <a:xfrm>
+            <a:off x="5040000" y="1960200"/>
+            <a:ext cx="5913720" cy="3079800"/>
+          </a:xfrm>
+          <a:prstGeom prst="rect">
+            <a:avLst/>
+          </a:prstGeom>
+          <a:ln w="0">
+            <a:noFill/>
+          </a:ln>
+        </p:spPr>
+      </p:pic>
     </p:spTree>
   </p:cSld>
   <mc:AlternateContent>
@@ -25797,7 +26826,7 @@
       </p:grpSpPr>
       <p:sp>
         <p:nvSpPr>
-          <p:cNvPr id="360" name="PlaceHolder 1"/>
+          <p:cNvPr id="361" name="PlaceHolder 1"/>
           <p:cNvSpPr>
             <a:spLocks noGrp="1"/>
           </p:cNvSpPr>
@@ -25808,7 +26837,7 @@
         <p:spPr>
           <a:xfrm>
             <a:off x="316080" y="149040"/>
-            <a:ext cx="11555280" cy="569880"/>
+            <a:ext cx="11554920" cy="569520"/>
           </a:xfrm>
           <a:prstGeom prst="rect">
             <a:avLst/>
@@ -25847,7 +26876,7 @@
       </p:sp>
       <p:sp>
         <p:nvSpPr>
-          <p:cNvPr id="361" name="PlaceHolder 2"/>
+          <p:cNvPr id="362" name="PlaceHolder 2"/>
           <p:cNvSpPr>
             <a:spLocks noGrp="1"/>
           </p:cNvSpPr>
@@ -25858,7 +26887,7 @@
         <p:spPr>
           <a:xfrm>
             <a:off x="985680" y="1960200"/>
-            <a:ext cx="10218600" cy="3935520"/>
+            <a:ext cx="10218240" cy="3935160"/>
           </a:xfrm>
           <a:prstGeom prst="rect">
             <a:avLst/>
@@ -25931,6 +26960,35 @@
             </a:endParaRPr>
           </a:p>
           <a:p>
+            <a:pPr marL="432000" indent="-324000">
+              <a:lnSpc>
+                <a:spcPct val="90000"/>
+              </a:lnSpc>
+              <a:spcBef>
+                <a:spcPts val="1417"/>
+              </a:spcBef>
+              <a:buClr>
+                <a:srgbClr val="000000"/>
+              </a:buClr>
+              <a:buSzPct val="45000"/>
+              <a:buFont typeface="Wingdings" charset="2"/>
+              <a:buChar char=""/>
+            </a:pPr>
+            <a:r>
+              <a:rPr b="0" lang="en-US" sz="2000" spc="-1" strike="noStrike">
+                <a:solidFill>
+                  <a:srgbClr val="000000"/>
+                </a:solidFill>
+                <a:latin typeface="AU Passata"/>
+                <a:ea typeface="DejaVu Sans"/>
+              </a:rPr>
+              <a:t>Message Complexicity</a:t>
+            </a:r>
+            <a:endParaRPr b="0" lang="en-DK" sz="2000" spc="-1" strike="noStrike">
+              <a:latin typeface="Arial"/>
+            </a:endParaRPr>
+          </a:p>
+          <a:p>
             <a:pPr>
               <a:lnSpc>
                 <a:spcPct val="90000"/>
@@ -26004,7 +27062,7 @@
       </p:sp>
       <p:pic>
         <p:nvPicPr>
-          <p:cNvPr id="362" name="Billede 372" descr=""/>
+          <p:cNvPr id="363" name="Billede 372" descr=""/>
           <p:cNvPicPr/>
           <p:nvPr/>
         </p:nvPicPr>
@@ -26015,7 +27073,7 @@
         <p:spPr>
           <a:xfrm>
             <a:off x="6120000" y="3960000"/>
-            <a:ext cx="4636800" cy="2046240"/>
+            <a:ext cx="4636440" cy="2045880"/>
           </a:xfrm>
           <a:prstGeom prst="rect">
             <a:avLst/>
@@ -26027,7 +27085,7 @@
       </p:pic>
       <p:pic>
         <p:nvPicPr>
-          <p:cNvPr id="363" name="Billede 373" descr=""/>
+          <p:cNvPr id="364" name="Billede 373" descr=""/>
           <p:cNvPicPr/>
           <p:nvPr/>
         </p:nvPicPr>
@@ -26037,8 +27095,31 @@
         </p:blipFill>
         <p:spPr>
           <a:xfrm>
-            <a:off x="5860800" y="1006560"/>
-            <a:ext cx="5343480" cy="2592000"/>
+            <a:off x="5580000" y="360000"/>
+            <a:ext cx="5343120" cy="2591640"/>
+          </a:xfrm>
+          <a:prstGeom prst="rect">
+            <a:avLst/>
+          </a:prstGeom>
+          <a:ln w="0">
+            <a:noFill/>
+          </a:ln>
+        </p:spPr>
+      </p:pic>
+      <p:pic>
+        <p:nvPicPr>
+          <p:cNvPr id="365" name="" descr=""/>
+          <p:cNvPicPr/>
+          <p:nvPr/>
+        </p:nvPicPr>
+        <p:blipFill>
+          <a:blip r:embed="rId3"/>
+          <a:stretch/>
+        </p:blipFill>
+        <p:spPr>
+          <a:xfrm>
+            <a:off x="5760000" y="3060000"/>
+            <a:ext cx="3240000" cy="247680"/>
           </a:xfrm>
           <a:prstGeom prst="rect">
             <a:avLst/>
